--- a/产品大数据分析与建模/大数据分析与建模 - 函数与概念 第二-2讲 - 补充.pptx
+++ b/产品大数据分析与建模/大数据分析与建模 - 函数与概念 第二-2讲 - 补充.pptx
@@ -10587,7 +10587,7 @@
         <p:spPr>
           <a:xfrm>
             <a:off x="381319" y="1195437"/>
-            <a:ext cx="11429361" cy="707886"/>
+            <a:ext cx="11429361" cy="984885"/>
           </a:xfrm>
           <a:prstGeom prst="rect">
             <a:avLst/>
@@ -10624,6 +10624,21 @@
                 <a:srgbClr val="FF0000"/>
               </a:solidFill>
             </a:endParaRPr>
+          </a:p>
+          <a:p>
+            <a:r>
+              <a:rPr lang="zh-CN" altLang="en-US" dirty="0"/>
+              <a:t>对于模型权重系数</a:t>
+            </a:r>
+            <a:r>
+              <a:rPr lang="en-US" altLang="zh-CN" dirty="0"/>
+              <a:t>W</a:t>
+            </a:r>
+            <a:r>
+              <a:rPr lang="zh-CN" altLang="en-US" dirty="0"/>
+              <a:t>求解释通过最小化目标函数实现的，即求解：</a:t>
+            </a:r>
+            <a:endParaRPr lang="en-US" altLang="zh-CN" dirty="0"/>
           </a:p>
         </p:txBody>
       </p:sp>
@@ -10766,6 +10781,201 @@
             <a:endParaRPr lang="en-US" altLang="zh-CN" sz="2400" dirty="0">
               <a:latin typeface="Agency FB" panose="020B0503020202020204" pitchFamily="34" charset="0"/>
             </a:endParaRPr>
+          </a:p>
+        </p:txBody>
+      </p:sp>
+      <p:sp>
+        <p:nvSpPr>
+          <p:cNvPr id="5" name="AutoShape 2" descr="[公式]">
+            <a:extLst>
+              <a:ext uri="{FF2B5EF4-FFF2-40B4-BE49-F238E27FC236}">
+                <a16:creationId xmlns:a16="http://schemas.microsoft.com/office/drawing/2014/main" id="{96DA91C8-A8ED-4B96-A8D4-8874FBE73176}"/>
+              </a:ext>
+            </a:extLst>
+          </p:cNvPr>
+          <p:cNvSpPr>
+            <a:spLocks noChangeAspect="1" noChangeArrowheads="1"/>
+          </p:cNvSpPr>
+          <p:nvPr/>
+        </p:nvSpPr>
+        <p:spPr bwMode="auto">
+          <a:xfrm>
+            <a:off x="2019300" y="-144463"/>
+            <a:ext cx="304800" cy="304801"/>
+          </a:xfrm>
+          <a:prstGeom prst="rect">
+            <a:avLst/>
+          </a:prstGeom>
+          <a:noFill/>
+          <a:extLst>
+            <a:ext uri="{909E8E84-426E-40DD-AFC4-6F175D3DCCD1}">
+              <a14:hiddenFill xmlns:a14="http://schemas.microsoft.com/office/drawing/2010/main">
+                <a:solidFill>
+                  <a:srgbClr val="FFFFFF"/>
+                </a:solidFill>
+              </a14:hiddenFill>
+            </a:ext>
+          </a:extLst>
+        </p:spPr>
+        <p:txBody>
+          <a:bodyPr vert="horz" wrap="square" lIns="91440" tIns="45720" rIns="91440" bIns="45720" numCol="1" anchor="t" anchorCtr="0" compatLnSpc="1">
+            <a:prstTxWarp prst="textNoShape">
+              <a:avLst/>
+            </a:prstTxWarp>
+          </a:bodyPr>
+          <a:lstStyle/>
+          <a:p>
+            <a:endParaRPr lang="zh-CN" altLang="en-US"/>
+          </a:p>
+        </p:txBody>
+      </p:sp>
+      <p:pic>
+        <p:nvPicPr>
+          <p:cNvPr id="9" name="图片 8">
+            <a:extLst>
+              <a:ext uri="{FF2B5EF4-FFF2-40B4-BE49-F238E27FC236}">
+                <a16:creationId xmlns:a16="http://schemas.microsoft.com/office/drawing/2014/main" id="{A97C49D6-7BBC-49E6-8D82-46FF3882A098}"/>
+              </a:ext>
+            </a:extLst>
+          </p:cNvPr>
+          <p:cNvPicPr>
+            <a:picLocks noChangeAspect="1"/>
+          </p:cNvPicPr>
+          <p:nvPr/>
+        </p:nvPicPr>
+        <p:blipFill>
+          <a:blip r:embed="rId3">
+            <a:extLst>
+              <a:ext uri="{28A0092B-C50C-407E-A947-70E740481C1C}">
+                <a14:useLocalDpi xmlns:a14="http://schemas.microsoft.com/office/drawing/2010/main" val="0"/>
+              </a:ext>
+            </a:extLst>
+          </a:blip>
+          <a:stretch>
+            <a:fillRect/>
+          </a:stretch>
+        </p:blipFill>
+        <p:spPr>
+          <a:xfrm>
+            <a:off x="7104112" y="1661862"/>
+            <a:ext cx="1924319" cy="685896"/>
+          </a:xfrm>
+          <a:prstGeom prst="rect">
+            <a:avLst/>
+          </a:prstGeom>
+        </p:spPr>
+      </p:pic>
+      <p:sp>
+        <p:nvSpPr>
+          <p:cNvPr id="10" name="矩形 9">
+            <a:extLst>
+              <a:ext uri="{FF2B5EF4-FFF2-40B4-BE49-F238E27FC236}">
+                <a16:creationId xmlns:a16="http://schemas.microsoft.com/office/drawing/2014/main" id="{EB55C3B3-59FD-4FB1-847E-2F65690EA0E3}"/>
+              </a:ext>
+            </a:extLst>
+          </p:cNvPr>
+          <p:cNvSpPr/>
+          <p:nvPr/>
+        </p:nvSpPr>
+        <p:spPr>
+          <a:xfrm>
+            <a:off x="381319" y="2180322"/>
+            <a:ext cx="11619336" cy="923330"/>
+          </a:xfrm>
+          <a:prstGeom prst="rect">
+            <a:avLst/>
+          </a:prstGeom>
+        </p:spPr>
+        <p:txBody>
+          <a:bodyPr wrap="square">
+            <a:spAutoFit/>
+          </a:bodyPr>
+          <a:lstStyle/>
+          <a:p>
+            <a:r>
+              <a:rPr lang="zh-CN" altLang="en-US" dirty="0">
+                <a:solidFill>
+                  <a:srgbClr val="121212"/>
+                </a:solidFill>
+                <a:latin typeface="+mn-ea"/>
+              </a:rPr>
+              <a:t>通常情况下，模型复杂度与系数</a:t>
+            </a:r>
+            <a:r>
+              <a:rPr lang="en-US" altLang="zh-CN" dirty="0">
+                <a:solidFill>
+                  <a:srgbClr val="121212"/>
+                </a:solidFill>
+                <a:latin typeface="+mn-ea"/>
+              </a:rPr>
+              <a:t>W</a:t>
+            </a:r>
+            <a:r>
+              <a:rPr lang="zh-CN" altLang="en-US" dirty="0">
+                <a:latin typeface="+mn-ea"/>
+              </a:rPr>
+              <a:t>的个数成线性关系：即</a:t>
+            </a:r>
+            <a:r>
+              <a:rPr lang="en-US" altLang="zh-CN" dirty="0">
+                <a:latin typeface="+mn-ea"/>
+              </a:rPr>
+              <a:t>W</a:t>
+            </a:r>
+            <a:r>
+              <a:rPr lang="zh-CN" altLang="en-US" dirty="0">
+                <a:latin typeface="+mn-ea"/>
+              </a:rPr>
+              <a:t>数量越多，模型越复杂。因此，为了限制模型的复杂度，很自然的想法就是减少系数</a:t>
+            </a:r>
+            <a:r>
+              <a:rPr lang="en-US" altLang="zh-CN" dirty="0">
+                <a:latin typeface="+mn-ea"/>
+              </a:rPr>
+              <a:t>W</a:t>
+            </a:r>
+            <a:r>
+              <a:rPr lang="zh-CN" altLang="en-US" dirty="0">
+                <a:latin typeface="+mn-ea"/>
+              </a:rPr>
+              <a:t>的个数，即让</a:t>
+            </a:r>
+            <a:r>
+              <a:rPr lang="en-US" altLang="zh-CN" dirty="0">
+                <a:latin typeface="+mn-ea"/>
+              </a:rPr>
+              <a:t>W</a:t>
+            </a:r>
+            <a:r>
+              <a:rPr lang="zh-CN" altLang="en-US" dirty="0">
+                <a:latin typeface="+mn-ea"/>
+              </a:rPr>
+              <a:t>向量中一些元素为</a:t>
+            </a:r>
+            <a:r>
+              <a:rPr lang="en-US" altLang="zh-CN" dirty="0">
+                <a:latin typeface="+mn-ea"/>
+              </a:rPr>
+              <a:t>0</a:t>
+            </a:r>
+            <a:r>
+              <a:rPr lang="zh-CN" altLang="en-US" dirty="0">
+                <a:latin typeface="+mn-ea"/>
+              </a:rPr>
+              <a:t>或者说限制</a:t>
+            </a:r>
+            <a:r>
+              <a:rPr lang="en-US" altLang="zh-CN" dirty="0">
+                <a:latin typeface="+mn-ea"/>
+              </a:rPr>
+              <a:t>w</a:t>
+            </a:r>
+            <a:r>
+              <a:rPr lang="zh-CN" altLang="en-US" dirty="0">
+                <a:latin typeface="+mn-ea"/>
+              </a:rPr>
+              <a:t>中非零元素的数量。因此，我们可以在原优化问题中加入一个约束条件：  </a:t>
+            </a:r>
           </a:p>
         </p:txBody>
       </p:sp>

--- a/产品大数据分析与建模/大数据分析与建模 - 函数与概念 第二-2讲 - 补充.pptx
+++ b/产品大数据分析与建模/大数据分析与建模 - 函数与概念 第二-2讲 - 补充.pptx
@@ -5,7 +5,7 @@
     <p:sldMasterId id="2147483648" r:id="rId1"/>
   </p:sldMasterIdLst>
   <p:notesMasterIdLst>
-    <p:notesMasterId r:id="rId27"/>
+    <p:notesMasterId r:id="rId29"/>
   </p:notesMasterIdLst>
   <p:sldIdLst>
     <p:sldId id="281" r:id="rId2"/>
@@ -24,46 +24,48 @@
     <p:sldId id="405" r:id="rId15"/>
     <p:sldId id="406" r:id="rId16"/>
     <p:sldId id="402" r:id="rId17"/>
-    <p:sldId id="415" r:id="rId18"/>
-    <p:sldId id="416" r:id="rId19"/>
-    <p:sldId id="417" r:id="rId20"/>
-    <p:sldId id="418" r:id="rId21"/>
-    <p:sldId id="410" r:id="rId22"/>
-    <p:sldId id="407" r:id="rId23"/>
-    <p:sldId id="412" r:id="rId24"/>
-    <p:sldId id="413" r:id="rId25"/>
-    <p:sldId id="274" r:id="rId26"/>
+    <p:sldId id="420" r:id="rId18"/>
+    <p:sldId id="419" r:id="rId19"/>
+    <p:sldId id="415" r:id="rId20"/>
+    <p:sldId id="416" r:id="rId21"/>
+    <p:sldId id="417" r:id="rId22"/>
+    <p:sldId id="418" r:id="rId23"/>
+    <p:sldId id="410" r:id="rId24"/>
+    <p:sldId id="407" r:id="rId25"/>
+    <p:sldId id="412" r:id="rId26"/>
+    <p:sldId id="413" r:id="rId27"/>
+    <p:sldId id="274" r:id="rId28"/>
   </p:sldIdLst>
   <p:sldSz cx="12192000" cy="6858000"/>
   <p:notesSz cx="6858000" cy="9144000"/>
   <p:embeddedFontLst>
     <p:embeddedFont>
       <p:font typeface="迷你简幼线" panose="02010600030101010101" charset="-122"/>
-      <p:regular r:id="rId28"/>
+      <p:regular r:id="rId30"/>
     </p:embeddedFont>
     <p:embeddedFont>
-      <p:font typeface="Calibri" panose="020F0502020204030204" pitchFamily="34" charset="0"/>
-      <p:regular r:id="rId29"/>
-      <p:bold r:id="rId30"/>
-      <p:italic r:id="rId31"/>
-      <p:boldItalic r:id="rId32"/>
+      <p:font typeface="Agency FB" panose="020B0503020202020204" pitchFamily="34" charset="0"/>
+      <p:regular r:id="rId31"/>
+      <p:bold r:id="rId32"/>
     </p:embeddedFont>
     <p:embeddedFont>
       <p:font typeface="BankGothic Lt BT" panose="020B0607020203060204"/>
       <p:regular r:id="rId33"/>
     </p:embeddedFont>
     <p:embeddedFont>
-      <p:font typeface="Agency FB" panose="020B0503020202020204" pitchFamily="34" charset="0"/>
+      <p:font typeface="Calibri" panose="020F0502020204030204" pitchFamily="34" charset="0"/>
       <p:regular r:id="rId34"/>
       <p:bold r:id="rId35"/>
+      <p:italic r:id="rId36"/>
+      <p:boldItalic r:id="rId37"/>
     </p:embeddedFont>
     <p:embeddedFont>
       <p:font typeface="Cambria Math" panose="02040503050406030204" pitchFamily="18" charset="0"/>
-      <p:regular r:id="rId36"/>
+      <p:regular r:id="rId38"/>
     </p:embeddedFont>
   </p:embeddedFontLst>
   <p:custDataLst>
-    <p:tags r:id="rId37"/>
+    <p:tags r:id="rId39"/>
   </p:custDataLst>
   <p:defaultTextStyle>
     <a:defPPr>
@@ -261,7 +263,7 @@
           <a:p>
             <a:fld id="{015ED1EF-CE0C-4F5B-8D56-F992AB1193E6}" type="datetimeFigureOut">
               <a:rPr lang="zh-CN" altLang="en-US" smtClean="0"/>
-              <a:t>2020-10-23</a:t>
+              <a:t>2020/10/29</a:t>
             </a:fld>
             <a:endParaRPr lang="zh-CN" altLang="en-US"/>
           </a:p>
@@ -1274,7 +1276,7 @@
     </p:spTree>
     <p:extLst>
       <p:ext uri="{BB962C8B-B14F-4D97-AF65-F5344CB8AC3E}">
-        <p14:creationId xmlns:p14="http://schemas.microsoft.com/office/powerpoint/2010/main" val="3969757085"/>
+        <p14:creationId xmlns:p14="http://schemas.microsoft.com/office/powerpoint/2010/main" val="556393383"/>
       </p:ext>
     </p:extLst>
   </p:cSld>
@@ -1358,7 +1360,7 @@
     </p:spTree>
     <p:extLst>
       <p:ext uri="{BB962C8B-B14F-4D97-AF65-F5344CB8AC3E}">
-        <p14:creationId xmlns:p14="http://schemas.microsoft.com/office/powerpoint/2010/main" val="4153876341"/>
+        <p14:creationId xmlns:p14="http://schemas.microsoft.com/office/powerpoint/2010/main" val="4103032443"/>
       </p:ext>
     </p:extLst>
   </p:cSld>
@@ -1442,7 +1444,7 @@
     </p:spTree>
     <p:extLst>
       <p:ext uri="{BB962C8B-B14F-4D97-AF65-F5344CB8AC3E}">
-        <p14:creationId xmlns:p14="http://schemas.microsoft.com/office/powerpoint/2010/main" val="1644300526"/>
+        <p14:creationId xmlns:p14="http://schemas.microsoft.com/office/powerpoint/2010/main" val="3969757085"/>
       </p:ext>
     </p:extLst>
   </p:cSld>
@@ -1610,7 +1612,7 @@
     </p:spTree>
     <p:extLst>
       <p:ext uri="{BB962C8B-B14F-4D97-AF65-F5344CB8AC3E}">
-        <p14:creationId xmlns:p14="http://schemas.microsoft.com/office/powerpoint/2010/main" val="1835335997"/>
+        <p14:creationId xmlns:p14="http://schemas.microsoft.com/office/powerpoint/2010/main" val="4153876341"/>
       </p:ext>
     </p:extLst>
   </p:cSld>
@@ -1664,7 +1666,7 @@
           <a:bodyPr/>
           <a:lstStyle/>
           <a:p>
-            <a:endParaRPr lang="zh-CN" altLang="en-US"/>
+            <a:endParaRPr lang="zh-CN" altLang="en-US" dirty="0"/>
           </a:p>
         </p:txBody>
       </p:sp>
@@ -1694,7 +1696,7 @@
     </p:spTree>
     <p:extLst>
       <p:ext uri="{BB962C8B-B14F-4D97-AF65-F5344CB8AC3E}">
-        <p14:creationId xmlns:p14="http://schemas.microsoft.com/office/powerpoint/2010/main" val="1899179299"/>
+        <p14:creationId xmlns:p14="http://schemas.microsoft.com/office/powerpoint/2010/main" val="1644300526"/>
       </p:ext>
     </p:extLst>
   </p:cSld>
@@ -1778,7 +1780,7 @@
     </p:spTree>
     <p:extLst>
       <p:ext uri="{BB962C8B-B14F-4D97-AF65-F5344CB8AC3E}">
-        <p14:creationId xmlns:p14="http://schemas.microsoft.com/office/powerpoint/2010/main" val="4237413053"/>
+        <p14:creationId xmlns:p14="http://schemas.microsoft.com/office/powerpoint/2010/main" val="1835335997"/>
       </p:ext>
     </p:extLst>
   </p:cSld>
@@ -1832,7 +1834,7 @@
           <a:bodyPr/>
           <a:lstStyle/>
           <a:p>
-            <a:endParaRPr lang="zh-CN" altLang="en-US" dirty="0"/>
+            <a:endParaRPr lang="zh-CN" altLang="en-US"/>
           </a:p>
         </p:txBody>
       </p:sp>
@@ -1862,7 +1864,7 @@
     </p:spTree>
     <p:extLst>
       <p:ext uri="{BB962C8B-B14F-4D97-AF65-F5344CB8AC3E}">
-        <p14:creationId xmlns:p14="http://schemas.microsoft.com/office/powerpoint/2010/main" val="1595954748"/>
+        <p14:creationId xmlns:p14="http://schemas.microsoft.com/office/powerpoint/2010/main" val="1899179299"/>
       </p:ext>
     </p:extLst>
   </p:cSld>
@@ -1946,6 +1948,174 @@
     </p:spTree>
     <p:extLst>
       <p:ext uri="{BB962C8B-B14F-4D97-AF65-F5344CB8AC3E}">
+        <p14:creationId xmlns:p14="http://schemas.microsoft.com/office/powerpoint/2010/main" val="4237413053"/>
+      </p:ext>
+    </p:extLst>
+  </p:cSld>
+  <p:clrMapOvr>
+    <a:masterClrMapping/>
+  </p:clrMapOvr>
+</p:notes>
+</file>
+
+<file path=ppt/notesSlides/notesSlide25.xml><?xml version="1.0" encoding="utf-8"?>
+<p:notes xmlns:a="http://schemas.openxmlformats.org/drawingml/2006/main" xmlns:r="http://schemas.openxmlformats.org/officeDocument/2006/relationships" xmlns:p="http://schemas.openxmlformats.org/presentationml/2006/main">
+  <p:cSld>
+    <p:spTree>
+      <p:nvGrpSpPr>
+        <p:cNvPr id="1" name=""/>
+        <p:cNvGrpSpPr/>
+        <p:nvPr/>
+      </p:nvGrpSpPr>
+      <p:grpSpPr>
+        <a:xfrm>
+          <a:off x="0" y="0"/>
+          <a:ext cx="0" cy="0"/>
+          <a:chOff x="0" y="0"/>
+          <a:chExt cx="0" cy="0"/>
+        </a:xfrm>
+      </p:grpSpPr>
+      <p:sp>
+        <p:nvSpPr>
+          <p:cNvPr id="2" name="幻灯片图像占位符 1"/>
+          <p:cNvSpPr>
+            <a:spLocks noGrp="1" noRot="1" noChangeAspect="1"/>
+          </p:cNvSpPr>
+          <p:nvPr>
+            <p:ph type="sldImg"/>
+          </p:nvPr>
+        </p:nvSpPr>
+        <p:spPr/>
+      </p:sp>
+      <p:sp>
+        <p:nvSpPr>
+          <p:cNvPr id="3" name="备注占位符 2"/>
+          <p:cNvSpPr>
+            <a:spLocks noGrp="1"/>
+          </p:cNvSpPr>
+          <p:nvPr>
+            <p:ph type="body" idx="1"/>
+          </p:nvPr>
+        </p:nvSpPr>
+        <p:spPr/>
+        <p:txBody>
+          <a:bodyPr/>
+          <a:lstStyle/>
+          <a:p>
+            <a:endParaRPr lang="zh-CN" altLang="en-US" dirty="0"/>
+          </a:p>
+        </p:txBody>
+      </p:sp>
+      <p:sp>
+        <p:nvSpPr>
+          <p:cNvPr id="4" name="灯片编号占位符 3"/>
+          <p:cNvSpPr>
+            <a:spLocks noGrp="1"/>
+          </p:cNvSpPr>
+          <p:nvPr>
+            <p:ph type="sldNum" sz="quarter" idx="10"/>
+          </p:nvPr>
+        </p:nvSpPr>
+        <p:spPr/>
+        <p:txBody>
+          <a:bodyPr/>
+          <a:lstStyle/>
+          <a:p>
+            <a:fld id="{6E87B793-DD03-4969-BEA8-291742079853}" type="slidenum">
+              <a:rPr lang="zh-CN" altLang="en-US" smtClean="0"/>
+              <a:t>25</a:t>
+            </a:fld>
+            <a:endParaRPr lang="zh-CN" altLang="en-US"/>
+          </a:p>
+        </p:txBody>
+      </p:sp>
+    </p:spTree>
+    <p:extLst>
+      <p:ext uri="{BB962C8B-B14F-4D97-AF65-F5344CB8AC3E}">
+        <p14:creationId xmlns:p14="http://schemas.microsoft.com/office/powerpoint/2010/main" val="1595954748"/>
+      </p:ext>
+    </p:extLst>
+  </p:cSld>
+  <p:clrMapOvr>
+    <a:masterClrMapping/>
+  </p:clrMapOvr>
+</p:notes>
+</file>
+
+<file path=ppt/notesSlides/notesSlide26.xml><?xml version="1.0" encoding="utf-8"?>
+<p:notes xmlns:a="http://schemas.openxmlformats.org/drawingml/2006/main" xmlns:r="http://schemas.openxmlformats.org/officeDocument/2006/relationships" xmlns:p="http://schemas.openxmlformats.org/presentationml/2006/main">
+  <p:cSld>
+    <p:spTree>
+      <p:nvGrpSpPr>
+        <p:cNvPr id="1" name=""/>
+        <p:cNvGrpSpPr/>
+        <p:nvPr/>
+      </p:nvGrpSpPr>
+      <p:grpSpPr>
+        <a:xfrm>
+          <a:off x="0" y="0"/>
+          <a:ext cx="0" cy="0"/>
+          <a:chOff x="0" y="0"/>
+          <a:chExt cx="0" cy="0"/>
+        </a:xfrm>
+      </p:grpSpPr>
+      <p:sp>
+        <p:nvSpPr>
+          <p:cNvPr id="2" name="幻灯片图像占位符 1"/>
+          <p:cNvSpPr>
+            <a:spLocks noGrp="1" noRot="1" noChangeAspect="1"/>
+          </p:cNvSpPr>
+          <p:nvPr>
+            <p:ph type="sldImg"/>
+          </p:nvPr>
+        </p:nvSpPr>
+        <p:spPr/>
+      </p:sp>
+      <p:sp>
+        <p:nvSpPr>
+          <p:cNvPr id="3" name="备注占位符 2"/>
+          <p:cNvSpPr>
+            <a:spLocks noGrp="1"/>
+          </p:cNvSpPr>
+          <p:nvPr>
+            <p:ph type="body" idx="1"/>
+          </p:nvPr>
+        </p:nvSpPr>
+        <p:spPr/>
+        <p:txBody>
+          <a:bodyPr/>
+          <a:lstStyle/>
+          <a:p>
+            <a:endParaRPr lang="zh-CN" altLang="en-US" dirty="0"/>
+          </a:p>
+        </p:txBody>
+      </p:sp>
+      <p:sp>
+        <p:nvSpPr>
+          <p:cNvPr id="4" name="灯片编号占位符 3"/>
+          <p:cNvSpPr>
+            <a:spLocks noGrp="1"/>
+          </p:cNvSpPr>
+          <p:nvPr>
+            <p:ph type="sldNum" sz="quarter" idx="10"/>
+          </p:nvPr>
+        </p:nvSpPr>
+        <p:spPr/>
+        <p:txBody>
+          <a:bodyPr/>
+          <a:lstStyle/>
+          <a:p>
+            <a:fld id="{6E87B793-DD03-4969-BEA8-291742079853}" type="slidenum">
+              <a:rPr lang="zh-CN" altLang="en-US" smtClean="0"/>
+              <a:t>26</a:t>
+            </a:fld>
+            <a:endParaRPr lang="zh-CN" altLang="en-US"/>
+          </a:p>
+        </p:txBody>
+      </p:sp>
+    </p:spTree>
+    <p:extLst>
+      <p:ext uri="{BB962C8B-B14F-4D97-AF65-F5344CB8AC3E}">
         <p14:creationId xmlns:p14="http://schemas.microsoft.com/office/powerpoint/2010/main" val="2997099322"/>
       </p:ext>
     </p:extLst>
@@ -1956,7 +2126,7 @@
 </p:notes>
 </file>
 
-<file path=ppt/notesSlides/notesSlide25.xml><?xml version="1.0" encoding="utf-8"?>
+<file path=ppt/notesSlides/notesSlide27.xml><?xml version="1.0" encoding="utf-8"?>
 <p:notes xmlns:a="http://schemas.openxmlformats.org/drawingml/2006/main" xmlns:r="http://schemas.openxmlformats.org/officeDocument/2006/relationships" xmlns:p="http://schemas.openxmlformats.org/presentationml/2006/main">
   <p:cSld>
     <p:spTree>
@@ -2021,7 +2191,7 @@
           <a:p>
             <a:fld id="{6E87B793-DD03-4969-BEA8-291742079853}" type="slidenum">
               <a:rPr lang="zh-CN" altLang="en-US" smtClean="0"/>
-              <a:t>25</a:t>
+              <a:t>27</a:t>
             </a:fld>
             <a:endParaRPr lang="zh-CN" altLang="en-US"/>
           </a:p>
@@ -2807,7 +2977,7 @@
           <a:p>
             <a:fld id="{530820CF-B880-4189-942D-D702A7CBA730}" type="datetimeFigureOut">
               <a:rPr lang="zh-CN" altLang="en-US" smtClean="0"/>
-              <a:t>2020-10-23</a:t>
+              <a:t>2020/10/29</a:t>
             </a:fld>
             <a:endParaRPr lang="zh-CN" altLang="en-US"/>
           </a:p>
@@ -3062,7 +3232,7 @@
           <a:p>
             <a:fld id="{530820CF-B880-4189-942D-D702A7CBA730}" type="datetimeFigureOut">
               <a:rPr lang="zh-CN" altLang="en-US" smtClean="0"/>
-              <a:t>2020-10-23</a:t>
+              <a:t>2020/10/29</a:t>
             </a:fld>
             <a:endParaRPr lang="zh-CN" altLang="en-US"/>
           </a:p>
@@ -3233,7 +3403,7 @@
           <a:p>
             <a:fld id="{530820CF-B880-4189-942D-D702A7CBA730}" type="datetimeFigureOut">
               <a:rPr lang="zh-CN" altLang="en-US" smtClean="0"/>
-              <a:t>2020-10-23</a:t>
+              <a:t>2020/10/29</a:t>
             </a:fld>
             <a:endParaRPr lang="zh-CN" altLang="en-US"/>
           </a:p>
@@ -3414,7 +3584,7 @@
           <a:p>
             <a:fld id="{530820CF-B880-4189-942D-D702A7CBA730}" type="datetimeFigureOut">
               <a:rPr lang="zh-CN" altLang="en-US" smtClean="0"/>
-              <a:t>2020-10-23</a:t>
+              <a:t>2020/10/29</a:t>
             </a:fld>
             <a:endParaRPr lang="zh-CN" altLang="en-US"/>
           </a:p>
@@ -3585,7 +3755,7 @@
           <a:p>
             <a:fld id="{530820CF-B880-4189-942D-D702A7CBA730}" type="datetimeFigureOut">
               <a:rPr lang="zh-CN" altLang="en-US" smtClean="0"/>
-              <a:t>2020-10-23</a:t>
+              <a:t>2020/10/29</a:t>
             </a:fld>
             <a:endParaRPr lang="zh-CN" altLang="en-US"/>
           </a:p>
@@ -3833,7 +4003,7 @@
           <a:p>
             <a:fld id="{530820CF-B880-4189-942D-D702A7CBA730}" type="datetimeFigureOut">
               <a:rPr lang="zh-CN" altLang="en-US" smtClean="0"/>
-              <a:t>2020-10-23</a:t>
+              <a:t>2020/10/29</a:t>
             </a:fld>
             <a:endParaRPr lang="zh-CN" altLang="en-US"/>
           </a:p>
@@ -4121,7 +4291,7 @@
           <a:p>
             <a:fld id="{530820CF-B880-4189-942D-D702A7CBA730}" type="datetimeFigureOut">
               <a:rPr lang="zh-CN" altLang="en-US" smtClean="0"/>
-              <a:t>2020-10-23</a:t>
+              <a:t>2020/10/29</a:t>
             </a:fld>
             <a:endParaRPr lang="zh-CN" altLang="en-US"/>
           </a:p>
@@ -4543,7 +4713,7 @@
           <a:p>
             <a:fld id="{530820CF-B880-4189-942D-D702A7CBA730}" type="datetimeFigureOut">
               <a:rPr lang="zh-CN" altLang="en-US" smtClean="0"/>
-              <a:t>2020-10-23</a:t>
+              <a:t>2020/10/29</a:t>
             </a:fld>
             <a:endParaRPr lang="zh-CN" altLang="en-US"/>
           </a:p>
@@ -4663,7 +4833,7 @@
           <a:p>
             <a:fld id="{530820CF-B880-4189-942D-D702A7CBA730}" type="datetimeFigureOut">
               <a:rPr lang="zh-CN" altLang="en-US" smtClean="0"/>
-              <a:t>2020-10-23</a:t>
+              <a:t>2020/10/29</a:t>
             </a:fld>
             <a:endParaRPr lang="zh-CN" altLang="en-US"/>
           </a:p>
@@ -4761,7 +4931,7 @@
           <a:p>
             <a:fld id="{530820CF-B880-4189-942D-D702A7CBA730}" type="datetimeFigureOut">
               <a:rPr lang="zh-CN" altLang="en-US" smtClean="0"/>
-              <a:t>2020-10-23</a:t>
+              <a:t>2020/10/29</a:t>
             </a:fld>
             <a:endParaRPr lang="zh-CN" altLang="en-US"/>
           </a:p>
@@ -4896,7 +5066,7 @@
           <a:p>
             <a:fld id="{530820CF-B880-4189-942D-D702A7CBA730}" type="datetimeFigureOut">
               <a:rPr lang="zh-CN" altLang="en-US" smtClean="0"/>
-              <a:t>2020-10-23</a:t>
+              <a:t>2020/10/29</a:t>
             </a:fld>
             <a:endParaRPr lang="zh-CN" altLang="en-US"/>
           </a:p>
@@ -5179,7 +5349,7 @@
           <a:p>
             <a:fld id="{530820CF-B880-4189-942D-D702A7CBA730}" type="datetimeFigureOut">
               <a:rPr lang="zh-CN" altLang="en-US" smtClean="0"/>
-              <a:t>2020-10-23</a:t>
+              <a:t>2020/10/29</a:t>
             </a:fld>
             <a:endParaRPr lang="zh-CN" altLang="en-US"/>
           </a:p>
@@ -5393,7 +5563,7 @@
           <a:p>
             <a:fld id="{530820CF-B880-4189-942D-D702A7CBA730}" type="datetimeFigureOut">
               <a:rPr lang="zh-CN" altLang="en-US" smtClean="0"/>
-              <a:t>2020-10-23</a:t>
+              <a:t>2020/10/29</a:t>
             </a:fld>
             <a:endParaRPr lang="zh-CN" altLang="en-US"/>
           </a:p>
@@ -10626,7 +10796,7 @@
         <p:spPr>
           <a:xfrm>
             <a:off x="695400" y="1195437"/>
-            <a:ext cx="10873208" cy="4062651"/>
+            <a:ext cx="10873208" cy="4893647"/>
           </a:xfrm>
           <a:prstGeom prst="rect">
             <a:avLst/>
@@ -10710,6 +10880,24 @@
                 <a:srgbClr val="FF0000"/>
               </a:solidFill>
             </a:endParaRPr>
+          </a:p>
+          <a:p>
+            <a:r>
+              <a:rPr lang="zh-CN" altLang="en-US" dirty="0"/>
+              <a:t>机器学习里的损失函数（代价函数）可以用来描述模型与真模型（</a:t>
+            </a:r>
+            <a:r>
+              <a:rPr lang="en-US" altLang="zh-CN" dirty="0"/>
+              <a:t>ground truth</a:t>
+            </a:r>
+            <a:r>
+              <a:rPr lang="zh-CN" altLang="en-US" dirty="0"/>
+              <a:t>）之间的差距，因此可以解决“偏差”的问题。但是仅有损失函数，我们无法解决方差的问题，因而会有过拟合风险。</a:t>
+            </a:r>
+            <a:endParaRPr lang="en-US" altLang="zh-CN" dirty="0"/>
+          </a:p>
+          <a:p>
+            <a:endParaRPr lang="en-US" altLang="zh-CN" dirty="0"/>
           </a:p>
           <a:p>
             <a:r>
@@ -11358,7 +11546,7 @@
         <p:spPr>
           <a:xfrm>
             <a:off x="381319" y="1195437"/>
-            <a:ext cx="4274521" cy="2862322"/>
+            <a:ext cx="11547329" cy="2431435"/>
           </a:xfrm>
           <a:prstGeom prst="rect">
             <a:avLst/>
@@ -11453,28 +11641,22 @@
           </a:p>
           <a:p>
             <a:r>
-              <a:rPr lang="zh-CN" altLang="en-US" sz="2000" b="1" dirty="0">
-                <a:solidFill>
-                  <a:srgbClr val="FF0000"/>
-                </a:solidFill>
-              </a:rPr>
-              <a:t>正则化（</a:t>
-            </a:r>
-            <a:r>
-              <a:rPr lang="en-US" altLang="zh-CN" sz="2000" b="1" dirty="0">
-                <a:solidFill>
-                  <a:srgbClr val="FF0000"/>
-                </a:solidFill>
-              </a:rPr>
-              <a:t>Regularization</a:t>
-            </a:r>
-            <a:r>
-              <a:rPr lang="zh-CN" altLang="en-US" sz="2000" b="1" dirty="0">
-                <a:solidFill>
-                  <a:srgbClr val="FF0000"/>
-                </a:solidFill>
-              </a:rPr>
-              <a:t>）是机器学习中一种常用的技术，其主要目的是控制模型复杂度，减小过拟合。最基本的正则化方法是在原目标（代价）函数 中添加惩罚项，对复杂度高的模型进行“惩罚” 。</a:t>
+              <a:rPr lang="zh-CN" altLang="en-US" dirty="0"/>
+              <a:t>我们希望选择或学习一个合适的模型。若在空间中存在“真模型”，那我们所选择的模型要与真模型的参数个数相同，所选择的模型的参数向量与真模型的参数向量相近。</a:t>
+            </a:r>
+            <a:endParaRPr lang="en-US" altLang="zh-CN" dirty="0"/>
+          </a:p>
+          <a:p>
+            <a:endParaRPr lang="en-US" altLang="zh-CN" sz="2000" b="1" dirty="0">
+              <a:solidFill>
+                <a:srgbClr val="FF0000"/>
+              </a:solidFill>
+            </a:endParaRPr>
+          </a:p>
+          <a:p>
+            <a:r>
+              <a:rPr lang="zh-CN" altLang="en-US" dirty="0"/>
+              <a:t>过拟合指的是我们以为追求提高模型对训练数据的预测能力，所选模型的复杂度往往会比真模型更高。即学习时选择的模型所包含的参数过多，以致于出现这一模型对已知数据预测得很好，但对未知数据预测得很差的现象。</a:t>
             </a:r>
             <a:endParaRPr lang="en-US" altLang="zh-CN" sz="2000" b="1" dirty="0">
               <a:solidFill>
@@ -11574,144 +11756,6 @@
           </a:p>
         </p:txBody>
       </p:sp>
-      <p:pic>
-        <p:nvPicPr>
-          <p:cNvPr id="8" name="图片 7">
-            <a:extLst>
-              <a:ext uri="{FF2B5EF4-FFF2-40B4-BE49-F238E27FC236}">
-                <a16:creationId xmlns:a16="http://schemas.microsoft.com/office/drawing/2014/main" id="{22FC0BE5-A385-4421-99F6-2DE143C41ADB}"/>
-              </a:ext>
-            </a:extLst>
-          </p:cNvPr>
-          <p:cNvPicPr>
-            <a:picLocks noChangeAspect="1"/>
-          </p:cNvPicPr>
-          <p:nvPr/>
-        </p:nvPicPr>
-        <p:blipFill>
-          <a:blip r:embed="rId3">
-            <a:extLst>
-              <a:ext uri="{28A0092B-C50C-407E-A947-70E740481C1C}">
-                <a14:useLocalDpi xmlns:a14="http://schemas.microsoft.com/office/drawing/2010/main" val="0"/>
-              </a:ext>
-            </a:extLst>
-          </a:blip>
-          <a:stretch>
-            <a:fillRect/>
-          </a:stretch>
-        </p:blipFill>
-        <p:spPr>
-          <a:xfrm>
-            <a:off x="4655840" y="280701"/>
-            <a:ext cx="7536160" cy="6504675"/>
-          </a:xfrm>
-          <a:prstGeom prst="rect">
-            <a:avLst/>
-          </a:prstGeom>
-        </p:spPr>
-      </p:pic>
-      <p:sp>
-        <p:nvSpPr>
-          <p:cNvPr id="10" name="矩形 9">
-            <a:extLst>
-              <a:ext uri="{FF2B5EF4-FFF2-40B4-BE49-F238E27FC236}">
-                <a16:creationId xmlns:a16="http://schemas.microsoft.com/office/drawing/2014/main" id="{48A5E6A6-4091-42A0-9663-C5F34FE09704}"/>
-              </a:ext>
-            </a:extLst>
-          </p:cNvPr>
-          <p:cNvSpPr/>
-          <p:nvPr/>
-        </p:nvSpPr>
-        <p:spPr>
-          <a:xfrm>
-            <a:off x="424892" y="4423944"/>
-            <a:ext cx="4374964" cy="1015663"/>
-          </a:xfrm>
-          <a:prstGeom prst="rect">
-            <a:avLst/>
-          </a:prstGeom>
-        </p:spPr>
-        <p:txBody>
-          <a:bodyPr wrap="square">
-            <a:spAutoFit/>
-          </a:bodyPr>
-          <a:lstStyle/>
-          <a:p>
-            <a:r>
-              <a:rPr lang="en-US" altLang="zh-CN" sz="2000" b="1" dirty="0">
-                <a:solidFill>
-                  <a:srgbClr val="002060"/>
-                </a:solidFill>
-                <a:latin typeface="+mn-ea"/>
-              </a:rPr>
-              <a:t>L1</a:t>
-            </a:r>
-            <a:r>
-              <a:rPr lang="zh-CN" altLang="en-US" sz="2000" b="1" dirty="0">
-                <a:solidFill>
-                  <a:srgbClr val="002060"/>
-                </a:solidFill>
-                <a:latin typeface="+mn-ea"/>
-              </a:rPr>
-              <a:t>正则化和</a:t>
-            </a:r>
-            <a:r>
-              <a:rPr lang="en-US" altLang="zh-CN" sz="2000" b="1" dirty="0">
-                <a:solidFill>
-                  <a:srgbClr val="002060"/>
-                </a:solidFill>
-                <a:latin typeface="+mn-ea"/>
-              </a:rPr>
-              <a:t>L2</a:t>
-            </a:r>
-            <a:r>
-              <a:rPr lang="zh-CN" altLang="en-US" sz="2000" b="1" dirty="0">
-                <a:solidFill>
-                  <a:srgbClr val="002060"/>
-                </a:solidFill>
-                <a:latin typeface="+mn-ea"/>
-              </a:rPr>
-              <a:t>正则化主要的区别在于，</a:t>
-            </a:r>
-            <a:r>
-              <a:rPr lang="en-US" altLang="zh-CN" sz="2000" b="1" dirty="0">
-                <a:solidFill>
-                  <a:srgbClr val="002060"/>
-                </a:solidFill>
-                <a:latin typeface="+mn-ea"/>
-              </a:rPr>
-              <a:t>L1</a:t>
-            </a:r>
-            <a:r>
-              <a:rPr lang="zh-CN" altLang="en-US" sz="2000" b="1" dirty="0">
-                <a:solidFill>
-                  <a:srgbClr val="002060"/>
-                </a:solidFill>
-                <a:latin typeface="+mn-ea"/>
-              </a:rPr>
-              <a:t>正比于参数的绝对值，而</a:t>
-            </a:r>
-            <a:r>
-              <a:rPr lang="en-US" altLang="zh-CN" sz="2000" b="1" dirty="0">
-                <a:solidFill>
-                  <a:srgbClr val="002060"/>
-                </a:solidFill>
-                <a:latin typeface="+mn-ea"/>
-              </a:rPr>
-              <a:t>L2</a:t>
-            </a:r>
-            <a:r>
-              <a:rPr lang="zh-CN" altLang="en-US" sz="2000" b="1" dirty="0">
-                <a:solidFill>
-                  <a:srgbClr val="002060"/>
-                </a:solidFill>
-                <a:latin typeface="+mn-ea"/>
-              </a:rPr>
-              <a:t>正比于参数的平方。</a:t>
-            </a:r>
-          </a:p>
-        </p:txBody>
-      </p:sp>
       <p:sp>
         <p:nvSpPr>
           <p:cNvPr id="12" name="文本框 11">
@@ -11764,6 +11808,71 @@
           </a:p>
         </p:txBody>
       </p:sp>
+      <p:sp>
+        <p:nvSpPr>
+          <p:cNvPr id="2" name="矩形 1">
+            <a:extLst>
+              <a:ext uri="{FF2B5EF4-FFF2-40B4-BE49-F238E27FC236}">
+                <a16:creationId xmlns:a16="http://schemas.microsoft.com/office/drawing/2014/main" id="{45E558E9-9766-4C22-94A7-6F43340C46E8}"/>
+              </a:ext>
+            </a:extLst>
+          </p:cNvPr>
+          <p:cNvSpPr/>
+          <p:nvPr/>
+        </p:nvSpPr>
+        <p:spPr>
+          <a:xfrm>
+            <a:off x="381318" y="4365104"/>
+            <a:ext cx="11403313" cy="646331"/>
+          </a:xfrm>
+          <a:prstGeom prst="rect">
+            <a:avLst/>
+          </a:prstGeom>
+        </p:spPr>
+        <p:txBody>
+          <a:bodyPr wrap="square">
+            <a:spAutoFit/>
+          </a:bodyPr>
+          <a:lstStyle/>
+          <a:p>
+            <a:r>
+              <a:rPr lang="zh-CN" altLang="en-US" dirty="0"/>
+              <a:t>当样本容量足够大的时候，经验风险最小化学习效果良好。比如极大似然估计，当模型是条件概率分布，损失函数是对数损失函数时，经验风险最小化就等价于极大似然估计。</a:t>
+            </a:r>
+            <a:endParaRPr lang="en-US" altLang="zh-CN" dirty="0"/>
+          </a:p>
+        </p:txBody>
+      </p:sp>
+      <p:pic>
+        <p:nvPicPr>
+          <p:cNvPr id="5" name="图片 4">
+            <a:extLst>
+              <a:ext uri="{FF2B5EF4-FFF2-40B4-BE49-F238E27FC236}">
+                <a16:creationId xmlns:a16="http://schemas.microsoft.com/office/drawing/2014/main" id="{D97CBD0E-0E1E-4BDC-8215-E1275743940A}"/>
+              </a:ext>
+            </a:extLst>
+          </p:cNvPr>
+          <p:cNvPicPr>
+            <a:picLocks noChangeAspect="1"/>
+          </p:cNvPicPr>
+          <p:nvPr/>
+        </p:nvPicPr>
+        <p:blipFill>
+          <a:blip r:embed="rId3"/>
+          <a:stretch>
+            <a:fillRect/>
+          </a:stretch>
+        </p:blipFill>
+        <p:spPr>
+          <a:xfrm>
+            <a:off x="4871864" y="3626872"/>
+            <a:ext cx="2634725" cy="738232"/>
+          </a:xfrm>
+          <a:prstGeom prst="rect">
+            <a:avLst/>
+          </a:prstGeom>
+        </p:spPr>
+      </p:pic>
     </p:spTree>
     <p:extLst>
       <p:ext uri="{BB962C8B-B14F-4D97-AF65-F5344CB8AC3E}">
@@ -12224,8 +12333,8 @@
         </p:nvSpPr>
         <p:spPr>
           <a:xfrm>
-            <a:off x="381319" y="1195437"/>
-            <a:ext cx="4274521" cy="3231654"/>
+            <a:off x="313600" y="1167382"/>
+            <a:ext cx="11691345" cy="1446550"/>
           </a:xfrm>
           <a:prstGeom prst="rect">
             <a:avLst/>
@@ -12320,114 +12429,42 @@
           </a:p>
           <a:p>
             <a:r>
-              <a:rPr lang="zh-CN" altLang="en-US" dirty="0"/>
-              <a:t>一般用右下图方程来求得模型 </a:t>
-            </a:r>
-            <a:r>
-              <a:rPr lang="en-US" altLang="zh-CN" dirty="0"/>
-              <a:t>y(x) </a:t>
-            </a:r>
-            <a:r>
-              <a:rPr lang="zh-CN" altLang="en-US" dirty="0"/>
-              <a:t>和 真实数据 </a:t>
-            </a:r>
-            <a:r>
-              <a:rPr lang="en-US" altLang="zh-CN" dirty="0"/>
-              <a:t>y </a:t>
-            </a:r>
-            <a:r>
-              <a:rPr lang="zh-CN" altLang="en-US" dirty="0"/>
-              <a:t>的误差</a:t>
-            </a:r>
-            <a:r>
-              <a:rPr lang="en-US" altLang="zh-CN" dirty="0"/>
-              <a:t>, </a:t>
-            </a:r>
-            <a:r>
-              <a:rPr lang="zh-CN" altLang="en-US" dirty="0"/>
-              <a:t>而 </a:t>
-            </a:r>
-            <a:r>
-              <a:rPr lang="en-US" altLang="zh-CN" dirty="0"/>
-              <a:t>L1 L2 </a:t>
-            </a:r>
-            <a:r>
-              <a:rPr lang="zh-CN" altLang="en-US" dirty="0"/>
-              <a:t>就只是在这个误差公式后面多加了一个东西</a:t>
-            </a:r>
-            <a:r>
-              <a:rPr lang="en-US" altLang="zh-CN" dirty="0"/>
-              <a:t>, </a:t>
-            </a:r>
-            <a:r>
-              <a:rPr lang="zh-CN" altLang="en-US" dirty="0"/>
-              <a:t>让误差不仅仅取决于拟合数据拟合的好坏</a:t>
-            </a:r>
-            <a:r>
-              <a:rPr lang="en-US" altLang="zh-CN" dirty="0"/>
-              <a:t>, </a:t>
-            </a:r>
-            <a:r>
-              <a:rPr lang="zh-CN" altLang="en-US" dirty="0"/>
-              <a:t>而且取决于像刚刚 </a:t>
-            </a:r>
-            <a:r>
-              <a:rPr lang="en-US" altLang="zh-CN" dirty="0"/>
-              <a:t>c d </a:t>
-            </a:r>
-            <a:r>
-              <a:rPr lang="zh-CN" altLang="en-US" dirty="0"/>
-              <a:t>那些参数的值的大小</a:t>
-            </a:r>
-            <a:r>
-              <a:rPr lang="en-US" altLang="zh-CN" dirty="0"/>
-              <a:t>. </a:t>
-            </a:r>
-            <a:r>
-              <a:rPr lang="zh-CN" altLang="en-US" dirty="0"/>
-              <a:t>如果是每个参数的平方</a:t>
-            </a:r>
-            <a:r>
-              <a:rPr lang="en-US" altLang="zh-CN" dirty="0"/>
-              <a:t>, </a:t>
-            </a:r>
-            <a:r>
-              <a:rPr lang="zh-CN" altLang="en-US" dirty="0"/>
-              <a:t>那么我们称它为 </a:t>
-            </a:r>
-            <a:r>
-              <a:rPr lang="en-US" altLang="zh-CN" dirty="0"/>
-              <a:t>L2</a:t>
-            </a:r>
-            <a:r>
-              <a:rPr lang="zh-CN" altLang="en-US" dirty="0"/>
-              <a:t>正则化</a:t>
-            </a:r>
-            <a:r>
-              <a:rPr lang="en-US" altLang="zh-CN" dirty="0"/>
-              <a:t>, </a:t>
-            </a:r>
-            <a:r>
-              <a:rPr lang="zh-CN" altLang="en-US" dirty="0"/>
-              <a:t>如果是每个参数的绝对值</a:t>
-            </a:r>
-            <a:r>
-              <a:rPr lang="en-US" altLang="zh-CN" dirty="0"/>
-              <a:t>, </a:t>
-            </a:r>
-            <a:r>
-              <a:rPr lang="zh-CN" altLang="en-US" dirty="0"/>
-              <a:t>我们称为 </a:t>
-            </a:r>
-            <a:r>
-              <a:rPr lang="en-US" altLang="zh-CN" dirty="0"/>
-              <a:t>L1 </a:t>
-            </a:r>
-            <a:r>
-              <a:rPr lang="zh-CN" altLang="en-US" dirty="0"/>
-              <a:t>正则化。</a:t>
-            </a:r>
-            <a:endParaRPr lang="en-US" altLang="zh-CN" sz="2000" b="1" dirty="0">
+              <a:rPr lang="zh-CN" altLang="en-US" sz="1400" dirty="0"/>
+              <a:t>但是当样本容量很小时，经验风险最小化学习会产生过拟合（</a:t>
+            </a:r>
+            <a:r>
+              <a:rPr lang="en-US" altLang="zh-CN" sz="1400" dirty="0"/>
+              <a:t>over-fitting</a:t>
+            </a:r>
+            <a:r>
+              <a:rPr lang="zh-CN" altLang="en-US" sz="1400" dirty="0"/>
+              <a:t>）的现象。这就引出了结构风险最小化，它等价于正则化（</a:t>
+            </a:r>
+            <a:r>
+              <a:rPr lang="en-US" altLang="zh-CN" sz="1400" dirty="0"/>
+              <a:t>regularization</a:t>
+            </a:r>
+            <a:r>
+              <a:rPr lang="zh-CN" altLang="en-US" sz="1400" dirty="0"/>
+              <a:t>）。结构风险在经验风险上加上表示模型复杂度的正则化项（</a:t>
+            </a:r>
+            <a:r>
+              <a:rPr lang="en-US" altLang="zh-CN" sz="1400" dirty="0" err="1"/>
+              <a:t>regularizer</a:t>
+            </a:r>
+            <a:r>
+              <a:rPr lang="zh-CN" altLang="en-US" sz="1400" dirty="0"/>
+              <a:t>）或罚项（</a:t>
+            </a:r>
+            <a:r>
+              <a:rPr lang="en-US" altLang="zh-CN" sz="1400" dirty="0"/>
+              <a:t>penalty term</a:t>
+            </a:r>
+            <a:r>
+              <a:rPr lang="zh-CN" altLang="en-US" sz="1400" dirty="0"/>
+              <a:t>），它的定义为：</a:t>
+            </a:r>
+            <a:endParaRPr lang="en-US" altLang="zh-CN" sz="1400" b="1" dirty="0">
               <a:solidFill>
                 <a:srgbClr val="FF0000"/>
               </a:solidFill>
@@ -12527,108 +12564,6 @@
       </p:sp>
       <p:sp>
         <p:nvSpPr>
-          <p:cNvPr id="10" name="矩形 9">
-            <a:extLst>
-              <a:ext uri="{FF2B5EF4-FFF2-40B4-BE49-F238E27FC236}">
-                <a16:creationId xmlns:a16="http://schemas.microsoft.com/office/drawing/2014/main" id="{48A5E6A6-4091-42A0-9663-C5F34FE09704}"/>
-              </a:ext>
-            </a:extLst>
-          </p:cNvPr>
-          <p:cNvSpPr/>
-          <p:nvPr/>
-        </p:nvSpPr>
-        <p:spPr>
-          <a:xfrm>
-            <a:off x="391597" y="4707676"/>
-            <a:ext cx="4374964" cy="1015663"/>
-          </a:xfrm>
-          <a:prstGeom prst="rect">
-            <a:avLst/>
-          </a:prstGeom>
-        </p:spPr>
-        <p:txBody>
-          <a:bodyPr wrap="square">
-            <a:spAutoFit/>
-          </a:bodyPr>
-          <a:lstStyle/>
-          <a:p>
-            <a:r>
-              <a:rPr lang="en-US" altLang="zh-CN" sz="2000" b="1" dirty="0">
-                <a:solidFill>
-                  <a:srgbClr val="002060"/>
-                </a:solidFill>
-                <a:latin typeface="+mn-ea"/>
-              </a:rPr>
-              <a:t>L1</a:t>
-            </a:r>
-            <a:r>
-              <a:rPr lang="zh-CN" altLang="en-US" sz="2000" b="1" dirty="0">
-                <a:solidFill>
-                  <a:srgbClr val="002060"/>
-                </a:solidFill>
-                <a:latin typeface="+mn-ea"/>
-              </a:rPr>
-              <a:t>正则化和</a:t>
-            </a:r>
-            <a:r>
-              <a:rPr lang="en-US" altLang="zh-CN" sz="2000" b="1" dirty="0">
-                <a:solidFill>
-                  <a:srgbClr val="002060"/>
-                </a:solidFill>
-                <a:latin typeface="+mn-ea"/>
-              </a:rPr>
-              <a:t>L2</a:t>
-            </a:r>
-            <a:r>
-              <a:rPr lang="zh-CN" altLang="en-US" sz="2000" b="1" dirty="0">
-                <a:solidFill>
-                  <a:srgbClr val="002060"/>
-                </a:solidFill>
-                <a:latin typeface="+mn-ea"/>
-              </a:rPr>
-              <a:t>正则化主要的区别在于，</a:t>
-            </a:r>
-            <a:r>
-              <a:rPr lang="en-US" altLang="zh-CN" sz="2000" b="1" dirty="0">
-                <a:solidFill>
-                  <a:srgbClr val="002060"/>
-                </a:solidFill>
-                <a:latin typeface="+mn-ea"/>
-              </a:rPr>
-              <a:t>L1</a:t>
-            </a:r>
-            <a:r>
-              <a:rPr lang="zh-CN" altLang="en-US" sz="2000" b="1" dirty="0">
-                <a:solidFill>
-                  <a:srgbClr val="002060"/>
-                </a:solidFill>
-                <a:latin typeface="+mn-ea"/>
-              </a:rPr>
-              <a:t>正比于参数的绝对值，而</a:t>
-            </a:r>
-            <a:r>
-              <a:rPr lang="en-US" altLang="zh-CN" sz="2000" b="1" dirty="0">
-                <a:solidFill>
-                  <a:srgbClr val="002060"/>
-                </a:solidFill>
-                <a:latin typeface="+mn-ea"/>
-              </a:rPr>
-              <a:t>L2</a:t>
-            </a:r>
-            <a:r>
-              <a:rPr lang="zh-CN" altLang="en-US" sz="2000" b="1" dirty="0">
-                <a:solidFill>
-                  <a:srgbClr val="002060"/>
-                </a:solidFill>
-                <a:latin typeface="+mn-ea"/>
-              </a:rPr>
-              <a:t>正比于参数的平方。</a:t>
-            </a:r>
-          </a:p>
-        </p:txBody>
-      </p:sp>
-      <p:sp>
-        <p:nvSpPr>
           <p:cNvPr id="12" name="文本框 11">
             <a:extLst>
               <a:ext uri="{FF2B5EF4-FFF2-40B4-BE49-F238E27FC236}">
@@ -12681,102 +12616,443 @@
       </p:sp>
       <p:pic>
         <p:nvPicPr>
-          <p:cNvPr id="11" name="Picture 2" descr="preview">
+          <p:cNvPr id="8" name="图片 7">
             <a:extLst>
               <a:ext uri="{FF2B5EF4-FFF2-40B4-BE49-F238E27FC236}">
-                <a16:creationId xmlns:a16="http://schemas.microsoft.com/office/drawing/2014/main" id="{4F2A4BBC-8DB7-4F4D-B521-F04819179C9C}"/>
+                <a16:creationId xmlns:a16="http://schemas.microsoft.com/office/drawing/2014/main" id="{EE4AAB3B-4033-4D9B-A54F-A2031BF33EBD}"/>
               </a:ext>
             </a:extLst>
           </p:cNvPr>
           <p:cNvPicPr>
-            <a:picLocks noChangeAspect="1" noChangeArrowheads="1"/>
+            <a:picLocks noChangeAspect="1"/>
           </p:cNvPicPr>
           <p:nvPr/>
         </p:nvPicPr>
         <p:blipFill>
-          <a:blip r:embed="rId3">
-            <a:extLst>
-              <a:ext uri="{28A0092B-C50C-407E-A947-70E740481C1C}">
-                <a14:useLocalDpi xmlns:a14="http://schemas.microsoft.com/office/drawing/2010/main" val="0"/>
-              </a:ext>
-            </a:extLst>
-          </a:blip>
-          <a:srcRect/>
+          <a:blip r:embed="rId3"/>
           <a:stretch>
             <a:fillRect/>
           </a:stretch>
         </p:blipFill>
+        <p:spPr>
+          <a:xfrm>
+            <a:off x="4208445" y="2597228"/>
+            <a:ext cx="3168352" cy="620106"/>
+          </a:xfrm>
+          <a:prstGeom prst="rect">
+            <a:avLst/>
+          </a:prstGeom>
+        </p:spPr>
+      </p:pic>
+      <p:sp>
+        <p:nvSpPr>
+          <p:cNvPr id="9" name="Rectangle 1">
+            <a:extLst>
+              <a:ext uri="{FF2B5EF4-FFF2-40B4-BE49-F238E27FC236}">
+                <a16:creationId xmlns:a16="http://schemas.microsoft.com/office/drawing/2014/main" id="{56EB2DBC-7E39-4319-B76E-2CCB8BEAD897}"/>
+              </a:ext>
+            </a:extLst>
+          </p:cNvPr>
+          <p:cNvSpPr>
+            <a:spLocks noChangeArrowheads="1"/>
+          </p:cNvSpPr>
+          <p:nvPr/>
+        </p:nvSpPr>
         <p:spPr bwMode="auto">
           <a:xfrm>
-            <a:off x="5754432" y="260648"/>
-            <a:ext cx="6132070" cy="3121529"/>
+            <a:off x="384174" y="3248904"/>
+            <a:ext cx="11682610" cy="1169551"/>
           </a:xfrm>
           <a:prstGeom prst="rect">
             <a:avLst/>
           </a:prstGeom>
           <a:noFill/>
+          <a:ln>
+            <a:noFill/>
+          </a:ln>
+          <a:effectLst/>
           <a:extLst>
             <a:ext uri="{909E8E84-426E-40DD-AFC4-6F175D3DCCD1}">
               <a14:hiddenFill xmlns:a14="http://schemas.microsoft.com/office/drawing/2010/main">
                 <a:solidFill>
-                  <a:srgbClr val="FFFFFF"/>
+                  <a:schemeClr val="accent1"/>
                 </a:solidFill>
               </a14:hiddenFill>
             </a:ext>
+            <a:ext uri="{91240B29-F687-4F45-9708-019B960494DF}">
+              <a14:hiddenLine xmlns:a14="http://schemas.microsoft.com/office/drawing/2010/main" w="9525">
+                <a:solidFill>
+                  <a:schemeClr val="tx1"/>
+                </a:solidFill>
+                <a:miter lim="800000"/>
+                <a:headEnd/>
+                <a:tailEnd/>
+              </a14:hiddenLine>
+            </a:ext>
+            <a:ext uri="{AF507438-7753-43E0-B8FC-AC1667EBCBE1}">
+              <a14:hiddenEffects xmlns:a14="http://schemas.microsoft.com/office/drawing/2010/main">
+                <a:effectLst>
+                  <a:outerShdw dist="35921" dir="2700000" algn="ctr" rotWithShape="0">
+                    <a:schemeClr val="bg2"/>
+                  </a:outerShdw>
+                </a:effectLst>
+              </a14:hiddenEffects>
+            </a:ext>
           </a:extLst>
         </p:spPr>
-      </p:pic>
+        <p:txBody>
+          <a:bodyPr vert="horz" wrap="square" lIns="91440" tIns="45720" rIns="91440" bIns="45720" numCol="1" anchor="ctr" anchorCtr="0" compatLnSpc="1">
+            <a:prstTxWarp prst="textNoShape">
+              <a:avLst/>
+            </a:prstTxWarp>
+            <a:spAutoFit/>
+          </a:bodyPr>
+          <a:lstStyle>
+            <a:lvl1pPr eaLnBrk="0" fontAlgn="base" hangingPunct="0">
+              <a:spcBef>
+                <a:spcPct val="0"/>
+              </a:spcBef>
+              <a:spcAft>
+                <a:spcPct val="0"/>
+              </a:spcAft>
+              <a:defRPr>
+                <a:solidFill>
+                  <a:schemeClr val="tx1"/>
+                </a:solidFill>
+                <a:latin typeface="Arial" panose="020B0604020202020204" pitchFamily="34" charset="0"/>
+              </a:defRPr>
+            </a:lvl1pPr>
+            <a:lvl2pPr eaLnBrk="0" fontAlgn="base" hangingPunct="0">
+              <a:spcBef>
+                <a:spcPct val="0"/>
+              </a:spcBef>
+              <a:spcAft>
+                <a:spcPct val="0"/>
+              </a:spcAft>
+              <a:defRPr>
+                <a:solidFill>
+                  <a:schemeClr val="tx1"/>
+                </a:solidFill>
+                <a:latin typeface="Arial" panose="020B0604020202020204" pitchFamily="34" charset="0"/>
+              </a:defRPr>
+            </a:lvl2pPr>
+            <a:lvl3pPr eaLnBrk="0" fontAlgn="base" hangingPunct="0">
+              <a:spcBef>
+                <a:spcPct val="0"/>
+              </a:spcBef>
+              <a:spcAft>
+                <a:spcPct val="0"/>
+              </a:spcAft>
+              <a:defRPr>
+                <a:solidFill>
+                  <a:schemeClr val="tx1"/>
+                </a:solidFill>
+                <a:latin typeface="Arial" panose="020B0604020202020204" pitchFamily="34" charset="0"/>
+              </a:defRPr>
+            </a:lvl3pPr>
+            <a:lvl4pPr eaLnBrk="0" fontAlgn="base" hangingPunct="0">
+              <a:spcBef>
+                <a:spcPct val="0"/>
+              </a:spcBef>
+              <a:spcAft>
+                <a:spcPct val="0"/>
+              </a:spcAft>
+              <a:defRPr>
+                <a:solidFill>
+                  <a:schemeClr val="tx1"/>
+                </a:solidFill>
+                <a:latin typeface="Arial" panose="020B0604020202020204" pitchFamily="34" charset="0"/>
+              </a:defRPr>
+            </a:lvl4pPr>
+            <a:lvl5pPr eaLnBrk="0" fontAlgn="base" hangingPunct="0">
+              <a:spcBef>
+                <a:spcPct val="0"/>
+              </a:spcBef>
+              <a:spcAft>
+                <a:spcPct val="0"/>
+              </a:spcAft>
+              <a:defRPr>
+                <a:solidFill>
+                  <a:schemeClr val="tx1"/>
+                </a:solidFill>
+                <a:latin typeface="Arial" panose="020B0604020202020204" pitchFamily="34" charset="0"/>
+              </a:defRPr>
+            </a:lvl5pPr>
+            <a:lvl6pPr eaLnBrk="0" fontAlgn="base" hangingPunct="0">
+              <a:spcBef>
+                <a:spcPct val="0"/>
+              </a:spcBef>
+              <a:spcAft>
+                <a:spcPct val="0"/>
+              </a:spcAft>
+              <a:defRPr>
+                <a:solidFill>
+                  <a:schemeClr val="tx1"/>
+                </a:solidFill>
+                <a:latin typeface="Arial" panose="020B0604020202020204" pitchFamily="34" charset="0"/>
+              </a:defRPr>
+            </a:lvl6pPr>
+            <a:lvl7pPr eaLnBrk="0" fontAlgn="base" hangingPunct="0">
+              <a:spcBef>
+                <a:spcPct val="0"/>
+              </a:spcBef>
+              <a:spcAft>
+                <a:spcPct val="0"/>
+              </a:spcAft>
+              <a:defRPr>
+                <a:solidFill>
+                  <a:schemeClr val="tx1"/>
+                </a:solidFill>
+                <a:latin typeface="Arial" panose="020B0604020202020204" pitchFamily="34" charset="0"/>
+              </a:defRPr>
+            </a:lvl7pPr>
+            <a:lvl8pPr eaLnBrk="0" fontAlgn="base" hangingPunct="0">
+              <a:spcBef>
+                <a:spcPct val="0"/>
+              </a:spcBef>
+              <a:spcAft>
+                <a:spcPct val="0"/>
+              </a:spcAft>
+              <a:defRPr>
+                <a:solidFill>
+                  <a:schemeClr val="tx1"/>
+                </a:solidFill>
+                <a:latin typeface="Arial" panose="020B0604020202020204" pitchFamily="34" charset="0"/>
+              </a:defRPr>
+            </a:lvl8pPr>
+            <a:lvl9pPr eaLnBrk="0" fontAlgn="base" hangingPunct="0">
+              <a:spcBef>
+                <a:spcPct val="0"/>
+              </a:spcBef>
+              <a:spcAft>
+                <a:spcPct val="0"/>
+              </a:spcAft>
+              <a:defRPr>
+                <a:solidFill>
+                  <a:schemeClr val="tx1"/>
+                </a:solidFill>
+                <a:latin typeface="Arial" panose="020B0604020202020204" pitchFamily="34" charset="0"/>
+              </a:defRPr>
+            </a:lvl9pPr>
+          </a:lstStyle>
+          <a:p>
+            <a:pPr marR="0" lvl="0" indent="0" eaLnBrk="1" fontAlgn="base" hangingPunct="1">
+              <a:lnSpc>
+                <a:spcPct val="100000"/>
+              </a:lnSpc>
+              <a:spcBef>
+                <a:spcPct val="0"/>
+              </a:spcBef>
+              <a:spcAft>
+                <a:spcPct val="0"/>
+              </a:spcAft>
+              <a:buClrTx/>
+              <a:buSzTx/>
+              <a:buFontTx/>
+              <a:buNone/>
+              <a:tabLst/>
+            </a:pPr>
+            <a:r>
+              <a:rPr lang="zh-CN" altLang="zh-CN" sz="1400" dirty="0">
+                <a:latin typeface="+mn-lt"/>
+              </a:rPr>
+              <a:t>其中J(f)为模型的复杂度，模型f越复杂，复杂度J(f)就越大；反之，模型越简单，复杂度J(f)就越小，即复杂度表示了对复杂模型的惩罚。λ≥0是系数，用以权衡经验风险和模型复杂度。结构风险小需要经验风险和模型复杂度同时小。结构风险小的模型往往对训练数据以及未知的测试数据都有较好的预测。比如贝叶斯估计中的最大后验概率估计就是结构风险最小化的一个例子。当模型是条件概率分布、损失函数是对数损失函数、模型复杂度由模型的先验概率表示时，结构风险最小化就等价于最大后验概率估计。 </a:t>
+            </a:r>
+            <a:endParaRPr lang="en-US" altLang="zh-CN" sz="1400" dirty="0">
+              <a:latin typeface="+mn-lt"/>
+            </a:endParaRPr>
+          </a:p>
+          <a:p>
+            <a:pPr lvl="0" eaLnBrk="1" hangingPunct="1"/>
+            <a:r>
+              <a:rPr lang="zh-CN" altLang="en-US" sz="1400" dirty="0"/>
+              <a:t>结构风险最小化的策略认为结构风险最小的模型是最优的模型，求解最优模型即求解最优化问题：</a:t>
+            </a:r>
+            <a:endParaRPr lang="zh-CN" altLang="zh-CN" sz="1400" dirty="0">
+              <a:latin typeface="+mn-lt"/>
+            </a:endParaRPr>
+          </a:p>
+        </p:txBody>
+      </p:sp>
       <p:pic>
         <p:nvPicPr>
-          <p:cNvPr id="8194" name="Picture 2" descr="preview">
+          <p:cNvPr id="10" name="图片 9">
             <a:extLst>
               <a:ext uri="{FF2B5EF4-FFF2-40B4-BE49-F238E27FC236}">
-                <a16:creationId xmlns:a16="http://schemas.microsoft.com/office/drawing/2014/main" id="{E2EE9DD5-AF1B-40BF-B5C5-BAE02F47808C}"/>
+                <a16:creationId xmlns:a16="http://schemas.microsoft.com/office/drawing/2014/main" id="{70D48217-5622-497C-91B8-4BD50610A5DD}"/>
               </a:ext>
             </a:extLst>
           </p:cNvPr>
           <p:cNvPicPr>
-            <a:picLocks noChangeAspect="1" noChangeArrowheads="1"/>
+            <a:picLocks noChangeAspect="1"/>
           </p:cNvPicPr>
           <p:nvPr/>
         </p:nvPicPr>
         <p:blipFill>
-          <a:blip r:embed="rId4">
-            <a:extLst>
-              <a:ext uri="{28A0092B-C50C-407E-A947-70E740481C1C}">
-                <a14:useLocalDpi xmlns:a14="http://schemas.microsoft.com/office/drawing/2010/main" val="0"/>
-              </a:ext>
-            </a:extLst>
-          </a:blip>
-          <a:srcRect/>
+          <a:blip r:embed="rId4"/>
           <a:stretch>
             <a:fillRect/>
           </a:stretch>
         </p:blipFill>
-        <p:spPr bwMode="auto">
+        <p:spPr>
           <a:xfrm>
-            <a:off x="5754432" y="3573016"/>
-            <a:ext cx="6150608" cy="3284984"/>
+            <a:off x="4439816" y="4482370"/>
+            <a:ext cx="2916324" cy="578813"/>
           </a:xfrm>
           <a:prstGeom prst="rect">
             <a:avLst/>
           </a:prstGeom>
-          <a:noFill/>
-          <a:extLst>
-            <a:ext uri="{909E8E84-426E-40DD-AFC4-6F175D3DCCD1}">
-              <a14:hiddenFill xmlns:a14="http://schemas.microsoft.com/office/drawing/2010/main">
-                <a:solidFill>
-                  <a:srgbClr val="FFFFFF"/>
-                </a:solidFill>
-              </a14:hiddenFill>
-            </a:ext>
-          </a:extLst>
         </p:spPr>
       </p:pic>
+      <p:sp>
+        <p:nvSpPr>
+          <p:cNvPr id="11" name="矩形 10">
+            <a:extLst>
+              <a:ext uri="{FF2B5EF4-FFF2-40B4-BE49-F238E27FC236}">
+                <a16:creationId xmlns:a16="http://schemas.microsoft.com/office/drawing/2014/main" id="{01135067-EEC7-4E16-88EF-E66025ED9212}"/>
+              </a:ext>
+            </a:extLst>
+          </p:cNvPr>
+          <p:cNvSpPr/>
+          <p:nvPr/>
+        </p:nvSpPr>
+        <p:spPr>
+          <a:xfrm>
+            <a:off x="384174" y="5144125"/>
+            <a:ext cx="11642011" cy="738664"/>
+          </a:xfrm>
+          <a:prstGeom prst="rect">
+            <a:avLst/>
+          </a:prstGeom>
+        </p:spPr>
+        <p:txBody>
+          <a:bodyPr wrap="square">
+            <a:spAutoFit/>
+          </a:bodyPr>
+          <a:lstStyle/>
+          <a:p>
+            <a:pPr fontAlgn="base">
+              <a:spcBef>
+                <a:spcPct val="0"/>
+              </a:spcBef>
+              <a:spcAft>
+                <a:spcPct val="0"/>
+              </a:spcAft>
+            </a:pPr>
+            <a:r>
+              <a:rPr lang="zh-CN" altLang="en-US" sz="1400" dirty="0"/>
+              <a:t>这样，监督学习问题变成了经验风险或结构风险函数的最优化问题。</a:t>
+            </a:r>
+          </a:p>
+          <a:p>
+            <a:pPr fontAlgn="base">
+              <a:spcBef>
+                <a:spcPct val="0"/>
+              </a:spcBef>
+              <a:spcAft>
+                <a:spcPct val="0"/>
+              </a:spcAft>
+            </a:pPr>
+            <a:r>
+              <a:rPr lang="zh-CN" altLang="en-US" sz="1400" dirty="0"/>
+              <a:t>其中正则化是结构风险最小化策略的实现，是在经验风险上加一个正则化项或罚项。正则化项一般是模型复杂度的单调递增函数，模型越复杂，正则化值就越大。比如，正则化项可以是模型参数向量的范数。它的一般形式如下：</a:t>
+            </a:r>
+          </a:p>
+        </p:txBody>
+      </p:sp>
+      <p:pic>
+        <p:nvPicPr>
+          <p:cNvPr id="14" name="图片 13">
+            <a:extLst>
+              <a:ext uri="{FF2B5EF4-FFF2-40B4-BE49-F238E27FC236}">
+                <a16:creationId xmlns:a16="http://schemas.microsoft.com/office/drawing/2014/main" id="{27A0D70E-6027-4D01-B9E5-9471A664B28E}"/>
+              </a:ext>
+            </a:extLst>
+          </p:cNvPr>
+          <p:cNvPicPr>
+            <a:picLocks noChangeAspect="1"/>
+          </p:cNvPicPr>
+          <p:nvPr/>
+        </p:nvPicPr>
+        <p:blipFill>
+          <a:blip r:embed="rId5"/>
+          <a:stretch>
+            <a:fillRect/>
+          </a:stretch>
+        </p:blipFill>
+        <p:spPr>
+          <a:xfrm>
+            <a:off x="4439816" y="5882789"/>
+            <a:ext cx="2581275" cy="523875"/>
+          </a:xfrm>
+          <a:prstGeom prst="rect">
+            <a:avLst/>
+          </a:prstGeom>
+        </p:spPr>
+      </p:pic>
+      <p:sp>
+        <p:nvSpPr>
+          <p:cNvPr id="16" name="矩形 15">
+            <a:extLst>
+              <a:ext uri="{FF2B5EF4-FFF2-40B4-BE49-F238E27FC236}">
+                <a16:creationId xmlns:a16="http://schemas.microsoft.com/office/drawing/2014/main" id="{5E8F365F-59B6-4758-BE5F-592A6A7B9746}"/>
+              </a:ext>
+            </a:extLst>
+          </p:cNvPr>
+          <p:cNvSpPr/>
+          <p:nvPr/>
+        </p:nvSpPr>
+        <p:spPr>
+          <a:xfrm>
+            <a:off x="411653" y="6531479"/>
+            <a:ext cx="5960286" cy="307777"/>
+          </a:xfrm>
+          <a:prstGeom prst="rect">
+            <a:avLst/>
+          </a:prstGeom>
+        </p:spPr>
+        <p:txBody>
+          <a:bodyPr wrap="none">
+            <a:spAutoFit/>
+          </a:bodyPr>
+          <a:lstStyle/>
+          <a:p>
+            <a:pPr fontAlgn="base">
+              <a:spcBef>
+                <a:spcPct val="0"/>
+              </a:spcBef>
+              <a:spcAft>
+                <a:spcPct val="0"/>
+              </a:spcAft>
+            </a:pPr>
+            <a:r>
+              <a:rPr lang="zh-CN" altLang="en-US" sz="1400" dirty="0"/>
+              <a:t>第一项是经验风险，第二项是正则化项</a:t>
+            </a:r>
+            <a:r>
+              <a:rPr lang="en-US" altLang="zh-CN" sz="1400" dirty="0"/>
+              <a:t>,</a:t>
+            </a:r>
+            <a:r>
+              <a:rPr lang="zh-CN" altLang="zh-CN" sz="1400" dirty="0"/>
+              <a:t> λ≥0</a:t>
+            </a:r>
+            <a:r>
+              <a:rPr lang="zh-CN" altLang="en-US" sz="1400" dirty="0"/>
+              <a:t>为调整两者之间关系的系数。</a:t>
+            </a:r>
+            <a:r>
+              <a:rPr lang="en-US" altLang="zh-CN" sz="1400" dirty="0"/>
+              <a:t> </a:t>
+            </a:r>
+            <a:endParaRPr lang="zh-CN" altLang="en-US" sz="1400" dirty="0"/>
+          </a:p>
+        </p:txBody>
+      </p:sp>
     </p:spTree>
     <p:extLst>
       <p:ext uri="{BB962C8B-B14F-4D97-AF65-F5344CB8AC3E}">
-        <p14:creationId xmlns:p14="http://schemas.microsoft.com/office/powerpoint/2010/main" val="3008781515"/>
+        <p14:creationId xmlns:p14="http://schemas.microsoft.com/office/powerpoint/2010/main" val="213153691"/>
       </p:ext>
     </p:extLst>
   </p:cSld>
@@ -13233,8 +13509,8 @@
         </p:nvSpPr>
         <p:spPr>
           <a:xfrm>
-            <a:off x="237303" y="1195437"/>
-            <a:ext cx="5066609" cy="4893647"/>
+            <a:off x="381319" y="1195437"/>
+            <a:ext cx="4274521" cy="2862322"/>
           </a:xfrm>
           <a:prstGeom prst="rect">
             <a:avLst/>
@@ -13329,154 +13605,28 @@
           </a:p>
           <a:p>
             <a:r>
-              <a:rPr lang="zh-CN" altLang="en-US" b="1" dirty="0"/>
-              <a:t>核心思想：</a:t>
-            </a:r>
-            <a:endParaRPr lang="en-US" altLang="zh-CN" b="1" dirty="0"/>
-          </a:p>
-          <a:p>
-            <a:endParaRPr lang="en-US" altLang="zh-CN" dirty="0"/>
-          </a:p>
-          <a:p>
-            <a:r>
-              <a:rPr lang="zh-CN" altLang="en-US" dirty="0"/>
-              <a:t>以</a:t>
-            </a:r>
-            <a:r>
-              <a:rPr lang="en-US" altLang="zh-CN" dirty="0"/>
-              <a:t>L2</a:t>
-            </a:r>
-            <a:r>
-              <a:rPr lang="zh-CN" altLang="en-US" dirty="0"/>
-              <a:t>正则化为例进行探讨</a:t>
-            </a:r>
-            <a:r>
-              <a:rPr lang="en-US" altLang="zh-CN" dirty="0"/>
-              <a:t>, </a:t>
-            </a:r>
-            <a:r>
-              <a:rPr lang="zh-CN" altLang="en-US" dirty="0"/>
-              <a:t>机器学习的过程是一个 通过修改参数 </a:t>
-            </a:r>
-            <a:r>
-              <a:rPr lang="en-US" altLang="zh-CN" dirty="0"/>
-              <a:t>theta </a:t>
-            </a:r>
-            <a:r>
-              <a:rPr lang="zh-CN" altLang="en-US" dirty="0"/>
-              <a:t>来减小误差的过程</a:t>
-            </a:r>
-            <a:r>
-              <a:rPr lang="en-US" altLang="zh-CN" dirty="0"/>
-              <a:t>, </a:t>
-            </a:r>
-            <a:r>
-              <a:rPr lang="zh-CN" altLang="en-US" dirty="0"/>
-              <a:t>可是在减小误差的时候非线性越强的参数</a:t>
-            </a:r>
-            <a:r>
-              <a:rPr lang="en-US" altLang="zh-CN" dirty="0"/>
-              <a:t>, </a:t>
-            </a:r>
-            <a:r>
-              <a:rPr lang="zh-CN" altLang="en-US" dirty="0"/>
-              <a:t>比如在 </a:t>
-            </a:r>
-            <a:r>
-              <a:rPr lang="en-US" altLang="zh-CN" dirty="0"/>
-              <a:t>x^3 </a:t>
-            </a:r>
-            <a:r>
-              <a:rPr lang="zh-CN" altLang="en-US" dirty="0"/>
-              <a:t>旁边的 </a:t>
-            </a:r>
-            <a:r>
-              <a:rPr lang="en-US" altLang="zh-CN" dirty="0"/>
-              <a:t>theta 4 </a:t>
-            </a:r>
-            <a:r>
-              <a:rPr lang="zh-CN" altLang="en-US" dirty="0"/>
-              <a:t>就会被修改得越多</a:t>
-            </a:r>
-            <a:r>
-              <a:rPr lang="en-US" altLang="zh-CN" dirty="0"/>
-              <a:t>, </a:t>
-            </a:r>
-            <a:r>
-              <a:rPr lang="zh-CN" altLang="en-US" dirty="0"/>
-              <a:t>因为如果使用非线性强的参数就能使方程更加曲折</a:t>
-            </a:r>
-            <a:r>
-              <a:rPr lang="en-US" altLang="zh-CN" dirty="0"/>
-              <a:t>, </a:t>
-            </a:r>
-            <a:r>
-              <a:rPr lang="zh-CN" altLang="en-US" dirty="0"/>
-              <a:t>也就能更好的拟合上那些分布的数据点</a:t>
-            </a:r>
-            <a:r>
-              <a:rPr lang="en-US" altLang="zh-CN" dirty="0"/>
-              <a:t>. Theta 4</a:t>
-            </a:r>
-            <a:r>
-              <a:rPr lang="zh-CN" altLang="en-US" dirty="0"/>
-              <a:t>作为非线性强的参数系数</a:t>
-            </a:r>
-            <a:r>
-              <a:rPr lang="en-US" altLang="zh-CN" dirty="0"/>
-              <a:t>, </a:t>
-            </a:r>
-            <a:r>
-              <a:rPr lang="zh-CN" altLang="en-US" dirty="0"/>
-              <a:t>改变模型的很明显</a:t>
-            </a:r>
-            <a:r>
-              <a:rPr lang="en-US" altLang="zh-CN" dirty="0"/>
-              <a:t>, </a:t>
-            </a:r>
-            <a:r>
-              <a:rPr lang="zh-CN" altLang="en-US" dirty="0"/>
-              <a:t>很容易拟合所有的数据</a:t>
-            </a:r>
-            <a:r>
-              <a:rPr lang="en-US" altLang="zh-CN" dirty="0"/>
-              <a:t>, </a:t>
-            </a:r>
-            <a:r>
-              <a:rPr lang="zh-CN" altLang="en-US" dirty="0"/>
-              <a:t>然而误差方程需要保证模型的鲁棒性，如果</a:t>
-            </a:r>
-            <a:r>
-              <a:rPr lang="en-US" altLang="zh-CN" dirty="0"/>
-              <a:t>Theta 4</a:t>
-            </a:r>
-            <a:r>
-              <a:rPr lang="zh-CN" altLang="en-US" dirty="0"/>
-              <a:t>错了</a:t>
-            </a:r>
-            <a:r>
-              <a:rPr lang="en-US" altLang="zh-CN" dirty="0"/>
-              <a:t>, </a:t>
-            </a:r>
-            <a:r>
-              <a:rPr lang="zh-CN" altLang="en-US" dirty="0"/>
-              <a:t>整个误差方程的效率就突然降低了</a:t>
-            </a:r>
-            <a:r>
-              <a:rPr lang="en-US" altLang="zh-CN" dirty="0"/>
-              <a:t>, </a:t>
-            </a:r>
-            <a:r>
-              <a:rPr lang="zh-CN" altLang="en-US" dirty="0"/>
-              <a:t>因此误差方程需要“惩罚”方程中“独出风头” 的参数系数</a:t>
-            </a:r>
-            <a:r>
-              <a:rPr lang="en-US" altLang="zh-CN" dirty="0"/>
-              <a:t>. </a:t>
-            </a:r>
-            <a:r>
-              <a:rPr lang="zh-CN" altLang="en-US" dirty="0"/>
-              <a:t>这就是整套正规化算法的核心思想。</a:t>
+              <a:rPr lang="zh-CN" altLang="en-US" sz="2000" b="1" dirty="0">
+                <a:solidFill>
+                  <a:srgbClr val="FF0000"/>
+                </a:solidFill>
+              </a:rPr>
+              <a:t>正则化（</a:t>
+            </a:r>
+            <a:r>
+              <a:rPr lang="en-US" altLang="zh-CN" sz="2000" b="1" dirty="0">
+                <a:solidFill>
+                  <a:srgbClr val="FF0000"/>
+                </a:solidFill>
+              </a:rPr>
+              <a:t>Regularization</a:t>
+            </a:r>
+            <a:r>
+              <a:rPr lang="zh-CN" altLang="en-US" sz="2000" b="1" dirty="0">
+                <a:solidFill>
+                  <a:srgbClr val="FF0000"/>
+                </a:solidFill>
+              </a:rPr>
+              <a:t>）是机器学习中一种常用的技术，其主要目的是控制模型复杂度，减小过拟合。最基本的正则化方法是在原目标（代价）函数 中添加惩罚项，对复杂度高的模型进行“惩罚” 。</a:t>
             </a:r>
             <a:endParaRPr lang="en-US" altLang="zh-CN" sz="2000" b="1" dirty="0">
               <a:solidFill>
@@ -13576,6 +13726,144 @@
           </a:p>
         </p:txBody>
       </p:sp>
+      <p:pic>
+        <p:nvPicPr>
+          <p:cNvPr id="8" name="图片 7">
+            <a:extLst>
+              <a:ext uri="{FF2B5EF4-FFF2-40B4-BE49-F238E27FC236}">
+                <a16:creationId xmlns:a16="http://schemas.microsoft.com/office/drawing/2014/main" id="{22FC0BE5-A385-4421-99F6-2DE143C41ADB}"/>
+              </a:ext>
+            </a:extLst>
+          </p:cNvPr>
+          <p:cNvPicPr>
+            <a:picLocks noChangeAspect="1"/>
+          </p:cNvPicPr>
+          <p:nvPr/>
+        </p:nvPicPr>
+        <p:blipFill>
+          <a:blip r:embed="rId3">
+            <a:extLst>
+              <a:ext uri="{28A0092B-C50C-407E-A947-70E740481C1C}">
+                <a14:useLocalDpi xmlns:a14="http://schemas.microsoft.com/office/drawing/2010/main" val="0"/>
+              </a:ext>
+            </a:extLst>
+          </a:blip>
+          <a:stretch>
+            <a:fillRect/>
+          </a:stretch>
+        </p:blipFill>
+        <p:spPr>
+          <a:xfrm>
+            <a:off x="4655840" y="280701"/>
+            <a:ext cx="7536160" cy="6504675"/>
+          </a:xfrm>
+          <a:prstGeom prst="rect">
+            <a:avLst/>
+          </a:prstGeom>
+        </p:spPr>
+      </p:pic>
+      <p:sp>
+        <p:nvSpPr>
+          <p:cNvPr id="10" name="矩形 9">
+            <a:extLst>
+              <a:ext uri="{FF2B5EF4-FFF2-40B4-BE49-F238E27FC236}">
+                <a16:creationId xmlns:a16="http://schemas.microsoft.com/office/drawing/2014/main" id="{48A5E6A6-4091-42A0-9663-C5F34FE09704}"/>
+              </a:ext>
+            </a:extLst>
+          </p:cNvPr>
+          <p:cNvSpPr/>
+          <p:nvPr/>
+        </p:nvSpPr>
+        <p:spPr>
+          <a:xfrm>
+            <a:off x="424892" y="4423944"/>
+            <a:ext cx="4374964" cy="1015663"/>
+          </a:xfrm>
+          <a:prstGeom prst="rect">
+            <a:avLst/>
+          </a:prstGeom>
+        </p:spPr>
+        <p:txBody>
+          <a:bodyPr wrap="square">
+            <a:spAutoFit/>
+          </a:bodyPr>
+          <a:lstStyle/>
+          <a:p>
+            <a:r>
+              <a:rPr lang="en-US" altLang="zh-CN" sz="2000" b="1" dirty="0">
+                <a:solidFill>
+                  <a:srgbClr val="002060"/>
+                </a:solidFill>
+                <a:latin typeface="+mn-ea"/>
+              </a:rPr>
+              <a:t>L1</a:t>
+            </a:r>
+            <a:r>
+              <a:rPr lang="zh-CN" altLang="en-US" sz="2000" b="1" dirty="0">
+                <a:solidFill>
+                  <a:srgbClr val="002060"/>
+                </a:solidFill>
+                <a:latin typeface="+mn-ea"/>
+              </a:rPr>
+              <a:t>正则化和</a:t>
+            </a:r>
+            <a:r>
+              <a:rPr lang="en-US" altLang="zh-CN" sz="2000" b="1" dirty="0">
+                <a:solidFill>
+                  <a:srgbClr val="002060"/>
+                </a:solidFill>
+                <a:latin typeface="+mn-ea"/>
+              </a:rPr>
+              <a:t>L2</a:t>
+            </a:r>
+            <a:r>
+              <a:rPr lang="zh-CN" altLang="en-US" sz="2000" b="1" dirty="0">
+                <a:solidFill>
+                  <a:srgbClr val="002060"/>
+                </a:solidFill>
+                <a:latin typeface="+mn-ea"/>
+              </a:rPr>
+              <a:t>正则化主要的区别在于，</a:t>
+            </a:r>
+            <a:r>
+              <a:rPr lang="en-US" altLang="zh-CN" sz="2000" b="1" dirty="0">
+                <a:solidFill>
+                  <a:srgbClr val="002060"/>
+                </a:solidFill>
+                <a:latin typeface="+mn-ea"/>
+              </a:rPr>
+              <a:t>L1</a:t>
+            </a:r>
+            <a:r>
+              <a:rPr lang="zh-CN" altLang="en-US" sz="2000" b="1" dirty="0">
+                <a:solidFill>
+                  <a:srgbClr val="002060"/>
+                </a:solidFill>
+                <a:latin typeface="+mn-ea"/>
+              </a:rPr>
+              <a:t>正比于参数的绝对值，而</a:t>
+            </a:r>
+            <a:r>
+              <a:rPr lang="en-US" altLang="zh-CN" sz="2000" b="1" dirty="0">
+                <a:solidFill>
+                  <a:srgbClr val="002060"/>
+                </a:solidFill>
+                <a:latin typeface="+mn-ea"/>
+              </a:rPr>
+              <a:t>L2</a:t>
+            </a:r>
+            <a:r>
+              <a:rPr lang="zh-CN" altLang="en-US" sz="2000" b="1" dirty="0">
+                <a:solidFill>
+                  <a:srgbClr val="002060"/>
+                </a:solidFill>
+                <a:latin typeface="+mn-ea"/>
+              </a:rPr>
+              <a:t>正比于参数的平方。</a:t>
+            </a:r>
+          </a:p>
+        </p:txBody>
+      </p:sp>
       <p:sp>
         <p:nvSpPr>
           <p:cNvPr id="12" name="文本框 11">
@@ -13628,57 +13916,10 @@
           </a:p>
         </p:txBody>
       </p:sp>
-      <p:pic>
-        <p:nvPicPr>
-          <p:cNvPr id="9218" name="Picture 2" descr="preview">
-            <a:extLst>
-              <a:ext uri="{FF2B5EF4-FFF2-40B4-BE49-F238E27FC236}">
-                <a16:creationId xmlns:a16="http://schemas.microsoft.com/office/drawing/2014/main" id="{57B1CF31-18B4-4817-8270-B4D778A18723}"/>
-              </a:ext>
-            </a:extLst>
-          </p:cNvPr>
-          <p:cNvPicPr>
-            <a:picLocks noChangeAspect="1" noChangeArrowheads="1"/>
-          </p:cNvPicPr>
-          <p:nvPr/>
-        </p:nvPicPr>
-        <p:blipFill>
-          <a:blip r:embed="rId3">
-            <a:extLst>
-              <a:ext uri="{28A0092B-C50C-407E-A947-70E740481C1C}">
-                <a14:useLocalDpi xmlns:a14="http://schemas.microsoft.com/office/drawing/2010/main" val="0"/>
-              </a:ext>
-            </a:extLst>
-          </a:blip>
-          <a:srcRect/>
-          <a:stretch>
-            <a:fillRect/>
-          </a:stretch>
-        </p:blipFill>
-        <p:spPr bwMode="auto">
-          <a:xfrm>
-            <a:off x="5442199" y="1195437"/>
-            <a:ext cx="6729016" cy="3707825"/>
-          </a:xfrm>
-          <a:prstGeom prst="rect">
-            <a:avLst/>
-          </a:prstGeom>
-          <a:noFill/>
-          <a:extLst>
-            <a:ext uri="{909E8E84-426E-40DD-AFC4-6F175D3DCCD1}">
-              <a14:hiddenFill xmlns:a14="http://schemas.microsoft.com/office/drawing/2010/main">
-                <a:solidFill>
-                  <a:srgbClr val="FFFFFF"/>
-                </a:solidFill>
-              </a14:hiddenFill>
-            </a:ext>
-          </a:extLst>
-        </p:spPr>
-      </p:pic>
     </p:spTree>
     <p:extLst>
       <p:ext uri="{BB962C8B-B14F-4D97-AF65-F5344CB8AC3E}">
-        <p14:creationId xmlns:p14="http://schemas.microsoft.com/office/powerpoint/2010/main" val="21040560"/>
+        <p14:creationId xmlns:p14="http://schemas.microsoft.com/office/powerpoint/2010/main" val="2849306771"/>
       </p:ext>
     </p:extLst>
   </p:cSld>
@@ -14135,8 +14376,8 @@
         </p:nvSpPr>
         <p:spPr>
           <a:xfrm>
-            <a:off x="237303" y="1195437"/>
-            <a:ext cx="5498657" cy="5447645"/>
+            <a:off x="381319" y="1195437"/>
+            <a:ext cx="4274521" cy="3231654"/>
           </a:xfrm>
           <a:prstGeom prst="rect">
             <a:avLst/>
@@ -14231,26 +14472,24 @@
           </a:p>
           <a:p>
             <a:r>
-              <a:rPr lang="zh-CN" altLang="en-US" b="1" dirty="0"/>
-              <a:t>图像化过程：</a:t>
-            </a:r>
-            <a:endParaRPr lang="en-US" altLang="zh-CN" b="1" dirty="0"/>
-          </a:p>
-          <a:p>
-            <a:endParaRPr lang="en-US" altLang="zh-CN" dirty="0"/>
-          </a:p>
-          <a:p>
-            <a:r>
               <a:rPr lang="zh-CN" altLang="en-US" dirty="0"/>
-              <a:t>假设现在只有两个参数 </a:t>
+              <a:t>一般用右下图方程来求得模型 </a:t>
             </a:r>
             <a:r>
               <a:rPr lang="en-US" altLang="zh-CN" dirty="0"/>
-              <a:t>theta1 theta2 </a:t>
+              <a:t>y(x) </a:t>
             </a:r>
             <a:r>
               <a:rPr lang="zh-CN" altLang="en-US" dirty="0"/>
-              <a:t>要学习</a:t>
+              <a:t>和 真实数据 </a:t>
+            </a:r>
+            <a:r>
+              <a:rPr lang="en-US" altLang="zh-CN" dirty="0"/>
+              <a:t>y </a:t>
+            </a:r>
+            <a:r>
+              <a:rPr lang="zh-CN" altLang="en-US" dirty="0"/>
+              <a:t>的误差</a:t>
             </a:r>
             <a:r>
               <a:rPr lang="en-US" altLang="zh-CN" dirty="0"/>
@@ -14258,7 +14497,15 @@
             </a:r>
             <a:r>
               <a:rPr lang="zh-CN" altLang="en-US" dirty="0"/>
-              <a:t>蓝色的圆心是误差最小的地方</a:t>
+              <a:t>而 </a:t>
+            </a:r>
+            <a:r>
+              <a:rPr lang="en-US" altLang="zh-CN" dirty="0"/>
+              <a:t>L1 L2 </a:t>
+            </a:r>
+            <a:r>
+              <a:rPr lang="zh-CN" altLang="en-US" dirty="0"/>
+              <a:t>就只是在这个误差公式后面多加了一个东西</a:t>
             </a:r>
             <a:r>
               <a:rPr lang="en-US" altLang="zh-CN" dirty="0"/>
@@ -14266,7 +14513,23 @@
             </a:r>
             <a:r>
               <a:rPr lang="zh-CN" altLang="en-US" dirty="0"/>
-              <a:t>而每条蓝线上的误差都是一样的</a:t>
+              <a:t>让误差不仅仅取决于拟合数据拟合的好坏</a:t>
+            </a:r>
+            <a:r>
+              <a:rPr lang="en-US" altLang="zh-CN" dirty="0"/>
+              <a:t>, </a:t>
+            </a:r>
+            <a:r>
+              <a:rPr lang="zh-CN" altLang="en-US" dirty="0"/>
+              <a:t>而且取决于像刚刚 </a:t>
+            </a:r>
+            <a:r>
+              <a:rPr lang="en-US" altLang="zh-CN" dirty="0"/>
+              <a:t>c d </a:t>
+            </a:r>
+            <a:r>
+              <a:rPr lang="zh-CN" altLang="en-US" dirty="0"/>
+              <a:t>那些参数的值的大小</a:t>
             </a:r>
             <a:r>
               <a:rPr lang="en-US" altLang="zh-CN" dirty="0"/>
@@ -14274,63 +14537,7 @@
             </a:r>
             <a:r>
               <a:rPr lang="zh-CN" altLang="en-US" dirty="0"/>
-              <a:t>正则化的方程是在黄线上产生的额外误差</a:t>
-            </a:r>
-            <a:r>
-              <a:rPr lang="en-US" altLang="zh-CN" dirty="0"/>
-              <a:t>(</a:t>
-            </a:r>
-            <a:r>
-              <a:rPr lang="zh-CN" altLang="en-US" dirty="0"/>
-              <a:t>也能理解为惩罚度</a:t>
-            </a:r>
-            <a:r>
-              <a:rPr lang="en-US" altLang="zh-CN" dirty="0"/>
-              <a:t>), </a:t>
-            </a:r>
-            <a:r>
-              <a:rPr lang="zh-CN" altLang="en-US" dirty="0"/>
-              <a:t>在黄圈上的额外误差也是一样</a:t>
-            </a:r>
-            <a:r>
-              <a:rPr lang="en-US" altLang="zh-CN" dirty="0"/>
-              <a:t>. </a:t>
-            </a:r>
-            <a:r>
-              <a:rPr lang="zh-CN" altLang="en-US" dirty="0"/>
-              <a:t>所以在蓝线和黄线 交点上的点能让两个误差的合最小</a:t>
-            </a:r>
-            <a:r>
-              <a:rPr lang="en-US" altLang="zh-CN" dirty="0"/>
-              <a:t>. </a:t>
-            </a:r>
-            <a:r>
-              <a:rPr lang="zh-CN" altLang="en-US" dirty="0"/>
-              <a:t>这就是 </a:t>
-            </a:r>
-            <a:r>
-              <a:rPr lang="en-US" altLang="zh-CN" dirty="0"/>
-              <a:t>theta1 </a:t>
-            </a:r>
-            <a:r>
-              <a:rPr lang="zh-CN" altLang="en-US" dirty="0"/>
-              <a:t>和 </a:t>
-            </a:r>
-            <a:r>
-              <a:rPr lang="en-US" altLang="zh-CN" dirty="0"/>
-              <a:t>theta2 </a:t>
-            </a:r>
-            <a:r>
-              <a:rPr lang="zh-CN" altLang="en-US" dirty="0"/>
-              <a:t>正则化后的解</a:t>
-            </a:r>
-            <a:r>
-              <a:rPr lang="en-US" altLang="zh-CN" dirty="0"/>
-              <a:t>. </a:t>
-            </a:r>
-            <a:r>
-              <a:rPr lang="zh-CN" altLang="en-US" dirty="0"/>
-              <a:t>要提到另外一点是</a:t>
+              <a:t>如果是每个参数的平方</a:t>
             </a:r>
             <a:r>
               <a:rPr lang="en-US" altLang="zh-CN" dirty="0"/>
@@ -14338,7 +14545,31 @@
             </a:r>
             <a:r>
               <a:rPr lang="zh-CN" altLang="en-US" dirty="0"/>
-              <a:t>使用 </a:t>
+              <a:t>那么我们称它为 </a:t>
+            </a:r>
+            <a:r>
+              <a:rPr lang="en-US" altLang="zh-CN" dirty="0"/>
+              <a:t>L2</a:t>
+            </a:r>
+            <a:r>
+              <a:rPr lang="zh-CN" altLang="en-US" dirty="0"/>
+              <a:t>正则化</a:t>
+            </a:r>
+            <a:r>
+              <a:rPr lang="en-US" altLang="zh-CN" dirty="0"/>
+              <a:t>, </a:t>
+            </a:r>
+            <a:r>
+              <a:rPr lang="zh-CN" altLang="en-US" dirty="0"/>
+              <a:t>如果是每个参数的绝对值</a:t>
+            </a:r>
+            <a:r>
+              <a:rPr lang="en-US" altLang="zh-CN" dirty="0"/>
+              <a:t>, </a:t>
+            </a:r>
+            <a:r>
+              <a:rPr lang="zh-CN" altLang="en-US" dirty="0"/>
+              <a:t>我们称为 </a:t>
             </a:r>
             <a:r>
               <a:rPr lang="en-US" altLang="zh-CN" dirty="0"/>
@@ -14346,135 +14577,7 @@
             </a:r>
             <a:r>
               <a:rPr lang="zh-CN" altLang="en-US" dirty="0"/>
-              <a:t>的方法</a:t>
-            </a:r>
-            <a:r>
-              <a:rPr lang="en-US" altLang="zh-CN" dirty="0"/>
-              <a:t>, </a:t>
-            </a:r>
-            <a:r>
-              <a:rPr lang="zh-CN" altLang="en-US" dirty="0"/>
-              <a:t>我们很可能得到的结果是只有 </a:t>
-            </a:r>
-            <a:r>
-              <a:rPr lang="en-US" altLang="zh-CN" dirty="0"/>
-              <a:t>theta1 </a:t>
-            </a:r>
-            <a:r>
-              <a:rPr lang="zh-CN" altLang="en-US" dirty="0"/>
-              <a:t>的特征被保留</a:t>
-            </a:r>
-            <a:r>
-              <a:rPr lang="en-US" altLang="zh-CN" dirty="0"/>
-              <a:t>, </a:t>
-            </a:r>
-            <a:r>
-              <a:rPr lang="zh-CN" altLang="en-US" dirty="0"/>
-              <a:t>所以很多人也用 </a:t>
-            </a:r>
-            <a:r>
-              <a:rPr lang="en-US" altLang="zh-CN" dirty="0"/>
-              <a:t>l1 </a:t>
-            </a:r>
-            <a:r>
-              <a:rPr lang="zh-CN" altLang="en-US" dirty="0"/>
-              <a:t>正则化来挑选对结果贡献最大的重要特征</a:t>
-            </a:r>
-            <a:r>
-              <a:rPr lang="en-US" altLang="zh-CN" dirty="0"/>
-              <a:t>. </a:t>
-            </a:r>
-            <a:r>
-              <a:rPr lang="zh-CN" altLang="en-US" dirty="0"/>
-              <a:t>但是 </a:t>
-            </a:r>
-            <a:r>
-              <a:rPr lang="en-US" altLang="zh-CN" dirty="0"/>
-              <a:t>l1 </a:t>
-            </a:r>
-            <a:r>
-              <a:rPr lang="zh-CN" altLang="en-US" dirty="0"/>
-              <a:t>的结并不是稳定的</a:t>
-            </a:r>
-            <a:r>
-              <a:rPr lang="en-US" altLang="zh-CN" dirty="0"/>
-              <a:t>. </a:t>
-            </a:r>
-            <a:r>
-              <a:rPr lang="zh-CN" altLang="en-US" dirty="0"/>
-              <a:t>比如用批数据训练</a:t>
-            </a:r>
-            <a:r>
-              <a:rPr lang="en-US" altLang="zh-CN" dirty="0"/>
-              <a:t>, </a:t>
-            </a:r>
-            <a:r>
-              <a:rPr lang="zh-CN" altLang="en-US" dirty="0"/>
-              <a:t>每次批数据都会有稍稍不同的误差曲线</a:t>
-            </a:r>
-            <a:r>
-              <a:rPr lang="en-US" altLang="zh-CN" dirty="0"/>
-              <a:t>,</a:t>
-            </a:r>
-            <a:r>
-              <a:rPr lang="zh-CN" altLang="en-US" dirty="0"/>
-              <a:t> </a:t>
-            </a:r>
-            <a:r>
-              <a:rPr lang="en-US" altLang="zh-CN" dirty="0"/>
-              <a:t>L2 </a:t>
-            </a:r>
-            <a:r>
-              <a:rPr lang="zh-CN" altLang="en-US" dirty="0"/>
-              <a:t>针对于这种变动</a:t>
-            </a:r>
-            <a:r>
-              <a:rPr lang="en-US" altLang="zh-CN" dirty="0"/>
-              <a:t>, </a:t>
-            </a:r>
-            <a:r>
-              <a:rPr lang="zh-CN" altLang="en-US" dirty="0"/>
-              <a:t>白点的移动不会太大</a:t>
-            </a:r>
-            <a:r>
-              <a:rPr lang="en-US" altLang="zh-CN" dirty="0"/>
-              <a:t>, </a:t>
-            </a:r>
-            <a:r>
-              <a:rPr lang="zh-CN" altLang="en-US" dirty="0"/>
-              <a:t>而 </a:t>
-            </a:r>
-            <a:r>
-              <a:rPr lang="en-US" altLang="zh-CN" dirty="0"/>
-              <a:t>L1</a:t>
-            </a:r>
-            <a:r>
-              <a:rPr lang="zh-CN" altLang="en-US" dirty="0"/>
-              <a:t>的白点则可能跳到许多不同的地方 </a:t>
-            </a:r>
-            <a:r>
-              <a:rPr lang="en-US" altLang="zh-CN" dirty="0"/>
-              <a:t>, </a:t>
-            </a:r>
-            <a:r>
-              <a:rPr lang="zh-CN" altLang="en-US" dirty="0"/>
-              <a:t>因为这些地方的总误差都是差不多的</a:t>
-            </a:r>
-            <a:r>
-              <a:rPr lang="en-US" altLang="zh-CN" dirty="0"/>
-              <a:t>. </a:t>
-            </a:r>
-            <a:r>
-              <a:rPr lang="zh-CN" altLang="en-US" dirty="0"/>
-              <a:t>侧面说明了 </a:t>
-            </a:r>
-            <a:r>
-              <a:rPr lang="en-US" altLang="zh-CN" dirty="0"/>
-              <a:t>L1 </a:t>
-            </a:r>
-            <a:r>
-              <a:rPr lang="zh-CN" altLang="en-US" dirty="0"/>
-              <a:t>解的不稳定性</a:t>
+              <a:t>正则化。</a:t>
             </a:r>
             <a:endParaRPr lang="en-US" altLang="zh-CN" sz="2000" b="1" dirty="0">
               <a:solidFill>
@@ -14576,6 +14679,108 @@
       </p:sp>
       <p:sp>
         <p:nvSpPr>
+          <p:cNvPr id="10" name="矩形 9">
+            <a:extLst>
+              <a:ext uri="{FF2B5EF4-FFF2-40B4-BE49-F238E27FC236}">
+                <a16:creationId xmlns:a16="http://schemas.microsoft.com/office/drawing/2014/main" id="{48A5E6A6-4091-42A0-9663-C5F34FE09704}"/>
+              </a:ext>
+            </a:extLst>
+          </p:cNvPr>
+          <p:cNvSpPr/>
+          <p:nvPr/>
+        </p:nvSpPr>
+        <p:spPr>
+          <a:xfrm>
+            <a:off x="391597" y="4707676"/>
+            <a:ext cx="4374964" cy="1015663"/>
+          </a:xfrm>
+          <a:prstGeom prst="rect">
+            <a:avLst/>
+          </a:prstGeom>
+        </p:spPr>
+        <p:txBody>
+          <a:bodyPr wrap="square">
+            <a:spAutoFit/>
+          </a:bodyPr>
+          <a:lstStyle/>
+          <a:p>
+            <a:r>
+              <a:rPr lang="en-US" altLang="zh-CN" sz="2000" b="1" dirty="0">
+                <a:solidFill>
+                  <a:srgbClr val="002060"/>
+                </a:solidFill>
+                <a:latin typeface="+mn-ea"/>
+              </a:rPr>
+              <a:t>L1</a:t>
+            </a:r>
+            <a:r>
+              <a:rPr lang="zh-CN" altLang="en-US" sz="2000" b="1" dirty="0">
+                <a:solidFill>
+                  <a:srgbClr val="002060"/>
+                </a:solidFill>
+                <a:latin typeface="+mn-ea"/>
+              </a:rPr>
+              <a:t>正则化和</a:t>
+            </a:r>
+            <a:r>
+              <a:rPr lang="en-US" altLang="zh-CN" sz="2000" b="1" dirty="0">
+                <a:solidFill>
+                  <a:srgbClr val="002060"/>
+                </a:solidFill>
+                <a:latin typeface="+mn-ea"/>
+              </a:rPr>
+              <a:t>L2</a:t>
+            </a:r>
+            <a:r>
+              <a:rPr lang="zh-CN" altLang="en-US" sz="2000" b="1" dirty="0">
+                <a:solidFill>
+                  <a:srgbClr val="002060"/>
+                </a:solidFill>
+                <a:latin typeface="+mn-ea"/>
+              </a:rPr>
+              <a:t>正则化主要的区别在于，</a:t>
+            </a:r>
+            <a:r>
+              <a:rPr lang="en-US" altLang="zh-CN" sz="2000" b="1" dirty="0">
+                <a:solidFill>
+                  <a:srgbClr val="002060"/>
+                </a:solidFill>
+                <a:latin typeface="+mn-ea"/>
+              </a:rPr>
+              <a:t>L1</a:t>
+            </a:r>
+            <a:r>
+              <a:rPr lang="zh-CN" altLang="en-US" sz="2000" b="1" dirty="0">
+                <a:solidFill>
+                  <a:srgbClr val="002060"/>
+                </a:solidFill>
+                <a:latin typeface="+mn-ea"/>
+              </a:rPr>
+              <a:t>正比于参数的绝对值，而</a:t>
+            </a:r>
+            <a:r>
+              <a:rPr lang="en-US" altLang="zh-CN" sz="2000" b="1" dirty="0">
+                <a:solidFill>
+                  <a:srgbClr val="002060"/>
+                </a:solidFill>
+                <a:latin typeface="+mn-ea"/>
+              </a:rPr>
+              <a:t>L2</a:t>
+            </a:r>
+            <a:r>
+              <a:rPr lang="zh-CN" altLang="en-US" sz="2000" b="1" dirty="0">
+                <a:solidFill>
+                  <a:srgbClr val="002060"/>
+                </a:solidFill>
+                <a:latin typeface="+mn-ea"/>
+              </a:rPr>
+              <a:t>正比于参数的平方。</a:t>
+            </a:r>
+          </a:p>
+        </p:txBody>
+      </p:sp>
+      <p:sp>
+        <p:nvSpPr>
           <p:cNvPr id="12" name="文本框 11">
             <a:extLst>
               <a:ext uri="{FF2B5EF4-FFF2-40B4-BE49-F238E27FC236}">
@@ -14628,10 +14833,10 @@
       </p:sp>
       <p:pic>
         <p:nvPicPr>
-          <p:cNvPr id="10242" name="Picture 2" descr="preview">
+          <p:cNvPr id="11" name="Picture 2" descr="preview">
             <a:extLst>
               <a:ext uri="{FF2B5EF4-FFF2-40B4-BE49-F238E27FC236}">
-                <a16:creationId xmlns:a16="http://schemas.microsoft.com/office/drawing/2014/main" id="{4704B09D-E871-4B55-A8CC-024D67CE4692}"/>
+                <a16:creationId xmlns:a16="http://schemas.microsoft.com/office/drawing/2014/main" id="{4F2A4BBC-8DB7-4F4D-B521-F04819179C9C}"/>
               </a:ext>
             </a:extLst>
           </p:cNvPr>
@@ -14655,8 +14860,8 @@
         </p:blipFill>
         <p:spPr bwMode="auto">
           <a:xfrm>
-            <a:off x="5891300" y="16322"/>
-            <a:ext cx="6169072" cy="3412678"/>
+            <a:off x="5754432" y="260648"/>
+            <a:ext cx="6132070" cy="3121529"/>
           </a:xfrm>
           <a:prstGeom prst="rect">
             <a:avLst/>
@@ -14675,10 +14880,10 @@
       </p:pic>
       <p:pic>
         <p:nvPicPr>
-          <p:cNvPr id="10244" name="Picture 4" descr="https://pic1.zhimg.com/80/v2-e8734136ff4da41b748f16e514971aa0_1440w.png">
+          <p:cNvPr id="8194" name="Picture 2" descr="preview">
             <a:extLst>
               <a:ext uri="{FF2B5EF4-FFF2-40B4-BE49-F238E27FC236}">
-                <a16:creationId xmlns:a16="http://schemas.microsoft.com/office/drawing/2014/main" id="{974F7F11-A7A8-4ED8-BF46-50DC53A99321}"/>
+                <a16:creationId xmlns:a16="http://schemas.microsoft.com/office/drawing/2014/main" id="{E2EE9DD5-AF1B-40BF-B5C5-BAE02F47808C}"/>
               </a:ext>
             </a:extLst>
           </p:cNvPr>
@@ -14702,8 +14907,8 @@
         </p:blipFill>
         <p:spPr bwMode="auto">
           <a:xfrm>
-            <a:off x="5921739" y="3484247"/>
-            <a:ext cx="6169072" cy="3352757"/>
+            <a:off x="5754432" y="3573016"/>
+            <a:ext cx="6150608" cy="3284984"/>
           </a:xfrm>
           <a:prstGeom prst="rect">
             <a:avLst/>
@@ -14723,7 +14928,7 @@
     </p:spTree>
     <p:extLst>
       <p:ext uri="{BB962C8B-B14F-4D97-AF65-F5344CB8AC3E}">
-        <p14:creationId xmlns:p14="http://schemas.microsoft.com/office/powerpoint/2010/main" val="3953406401"/>
+        <p14:creationId xmlns:p14="http://schemas.microsoft.com/office/powerpoint/2010/main" val="3008781515"/>
       </p:ext>
     </p:extLst>
   </p:cSld>
@@ -30385,6 +30590,1953 @@
         <p:spPr>
           <a:xfrm>
             <a:off x="237303" y="1195437"/>
+            <a:ext cx="5066609" cy="4893647"/>
+          </a:xfrm>
+          <a:prstGeom prst="rect">
+            <a:avLst/>
+          </a:prstGeom>
+          <a:noFill/>
+        </p:spPr>
+        <p:txBody>
+          <a:bodyPr wrap="square" rtlCol="0">
+            <a:spAutoFit/>
+          </a:bodyPr>
+          <a:lstStyle/>
+          <a:p>
+            <a:pPr marL="342900" indent="-342900">
+              <a:buFont typeface="Wingdings" panose="05000000000000000000" pitchFamily="2" charset="2"/>
+              <a:buChar char="l"/>
+            </a:pPr>
+            <a:r>
+              <a:rPr lang="zh-CN" altLang="en-US" sz="2000" b="1" dirty="0"/>
+              <a:t>结构化风险（</a:t>
+            </a:r>
+            <a:r>
+              <a:rPr lang="en-US" altLang="zh-CN" sz="2000" b="1" dirty="0"/>
+              <a:t> L1, L2</a:t>
+            </a:r>
+            <a:r>
+              <a:rPr lang="zh-CN" altLang="en-US" sz="2000" b="1" dirty="0"/>
+              <a:t>正则化）</a:t>
+            </a:r>
+            <a:endParaRPr lang="en-US" altLang="zh-CN" sz="2000" b="1" dirty="0"/>
+          </a:p>
+          <a:p>
+            <a:r>
+              <a:rPr lang="en-US" altLang="zh-CN" sz="2000" b="1" dirty="0">
+                <a:solidFill>
+                  <a:srgbClr val="FF0000"/>
+                </a:solidFill>
+              </a:rPr>
+              <a:t>WHY</a:t>
+            </a:r>
+            <a:r>
+              <a:rPr lang="zh-CN" altLang="en-US" sz="2000" b="1" dirty="0">
+                <a:solidFill>
+                  <a:srgbClr val="FF0000"/>
+                </a:solidFill>
+              </a:rPr>
+              <a:t>？</a:t>
+            </a:r>
+            <a:r>
+              <a:rPr lang="en-US" altLang="zh-CN" sz="2000" b="1" dirty="0">
+                <a:solidFill>
+                  <a:srgbClr val="FF0000"/>
+                </a:solidFill>
+              </a:rPr>
+              <a:t>WHAT</a:t>
+            </a:r>
+            <a:r>
+              <a:rPr lang="zh-CN" altLang="en-US" sz="2000" b="1" dirty="0">
+                <a:solidFill>
+                  <a:srgbClr val="FF0000"/>
+                </a:solidFill>
+              </a:rPr>
+              <a:t>？</a:t>
+            </a:r>
+            <a:r>
+              <a:rPr lang="en-US" altLang="zh-CN" sz="2000" b="1" dirty="0">
+                <a:solidFill>
+                  <a:srgbClr val="FF0000"/>
+                </a:solidFill>
+              </a:rPr>
+              <a:t>HOW</a:t>
+            </a:r>
+            <a:r>
+              <a:rPr lang="zh-CN" altLang="en-US" sz="2000" b="1" dirty="0">
+                <a:solidFill>
+                  <a:srgbClr val="FF0000"/>
+                </a:solidFill>
+              </a:rPr>
+              <a:t>？</a:t>
+            </a:r>
+            <a:endParaRPr lang="en-US" altLang="zh-CN" sz="2000" b="1" dirty="0">
+              <a:solidFill>
+                <a:srgbClr val="FF0000"/>
+              </a:solidFill>
+            </a:endParaRPr>
+          </a:p>
+          <a:p>
+            <a:endParaRPr lang="en-US" altLang="zh-CN" sz="2000" b="1" dirty="0">
+              <a:solidFill>
+                <a:srgbClr val="FF0000"/>
+              </a:solidFill>
+            </a:endParaRPr>
+          </a:p>
+          <a:p>
+            <a:r>
+              <a:rPr lang="zh-CN" altLang="en-US" b="1" dirty="0"/>
+              <a:t>核心思想：</a:t>
+            </a:r>
+            <a:endParaRPr lang="en-US" altLang="zh-CN" b="1" dirty="0"/>
+          </a:p>
+          <a:p>
+            <a:endParaRPr lang="en-US" altLang="zh-CN" dirty="0"/>
+          </a:p>
+          <a:p>
+            <a:r>
+              <a:rPr lang="zh-CN" altLang="en-US" dirty="0"/>
+              <a:t>以</a:t>
+            </a:r>
+            <a:r>
+              <a:rPr lang="en-US" altLang="zh-CN" dirty="0"/>
+              <a:t>L2</a:t>
+            </a:r>
+            <a:r>
+              <a:rPr lang="zh-CN" altLang="en-US" dirty="0"/>
+              <a:t>正则化为例进行探讨</a:t>
+            </a:r>
+            <a:r>
+              <a:rPr lang="en-US" altLang="zh-CN" dirty="0"/>
+              <a:t>, </a:t>
+            </a:r>
+            <a:r>
+              <a:rPr lang="zh-CN" altLang="en-US" dirty="0"/>
+              <a:t>机器学习的过程是一个 通过修改参数 </a:t>
+            </a:r>
+            <a:r>
+              <a:rPr lang="en-US" altLang="zh-CN" dirty="0"/>
+              <a:t>theta </a:t>
+            </a:r>
+            <a:r>
+              <a:rPr lang="zh-CN" altLang="en-US" dirty="0"/>
+              <a:t>来减小误差的过程</a:t>
+            </a:r>
+            <a:r>
+              <a:rPr lang="en-US" altLang="zh-CN" dirty="0"/>
+              <a:t>, </a:t>
+            </a:r>
+            <a:r>
+              <a:rPr lang="zh-CN" altLang="en-US" dirty="0"/>
+              <a:t>可是在减小误差的时候非线性越强的参数</a:t>
+            </a:r>
+            <a:r>
+              <a:rPr lang="en-US" altLang="zh-CN" dirty="0"/>
+              <a:t>, </a:t>
+            </a:r>
+            <a:r>
+              <a:rPr lang="zh-CN" altLang="en-US" dirty="0"/>
+              <a:t>比如在 </a:t>
+            </a:r>
+            <a:r>
+              <a:rPr lang="en-US" altLang="zh-CN" dirty="0"/>
+              <a:t>x^3 </a:t>
+            </a:r>
+            <a:r>
+              <a:rPr lang="zh-CN" altLang="en-US" dirty="0"/>
+              <a:t>旁边的 </a:t>
+            </a:r>
+            <a:r>
+              <a:rPr lang="en-US" altLang="zh-CN" dirty="0"/>
+              <a:t>theta 4 </a:t>
+            </a:r>
+            <a:r>
+              <a:rPr lang="zh-CN" altLang="en-US" dirty="0"/>
+              <a:t>就会被修改得越多</a:t>
+            </a:r>
+            <a:r>
+              <a:rPr lang="en-US" altLang="zh-CN" dirty="0"/>
+              <a:t>, </a:t>
+            </a:r>
+            <a:r>
+              <a:rPr lang="zh-CN" altLang="en-US" dirty="0"/>
+              <a:t>因为如果使用非线性强的参数就能使方程更加曲折</a:t>
+            </a:r>
+            <a:r>
+              <a:rPr lang="en-US" altLang="zh-CN" dirty="0"/>
+              <a:t>, </a:t>
+            </a:r>
+            <a:r>
+              <a:rPr lang="zh-CN" altLang="en-US" dirty="0"/>
+              <a:t>也就能更好的拟合上那些分布的数据点</a:t>
+            </a:r>
+            <a:r>
+              <a:rPr lang="en-US" altLang="zh-CN" dirty="0"/>
+              <a:t>. Theta 4</a:t>
+            </a:r>
+            <a:r>
+              <a:rPr lang="zh-CN" altLang="en-US" dirty="0"/>
+              <a:t>作为非线性强的参数系数</a:t>
+            </a:r>
+            <a:r>
+              <a:rPr lang="en-US" altLang="zh-CN" dirty="0"/>
+              <a:t>, </a:t>
+            </a:r>
+            <a:r>
+              <a:rPr lang="zh-CN" altLang="en-US" dirty="0"/>
+              <a:t>改变模型的很明显</a:t>
+            </a:r>
+            <a:r>
+              <a:rPr lang="en-US" altLang="zh-CN" dirty="0"/>
+              <a:t>, </a:t>
+            </a:r>
+            <a:r>
+              <a:rPr lang="zh-CN" altLang="en-US" dirty="0"/>
+              <a:t>很容易拟合所有的数据</a:t>
+            </a:r>
+            <a:r>
+              <a:rPr lang="en-US" altLang="zh-CN" dirty="0"/>
+              <a:t>, </a:t>
+            </a:r>
+            <a:r>
+              <a:rPr lang="zh-CN" altLang="en-US" dirty="0"/>
+              <a:t>然而误差方程需要保证模型的鲁棒性，如果</a:t>
+            </a:r>
+            <a:r>
+              <a:rPr lang="en-US" altLang="zh-CN" dirty="0"/>
+              <a:t>Theta 4</a:t>
+            </a:r>
+            <a:r>
+              <a:rPr lang="zh-CN" altLang="en-US" dirty="0"/>
+              <a:t>错了</a:t>
+            </a:r>
+            <a:r>
+              <a:rPr lang="en-US" altLang="zh-CN" dirty="0"/>
+              <a:t>, </a:t>
+            </a:r>
+            <a:r>
+              <a:rPr lang="zh-CN" altLang="en-US" dirty="0"/>
+              <a:t>整个误差方程的效率就突然降低了</a:t>
+            </a:r>
+            <a:r>
+              <a:rPr lang="en-US" altLang="zh-CN" dirty="0"/>
+              <a:t>, </a:t>
+            </a:r>
+            <a:r>
+              <a:rPr lang="zh-CN" altLang="en-US" dirty="0"/>
+              <a:t>因此误差方程需要“惩罚”方程中“独出风头” 的参数系数</a:t>
+            </a:r>
+            <a:r>
+              <a:rPr lang="en-US" altLang="zh-CN" dirty="0"/>
+              <a:t>. </a:t>
+            </a:r>
+            <a:r>
+              <a:rPr lang="zh-CN" altLang="en-US" dirty="0"/>
+              <a:t>这就是整套正规化算法的核心思想。</a:t>
+            </a:r>
+            <a:endParaRPr lang="en-US" altLang="zh-CN" sz="2000" b="1" dirty="0">
+              <a:solidFill>
+                <a:srgbClr val="FF0000"/>
+              </a:solidFill>
+            </a:endParaRPr>
+          </a:p>
+        </p:txBody>
+      </p:sp>
+      <p:sp>
+        <p:nvSpPr>
+          <p:cNvPr id="3" name="AutoShape 2" descr="[公式]">
+            <a:extLst>
+              <a:ext uri="{FF2B5EF4-FFF2-40B4-BE49-F238E27FC236}">
+                <a16:creationId xmlns:a16="http://schemas.microsoft.com/office/drawing/2014/main" id="{E557092A-43CE-4A70-84F7-39F580A0FEAB}"/>
+              </a:ext>
+            </a:extLst>
+          </p:cNvPr>
+          <p:cNvSpPr>
+            <a:spLocks noChangeAspect="1" noChangeArrowheads="1"/>
+          </p:cNvSpPr>
+          <p:nvPr/>
+        </p:nvSpPr>
+        <p:spPr bwMode="auto">
+          <a:xfrm>
+            <a:off x="3432175" y="-144463"/>
+            <a:ext cx="304800" cy="304801"/>
+          </a:xfrm>
+          <a:prstGeom prst="rect">
+            <a:avLst/>
+          </a:prstGeom>
+          <a:noFill/>
+          <a:extLst>
+            <a:ext uri="{909E8E84-426E-40DD-AFC4-6F175D3DCCD1}">
+              <a14:hiddenFill xmlns:a14="http://schemas.microsoft.com/office/drawing/2010/main">
+                <a:solidFill>
+                  <a:srgbClr val="FFFFFF"/>
+                </a:solidFill>
+              </a14:hiddenFill>
+            </a:ext>
+          </a:extLst>
+        </p:spPr>
+        <p:txBody>
+          <a:bodyPr vert="horz" wrap="square" lIns="91440" tIns="45720" rIns="91440" bIns="45720" numCol="1" anchor="t" anchorCtr="0" compatLnSpc="1">
+            <a:prstTxWarp prst="textNoShape">
+              <a:avLst/>
+            </a:prstTxWarp>
+          </a:bodyPr>
+          <a:lstStyle/>
+          <a:p>
+            <a:endParaRPr lang="zh-CN" altLang="en-US"/>
+          </a:p>
+        </p:txBody>
+      </p:sp>
+      <p:sp>
+        <p:nvSpPr>
+          <p:cNvPr id="13" name="AutoShape 8" descr="[公式]">
+            <a:extLst>
+              <a:ext uri="{FF2B5EF4-FFF2-40B4-BE49-F238E27FC236}">
+                <a16:creationId xmlns:a16="http://schemas.microsoft.com/office/drawing/2014/main" id="{3B151B13-88AE-47D1-A17E-AB83318390A2}"/>
+              </a:ext>
+            </a:extLst>
+          </p:cNvPr>
+          <p:cNvSpPr>
+            <a:spLocks noChangeAspect="1" noChangeArrowheads="1"/>
+          </p:cNvSpPr>
+          <p:nvPr/>
+        </p:nvSpPr>
+        <p:spPr bwMode="auto">
+          <a:xfrm flipV="1">
+            <a:off x="15636875" y="-1014094"/>
+            <a:ext cx="141599" cy="45719"/>
+          </a:xfrm>
+          <a:prstGeom prst="rect">
+            <a:avLst/>
+          </a:prstGeom>
+          <a:noFill/>
+          <a:extLst>
+            <a:ext uri="{909E8E84-426E-40DD-AFC4-6F175D3DCCD1}">
+              <a14:hiddenFill xmlns:a14="http://schemas.microsoft.com/office/drawing/2010/main">
+                <a:solidFill>
+                  <a:srgbClr val="FFFFFF"/>
+                </a:solidFill>
+              </a14:hiddenFill>
+            </a:ext>
+          </a:extLst>
+        </p:spPr>
+        <p:txBody>
+          <a:bodyPr vert="horz" wrap="square" lIns="91440" tIns="45720" rIns="91440" bIns="45720" numCol="1" anchor="t" anchorCtr="0" compatLnSpc="1">
+            <a:prstTxWarp prst="textNoShape">
+              <a:avLst/>
+            </a:prstTxWarp>
+          </a:bodyPr>
+          <a:lstStyle/>
+          <a:p>
+            <a:endParaRPr lang="zh-CN" altLang="en-US"/>
+          </a:p>
+        </p:txBody>
+      </p:sp>
+      <p:sp>
+        <p:nvSpPr>
+          <p:cNvPr id="12" name="文本框 11">
+            <a:extLst>
+              <a:ext uri="{FF2B5EF4-FFF2-40B4-BE49-F238E27FC236}">
+                <a16:creationId xmlns:a16="http://schemas.microsoft.com/office/drawing/2014/main" id="{01FD16D1-3796-4A35-BBE5-0FE38C32D8FB}"/>
+              </a:ext>
+            </a:extLst>
+          </p:cNvPr>
+          <p:cNvSpPr txBox="1"/>
+          <p:nvPr/>
+        </p:nvSpPr>
+        <p:spPr>
+          <a:xfrm>
+            <a:off x="283263" y="447055"/>
+            <a:ext cx="3453712" cy="461665"/>
+          </a:xfrm>
+          <a:prstGeom prst="rect">
+            <a:avLst/>
+          </a:prstGeom>
+          <a:noFill/>
+        </p:spPr>
+        <p:txBody>
+          <a:bodyPr wrap="square" rtlCol="0">
+            <a:spAutoFit/>
+          </a:bodyPr>
+          <a:lstStyle/>
+          <a:p>
+            <a:r>
+              <a:rPr lang="zh-CN" altLang="en-US" sz="2400" dirty="0">
+                <a:latin typeface="Agency FB" panose="020B0503020202020204" pitchFamily="34" charset="0"/>
+              </a:rPr>
+              <a:t>结构化风险（</a:t>
+            </a:r>
+            <a:r>
+              <a:rPr lang="en-US" altLang="zh-CN" sz="2400" dirty="0">
+                <a:latin typeface="Agency FB" panose="020B0503020202020204" pitchFamily="34" charset="0"/>
+              </a:rPr>
+              <a:t>L1,L2</a:t>
+            </a:r>
+            <a:r>
+              <a:rPr lang="zh-CN" altLang="en-US" sz="2400" dirty="0">
+                <a:latin typeface="Agency FB" panose="020B0503020202020204" pitchFamily="34" charset="0"/>
+              </a:rPr>
+              <a:t>正则化）</a:t>
+            </a:r>
+            <a:endParaRPr lang="en-US" altLang="zh-CN" sz="2400" dirty="0">
+              <a:latin typeface="Agency FB" panose="020B0503020202020204" pitchFamily="34" charset="0"/>
+            </a:endParaRPr>
+          </a:p>
+        </p:txBody>
+      </p:sp>
+      <p:pic>
+        <p:nvPicPr>
+          <p:cNvPr id="9218" name="Picture 2" descr="preview">
+            <a:extLst>
+              <a:ext uri="{FF2B5EF4-FFF2-40B4-BE49-F238E27FC236}">
+                <a16:creationId xmlns:a16="http://schemas.microsoft.com/office/drawing/2014/main" id="{57B1CF31-18B4-4817-8270-B4D778A18723}"/>
+              </a:ext>
+            </a:extLst>
+          </p:cNvPr>
+          <p:cNvPicPr>
+            <a:picLocks noChangeAspect="1" noChangeArrowheads="1"/>
+          </p:cNvPicPr>
+          <p:nvPr/>
+        </p:nvPicPr>
+        <p:blipFill>
+          <a:blip r:embed="rId3">
+            <a:extLst>
+              <a:ext uri="{28A0092B-C50C-407E-A947-70E740481C1C}">
+                <a14:useLocalDpi xmlns:a14="http://schemas.microsoft.com/office/drawing/2010/main" val="0"/>
+              </a:ext>
+            </a:extLst>
+          </a:blip>
+          <a:srcRect/>
+          <a:stretch>
+            <a:fillRect/>
+          </a:stretch>
+        </p:blipFill>
+        <p:spPr bwMode="auto">
+          <a:xfrm>
+            <a:off x="5442199" y="1195437"/>
+            <a:ext cx="6729016" cy="3707825"/>
+          </a:xfrm>
+          <a:prstGeom prst="rect">
+            <a:avLst/>
+          </a:prstGeom>
+          <a:noFill/>
+          <a:extLst>
+            <a:ext uri="{909E8E84-426E-40DD-AFC4-6F175D3DCCD1}">
+              <a14:hiddenFill xmlns:a14="http://schemas.microsoft.com/office/drawing/2010/main">
+                <a:solidFill>
+                  <a:srgbClr val="FFFFFF"/>
+                </a:solidFill>
+              </a14:hiddenFill>
+            </a:ext>
+          </a:extLst>
+        </p:spPr>
+      </p:pic>
+    </p:spTree>
+    <p:extLst>
+      <p:ext uri="{BB962C8B-B14F-4D97-AF65-F5344CB8AC3E}">
+        <p14:creationId xmlns:p14="http://schemas.microsoft.com/office/powerpoint/2010/main" val="21040560"/>
+      </p:ext>
+    </p:extLst>
+  </p:cSld>
+  <p:clrMapOvr>
+    <a:masterClrMapping/>
+  </p:clrMapOvr>
+  <mc:AlternateContent xmlns:mc="http://schemas.openxmlformats.org/markup-compatibility/2006" xmlns:p14="http://schemas.microsoft.com/office/powerpoint/2010/main">
+    <mc:Choice Requires="p14">
+      <p:transition spd="slow" p14:dur="2000" advTm="3000"/>
+    </mc:Choice>
+    <mc:Fallback xmlns="">
+      <p:transition spd="slow" advTm="3000"/>
+    </mc:Fallback>
+  </mc:AlternateContent>
+  <p:timing>
+    <p:tnLst>
+      <p:par>
+        <p:cTn id="1" dur="indefinite" restart="never" nodeType="tmRoot">
+          <p:childTnLst>
+            <p:seq concurrent="1" nextAc="seek">
+              <p:cTn id="2" dur="indefinite" nodeType="mainSeq">
+                <p:childTnLst>
+                  <p:par>
+                    <p:cTn id="3" fill="hold">
+                      <p:stCondLst>
+                        <p:cond delay="indefinite"/>
+                        <p:cond evt="onBegin" delay="0">
+                          <p:tn val="2"/>
+                        </p:cond>
+                      </p:stCondLst>
+                      <p:childTnLst>
+                        <p:par>
+                          <p:cTn id="4" fill="hold">
+                            <p:stCondLst>
+                              <p:cond delay="0"/>
+                            </p:stCondLst>
+                            <p:childTnLst>
+                              <p:par>
+                                <p:cTn id="5" presetID="2" presetClass="entr" presetSubtype="8" fill="hold" nodeType="withEffect">
+                                  <p:stCondLst>
+                                    <p:cond delay="0"/>
+                                  </p:stCondLst>
+                                  <p:childTnLst>
+                                    <p:set>
+                                      <p:cBhvr>
+                                        <p:cTn id="6" dur="1" fill="hold">
+                                          <p:stCondLst>
+                                            <p:cond delay="0"/>
+                                          </p:stCondLst>
+                                        </p:cTn>
+                                        <p:tgtEl>
+                                          <p:spTgt spid="6"/>
+                                        </p:tgtEl>
+                                        <p:attrNameLst>
+                                          <p:attrName>style.visibility</p:attrName>
+                                        </p:attrNameLst>
+                                      </p:cBhvr>
+                                      <p:to>
+                                        <p:strVal val="visible"/>
+                                      </p:to>
+                                    </p:set>
+                                    <p:anim calcmode="lin" valueType="num">
+                                      <p:cBhvr additive="base">
+                                        <p:cTn id="7" dur="500" fill="hold"/>
+                                        <p:tgtEl>
+                                          <p:spTgt spid="6"/>
+                                        </p:tgtEl>
+                                        <p:attrNameLst>
+                                          <p:attrName>ppt_x</p:attrName>
+                                        </p:attrNameLst>
+                                      </p:cBhvr>
+                                      <p:tavLst>
+                                        <p:tav tm="0">
+                                          <p:val>
+                                            <p:strVal val="0-#ppt_w/2"/>
+                                          </p:val>
+                                        </p:tav>
+                                        <p:tav tm="100000">
+                                          <p:val>
+                                            <p:strVal val="#ppt_x"/>
+                                          </p:val>
+                                        </p:tav>
+                                      </p:tavLst>
+                                    </p:anim>
+                                    <p:anim calcmode="lin" valueType="num">
+                                      <p:cBhvr additive="base">
+                                        <p:cTn id="8" dur="500" fill="hold"/>
+                                        <p:tgtEl>
+                                          <p:spTgt spid="6"/>
+                                        </p:tgtEl>
+                                        <p:attrNameLst>
+                                          <p:attrName>ppt_y</p:attrName>
+                                        </p:attrNameLst>
+                                      </p:cBhvr>
+                                      <p:tavLst>
+                                        <p:tav tm="0">
+                                          <p:val>
+                                            <p:strVal val="#ppt_y"/>
+                                          </p:val>
+                                        </p:tav>
+                                        <p:tav tm="100000">
+                                          <p:val>
+                                            <p:strVal val="#ppt_y"/>
+                                          </p:val>
+                                        </p:tav>
+                                      </p:tavLst>
+                                    </p:anim>
+                                  </p:childTnLst>
+                                </p:cTn>
+                              </p:par>
+                            </p:childTnLst>
+                          </p:cTn>
+                        </p:par>
+                        <p:par>
+                          <p:cTn id="9" fill="hold">
+                            <p:stCondLst>
+                              <p:cond delay="500"/>
+                            </p:stCondLst>
+                            <p:childTnLst>
+                              <p:par>
+                                <p:cTn id="10" presetID="2" presetClass="entr" presetSubtype="8" fill="hold" grpId="0" nodeType="afterEffect">
+                                  <p:stCondLst>
+                                    <p:cond delay="0"/>
+                                  </p:stCondLst>
+                                  <p:childTnLst>
+                                    <p:set>
+                                      <p:cBhvr>
+                                        <p:cTn id="11" dur="1" fill="hold">
+                                          <p:stCondLst>
+                                            <p:cond delay="0"/>
+                                          </p:stCondLst>
+                                        </p:cTn>
+                                        <p:tgtEl>
+                                          <p:spTgt spid="4"/>
+                                        </p:tgtEl>
+                                        <p:attrNameLst>
+                                          <p:attrName>style.visibility</p:attrName>
+                                        </p:attrNameLst>
+                                      </p:cBhvr>
+                                      <p:to>
+                                        <p:strVal val="visible"/>
+                                      </p:to>
+                                    </p:set>
+                                    <p:anim calcmode="lin" valueType="num">
+                                      <p:cBhvr additive="base">
+                                        <p:cTn id="12" dur="500" fill="hold"/>
+                                        <p:tgtEl>
+                                          <p:spTgt spid="4"/>
+                                        </p:tgtEl>
+                                        <p:attrNameLst>
+                                          <p:attrName>ppt_x</p:attrName>
+                                        </p:attrNameLst>
+                                      </p:cBhvr>
+                                      <p:tavLst>
+                                        <p:tav tm="0">
+                                          <p:val>
+                                            <p:strVal val="0-#ppt_w/2"/>
+                                          </p:val>
+                                        </p:tav>
+                                        <p:tav tm="100000">
+                                          <p:val>
+                                            <p:strVal val="#ppt_x"/>
+                                          </p:val>
+                                        </p:tav>
+                                      </p:tavLst>
+                                    </p:anim>
+                                    <p:anim calcmode="lin" valueType="num">
+                                      <p:cBhvr additive="base">
+                                        <p:cTn id="13" dur="500" fill="hold"/>
+                                        <p:tgtEl>
+                                          <p:spTgt spid="4"/>
+                                        </p:tgtEl>
+                                        <p:attrNameLst>
+                                          <p:attrName>ppt_y</p:attrName>
+                                        </p:attrNameLst>
+                                      </p:cBhvr>
+                                      <p:tavLst>
+                                        <p:tav tm="0">
+                                          <p:val>
+                                            <p:strVal val="#ppt_y"/>
+                                          </p:val>
+                                        </p:tav>
+                                        <p:tav tm="100000">
+                                          <p:val>
+                                            <p:strVal val="#ppt_y"/>
+                                          </p:val>
+                                        </p:tav>
+                                      </p:tavLst>
+                                    </p:anim>
+                                  </p:childTnLst>
+                                </p:cTn>
+                              </p:par>
+                            </p:childTnLst>
+                          </p:cTn>
+                        </p:par>
+                        <p:par>
+                          <p:cTn id="14" fill="hold">
+                            <p:stCondLst>
+                              <p:cond delay="1000"/>
+                            </p:stCondLst>
+                            <p:childTnLst>
+                              <p:par>
+                                <p:cTn id="15" presetID="22" presetClass="entr" presetSubtype="1" fill="hold" grpId="0" nodeType="afterEffect">
+                                  <p:stCondLst>
+                                    <p:cond delay="0"/>
+                                  </p:stCondLst>
+                                  <p:childTnLst>
+                                    <p:set>
+                                      <p:cBhvr>
+                                        <p:cTn id="16" dur="1" fill="hold">
+                                          <p:stCondLst>
+                                            <p:cond delay="0"/>
+                                          </p:stCondLst>
+                                        </p:cTn>
+                                        <p:tgtEl>
+                                          <p:spTgt spid="7"/>
+                                        </p:tgtEl>
+                                        <p:attrNameLst>
+                                          <p:attrName>style.visibility</p:attrName>
+                                        </p:attrNameLst>
+                                      </p:cBhvr>
+                                      <p:to>
+                                        <p:strVal val="visible"/>
+                                      </p:to>
+                                    </p:set>
+                                    <p:animEffect transition="in" filter="wipe(up)">
+                                      <p:cBhvr>
+                                        <p:cTn id="17" dur="500"/>
+                                        <p:tgtEl>
+                                          <p:spTgt spid="7"/>
+                                        </p:tgtEl>
+                                      </p:cBhvr>
+                                    </p:animEffect>
+                                  </p:childTnLst>
+                                </p:cTn>
+                              </p:par>
+                            </p:childTnLst>
+                          </p:cTn>
+                        </p:par>
+                        <p:par>
+                          <p:cTn id="18" fill="hold">
+                            <p:stCondLst>
+                              <p:cond delay="1500"/>
+                            </p:stCondLst>
+                            <p:childTnLst>
+                              <p:par>
+                                <p:cTn id="19" presetID="12" presetClass="entr" presetSubtype="1" fill="hold" grpId="0" nodeType="afterEffect">
+                                  <p:stCondLst>
+                                    <p:cond delay="0"/>
+                                  </p:stCondLst>
+                                  <p:iterate type="lt">
+                                    <p:tmPct val="10000"/>
+                                  </p:iterate>
+                                  <p:childTnLst>
+                                    <p:set>
+                                      <p:cBhvr>
+                                        <p:cTn id="20" dur="1" fill="hold">
+                                          <p:stCondLst>
+                                            <p:cond delay="0"/>
+                                          </p:stCondLst>
+                                        </p:cTn>
+                                        <p:tgtEl>
+                                          <p:spTgt spid="12"/>
+                                        </p:tgtEl>
+                                        <p:attrNameLst>
+                                          <p:attrName>style.visibility</p:attrName>
+                                        </p:attrNameLst>
+                                      </p:cBhvr>
+                                      <p:to>
+                                        <p:strVal val="visible"/>
+                                      </p:to>
+                                    </p:set>
+                                    <p:anim calcmode="lin" valueType="num">
+                                      <p:cBhvr additive="base">
+                                        <p:cTn id="21" dur="250"/>
+                                        <p:tgtEl>
+                                          <p:spTgt spid="12"/>
+                                        </p:tgtEl>
+                                        <p:attrNameLst>
+                                          <p:attrName>ppt_y</p:attrName>
+                                        </p:attrNameLst>
+                                      </p:cBhvr>
+                                      <p:tavLst>
+                                        <p:tav tm="0">
+                                          <p:val>
+                                            <p:strVal val="#ppt_y-#ppt_h*1.125000"/>
+                                          </p:val>
+                                        </p:tav>
+                                        <p:tav tm="100000">
+                                          <p:val>
+                                            <p:strVal val="#ppt_y"/>
+                                          </p:val>
+                                        </p:tav>
+                                      </p:tavLst>
+                                    </p:anim>
+                                    <p:animEffect transition="in" filter="wipe(down)">
+                                      <p:cBhvr>
+                                        <p:cTn id="22" dur="250"/>
+                                        <p:tgtEl>
+                                          <p:spTgt spid="12"/>
+                                        </p:tgtEl>
+                                      </p:cBhvr>
+                                    </p:animEffect>
+                                  </p:childTnLst>
+                                </p:cTn>
+                              </p:par>
+                            </p:childTnLst>
+                          </p:cTn>
+                        </p:par>
+                      </p:childTnLst>
+                    </p:cTn>
+                  </p:par>
+                </p:childTnLst>
+              </p:cTn>
+              <p:prevCondLst>
+                <p:cond evt="onPrev" delay="0">
+                  <p:tgtEl>
+                    <p:sldTgt/>
+                  </p:tgtEl>
+                </p:cond>
+              </p:prevCondLst>
+              <p:nextCondLst>
+                <p:cond evt="onNext" delay="0">
+                  <p:tgtEl>
+                    <p:sldTgt/>
+                  </p:tgtEl>
+                </p:cond>
+              </p:nextCondLst>
+            </p:seq>
+          </p:childTnLst>
+        </p:cTn>
+      </p:par>
+    </p:tnLst>
+    <p:bldLst>
+      <p:bldP spid="4" grpId="0" animBg="1"/>
+      <p:bldP spid="7" grpId="0"/>
+      <p:bldP spid="12" grpId="0"/>
+    </p:bldLst>
+  </p:timing>
+</p:sld>
+</file>
+
+<file path=ppt/slides/slide21.xml><?xml version="1.0" encoding="utf-8"?>
+<p:sld xmlns:a="http://schemas.openxmlformats.org/drawingml/2006/main" xmlns:r="http://schemas.openxmlformats.org/officeDocument/2006/relationships" xmlns:p="http://schemas.openxmlformats.org/presentationml/2006/main">
+  <p:cSld>
+    <p:spTree>
+      <p:nvGrpSpPr>
+        <p:cNvPr id="1" name=""/>
+        <p:cNvGrpSpPr/>
+        <p:nvPr/>
+      </p:nvGrpSpPr>
+      <p:grpSpPr>
+        <a:xfrm>
+          <a:off x="0" y="0"/>
+          <a:ext cx="0" cy="0"/>
+          <a:chOff x="0" y="0"/>
+          <a:chExt cx="0" cy="0"/>
+        </a:xfrm>
+      </p:grpSpPr>
+      <p:sp>
+        <p:nvSpPr>
+          <p:cNvPr id="4" name="椭圆 3"/>
+          <p:cNvSpPr/>
+          <p:nvPr/>
+        </p:nvSpPr>
+        <p:spPr>
+          <a:xfrm flipV="1">
+            <a:off x="3472892" y="836712"/>
+            <a:ext cx="144016" cy="144016"/>
+          </a:xfrm>
+          <a:prstGeom prst="ellipse">
+            <a:avLst/>
+          </a:prstGeom>
+          <a:solidFill>
+            <a:schemeClr val="tx1"/>
+          </a:solidFill>
+          <a:ln>
+            <a:noFill/>
+          </a:ln>
+        </p:spPr>
+        <p:style>
+          <a:lnRef idx="2">
+            <a:schemeClr val="accent1">
+              <a:shade val="50000"/>
+            </a:schemeClr>
+          </a:lnRef>
+          <a:fillRef idx="1">
+            <a:schemeClr val="accent1"/>
+          </a:fillRef>
+          <a:effectRef idx="0">
+            <a:schemeClr val="accent1"/>
+          </a:effectRef>
+          <a:fontRef idx="minor">
+            <a:schemeClr val="lt1"/>
+          </a:fontRef>
+        </p:style>
+        <p:txBody>
+          <a:bodyPr rtlCol="0" anchor="ctr"/>
+          <a:lstStyle/>
+          <a:p>
+            <a:pPr algn="ctr"/>
+            <a:endParaRPr lang="zh-CN" altLang="en-US"/>
+          </a:p>
+        </p:txBody>
+      </p:sp>
+      <p:cxnSp>
+        <p:nvCxnSpPr>
+          <p:cNvPr id="6" name="直接连接符 5"/>
+          <p:cNvCxnSpPr>
+            <a:endCxn id="4" idx="2"/>
+          </p:cNvCxnSpPr>
+          <p:nvPr/>
+        </p:nvCxnSpPr>
+        <p:spPr>
+          <a:xfrm flipV="1">
+            <a:off x="-30820" y="908720"/>
+            <a:ext cx="3503712" cy="1"/>
+          </a:xfrm>
+          <a:prstGeom prst="line">
+            <a:avLst/>
+          </a:prstGeom>
+          <a:ln>
+            <a:solidFill>
+              <a:schemeClr val="tx1"/>
+            </a:solidFill>
+          </a:ln>
+        </p:spPr>
+        <p:style>
+          <a:lnRef idx="1">
+            <a:schemeClr val="accent1"/>
+          </a:lnRef>
+          <a:fillRef idx="0">
+            <a:schemeClr val="accent1"/>
+          </a:fillRef>
+          <a:effectRef idx="0">
+            <a:schemeClr val="accent1"/>
+          </a:effectRef>
+          <a:fontRef idx="minor">
+            <a:schemeClr val="tx1"/>
+          </a:fontRef>
+        </p:style>
+      </p:cxnSp>
+      <p:sp>
+        <p:nvSpPr>
+          <p:cNvPr id="7" name="文本框 6">
+            <a:extLst>
+              <a:ext uri="{FF2B5EF4-FFF2-40B4-BE49-F238E27FC236}">
+                <a16:creationId xmlns:a16="http://schemas.microsoft.com/office/drawing/2014/main" id="{D8DC2788-085A-49A1-99C1-2B2A79BC6D17}"/>
+              </a:ext>
+            </a:extLst>
+          </p:cNvPr>
+          <p:cNvSpPr txBox="1"/>
+          <p:nvPr/>
+        </p:nvSpPr>
+        <p:spPr>
+          <a:xfrm>
+            <a:off x="237303" y="1195437"/>
+            <a:ext cx="5498657" cy="5447645"/>
+          </a:xfrm>
+          <a:prstGeom prst="rect">
+            <a:avLst/>
+          </a:prstGeom>
+          <a:noFill/>
+        </p:spPr>
+        <p:txBody>
+          <a:bodyPr wrap="square" rtlCol="0">
+            <a:spAutoFit/>
+          </a:bodyPr>
+          <a:lstStyle/>
+          <a:p>
+            <a:pPr marL="342900" indent="-342900">
+              <a:buFont typeface="Wingdings" panose="05000000000000000000" pitchFamily="2" charset="2"/>
+              <a:buChar char="l"/>
+            </a:pPr>
+            <a:r>
+              <a:rPr lang="zh-CN" altLang="en-US" sz="2000" b="1" dirty="0"/>
+              <a:t>结构化风险（</a:t>
+            </a:r>
+            <a:r>
+              <a:rPr lang="en-US" altLang="zh-CN" sz="2000" b="1" dirty="0"/>
+              <a:t> L1, L2</a:t>
+            </a:r>
+            <a:r>
+              <a:rPr lang="zh-CN" altLang="en-US" sz="2000" b="1" dirty="0"/>
+              <a:t>正则化）</a:t>
+            </a:r>
+            <a:endParaRPr lang="en-US" altLang="zh-CN" sz="2000" b="1" dirty="0"/>
+          </a:p>
+          <a:p>
+            <a:r>
+              <a:rPr lang="en-US" altLang="zh-CN" sz="2000" b="1" dirty="0">
+                <a:solidFill>
+                  <a:srgbClr val="FF0000"/>
+                </a:solidFill>
+              </a:rPr>
+              <a:t>WHY</a:t>
+            </a:r>
+            <a:r>
+              <a:rPr lang="zh-CN" altLang="en-US" sz="2000" b="1" dirty="0">
+                <a:solidFill>
+                  <a:srgbClr val="FF0000"/>
+                </a:solidFill>
+              </a:rPr>
+              <a:t>？</a:t>
+            </a:r>
+            <a:r>
+              <a:rPr lang="en-US" altLang="zh-CN" sz="2000" b="1" dirty="0">
+                <a:solidFill>
+                  <a:srgbClr val="FF0000"/>
+                </a:solidFill>
+              </a:rPr>
+              <a:t>WHAT</a:t>
+            </a:r>
+            <a:r>
+              <a:rPr lang="zh-CN" altLang="en-US" sz="2000" b="1" dirty="0">
+                <a:solidFill>
+                  <a:srgbClr val="FF0000"/>
+                </a:solidFill>
+              </a:rPr>
+              <a:t>？</a:t>
+            </a:r>
+            <a:r>
+              <a:rPr lang="en-US" altLang="zh-CN" sz="2000" b="1" dirty="0">
+                <a:solidFill>
+                  <a:srgbClr val="FF0000"/>
+                </a:solidFill>
+              </a:rPr>
+              <a:t>HOW</a:t>
+            </a:r>
+            <a:r>
+              <a:rPr lang="zh-CN" altLang="en-US" sz="2000" b="1" dirty="0">
+                <a:solidFill>
+                  <a:srgbClr val="FF0000"/>
+                </a:solidFill>
+              </a:rPr>
+              <a:t>？</a:t>
+            </a:r>
+            <a:endParaRPr lang="en-US" altLang="zh-CN" sz="2000" b="1" dirty="0">
+              <a:solidFill>
+                <a:srgbClr val="FF0000"/>
+              </a:solidFill>
+            </a:endParaRPr>
+          </a:p>
+          <a:p>
+            <a:endParaRPr lang="en-US" altLang="zh-CN" sz="2000" b="1" dirty="0">
+              <a:solidFill>
+                <a:srgbClr val="FF0000"/>
+              </a:solidFill>
+            </a:endParaRPr>
+          </a:p>
+          <a:p>
+            <a:r>
+              <a:rPr lang="zh-CN" altLang="en-US" b="1" dirty="0"/>
+              <a:t>图像化过程：</a:t>
+            </a:r>
+            <a:endParaRPr lang="en-US" altLang="zh-CN" b="1" dirty="0"/>
+          </a:p>
+          <a:p>
+            <a:endParaRPr lang="en-US" altLang="zh-CN" dirty="0"/>
+          </a:p>
+          <a:p>
+            <a:r>
+              <a:rPr lang="zh-CN" altLang="en-US" dirty="0"/>
+              <a:t>假设现在只有两个参数 </a:t>
+            </a:r>
+            <a:r>
+              <a:rPr lang="en-US" altLang="zh-CN" dirty="0"/>
+              <a:t>theta1 theta2 </a:t>
+            </a:r>
+            <a:r>
+              <a:rPr lang="zh-CN" altLang="en-US" dirty="0"/>
+              <a:t>要学习</a:t>
+            </a:r>
+            <a:r>
+              <a:rPr lang="en-US" altLang="zh-CN" dirty="0"/>
+              <a:t>, </a:t>
+            </a:r>
+            <a:r>
+              <a:rPr lang="zh-CN" altLang="en-US" dirty="0"/>
+              <a:t>蓝色的圆心是误差最小的地方</a:t>
+            </a:r>
+            <a:r>
+              <a:rPr lang="en-US" altLang="zh-CN" dirty="0"/>
+              <a:t>, </a:t>
+            </a:r>
+            <a:r>
+              <a:rPr lang="zh-CN" altLang="en-US" dirty="0"/>
+              <a:t>而每条蓝线上的误差都是一样的</a:t>
+            </a:r>
+            <a:r>
+              <a:rPr lang="en-US" altLang="zh-CN" dirty="0"/>
+              <a:t>. </a:t>
+            </a:r>
+            <a:r>
+              <a:rPr lang="zh-CN" altLang="en-US" dirty="0"/>
+              <a:t>正则化的方程是在黄线上产生的额外误差</a:t>
+            </a:r>
+            <a:r>
+              <a:rPr lang="en-US" altLang="zh-CN" dirty="0"/>
+              <a:t>(</a:t>
+            </a:r>
+            <a:r>
+              <a:rPr lang="zh-CN" altLang="en-US" dirty="0"/>
+              <a:t>也能理解为惩罚度</a:t>
+            </a:r>
+            <a:r>
+              <a:rPr lang="en-US" altLang="zh-CN" dirty="0"/>
+              <a:t>), </a:t>
+            </a:r>
+            <a:r>
+              <a:rPr lang="zh-CN" altLang="en-US" dirty="0"/>
+              <a:t>在黄圈上的额外误差也是一样</a:t>
+            </a:r>
+            <a:r>
+              <a:rPr lang="en-US" altLang="zh-CN" dirty="0"/>
+              <a:t>. </a:t>
+            </a:r>
+            <a:r>
+              <a:rPr lang="zh-CN" altLang="en-US" dirty="0"/>
+              <a:t>所以在蓝线和黄线 交点上的点能让两个误差的合最小</a:t>
+            </a:r>
+            <a:r>
+              <a:rPr lang="en-US" altLang="zh-CN" dirty="0"/>
+              <a:t>. </a:t>
+            </a:r>
+            <a:r>
+              <a:rPr lang="zh-CN" altLang="en-US" dirty="0"/>
+              <a:t>这就是 </a:t>
+            </a:r>
+            <a:r>
+              <a:rPr lang="en-US" altLang="zh-CN" dirty="0"/>
+              <a:t>theta1 </a:t>
+            </a:r>
+            <a:r>
+              <a:rPr lang="zh-CN" altLang="en-US" dirty="0"/>
+              <a:t>和 </a:t>
+            </a:r>
+            <a:r>
+              <a:rPr lang="en-US" altLang="zh-CN" dirty="0"/>
+              <a:t>theta2 </a:t>
+            </a:r>
+            <a:r>
+              <a:rPr lang="zh-CN" altLang="en-US" dirty="0"/>
+              <a:t>正则化后的解</a:t>
+            </a:r>
+            <a:r>
+              <a:rPr lang="en-US" altLang="zh-CN" dirty="0"/>
+              <a:t>. </a:t>
+            </a:r>
+            <a:r>
+              <a:rPr lang="zh-CN" altLang="en-US" dirty="0"/>
+              <a:t>要提到另外一点是</a:t>
+            </a:r>
+            <a:r>
+              <a:rPr lang="en-US" altLang="zh-CN" dirty="0"/>
+              <a:t>, </a:t>
+            </a:r>
+            <a:r>
+              <a:rPr lang="zh-CN" altLang="en-US" dirty="0"/>
+              <a:t>使用 </a:t>
+            </a:r>
+            <a:r>
+              <a:rPr lang="en-US" altLang="zh-CN" dirty="0"/>
+              <a:t>L1 </a:t>
+            </a:r>
+            <a:r>
+              <a:rPr lang="zh-CN" altLang="en-US" dirty="0"/>
+              <a:t>的方法</a:t>
+            </a:r>
+            <a:r>
+              <a:rPr lang="en-US" altLang="zh-CN" dirty="0"/>
+              <a:t>, </a:t>
+            </a:r>
+            <a:r>
+              <a:rPr lang="zh-CN" altLang="en-US" dirty="0"/>
+              <a:t>我们很可能得到的结果是只有 </a:t>
+            </a:r>
+            <a:r>
+              <a:rPr lang="en-US" altLang="zh-CN" dirty="0"/>
+              <a:t>theta1 </a:t>
+            </a:r>
+            <a:r>
+              <a:rPr lang="zh-CN" altLang="en-US" dirty="0"/>
+              <a:t>的特征被保留</a:t>
+            </a:r>
+            <a:r>
+              <a:rPr lang="en-US" altLang="zh-CN" dirty="0"/>
+              <a:t>, </a:t>
+            </a:r>
+            <a:r>
+              <a:rPr lang="zh-CN" altLang="en-US" dirty="0"/>
+              <a:t>所以很多人也用 </a:t>
+            </a:r>
+            <a:r>
+              <a:rPr lang="en-US" altLang="zh-CN" dirty="0"/>
+              <a:t>l1 </a:t>
+            </a:r>
+            <a:r>
+              <a:rPr lang="zh-CN" altLang="en-US" dirty="0"/>
+              <a:t>正则化来挑选对结果贡献最大的重要特征</a:t>
+            </a:r>
+            <a:r>
+              <a:rPr lang="en-US" altLang="zh-CN" dirty="0"/>
+              <a:t>. </a:t>
+            </a:r>
+            <a:r>
+              <a:rPr lang="zh-CN" altLang="en-US" dirty="0"/>
+              <a:t>但是 </a:t>
+            </a:r>
+            <a:r>
+              <a:rPr lang="en-US" altLang="zh-CN" dirty="0"/>
+              <a:t>l1 </a:t>
+            </a:r>
+            <a:r>
+              <a:rPr lang="zh-CN" altLang="en-US" dirty="0"/>
+              <a:t>的结并不是稳定的</a:t>
+            </a:r>
+            <a:r>
+              <a:rPr lang="en-US" altLang="zh-CN" dirty="0"/>
+              <a:t>. </a:t>
+            </a:r>
+            <a:r>
+              <a:rPr lang="zh-CN" altLang="en-US" dirty="0"/>
+              <a:t>比如用批数据训练</a:t>
+            </a:r>
+            <a:r>
+              <a:rPr lang="en-US" altLang="zh-CN" dirty="0"/>
+              <a:t>, </a:t>
+            </a:r>
+            <a:r>
+              <a:rPr lang="zh-CN" altLang="en-US" dirty="0"/>
+              <a:t>每次批数据都会有稍稍不同的误差曲线</a:t>
+            </a:r>
+            <a:r>
+              <a:rPr lang="en-US" altLang="zh-CN" dirty="0"/>
+              <a:t>,</a:t>
+            </a:r>
+            <a:r>
+              <a:rPr lang="zh-CN" altLang="en-US" dirty="0"/>
+              <a:t> </a:t>
+            </a:r>
+            <a:r>
+              <a:rPr lang="en-US" altLang="zh-CN" dirty="0"/>
+              <a:t>L2 </a:t>
+            </a:r>
+            <a:r>
+              <a:rPr lang="zh-CN" altLang="en-US" dirty="0"/>
+              <a:t>针对于这种变动</a:t>
+            </a:r>
+            <a:r>
+              <a:rPr lang="en-US" altLang="zh-CN" dirty="0"/>
+              <a:t>, </a:t>
+            </a:r>
+            <a:r>
+              <a:rPr lang="zh-CN" altLang="en-US" dirty="0"/>
+              <a:t>白点的移动不会太大</a:t>
+            </a:r>
+            <a:r>
+              <a:rPr lang="en-US" altLang="zh-CN" dirty="0"/>
+              <a:t>, </a:t>
+            </a:r>
+            <a:r>
+              <a:rPr lang="zh-CN" altLang="en-US" dirty="0"/>
+              <a:t>而 </a:t>
+            </a:r>
+            <a:r>
+              <a:rPr lang="en-US" altLang="zh-CN" dirty="0"/>
+              <a:t>L1</a:t>
+            </a:r>
+            <a:r>
+              <a:rPr lang="zh-CN" altLang="en-US" dirty="0"/>
+              <a:t>的白点则可能跳到许多不同的地方 </a:t>
+            </a:r>
+            <a:r>
+              <a:rPr lang="en-US" altLang="zh-CN" dirty="0"/>
+              <a:t>, </a:t>
+            </a:r>
+            <a:r>
+              <a:rPr lang="zh-CN" altLang="en-US" dirty="0"/>
+              <a:t>因为这些地方的总误差都是差不多的</a:t>
+            </a:r>
+            <a:r>
+              <a:rPr lang="en-US" altLang="zh-CN" dirty="0"/>
+              <a:t>. </a:t>
+            </a:r>
+            <a:r>
+              <a:rPr lang="zh-CN" altLang="en-US" dirty="0"/>
+              <a:t>侧面说明了 </a:t>
+            </a:r>
+            <a:r>
+              <a:rPr lang="en-US" altLang="zh-CN" dirty="0"/>
+              <a:t>L1 </a:t>
+            </a:r>
+            <a:r>
+              <a:rPr lang="zh-CN" altLang="en-US" dirty="0"/>
+              <a:t>解的不稳定性</a:t>
+            </a:r>
+            <a:endParaRPr lang="en-US" altLang="zh-CN" sz="2000" b="1" dirty="0">
+              <a:solidFill>
+                <a:srgbClr val="FF0000"/>
+              </a:solidFill>
+            </a:endParaRPr>
+          </a:p>
+        </p:txBody>
+      </p:sp>
+      <p:sp>
+        <p:nvSpPr>
+          <p:cNvPr id="3" name="AutoShape 2" descr="[公式]">
+            <a:extLst>
+              <a:ext uri="{FF2B5EF4-FFF2-40B4-BE49-F238E27FC236}">
+                <a16:creationId xmlns:a16="http://schemas.microsoft.com/office/drawing/2014/main" id="{E557092A-43CE-4A70-84F7-39F580A0FEAB}"/>
+              </a:ext>
+            </a:extLst>
+          </p:cNvPr>
+          <p:cNvSpPr>
+            <a:spLocks noChangeAspect="1" noChangeArrowheads="1"/>
+          </p:cNvSpPr>
+          <p:nvPr/>
+        </p:nvSpPr>
+        <p:spPr bwMode="auto">
+          <a:xfrm>
+            <a:off x="3432175" y="-144463"/>
+            <a:ext cx="304800" cy="304801"/>
+          </a:xfrm>
+          <a:prstGeom prst="rect">
+            <a:avLst/>
+          </a:prstGeom>
+          <a:noFill/>
+          <a:extLst>
+            <a:ext uri="{909E8E84-426E-40DD-AFC4-6F175D3DCCD1}">
+              <a14:hiddenFill xmlns:a14="http://schemas.microsoft.com/office/drawing/2010/main">
+                <a:solidFill>
+                  <a:srgbClr val="FFFFFF"/>
+                </a:solidFill>
+              </a14:hiddenFill>
+            </a:ext>
+          </a:extLst>
+        </p:spPr>
+        <p:txBody>
+          <a:bodyPr vert="horz" wrap="square" lIns="91440" tIns="45720" rIns="91440" bIns="45720" numCol="1" anchor="t" anchorCtr="0" compatLnSpc="1">
+            <a:prstTxWarp prst="textNoShape">
+              <a:avLst/>
+            </a:prstTxWarp>
+          </a:bodyPr>
+          <a:lstStyle/>
+          <a:p>
+            <a:endParaRPr lang="zh-CN" altLang="en-US"/>
+          </a:p>
+        </p:txBody>
+      </p:sp>
+      <p:sp>
+        <p:nvSpPr>
+          <p:cNvPr id="13" name="AutoShape 8" descr="[公式]">
+            <a:extLst>
+              <a:ext uri="{FF2B5EF4-FFF2-40B4-BE49-F238E27FC236}">
+                <a16:creationId xmlns:a16="http://schemas.microsoft.com/office/drawing/2014/main" id="{3B151B13-88AE-47D1-A17E-AB83318390A2}"/>
+              </a:ext>
+            </a:extLst>
+          </p:cNvPr>
+          <p:cNvSpPr>
+            <a:spLocks noChangeAspect="1" noChangeArrowheads="1"/>
+          </p:cNvSpPr>
+          <p:nvPr/>
+        </p:nvSpPr>
+        <p:spPr bwMode="auto">
+          <a:xfrm flipV="1">
+            <a:off x="15636875" y="-1014094"/>
+            <a:ext cx="141599" cy="45719"/>
+          </a:xfrm>
+          <a:prstGeom prst="rect">
+            <a:avLst/>
+          </a:prstGeom>
+          <a:noFill/>
+          <a:extLst>
+            <a:ext uri="{909E8E84-426E-40DD-AFC4-6F175D3DCCD1}">
+              <a14:hiddenFill xmlns:a14="http://schemas.microsoft.com/office/drawing/2010/main">
+                <a:solidFill>
+                  <a:srgbClr val="FFFFFF"/>
+                </a:solidFill>
+              </a14:hiddenFill>
+            </a:ext>
+          </a:extLst>
+        </p:spPr>
+        <p:txBody>
+          <a:bodyPr vert="horz" wrap="square" lIns="91440" tIns="45720" rIns="91440" bIns="45720" numCol="1" anchor="t" anchorCtr="0" compatLnSpc="1">
+            <a:prstTxWarp prst="textNoShape">
+              <a:avLst/>
+            </a:prstTxWarp>
+          </a:bodyPr>
+          <a:lstStyle/>
+          <a:p>
+            <a:endParaRPr lang="zh-CN" altLang="en-US"/>
+          </a:p>
+        </p:txBody>
+      </p:sp>
+      <p:sp>
+        <p:nvSpPr>
+          <p:cNvPr id="12" name="文本框 11">
+            <a:extLst>
+              <a:ext uri="{FF2B5EF4-FFF2-40B4-BE49-F238E27FC236}">
+                <a16:creationId xmlns:a16="http://schemas.microsoft.com/office/drawing/2014/main" id="{01FD16D1-3796-4A35-BBE5-0FE38C32D8FB}"/>
+              </a:ext>
+            </a:extLst>
+          </p:cNvPr>
+          <p:cNvSpPr txBox="1"/>
+          <p:nvPr/>
+        </p:nvSpPr>
+        <p:spPr>
+          <a:xfrm>
+            <a:off x="283263" y="447055"/>
+            <a:ext cx="3453712" cy="461665"/>
+          </a:xfrm>
+          <a:prstGeom prst="rect">
+            <a:avLst/>
+          </a:prstGeom>
+          <a:noFill/>
+        </p:spPr>
+        <p:txBody>
+          <a:bodyPr wrap="square" rtlCol="0">
+            <a:spAutoFit/>
+          </a:bodyPr>
+          <a:lstStyle/>
+          <a:p>
+            <a:r>
+              <a:rPr lang="zh-CN" altLang="en-US" sz="2400" dirty="0">
+                <a:latin typeface="Agency FB" panose="020B0503020202020204" pitchFamily="34" charset="0"/>
+              </a:rPr>
+              <a:t>结构化风险（</a:t>
+            </a:r>
+            <a:r>
+              <a:rPr lang="en-US" altLang="zh-CN" sz="2400" dirty="0">
+                <a:latin typeface="Agency FB" panose="020B0503020202020204" pitchFamily="34" charset="0"/>
+              </a:rPr>
+              <a:t>L1,L2</a:t>
+            </a:r>
+            <a:r>
+              <a:rPr lang="zh-CN" altLang="en-US" sz="2400" dirty="0">
+                <a:latin typeface="Agency FB" panose="020B0503020202020204" pitchFamily="34" charset="0"/>
+              </a:rPr>
+              <a:t>正则化）</a:t>
+            </a:r>
+            <a:endParaRPr lang="en-US" altLang="zh-CN" sz="2400" dirty="0">
+              <a:latin typeface="Agency FB" panose="020B0503020202020204" pitchFamily="34" charset="0"/>
+            </a:endParaRPr>
+          </a:p>
+        </p:txBody>
+      </p:sp>
+      <p:pic>
+        <p:nvPicPr>
+          <p:cNvPr id="10242" name="Picture 2" descr="preview">
+            <a:extLst>
+              <a:ext uri="{FF2B5EF4-FFF2-40B4-BE49-F238E27FC236}">
+                <a16:creationId xmlns:a16="http://schemas.microsoft.com/office/drawing/2014/main" id="{4704B09D-E871-4B55-A8CC-024D67CE4692}"/>
+              </a:ext>
+            </a:extLst>
+          </p:cNvPr>
+          <p:cNvPicPr>
+            <a:picLocks noChangeAspect="1" noChangeArrowheads="1"/>
+          </p:cNvPicPr>
+          <p:nvPr/>
+        </p:nvPicPr>
+        <p:blipFill>
+          <a:blip r:embed="rId3">
+            <a:extLst>
+              <a:ext uri="{28A0092B-C50C-407E-A947-70E740481C1C}">
+                <a14:useLocalDpi xmlns:a14="http://schemas.microsoft.com/office/drawing/2010/main" val="0"/>
+              </a:ext>
+            </a:extLst>
+          </a:blip>
+          <a:srcRect/>
+          <a:stretch>
+            <a:fillRect/>
+          </a:stretch>
+        </p:blipFill>
+        <p:spPr bwMode="auto">
+          <a:xfrm>
+            <a:off x="5891300" y="16322"/>
+            <a:ext cx="6169072" cy="3412678"/>
+          </a:xfrm>
+          <a:prstGeom prst="rect">
+            <a:avLst/>
+          </a:prstGeom>
+          <a:noFill/>
+          <a:extLst>
+            <a:ext uri="{909E8E84-426E-40DD-AFC4-6F175D3DCCD1}">
+              <a14:hiddenFill xmlns:a14="http://schemas.microsoft.com/office/drawing/2010/main">
+                <a:solidFill>
+                  <a:srgbClr val="FFFFFF"/>
+                </a:solidFill>
+              </a14:hiddenFill>
+            </a:ext>
+          </a:extLst>
+        </p:spPr>
+      </p:pic>
+      <p:pic>
+        <p:nvPicPr>
+          <p:cNvPr id="10244" name="Picture 4" descr="https://pic1.zhimg.com/80/v2-e8734136ff4da41b748f16e514971aa0_1440w.png">
+            <a:extLst>
+              <a:ext uri="{FF2B5EF4-FFF2-40B4-BE49-F238E27FC236}">
+                <a16:creationId xmlns:a16="http://schemas.microsoft.com/office/drawing/2014/main" id="{974F7F11-A7A8-4ED8-BF46-50DC53A99321}"/>
+              </a:ext>
+            </a:extLst>
+          </p:cNvPr>
+          <p:cNvPicPr>
+            <a:picLocks noChangeAspect="1" noChangeArrowheads="1"/>
+          </p:cNvPicPr>
+          <p:nvPr/>
+        </p:nvPicPr>
+        <p:blipFill>
+          <a:blip r:embed="rId4">
+            <a:extLst>
+              <a:ext uri="{28A0092B-C50C-407E-A947-70E740481C1C}">
+                <a14:useLocalDpi xmlns:a14="http://schemas.microsoft.com/office/drawing/2010/main" val="0"/>
+              </a:ext>
+            </a:extLst>
+          </a:blip>
+          <a:srcRect/>
+          <a:stretch>
+            <a:fillRect/>
+          </a:stretch>
+        </p:blipFill>
+        <p:spPr bwMode="auto">
+          <a:xfrm>
+            <a:off x="5921739" y="3484247"/>
+            <a:ext cx="6169072" cy="3352757"/>
+          </a:xfrm>
+          <a:prstGeom prst="rect">
+            <a:avLst/>
+          </a:prstGeom>
+          <a:noFill/>
+          <a:extLst>
+            <a:ext uri="{909E8E84-426E-40DD-AFC4-6F175D3DCCD1}">
+              <a14:hiddenFill xmlns:a14="http://schemas.microsoft.com/office/drawing/2010/main">
+                <a:solidFill>
+                  <a:srgbClr val="FFFFFF"/>
+                </a:solidFill>
+              </a14:hiddenFill>
+            </a:ext>
+          </a:extLst>
+        </p:spPr>
+      </p:pic>
+    </p:spTree>
+    <p:extLst>
+      <p:ext uri="{BB962C8B-B14F-4D97-AF65-F5344CB8AC3E}">
+        <p14:creationId xmlns:p14="http://schemas.microsoft.com/office/powerpoint/2010/main" val="3953406401"/>
+      </p:ext>
+    </p:extLst>
+  </p:cSld>
+  <p:clrMapOvr>
+    <a:masterClrMapping/>
+  </p:clrMapOvr>
+  <mc:AlternateContent xmlns:mc="http://schemas.openxmlformats.org/markup-compatibility/2006" xmlns:p14="http://schemas.microsoft.com/office/powerpoint/2010/main">
+    <mc:Choice Requires="p14">
+      <p:transition spd="slow" p14:dur="2000" advTm="3000"/>
+    </mc:Choice>
+    <mc:Fallback xmlns="">
+      <p:transition spd="slow" advTm="3000"/>
+    </mc:Fallback>
+  </mc:AlternateContent>
+  <p:timing>
+    <p:tnLst>
+      <p:par>
+        <p:cTn id="1" dur="indefinite" restart="never" nodeType="tmRoot">
+          <p:childTnLst>
+            <p:seq concurrent="1" nextAc="seek">
+              <p:cTn id="2" dur="indefinite" nodeType="mainSeq">
+                <p:childTnLst>
+                  <p:par>
+                    <p:cTn id="3" fill="hold">
+                      <p:stCondLst>
+                        <p:cond delay="indefinite"/>
+                        <p:cond evt="onBegin" delay="0">
+                          <p:tn val="2"/>
+                        </p:cond>
+                      </p:stCondLst>
+                      <p:childTnLst>
+                        <p:par>
+                          <p:cTn id="4" fill="hold">
+                            <p:stCondLst>
+                              <p:cond delay="0"/>
+                            </p:stCondLst>
+                            <p:childTnLst>
+                              <p:par>
+                                <p:cTn id="5" presetID="2" presetClass="entr" presetSubtype="8" fill="hold" nodeType="withEffect">
+                                  <p:stCondLst>
+                                    <p:cond delay="0"/>
+                                  </p:stCondLst>
+                                  <p:childTnLst>
+                                    <p:set>
+                                      <p:cBhvr>
+                                        <p:cTn id="6" dur="1" fill="hold">
+                                          <p:stCondLst>
+                                            <p:cond delay="0"/>
+                                          </p:stCondLst>
+                                        </p:cTn>
+                                        <p:tgtEl>
+                                          <p:spTgt spid="6"/>
+                                        </p:tgtEl>
+                                        <p:attrNameLst>
+                                          <p:attrName>style.visibility</p:attrName>
+                                        </p:attrNameLst>
+                                      </p:cBhvr>
+                                      <p:to>
+                                        <p:strVal val="visible"/>
+                                      </p:to>
+                                    </p:set>
+                                    <p:anim calcmode="lin" valueType="num">
+                                      <p:cBhvr additive="base">
+                                        <p:cTn id="7" dur="500" fill="hold"/>
+                                        <p:tgtEl>
+                                          <p:spTgt spid="6"/>
+                                        </p:tgtEl>
+                                        <p:attrNameLst>
+                                          <p:attrName>ppt_x</p:attrName>
+                                        </p:attrNameLst>
+                                      </p:cBhvr>
+                                      <p:tavLst>
+                                        <p:tav tm="0">
+                                          <p:val>
+                                            <p:strVal val="0-#ppt_w/2"/>
+                                          </p:val>
+                                        </p:tav>
+                                        <p:tav tm="100000">
+                                          <p:val>
+                                            <p:strVal val="#ppt_x"/>
+                                          </p:val>
+                                        </p:tav>
+                                      </p:tavLst>
+                                    </p:anim>
+                                    <p:anim calcmode="lin" valueType="num">
+                                      <p:cBhvr additive="base">
+                                        <p:cTn id="8" dur="500" fill="hold"/>
+                                        <p:tgtEl>
+                                          <p:spTgt spid="6"/>
+                                        </p:tgtEl>
+                                        <p:attrNameLst>
+                                          <p:attrName>ppt_y</p:attrName>
+                                        </p:attrNameLst>
+                                      </p:cBhvr>
+                                      <p:tavLst>
+                                        <p:tav tm="0">
+                                          <p:val>
+                                            <p:strVal val="#ppt_y"/>
+                                          </p:val>
+                                        </p:tav>
+                                        <p:tav tm="100000">
+                                          <p:val>
+                                            <p:strVal val="#ppt_y"/>
+                                          </p:val>
+                                        </p:tav>
+                                      </p:tavLst>
+                                    </p:anim>
+                                  </p:childTnLst>
+                                </p:cTn>
+                              </p:par>
+                            </p:childTnLst>
+                          </p:cTn>
+                        </p:par>
+                        <p:par>
+                          <p:cTn id="9" fill="hold">
+                            <p:stCondLst>
+                              <p:cond delay="500"/>
+                            </p:stCondLst>
+                            <p:childTnLst>
+                              <p:par>
+                                <p:cTn id="10" presetID="2" presetClass="entr" presetSubtype="8" fill="hold" grpId="0" nodeType="afterEffect">
+                                  <p:stCondLst>
+                                    <p:cond delay="0"/>
+                                  </p:stCondLst>
+                                  <p:childTnLst>
+                                    <p:set>
+                                      <p:cBhvr>
+                                        <p:cTn id="11" dur="1" fill="hold">
+                                          <p:stCondLst>
+                                            <p:cond delay="0"/>
+                                          </p:stCondLst>
+                                        </p:cTn>
+                                        <p:tgtEl>
+                                          <p:spTgt spid="4"/>
+                                        </p:tgtEl>
+                                        <p:attrNameLst>
+                                          <p:attrName>style.visibility</p:attrName>
+                                        </p:attrNameLst>
+                                      </p:cBhvr>
+                                      <p:to>
+                                        <p:strVal val="visible"/>
+                                      </p:to>
+                                    </p:set>
+                                    <p:anim calcmode="lin" valueType="num">
+                                      <p:cBhvr additive="base">
+                                        <p:cTn id="12" dur="500" fill="hold"/>
+                                        <p:tgtEl>
+                                          <p:spTgt spid="4"/>
+                                        </p:tgtEl>
+                                        <p:attrNameLst>
+                                          <p:attrName>ppt_x</p:attrName>
+                                        </p:attrNameLst>
+                                      </p:cBhvr>
+                                      <p:tavLst>
+                                        <p:tav tm="0">
+                                          <p:val>
+                                            <p:strVal val="0-#ppt_w/2"/>
+                                          </p:val>
+                                        </p:tav>
+                                        <p:tav tm="100000">
+                                          <p:val>
+                                            <p:strVal val="#ppt_x"/>
+                                          </p:val>
+                                        </p:tav>
+                                      </p:tavLst>
+                                    </p:anim>
+                                    <p:anim calcmode="lin" valueType="num">
+                                      <p:cBhvr additive="base">
+                                        <p:cTn id="13" dur="500" fill="hold"/>
+                                        <p:tgtEl>
+                                          <p:spTgt spid="4"/>
+                                        </p:tgtEl>
+                                        <p:attrNameLst>
+                                          <p:attrName>ppt_y</p:attrName>
+                                        </p:attrNameLst>
+                                      </p:cBhvr>
+                                      <p:tavLst>
+                                        <p:tav tm="0">
+                                          <p:val>
+                                            <p:strVal val="#ppt_y"/>
+                                          </p:val>
+                                        </p:tav>
+                                        <p:tav tm="100000">
+                                          <p:val>
+                                            <p:strVal val="#ppt_y"/>
+                                          </p:val>
+                                        </p:tav>
+                                      </p:tavLst>
+                                    </p:anim>
+                                  </p:childTnLst>
+                                </p:cTn>
+                              </p:par>
+                            </p:childTnLst>
+                          </p:cTn>
+                        </p:par>
+                        <p:par>
+                          <p:cTn id="14" fill="hold">
+                            <p:stCondLst>
+                              <p:cond delay="1000"/>
+                            </p:stCondLst>
+                            <p:childTnLst>
+                              <p:par>
+                                <p:cTn id="15" presetID="22" presetClass="entr" presetSubtype="1" fill="hold" grpId="0" nodeType="afterEffect">
+                                  <p:stCondLst>
+                                    <p:cond delay="0"/>
+                                  </p:stCondLst>
+                                  <p:childTnLst>
+                                    <p:set>
+                                      <p:cBhvr>
+                                        <p:cTn id="16" dur="1" fill="hold">
+                                          <p:stCondLst>
+                                            <p:cond delay="0"/>
+                                          </p:stCondLst>
+                                        </p:cTn>
+                                        <p:tgtEl>
+                                          <p:spTgt spid="7"/>
+                                        </p:tgtEl>
+                                        <p:attrNameLst>
+                                          <p:attrName>style.visibility</p:attrName>
+                                        </p:attrNameLst>
+                                      </p:cBhvr>
+                                      <p:to>
+                                        <p:strVal val="visible"/>
+                                      </p:to>
+                                    </p:set>
+                                    <p:animEffect transition="in" filter="wipe(up)">
+                                      <p:cBhvr>
+                                        <p:cTn id="17" dur="500"/>
+                                        <p:tgtEl>
+                                          <p:spTgt spid="7"/>
+                                        </p:tgtEl>
+                                      </p:cBhvr>
+                                    </p:animEffect>
+                                  </p:childTnLst>
+                                </p:cTn>
+                              </p:par>
+                            </p:childTnLst>
+                          </p:cTn>
+                        </p:par>
+                        <p:par>
+                          <p:cTn id="18" fill="hold">
+                            <p:stCondLst>
+                              <p:cond delay="1500"/>
+                            </p:stCondLst>
+                            <p:childTnLst>
+                              <p:par>
+                                <p:cTn id="19" presetID="12" presetClass="entr" presetSubtype="1" fill="hold" grpId="0" nodeType="afterEffect">
+                                  <p:stCondLst>
+                                    <p:cond delay="0"/>
+                                  </p:stCondLst>
+                                  <p:iterate type="lt">
+                                    <p:tmPct val="10000"/>
+                                  </p:iterate>
+                                  <p:childTnLst>
+                                    <p:set>
+                                      <p:cBhvr>
+                                        <p:cTn id="20" dur="1" fill="hold">
+                                          <p:stCondLst>
+                                            <p:cond delay="0"/>
+                                          </p:stCondLst>
+                                        </p:cTn>
+                                        <p:tgtEl>
+                                          <p:spTgt spid="12"/>
+                                        </p:tgtEl>
+                                        <p:attrNameLst>
+                                          <p:attrName>style.visibility</p:attrName>
+                                        </p:attrNameLst>
+                                      </p:cBhvr>
+                                      <p:to>
+                                        <p:strVal val="visible"/>
+                                      </p:to>
+                                    </p:set>
+                                    <p:anim calcmode="lin" valueType="num">
+                                      <p:cBhvr additive="base">
+                                        <p:cTn id="21" dur="250"/>
+                                        <p:tgtEl>
+                                          <p:spTgt spid="12"/>
+                                        </p:tgtEl>
+                                        <p:attrNameLst>
+                                          <p:attrName>ppt_y</p:attrName>
+                                        </p:attrNameLst>
+                                      </p:cBhvr>
+                                      <p:tavLst>
+                                        <p:tav tm="0">
+                                          <p:val>
+                                            <p:strVal val="#ppt_y-#ppt_h*1.125000"/>
+                                          </p:val>
+                                        </p:tav>
+                                        <p:tav tm="100000">
+                                          <p:val>
+                                            <p:strVal val="#ppt_y"/>
+                                          </p:val>
+                                        </p:tav>
+                                      </p:tavLst>
+                                    </p:anim>
+                                    <p:animEffect transition="in" filter="wipe(down)">
+                                      <p:cBhvr>
+                                        <p:cTn id="22" dur="250"/>
+                                        <p:tgtEl>
+                                          <p:spTgt spid="12"/>
+                                        </p:tgtEl>
+                                      </p:cBhvr>
+                                    </p:animEffect>
+                                  </p:childTnLst>
+                                </p:cTn>
+                              </p:par>
+                            </p:childTnLst>
+                          </p:cTn>
+                        </p:par>
+                      </p:childTnLst>
+                    </p:cTn>
+                  </p:par>
+                </p:childTnLst>
+              </p:cTn>
+              <p:prevCondLst>
+                <p:cond evt="onPrev" delay="0">
+                  <p:tgtEl>
+                    <p:sldTgt/>
+                  </p:tgtEl>
+                </p:cond>
+              </p:prevCondLst>
+              <p:nextCondLst>
+                <p:cond evt="onNext" delay="0">
+                  <p:tgtEl>
+                    <p:sldTgt/>
+                  </p:tgtEl>
+                </p:cond>
+              </p:nextCondLst>
+            </p:seq>
+          </p:childTnLst>
+        </p:cTn>
+      </p:par>
+    </p:tnLst>
+    <p:bldLst>
+      <p:bldP spid="4" grpId="0" animBg="1"/>
+      <p:bldP spid="7" grpId="0"/>
+      <p:bldP spid="12" grpId="0"/>
+    </p:bldLst>
+  </p:timing>
+</p:sld>
+</file>
+
+<file path=ppt/slides/slide22.xml><?xml version="1.0" encoding="utf-8"?>
+<p:sld xmlns:a="http://schemas.openxmlformats.org/drawingml/2006/main" xmlns:r="http://schemas.openxmlformats.org/officeDocument/2006/relationships" xmlns:p="http://schemas.openxmlformats.org/presentationml/2006/main">
+  <p:cSld>
+    <p:spTree>
+      <p:nvGrpSpPr>
+        <p:cNvPr id="1" name=""/>
+        <p:cNvGrpSpPr/>
+        <p:nvPr/>
+      </p:nvGrpSpPr>
+      <p:grpSpPr>
+        <a:xfrm>
+          <a:off x="0" y="0"/>
+          <a:ext cx="0" cy="0"/>
+          <a:chOff x="0" y="0"/>
+          <a:chExt cx="0" cy="0"/>
+        </a:xfrm>
+      </p:grpSpPr>
+      <p:sp>
+        <p:nvSpPr>
+          <p:cNvPr id="4" name="椭圆 3"/>
+          <p:cNvSpPr/>
+          <p:nvPr/>
+        </p:nvSpPr>
+        <p:spPr>
+          <a:xfrm flipV="1">
+            <a:off x="3472892" y="836712"/>
+            <a:ext cx="144016" cy="144016"/>
+          </a:xfrm>
+          <a:prstGeom prst="ellipse">
+            <a:avLst/>
+          </a:prstGeom>
+          <a:solidFill>
+            <a:schemeClr val="tx1"/>
+          </a:solidFill>
+          <a:ln>
+            <a:noFill/>
+          </a:ln>
+        </p:spPr>
+        <p:style>
+          <a:lnRef idx="2">
+            <a:schemeClr val="accent1">
+              <a:shade val="50000"/>
+            </a:schemeClr>
+          </a:lnRef>
+          <a:fillRef idx="1">
+            <a:schemeClr val="accent1"/>
+          </a:fillRef>
+          <a:effectRef idx="0">
+            <a:schemeClr val="accent1"/>
+          </a:effectRef>
+          <a:fontRef idx="minor">
+            <a:schemeClr val="lt1"/>
+          </a:fontRef>
+        </p:style>
+        <p:txBody>
+          <a:bodyPr rtlCol="0" anchor="ctr"/>
+          <a:lstStyle/>
+          <a:p>
+            <a:pPr algn="ctr"/>
+            <a:endParaRPr lang="zh-CN" altLang="en-US"/>
+          </a:p>
+        </p:txBody>
+      </p:sp>
+      <p:cxnSp>
+        <p:nvCxnSpPr>
+          <p:cNvPr id="6" name="直接连接符 5"/>
+          <p:cNvCxnSpPr>
+            <a:endCxn id="4" idx="2"/>
+          </p:cNvCxnSpPr>
+          <p:nvPr/>
+        </p:nvCxnSpPr>
+        <p:spPr>
+          <a:xfrm flipV="1">
+            <a:off x="-30820" y="908720"/>
+            <a:ext cx="3503712" cy="1"/>
+          </a:xfrm>
+          <a:prstGeom prst="line">
+            <a:avLst/>
+          </a:prstGeom>
+          <a:ln>
+            <a:solidFill>
+              <a:schemeClr val="tx1"/>
+            </a:solidFill>
+          </a:ln>
+        </p:spPr>
+        <p:style>
+          <a:lnRef idx="1">
+            <a:schemeClr val="accent1"/>
+          </a:lnRef>
+          <a:fillRef idx="0">
+            <a:schemeClr val="accent1"/>
+          </a:fillRef>
+          <a:effectRef idx="0">
+            <a:schemeClr val="accent1"/>
+          </a:effectRef>
+          <a:fontRef idx="minor">
+            <a:schemeClr val="tx1"/>
+          </a:fontRef>
+        </p:style>
+      </p:cxnSp>
+      <p:sp>
+        <p:nvSpPr>
+          <p:cNvPr id="7" name="文本框 6">
+            <a:extLst>
+              <a:ext uri="{FF2B5EF4-FFF2-40B4-BE49-F238E27FC236}">
+                <a16:creationId xmlns:a16="http://schemas.microsoft.com/office/drawing/2014/main" id="{D8DC2788-085A-49A1-99C1-2B2A79BC6D17}"/>
+              </a:ext>
+            </a:extLst>
+          </p:cNvPr>
+          <p:cNvSpPr txBox="1"/>
+          <p:nvPr/>
+        </p:nvSpPr>
+        <p:spPr>
+          <a:xfrm>
+            <a:off x="237303" y="1195437"/>
             <a:ext cx="11547329" cy="1292662"/>
           </a:xfrm>
           <a:prstGeom prst="rect">
@@ -31213,7 +33365,7 @@
 </p:sld>
 </file>
 
-<file path=ppt/slides/slide21.xml><?xml version="1.0" encoding="utf-8"?>
+<file path=ppt/slides/slide23.xml><?xml version="1.0" encoding="utf-8"?>
 <p:sld xmlns:a="http://schemas.openxmlformats.org/drawingml/2006/main" xmlns:r="http://schemas.openxmlformats.org/officeDocument/2006/relationships" xmlns:p="http://schemas.openxmlformats.org/presentationml/2006/main">
   <p:cSld>
     <p:spTree>
@@ -32028,7 +34180,7 @@
 </p:sld>
 </file>
 
-<file path=ppt/slides/slide22.xml><?xml version="1.0" encoding="utf-8"?>
+<file path=ppt/slides/slide24.xml><?xml version="1.0" encoding="utf-8"?>
 <p:sld xmlns:a="http://schemas.openxmlformats.org/drawingml/2006/main" xmlns:r="http://schemas.openxmlformats.org/officeDocument/2006/relationships" xmlns:p="http://schemas.openxmlformats.org/presentationml/2006/main">
   <p:cSld>
     <p:spTree>
@@ -32128,8 +34280,8 @@
           </a:fontRef>
         </p:style>
       </p:cxnSp>
-      <mc:AlternateContent xmlns:mc="http://schemas.openxmlformats.org/markup-compatibility/2006">
-        <mc:Choice xmlns:a14="http://schemas.microsoft.com/office/drawing/2010/main" Requires="a14">
+      <mc:AlternateContent xmlns:mc="http://schemas.openxmlformats.org/markup-compatibility/2006" xmlns:a14="http://schemas.microsoft.com/office/drawing/2010/main">
+        <mc:Choice Requires="a14">
           <p:sp>
             <p:nvSpPr>
               <p:cNvPr id="7" name="文本框 6">
@@ -32472,7 +34624,7 @@
             </p:txBody>
           </p:sp>
         </mc:Choice>
-        <mc:Fallback>
+        <mc:Fallback xmlns="">
           <p:sp>
             <p:nvSpPr>
               <p:cNvPr id="7" name="文本框 6">
@@ -33085,7 +35237,7 @@
 </p:sld>
 </file>
 
-<file path=ppt/slides/slide23.xml><?xml version="1.0" encoding="utf-8"?>
+<file path=ppt/slides/slide25.xml><?xml version="1.0" encoding="utf-8"?>
 <p:sld xmlns:a="http://schemas.openxmlformats.org/drawingml/2006/main" xmlns:r="http://schemas.openxmlformats.org/officeDocument/2006/relationships" xmlns:p="http://schemas.openxmlformats.org/presentationml/2006/main">
   <p:cSld>
     <p:spTree>
@@ -33185,8 +35337,8 @@
           </a:fontRef>
         </p:style>
       </p:cxnSp>
-      <mc:AlternateContent xmlns:mc="http://schemas.openxmlformats.org/markup-compatibility/2006">
-        <mc:Choice xmlns:a14="http://schemas.microsoft.com/office/drawing/2010/main" Requires="a14">
+      <mc:AlternateContent xmlns:mc="http://schemas.openxmlformats.org/markup-compatibility/2006" xmlns:a14="http://schemas.microsoft.com/office/drawing/2010/main">
+        <mc:Choice Requires="a14">
           <p:sp>
             <p:nvSpPr>
               <p:cNvPr id="7" name="文本框 6">
@@ -33570,7 +35722,7 @@
             </p:txBody>
           </p:sp>
         </mc:Choice>
-        <mc:Fallback>
+        <mc:Fallback xmlns="">
           <p:sp>
             <p:nvSpPr>
               <p:cNvPr id="7" name="文本框 6">
@@ -34183,7 +36335,7 @@
 </p:sld>
 </file>
 
-<file path=ppt/slides/slide24.xml><?xml version="1.0" encoding="utf-8"?>
+<file path=ppt/slides/slide26.xml><?xml version="1.0" encoding="utf-8"?>
 <p:sld xmlns:a="http://schemas.openxmlformats.org/drawingml/2006/main" xmlns:r="http://schemas.openxmlformats.org/officeDocument/2006/relationships" xmlns:p="http://schemas.openxmlformats.org/presentationml/2006/main">
   <p:cSld>
     <p:spTree>
@@ -34283,8 +36435,8 @@
           </a:fontRef>
         </p:style>
       </p:cxnSp>
-      <mc:AlternateContent xmlns:mc="http://schemas.openxmlformats.org/markup-compatibility/2006">
-        <mc:Choice xmlns:a14="http://schemas.microsoft.com/office/drawing/2010/main" Requires="a14">
+      <mc:AlternateContent xmlns:mc="http://schemas.openxmlformats.org/markup-compatibility/2006" xmlns:a14="http://schemas.microsoft.com/office/drawing/2010/main">
+        <mc:Choice Requires="a14">
           <p:sp>
             <p:nvSpPr>
               <p:cNvPr id="7" name="文本框 6">
@@ -35054,7 +37206,7 @@
             </p:txBody>
           </p:sp>
         </mc:Choice>
-        <mc:Fallback>
+        <mc:Fallback xmlns="">
           <p:sp>
             <p:nvSpPr>
               <p:cNvPr id="7" name="文本框 6">
@@ -35667,7 +37819,7 @@
 </p:sld>
 </file>
 
-<file path=ppt/slides/slide25.xml><?xml version="1.0" encoding="utf-8"?>
+<file path=ppt/slides/slide27.xml><?xml version="1.0" encoding="utf-8"?>
 <p:sld xmlns:a="http://schemas.openxmlformats.org/drawingml/2006/main" xmlns:r="http://schemas.openxmlformats.org/officeDocument/2006/relationships" xmlns:p="http://schemas.openxmlformats.org/presentationml/2006/main">
   <p:cSld>
     <p:spTree>

--- a/产品大数据分析与建模/大数据分析与建模 - 函数与概念 第二-2讲 - 补充.pptx
+++ b/产品大数据分析与建模/大数据分析与建模 - 函数与概念 第二-2讲 - 补充.pptx
@@ -5,7 +5,7 @@
     <p:sldMasterId id="2147483648" r:id="rId1"/>
   </p:sldMasterIdLst>
   <p:notesMasterIdLst>
-    <p:notesMasterId r:id="rId29"/>
+    <p:notesMasterId r:id="rId33"/>
   </p:notesMasterIdLst>
   <p:sldIdLst>
     <p:sldId id="281" r:id="rId2"/>
@@ -25,47 +25,51 @@
     <p:sldId id="406" r:id="rId16"/>
     <p:sldId id="402" r:id="rId17"/>
     <p:sldId id="420" r:id="rId18"/>
-    <p:sldId id="419" r:id="rId19"/>
-    <p:sldId id="415" r:id="rId20"/>
-    <p:sldId id="416" r:id="rId21"/>
-    <p:sldId id="417" r:id="rId22"/>
-    <p:sldId id="418" r:id="rId23"/>
-    <p:sldId id="410" r:id="rId24"/>
-    <p:sldId id="407" r:id="rId25"/>
-    <p:sldId id="412" r:id="rId26"/>
-    <p:sldId id="413" r:id="rId27"/>
-    <p:sldId id="274" r:id="rId28"/>
+    <p:sldId id="421" r:id="rId19"/>
+    <p:sldId id="422" r:id="rId20"/>
+    <p:sldId id="423" r:id="rId21"/>
+    <p:sldId id="424" r:id="rId22"/>
+    <p:sldId id="419" r:id="rId23"/>
+    <p:sldId id="415" r:id="rId24"/>
+    <p:sldId id="416" r:id="rId25"/>
+    <p:sldId id="417" r:id="rId26"/>
+    <p:sldId id="418" r:id="rId27"/>
+    <p:sldId id="410" r:id="rId28"/>
+    <p:sldId id="407" r:id="rId29"/>
+    <p:sldId id="412" r:id="rId30"/>
+    <p:sldId id="413" r:id="rId31"/>
+    <p:sldId id="274" r:id="rId32"/>
   </p:sldIdLst>
   <p:sldSz cx="12192000" cy="6858000"/>
   <p:notesSz cx="6858000" cy="9144000"/>
   <p:embeddedFontLst>
     <p:embeddedFont>
       <p:font typeface="迷你简幼线" panose="02010600030101010101" charset="-122"/>
-      <p:regular r:id="rId30"/>
+      <p:regular r:id="rId34"/>
     </p:embeddedFont>
     <p:embeddedFont>
       <p:font typeface="Agency FB" panose="020B0503020202020204" pitchFamily="34" charset="0"/>
-      <p:regular r:id="rId31"/>
-      <p:bold r:id="rId32"/>
+      <p:regular r:id="rId35"/>
+      <p:bold r:id="rId36"/>
     </p:embeddedFont>
     <p:embeddedFont>
       <p:font typeface="BankGothic Lt BT" panose="020B0607020203060204"/>
-      <p:regular r:id="rId33"/>
+      <p:regular r:id="rId37"/>
     </p:embeddedFont>
     <p:embeddedFont>
       <p:font typeface="Calibri" panose="020F0502020204030204" pitchFamily="34" charset="0"/>
-      <p:regular r:id="rId34"/>
-      <p:bold r:id="rId35"/>
-      <p:italic r:id="rId36"/>
-      <p:boldItalic r:id="rId37"/>
+      <p:regular r:id="rId38"/>
+      <p:bold r:id="rId39"/>
+      <p:italic r:id="rId40"/>
+      <p:boldItalic r:id="rId41"/>
     </p:embeddedFont>
     <p:embeddedFont>
       <p:font typeface="Cambria Math" panose="02040503050406030204" pitchFamily="18" charset="0"/>
-      <p:regular r:id="rId38"/>
+      <p:regular r:id="rId42"/>
     </p:embeddedFont>
   </p:embeddedFontLst>
   <p:custDataLst>
-    <p:tags r:id="rId39"/>
+    <p:tags r:id="rId43"/>
   </p:custDataLst>
   <p:defaultTextStyle>
     <a:defPPr>
@@ -1360,7 +1364,7 @@
     </p:spTree>
     <p:extLst>
       <p:ext uri="{BB962C8B-B14F-4D97-AF65-F5344CB8AC3E}">
-        <p14:creationId xmlns:p14="http://schemas.microsoft.com/office/powerpoint/2010/main" val="4103032443"/>
+        <p14:creationId xmlns:p14="http://schemas.microsoft.com/office/powerpoint/2010/main" val="287844811"/>
       </p:ext>
     </p:extLst>
   </p:cSld>
@@ -1444,7 +1448,7 @@
     </p:spTree>
     <p:extLst>
       <p:ext uri="{BB962C8B-B14F-4D97-AF65-F5344CB8AC3E}">
-        <p14:creationId xmlns:p14="http://schemas.microsoft.com/office/powerpoint/2010/main" val="3969757085"/>
+        <p14:creationId xmlns:p14="http://schemas.microsoft.com/office/powerpoint/2010/main" val="2907163981"/>
       </p:ext>
     </p:extLst>
   </p:cSld>
@@ -1612,7 +1616,7 @@
     </p:spTree>
     <p:extLst>
       <p:ext uri="{BB962C8B-B14F-4D97-AF65-F5344CB8AC3E}">
-        <p14:creationId xmlns:p14="http://schemas.microsoft.com/office/powerpoint/2010/main" val="4153876341"/>
+        <p14:creationId xmlns:p14="http://schemas.microsoft.com/office/powerpoint/2010/main" val="4074277354"/>
       </p:ext>
     </p:extLst>
   </p:cSld>
@@ -1696,7 +1700,7 @@
     </p:spTree>
     <p:extLst>
       <p:ext uri="{BB962C8B-B14F-4D97-AF65-F5344CB8AC3E}">
-        <p14:creationId xmlns:p14="http://schemas.microsoft.com/office/powerpoint/2010/main" val="1644300526"/>
+        <p14:creationId xmlns:p14="http://schemas.microsoft.com/office/powerpoint/2010/main" val="3585822452"/>
       </p:ext>
     </p:extLst>
   </p:cSld>
@@ -1780,7 +1784,7 @@
     </p:spTree>
     <p:extLst>
       <p:ext uri="{BB962C8B-B14F-4D97-AF65-F5344CB8AC3E}">
-        <p14:creationId xmlns:p14="http://schemas.microsoft.com/office/powerpoint/2010/main" val="1835335997"/>
+        <p14:creationId xmlns:p14="http://schemas.microsoft.com/office/powerpoint/2010/main" val="4103032443"/>
       </p:ext>
     </p:extLst>
   </p:cSld>
@@ -1834,7 +1838,7 @@
           <a:bodyPr/>
           <a:lstStyle/>
           <a:p>
-            <a:endParaRPr lang="zh-CN" altLang="en-US"/>
+            <a:endParaRPr lang="zh-CN" altLang="en-US" dirty="0"/>
           </a:p>
         </p:txBody>
       </p:sp>
@@ -1864,7 +1868,7 @@
     </p:spTree>
     <p:extLst>
       <p:ext uri="{BB962C8B-B14F-4D97-AF65-F5344CB8AC3E}">
-        <p14:creationId xmlns:p14="http://schemas.microsoft.com/office/powerpoint/2010/main" val="1899179299"/>
+        <p14:creationId xmlns:p14="http://schemas.microsoft.com/office/powerpoint/2010/main" val="3969757085"/>
       </p:ext>
     </p:extLst>
   </p:cSld>
@@ -1948,7 +1952,7 @@
     </p:spTree>
     <p:extLst>
       <p:ext uri="{BB962C8B-B14F-4D97-AF65-F5344CB8AC3E}">
-        <p14:creationId xmlns:p14="http://schemas.microsoft.com/office/powerpoint/2010/main" val="4237413053"/>
+        <p14:creationId xmlns:p14="http://schemas.microsoft.com/office/powerpoint/2010/main" val="4153876341"/>
       </p:ext>
     </p:extLst>
   </p:cSld>
@@ -2032,7 +2036,7 @@
     </p:spTree>
     <p:extLst>
       <p:ext uri="{BB962C8B-B14F-4D97-AF65-F5344CB8AC3E}">
-        <p14:creationId xmlns:p14="http://schemas.microsoft.com/office/powerpoint/2010/main" val="1595954748"/>
+        <p14:creationId xmlns:p14="http://schemas.microsoft.com/office/powerpoint/2010/main" val="1644300526"/>
       </p:ext>
     </p:extLst>
   </p:cSld>
@@ -2116,7 +2120,7 @@
     </p:spTree>
     <p:extLst>
       <p:ext uri="{BB962C8B-B14F-4D97-AF65-F5344CB8AC3E}">
-        <p14:creationId xmlns:p14="http://schemas.microsoft.com/office/powerpoint/2010/main" val="2997099322"/>
+        <p14:creationId xmlns:p14="http://schemas.microsoft.com/office/powerpoint/2010/main" val="1835335997"/>
       </p:ext>
     </p:extLst>
   </p:cSld>
@@ -2200,7 +2204,175 @@
     </p:spTree>
     <p:extLst>
       <p:ext uri="{BB962C8B-B14F-4D97-AF65-F5344CB8AC3E}">
-        <p14:creationId xmlns:p14="http://schemas.microsoft.com/office/powerpoint/2010/main" val="1649391543"/>
+        <p14:creationId xmlns:p14="http://schemas.microsoft.com/office/powerpoint/2010/main" val="1899179299"/>
+      </p:ext>
+    </p:extLst>
+  </p:cSld>
+  <p:clrMapOvr>
+    <a:masterClrMapping/>
+  </p:clrMapOvr>
+</p:notes>
+</file>
+
+<file path=ppt/notesSlides/notesSlide28.xml><?xml version="1.0" encoding="utf-8"?>
+<p:notes xmlns:a="http://schemas.openxmlformats.org/drawingml/2006/main" xmlns:r="http://schemas.openxmlformats.org/officeDocument/2006/relationships" xmlns:p="http://schemas.openxmlformats.org/presentationml/2006/main">
+  <p:cSld>
+    <p:spTree>
+      <p:nvGrpSpPr>
+        <p:cNvPr id="1" name=""/>
+        <p:cNvGrpSpPr/>
+        <p:nvPr/>
+      </p:nvGrpSpPr>
+      <p:grpSpPr>
+        <a:xfrm>
+          <a:off x="0" y="0"/>
+          <a:ext cx="0" cy="0"/>
+          <a:chOff x="0" y="0"/>
+          <a:chExt cx="0" cy="0"/>
+        </a:xfrm>
+      </p:grpSpPr>
+      <p:sp>
+        <p:nvSpPr>
+          <p:cNvPr id="2" name="幻灯片图像占位符 1"/>
+          <p:cNvSpPr>
+            <a:spLocks noGrp="1" noRot="1" noChangeAspect="1"/>
+          </p:cNvSpPr>
+          <p:nvPr>
+            <p:ph type="sldImg"/>
+          </p:nvPr>
+        </p:nvSpPr>
+        <p:spPr/>
+      </p:sp>
+      <p:sp>
+        <p:nvSpPr>
+          <p:cNvPr id="3" name="备注占位符 2"/>
+          <p:cNvSpPr>
+            <a:spLocks noGrp="1"/>
+          </p:cNvSpPr>
+          <p:nvPr>
+            <p:ph type="body" idx="1"/>
+          </p:nvPr>
+        </p:nvSpPr>
+        <p:spPr/>
+        <p:txBody>
+          <a:bodyPr/>
+          <a:lstStyle/>
+          <a:p>
+            <a:endParaRPr lang="zh-CN" altLang="en-US" dirty="0"/>
+          </a:p>
+        </p:txBody>
+      </p:sp>
+      <p:sp>
+        <p:nvSpPr>
+          <p:cNvPr id="4" name="灯片编号占位符 3"/>
+          <p:cNvSpPr>
+            <a:spLocks noGrp="1"/>
+          </p:cNvSpPr>
+          <p:nvPr>
+            <p:ph type="sldNum" sz="quarter" idx="10"/>
+          </p:nvPr>
+        </p:nvSpPr>
+        <p:spPr/>
+        <p:txBody>
+          <a:bodyPr/>
+          <a:lstStyle/>
+          <a:p>
+            <a:fld id="{6E87B793-DD03-4969-BEA8-291742079853}" type="slidenum">
+              <a:rPr lang="zh-CN" altLang="en-US" smtClean="0"/>
+              <a:t>28</a:t>
+            </a:fld>
+            <a:endParaRPr lang="zh-CN" altLang="en-US"/>
+          </a:p>
+        </p:txBody>
+      </p:sp>
+    </p:spTree>
+    <p:extLst>
+      <p:ext uri="{BB962C8B-B14F-4D97-AF65-F5344CB8AC3E}">
+        <p14:creationId xmlns:p14="http://schemas.microsoft.com/office/powerpoint/2010/main" val="4237413053"/>
+      </p:ext>
+    </p:extLst>
+  </p:cSld>
+  <p:clrMapOvr>
+    <a:masterClrMapping/>
+  </p:clrMapOvr>
+</p:notes>
+</file>
+
+<file path=ppt/notesSlides/notesSlide29.xml><?xml version="1.0" encoding="utf-8"?>
+<p:notes xmlns:a="http://schemas.openxmlformats.org/drawingml/2006/main" xmlns:r="http://schemas.openxmlformats.org/officeDocument/2006/relationships" xmlns:p="http://schemas.openxmlformats.org/presentationml/2006/main">
+  <p:cSld>
+    <p:spTree>
+      <p:nvGrpSpPr>
+        <p:cNvPr id="1" name=""/>
+        <p:cNvGrpSpPr/>
+        <p:nvPr/>
+      </p:nvGrpSpPr>
+      <p:grpSpPr>
+        <a:xfrm>
+          <a:off x="0" y="0"/>
+          <a:ext cx="0" cy="0"/>
+          <a:chOff x="0" y="0"/>
+          <a:chExt cx="0" cy="0"/>
+        </a:xfrm>
+      </p:grpSpPr>
+      <p:sp>
+        <p:nvSpPr>
+          <p:cNvPr id="2" name="幻灯片图像占位符 1"/>
+          <p:cNvSpPr>
+            <a:spLocks noGrp="1" noRot="1" noChangeAspect="1"/>
+          </p:cNvSpPr>
+          <p:nvPr>
+            <p:ph type="sldImg"/>
+          </p:nvPr>
+        </p:nvSpPr>
+        <p:spPr/>
+      </p:sp>
+      <p:sp>
+        <p:nvSpPr>
+          <p:cNvPr id="3" name="备注占位符 2"/>
+          <p:cNvSpPr>
+            <a:spLocks noGrp="1"/>
+          </p:cNvSpPr>
+          <p:nvPr>
+            <p:ph type="body" idx="1"/>
+          </p:nvPr>
+        </p:nvSpPr>
+        <p:spPr/>
+        <p:txBody>
+          <a:bodyPr/>
+          <a:lstStyle/>
+          <a:p>
+            <a:endParaRPr lang="zh-CN" altLang="en-US" dirty="0"/>
+          </a:p>
+        </p:txBody>
+      </p:sp>
+      <p:sp>
+        <p:nvSpPr>
+          <p:cNvPr id="4" name="灯片编号占位符 3"/>
+          <p:cNvSpPr>
+            <a:spLocks noGrp="1"/>
+          </p:cNvSpPr>
+          <p:nvPr>
+            <p:ph type="sldNum" sz="quarter" idx="10"/>
+          </p:nvPr>
+        </p:nvSpPr>
+        <p:spPr/>
+        <p:txBody>
+          <a:bodyPr/>
+          <a:lstStyle/>
+          <a:p>
+            <a:fld id="{6E87B793-DD03-4969-BEA8-291742079853}" type="slidenum">
+              <a:rPr lang="zh-CN" altLang="en-US" smtClean="0"/>
+              <a:t>29</a:t>
+            </a:fld>
+            <a:endParaRPr lang="zh-CN" altLang="en-US"/>
+          </a:p>
+        </p:txBody>
+      </p:sp>
+    </p:spTree>
+    <p:extLst>
+      <p:ext uri="{BB962C8B-B14F-4D97-AF65-F5344CB8AC3E}">
+        <p14:creationId xmlns:p14="http://schemas.microsoft.com/office/powerpoint/2010/main" val="1595954748"/>
       </p:ext>
     </p:extLst>
   </p:cSld>
@@ -2285,6 +2457,174 @@
     <p:extLst>
       <p:ext uri="{BB962C8B-B14F-4D97-AF65-F5344CB8AC3E}">
         <p14:creationId xmlns:p14="http://schemas.microsoft.com/office/powerpoint/2010/main" val="1761862953"/>
+      </p:ext>
+    </p:extLst>
+  </p:cSld>
+  <p:clrMapOvr>
+    <a:masterClrMapping/>
+  </p:clrMapOvr>
+</p:notes>
+</file>
+
+<file path=ppt/notesSlides/notesSlide30.xml><?xml version="1.0" encoding="utf-8"?>
+<p:notes xmlns:a="http://schemas.openxmlformats.org/drawingml/2006/main" xmlns:r="http://schemas.openxmlformats.org/officeDocument/2006/relationships" xmlns:p="http://schemas.openxmlformats.org/presentationml/2006/main">
+  <p:cSld>
+    <p:spTree>
+      <p:nvGrpSpPr>
+        <p:cNvPr id="1" name=""/>
+        <p:cNvGrpSpPr/>
+        <p:nvPr/>
+      </p:nvGrpSpPr>
+      <p:grpSpPr>
+        <a:xfrm>
+          <a:off x="0" y="0"/>
+          <a:ext cx="0" cy="0"/>
+          <a:chOff x="0" y="0"/>
+          <a:chExt cx="0" cy="0"/>
+        </a:xfrm>
+      </p:grpSpPr>
+      <p:sp>
+        <p:nvSpPr>
+          <p:cNvPr id="2" name="幻灯片图像占位符 1"/>
+          <p:cNvSpPr>
+            <a:spLocks noGrp="1" noRot="1" noChangeAspect="1"/>
+          </p:cNvSpPr>
+          <p:nvPr>
+            <p:ph type="sldImg"/>
+          </p:nvPr>
+        </p:nvSpPr>
+        <p:spPr/>
+      </p:sp>
+      <p:sp>
+        <p:nvSpPr>
+          <p:cNvPr id="3" name="备注占位符 2"/>
+          <p:cNvSpPr>
+            <a:spLocks noGrp="1"/>
+          </p:cNvSpPr>
+          <p:nvPr>
+            <p:ph type="body" idx="1"/>
+          </p:nvPr>
+        </p:nvSpPr>
+        <p:spPr/>
+        <p:txBody>
+          <a:bodyPr/>
+          <a:lstStyle/>
+          <a:p>
+            <a:endParaRPr lang="zh-CN" altLang="en-US" dirty="0"/>
+          </a:p>
+        </p:txBody>
+      </p:sp>
+      <p:sp>
+        <p:nvSpPr>
+          <p:cNvPr id="4" name="灯片编号占位符 3"/>
+          <p:cNvSpPr>
+            <a:spLocks noGrp="1"/>
+          </p:cNvSpPr>
+          <p:nvPr>
+            <p:ph type="sldNum" sz="quarter" idx="10"/>
+          </p:nvPr>
+        </p:nvSpPr>
+        <p:spPr/>
+        <p:txBody>
+          <a:bodyPr/>
+          <a:lstStyle/>
+          <a:p>
+            <a:fld id="{6E87B793-DD03-4969-BEA8-291742079853}" type="slidenum">
+              <a:rPr lang="zh-CN" altLang="en-US" smtClean="0"/>
+              <a:t>30</a:t>
+            </a:fld>
+            <a:endParaRPr lang="zh-CN" altLang="en-US"/>
+          </a:p>
+        </p:txBody>
+      </p:sp>
+    </p:spTree>
+    <p:extLst>
+      <p:ext uri="{BB962C8B-B14F-4D97-AF65-F5344CB8AC3E}">
+        <p14:creationId xmlns:p14="http://schemas.microsoft.com/office/powerpoint/2010/main" val="2997099322"/>
+      </p:ext>
+    </p:extLst>
+  </p:cSld>
+  <p:clrMapOvr>
+    <a:masterClrMapping/>
+  </p:clrMapOvr>
+</p:notes>
+</file>
+
+<file path=ppt/notesSlides/notesSlide31.xml><?xml version="1.0" encoding="utf-8"?>
+<p:notes xmlns:a="http://schemas.openxmlformats.org/drawingml/2006/main" xmlns:r="http://schemas.openxmlformats.org/officeDocument/2006/relationships" xmlns:p="http://schemas.openxmlformats.org/presentationml/2006/main">
+  <p:cSld>
+    <p:spTree>
+      <p:nvGrpSpPr>
+        <p:cNvPr id="1" name=""/>
+        <p:cNvGrpSpPr/>
+        <p:nvPr/>
+      </p:nvGrpSpPr>
+      <p:grpSpPr>
+        <a:xfrm>
+          <a:off x="0" y="0"/>
+          <a:ext cx="0" cy="0"/>
+          <a:chOff x="0" y="0"/>
+          <a:chExt cx="0" cy="0"/>
+        </a:xfrm>
+      </p:grpSpPr>
+      <p:sp>
+        <p:nvSpPr>
+          <p:cNvPr id="2" name="幻灯片图像占位符 1"/>
+          <p:cNvSpPr>
+            <a:spLocks noGrp="1" noRot="1" noChangeAspect="1"/>
+          </p:cNvSpPr>
+          <p:nvPr>
+            <p:ph type="sldImg"/>
+          </p:nvPr>
+        </p:nvSpPr>
+        <p:spPr/>
+      </p:sp>
+      <p:sp>
+        <p:nvSpPr>
+          <p:cNvPr id="3" name="备注占位符 2"/>
+          <p:cNvSpPr>
+            <a:spLocks noGrp="1"/>
+          </p:cNvSpPr>
+          <p:nvPr>
+            <p:ph type="body" idx="1"/>
+          </p:nvPr>
+        </p:nvSpPr>
+        <p:spPr/>
+        <p:txBody>
+          <a:bodyPr/>
+          <a:lstStyle/>
+          <a:p>
+            <a:endParaRPr lang="zh-CN" altLang="en-US"/>
+          </a:p>
+        </p:txBody>
+      </p:sp>
+      <p:sp>
+        <p:nvSpPr>
+          <p:cNvPr id="4" name="灯片编号占位符 3"/>
+          <p:cNvSpPr>
+            <a:spLocks noGrp="1"/>
+          </p:cNvSpPr>
+          <p:nvPr>
+            <p:ph type="sldNum" sz="quarter" idx="10"/>
+          </p:nvPr>
+        </p:nvSpPr>
+        <p:spPr/>
+        <p:txBody>
+          <a:bodyPr/>
+          <a:lstStyle/>
+          <a:p>
+            <a:fld id="{6E87B793-DD03-4969-BEA8-291742079853}" type="slidenum">
+              <a:rPr lang="zh-CN" altLang="en-US" smtClean="0"/>
+              <a:t>31</a:t>
+            </a:fld>
+            <a:endParaRPr lang="zh-CN" altLang="en-US"/>
+          </a:p>
+        </p:txBody>
+      </p:sp>
+    </p:spTree>
+    <p:extLst>
+      <p:ext uri="{BB962C8B-B14F-4D97-AF65-F5344CB8AC3E}">
+        <p14:creationId xmlns:p14="http://schemas.microsoft.com/office/powerpoint/2010/main" val="1649391543"/>
       </p:ext>
     </p:extLst>
   </p:cSld>
@@ -13509,8 +13849,8 @@
         </p:nvSpPr>
         <p:spPr>
           <a:xfrm>
-            <a:off x="381319" y="1195437"/>
-            <a:ext cx="4274521" cy="2862322"/>
+            <a:off x="313600" y="1167382"/>
+            <a:ext cx="11691345" cy="2400657"/>
           </a:xfrm>
           <a:prstGeom prst="rect">
             <a:avLst/>
@@ -13605,34 +13945,31 @@
           </a:p>
           <a:p>
             <a:r>
-              <a:rPr lang="zh-CN" altLang="en-US" sz="2000" b="1" dirty="0">
-                <a:solidFill>
-                  <a:srgbClr val="FF0000"/>
-                </a:solidFill>
-              </a:rPr>
-              <a:t>正则化（</a:t>
-            </a:r>
-            <a:r>
-              <a:rPr lang="en-US" altLang="zh-CN" sz="2000" b="1" dirty="0">
-                <a:solidFill>
-                  <a:srgbClr val="FF0000"/>
-                </a:solidFill>
-              </a:rPr>
-              <a:t>Regularization</a:t>
-            </a:r>
-            <a:r>
-              <a:rPr lang="zh-CN" altLang="en-US" sz="2000" b="1" dirty="0">
-                <a:solidFill>
-                  <a:srgbClr val="FF0000"/>
-                </a:solidFill>
-              </a:rPr>
-              <a:t>）是机器学习中一种常用的技术，其主要目的是控制模型复杂度，减小过拟合。最基本的正则化方法是在原目标（代价）函数 中添加惩罚项，对复杂度高的模型进行“惩罚” 。</a:t>
-            </a:r>
-            <a:endParaRPr lang="en-US" altLang="zh-CN" sz="2000" b="1" dirty="0">
-              <a:solidFill>
-                <a:srgbClr val="FF0000"/>
-              </a:solidFill>
-            </a:endParaRPr>
+              <a:rPr lang="zh-CN" altLang="en-US" dirty="0"/>
+              <a:t>在线性代数、函数分析等数学分支中，范数（</a:t>
+            </a:r>
+            <a:r>
+              <a:rPr lang="en-US" altLang="zh-CN" dirty="0"/>
+              <a:t>Norm</a:t>
+            </a:r>
+            <a:r>
+              <a:rPr lang="zh-CN" altLang="en-US" dirty="0"/>
+              <a:t>）是一个函数，其赋予某个向量空间（或矩阵）中的每个向量以长度或大小。对于零向量，另其长度为零。直观的说，向量或矩阵的范数越大，则我们可以说这个向量或矩阵也就越大。有时范数有很多更为常见的叫法，如绝对值其实便是一维向量空间中实数或复数的范数，而</a:t>
+            </a:r>
+            <a:r>
+              <a:rPr lang="en-US" altLang="zh-CN" dirty="0"/>
+              <a:t>Euclidean</a:t>
+            </a:r>
+            <a:r>
+              <a:rPr lang="zh-CN" altLang="en-US" dirty="0"/>
+              <a:t>距离也是一种范数。</a:t>
+            </a:r>
+          </a:p>
+          <a:p>
+            <a:r>
+              <a:rPr lang="zh-CN" altLang="en-US" dirty="0"/>
+              <a:t>范数满足通常意义上长度的三个基本性质：</a:t>
+            </a:r>
           </a:p>
         </p:txBody>
       </p:sp>
@@ -13726,144 +14063,6 @@
           </a:p>
         </p:txBody>
       </p:sp>
-      <p:pic>
-        <p:nvPicPr>
-          <p:cNvPr id="8" name="图片 7">
-            <a:extLst>
-              <a:ext uri="{FF2B5EF4-FFF2-40B4-BE49-F238E27FC236}">
-                <a16:creationId xmlns:a16="http://schemas.microsoft.com/office/drawing/2014/main" id="{22FC0BE5-A385-4421-99F6-2DE143C41ADB}"/>
-              </a:ext>
-            </a:extLst>
-          </p:cNvPr>
-          <p:cNvPicPr>
-            <a:picLocks noChangeAspect="1"/>
-          </p:cNvPicPr>
-          <p:nvPr/>
-        </p:nvPicPr>
-        <p:blipFill>
-          <a:blip r:embed="rId3">
-            <a:extLst>
-              <a:ext uri="{28A0092B-C50C-407E-A947-70E740481C1C}">
-                <a14:useLocalDpi xmlns:a14="http://schemas.microsoft.com/office/drawing/2010/main" val="0"/>
-              </a:ext>
-            </a:extLst>
-          </a:blip>
-          <a:stretch>
-            <a:fillRect/>
-          </a:stretch>
-        </p:blipFill>
-        <p:spPr>
-          <a:xfrm>
-            <a:off x="4655840" y="280701"/>
-            <a:ext cx="7536160" cy="6504675"/>
-          </a:xfrm>
-          <a:prstGeom prst="rect">
-            <a:avLst/>
-          </a:prstGeom>
-        </p:spPr>
-      </p:pic>
-      <p:sp>
-        <p:nvSpPr>
-          <p:cNvPr id="10" name="矩形 9">
-            <a:extLst>
-              <a:ext uri="{FF2B5EF4-FFF2-40B4-BE49-F238E27FC236}">
-                <a16:creationId xmlns:a16="http://schemas.microsoft.com/office/drawing/2014/main" id="{48A5E6A6-4091-42A0-9663-C5F34FE09704}"/>
-              </a:ext>
-            </a:extLst>
-          </p:cNvPr>
-          <p:cNvSpPr/>
-          <p:nvPr/>
-        </p:nvSpPr>
-        <p:spPr>
-          <a:xfrm>
-            <a:off x="424892" y="4423944"/>
-            <a:ext cx="4374964" cy="1015663"/>
-          </a:xfrm>
-          <a:prstGeom prst="rect">
-            <a:avLst/>
-          </a:prstGeom>
-        </p:spPr>
-        <p:txBody>
-          <a:bodyPr wrap="square">
-            <a:spAutoFit/>
-          </a:bodyPr>
-          <a:lstStyle/>
-          <a:p>
-            <a:r>
-              <a:rPr lang="en-US" altLang="zh-CN" sz="2000" b="1" dirty="0">
-                <a:solidFill>
-                  <a:srgbClr val="002060"/>
-                </a:solidFill>
-                <a:latin typeface="+mn-ea"/>
-              </a:rPr>
-              <a:t>L1</a:t>
-            </a:r>
-            <a:r>
-              <a:rPr lang="zh-CN" altLang="en-US" sz="2000" b="1" dirty="0">
-                <a:solidFill>
-                  <a:srgbClr val="002060"/>
-                </a:solidFill>
-                <a:latin typeface="+mn-ea"/>
-              </a:rPr>
-              <a:t>正则化和</a:t>
-            </a:r>
-            <a:r>
-              <a:rPr lang="en-US" altLang="zh-CN" sz="2000" b="1" dirty="0">
-                <a:solidFill>
-                  <a:srgbClr val="002060"/>
-                </a:solidFill>
-                <a:latin typeface="+mn-ea"/>
-              </a:rPr>
-              <a:t>L2</a:t>
-            </a:r>
-            <a:r>
-              <a:rPr lang="zh-CN" altLang="en-US" sz="2000" b="1" dirty="0">
-                <a:solidFill>
-                  <a:srgbClr val="002060"/>
-                </a:solidFill>
-                <a:latin typeface="+mn-ea"/>
-              </a:rPr>
-              <a:t>正则化主要的区别在于，</a:t>
-            </a:r>
-            <a:r>
-              <a:rPr lang="en-US" altLang="zh-CN" sz="2000" b="1" dirty="0">
-                <a:solidFill>
-                  <a:srgbClr val="002060"/>
-                </a:solidFill>
-                <a:latin typeface="+mn-ea"/>
-              </a:rPr>
-              <a:t>L1</a:t>
-            </a:r>
-            <a:r>
-              <a:rPr lang="zh-CN" altLang="en-US" sz="2000" b="1" dirty="0">
-                <a:solidFill>
-                  <a:srgbClr val="002060"/>
-                </a:solidFill>
-                <a:latin typeface="+mn-ea"/>
-              </a:rPr>
-              <a:t>正比于参数的绝对值，而</a:t>
-            </a:r>
-            <a:r>
-              <a:rPr lang="en-US" altLang="zh-CN" sz="2000" b="1" dirty="0">
-                <a:solidFill>
-                  <a:srgbClr val="002060"/>
-                </a:solidFill>
-                <a:latin typeface="+mn-ea"/>
-              </a:rPr>
-              <a:t>L2</a:t>
-            </a:r>
-            <a:r>
-              <a:rPr lang="zh-CN" altLang="en-US" sz="2000" b="1" dirty="0">
-                <a:solidFill>
-                  <a:srgbClr val="002060"/>
-                </a:solidFill>
-                <a:latin typeface="+mn-ea"/>
-              </a:rPr>
-              <a:t>正比于参数的平方。</a:t>
-            </a:r>
-          </a:p>
-        </p:txBody>
-      </p:sp>
       <p:sp>
         <p:nvSpPr>
           <p:cNvPr id="12" name="文本框 11">
@@ -13916,10 +14115,105 @@
           </a:p>
         </p:txBody>
       </p:sp>
+      <p:pic>
+        <p:nvPicPr>
+          <p:cNvPr id="2" name="图片 1">
+            <a:extLst>
+              <a:ext uri="{FF2B5EF4-FFF2-40B4-BE49-F238E27FC236}">
+                <a16:creationId xmlns:a16="http://schemas.microsoft.com/office/drawing/2014/main" id="{94982AB7-302F-430F-86A5-8E7362E27E87}"/>
+              </a:ext>
+            </a:extLst>
+          </p:cNvPr>
+          <p:cNvPicPr>
+            <a:picLocks noChangeAspect="1"/>
+          </p:cNvPicPr>
+          <p:nvPr/>
+        </p:nvPicPr>
+        <p:blipFill>
+          <a:blip r:embed="rId3"/>
+          <a:stretch>
+            <a:fillRect/>
+          </a:stretch>
+        </p:blipFill>
+        <p:spPr>
+          <a:xfrm>
+            <a:off x="4682897" y="3120364"/>
+            <a:ext cx="4104994" cy="1244740"/>
+          </a:xfrm>
+          <a:prstGeom prst="rect">
+            <a:avLst/>
+          </a:prstGeom>
+        </p:spPr>
+      </p:pic>
+      <p:sp>
+        <p:nvSpPr>
+          <p:cNvPr id="5" name="矩形 4">
+            <a:extLst>
+              <a:ext uri="{FF2B5EF4-FFF2-40B4-BE49-F238E27FC236}">
+                <a16:creationId xmlns:a16="http://schemas.microsoft.com/office/drawing/2014/main" id="{C021DCD9-99FA-48C6-875F-F1501819A7B8}"/>
+              </a:ext>
+            </a:extLst>
+          </p:cNvPr>
+          <p:cNvSpPr/>
+          <p:nvPr/>
+        </p:nvSpPr>
+        <p:spPr>
+          <a:xfrm>
+            <a:off x="384175" y="4271393"/>
+            <a:ext cx="11620770" cy="1477328"/>
+          </a:xfrm>
+          <a:prstGeom prst="rect">
+            <a:avLst/>
+          </a:prstGeom>
+        </p:spPr>
+        <p:txBody>
+          <a:bodyPr wrap="square">
+            <a:spAutoFit/>
+          </a:bodyPr>
+          <a:lstStyle/>
+          <a:p>
+            <a:r>
+              <a:rPr lang="zh-CN" altLang="en-US" dirty="0"/>
+              <a:t>在这里，我们需要关注的最主要是范数的「非负性」。我们刚才讲，损失函数通常是一个有下确界的函数。而这个性质保证了我们可以对损失函数做最优化求解。如果我们要保证目标函数依然可以做最优化求解，那么我们就必须让正则项也有一个下界。非负性无疑提供了这样的下界，而且它是一个下确界</a:t>
+            </a:r>
+            <a:r>
+              <a:rPr lang="en-US" altLang="zh-CN" dirty="0"/>
+              <a:t>——</a:t>
+            </a:r>
+            <a:r>
+              <a:rPr lang="zh-CN" altLang="en-US" dirty="0"/>
+              <a:t>由齐次性保证（当 </a:t>
+            </a:r>
+            <a:r>
+              <a:rPr lang="en-US" altLang="zh-CN" dirty="0"/>
+              <a:t>c=0 </a:t>
+            </a:r>
+            <a:r>
+              <a:rPr lang="zh-CN" altLang="en-US" dirty="0"/>
+              <a:t>时）。</a:t>
+            </a:r>
+            <a:endParaRPr lang="en-US" altLang="zh-CN" dirty="0"/>
+          </a:p>
+          <a:p>
+            <a:r>
+              <a:rPr lang="zh-CN" altLang="en-US" dirty="0"/>
+              <a:t>因此，我们说，范数的性质使得它天然地适合作为机器学习的正则项。而范数需要的向量，则是机器学习的学习目标</a:t>
+            </a:r>
+            <a:r>
+              <a:rPr lang="en-US" altLang="zh-CN" dirty="0"/>
+              <a:t>——</a:t>
+            </a:r>
+            <a:r>
+              <a:rPr lang="zh-CN" altLang="en-US" dirty="0"/>
+              <a:t>参数向量。</a:t>
+            </a:r>
+          </a:p>
+        </p:txBody>
+      </p:sp>
     </p:spTree>
     <p:extLst>
       <p:ext uri="{BB962C8B-B14F-4D97-AF65-F5344CB8AC3E}">
-        <p14:creationId xmlns:p14="http://schemas.microsoft.com/office/powerpoint/2010/main" val="2849306771"/>
+        <p14:creationId xmlns:p14="http://schemas.microsoft.com/office/powerpoint/2010/main" val="1389752031"/>
       </p:ext>
     </p:extLst>
   </p:cSld>
@@ -14376,8 +14670,8 @@
         </p:nvSpPr>
         <p:spPr>
           <a:xfrm>
-            <a:off x="381319" y="1195437"/>
-            <a:ext cx="4274521" cy="3231654"/>
+            <a:off x="313600" y="1167382"/>
+            <a:ext cx="11691345" cy="707886"/>
           </a:xfrm>
           <a:prstGeom prst="rect">
             <a:avLst/>
@@ -14456,128 +14750,6 @@
                 </a:solidFill>
               </a:rPr>
               <a:t>？</a:t>
-            </a:r>
-            <a:endParaRPr lang="en-US" altLang="zh-CN" sz="2000" b="1" dirty="0">
-              <a:solidFill>
-                <a:srgbClr val="FF0000"/>
-              </a:solidFill>
-            </a:endParaRPr>
-          </a:p>
-          <a:p>
-            <a:endParaRPr lang="en-US" altLang="zh-CN" sz="2000" b="1" dirty="0">
-              <a:solidFill>
-                <a:srgbClr val="FF0000"/>
-              </a:solidFill>
-            </a:endParaRPr>
-          </a:p>
-          <a:p>
-            <a:r>
-              <a:rPr lang="zh-CN" altLang="en-US" dirty="0"/>
-              <a:t>一般用右下图方程来求得模型 </a:t>
-            </a:r>
-            <a:r>
-              <a:rPr lang="en-US" altLang="zh-CN" dirty="0"/>
-              <a:t>y(x) </a:t>
-            </a:r>
-            <a:r>
-              <a:rPr lang="zh-CN" altLang="en-US" dirty="0"/>
-              <a:t>和 真实数据 </a:t>
-            </a:r>
-            <a:r>
-              <a:rPr lang="en-US" altLang="zh-CN" dirty="0"/>
-              <a:t>y </a:t>
-            </a:r>
-            <a:r>
-              <a:rPr lang="zh-CN" altLang="en-US" dirty="0"/>
-              <a:t>的误差</a:t>
-            </a:r>
-            <a:r>
-              <a:rPr lang="en-US" altLang="zh-CN" dirty="0"/>
-              <a:t>, </a:t>
-            </a:r>
-            <a:r>
-              <a:rPr lang="zh-CN" altLang="en-US" dirty="0"/>
-              <a:t>而 </a:t>
-            </a:r>
-            <a:r>
-              <a:rPr lang="en-US" altLang="zh-CN" dirty="0"/>
-              <a:t>L1 L2 </a:t>
-            </a:r>
-            <a:r>
-              <a:rPr lang="zh-CN" altLang="en-US" dirty="0"/>
-              <a:t>就只是在这个误差公式后面多加了一个东西</a:t>
-            </a:r>
-            <a:r>
-              <a:rPr lang="en-US" altLang="zh-CN" dirty="0"/>
-              <a:t>, </a:t>
-            </a:r>
-            <a:r>
-              <a:rPr lang="zh-CN" altLang="en-US" dirty="0"/>
-              <a:t>让误差不仅仅取决于拟合数据拟合的好坏</a:t>
-            </a:r>
-            <a:r>
-              <a:rPr lang="en-US" altLang="zh-CN" dirty="0"/>
-              <a:t>, </a:t>
-            </a:r>
-            <a:r>
-              <a:rPr lang="zh-CN" altLang="en-US" dirty="0"/>
-              <a:t>而且取决于像刚刚 </a:t>
-            </a:r>
-            <a:r>
-              <a:rPr lang="en-US" altLang="zh-CN" dirty="0"/>
-              <a:t>c d </a:t>
-            </a:r>
-            <a:r>
-              <a:rPr lang="zh-CN" altLang="en-US" dirty="0"/>
-              <a:t>那些参数的值的大小</a:t>
-            </a:r>
-            <a:r>
-              <a:rPr lang="en-US" altLang="zh-CN" dirty="0"/>
-              <a:t>. </a:t>
-            </a:r>
-            <a:r>
-              <a:rPr lang="zh-CN" altLang="en-US" dirty="0"/>
-              <a:t>如果是每个参数的平方</a:t>
-            </a:r>
-            <a:r>
-              <a:rPr lang="en-US" altLang="zh-CN" dirty="0"/>
-              <a:t>, </a:t>
-            </a:r>
-            <a:r>
-              <a:rPr lang="zh-CN" altLang="en-US" dirty="0"/>
-              <a:t>那么我们称它为 </a:t>
-            </a:r>
-            <a:r>
-              <a:rPr lang="en-US" altLang="zh-CN" dirty="0"/>
-              <a:t>L2</a:t>
-            </a:r>
-            <a:r>
-              <a:rPr lang="zh-CN" altLang="en-US" dirty="0"/>
-              <a:t>正则化</a:t>
-            </a:r>
-            <a:r>
-              <a:rPr lang="en-US" altLang="zh-CN" dirty="0"/>
-              <a:t>, </a:t>
-            </a:r>
-            <a:r>
-              <a:rPr lang="zh-CN" altLang="en-US" dirty="0"/>
-              <a:t>如果是每个参数的绝对值</a:t>
-            </a:r>
-            <a:r>
-              <a:rPr lang="en-US" altLang="zh-CN" dirty="0"/>
-              <a:t>, </a:t>
-            </a:r>
-            <a:r>
-              <a:rPr lang="zh-CN" altLang="en-US" dirty="0"/>
-              <a:t>我们称为 </a:t>
-            </a:r>
-            <a:r>
-              <a:rPr lang="en-US" altLang="zh-CN" dirty="0"/>
-              <a:t>L1 </a:t>
-            </a:r>
-            <a:r>
-              <a:rPr lang="zh-CN" altLang="en-US" dirty="0"/>
-              <a:t>正则化。</a:t>
             </a:r>
             <a:endParaRPr lang="en-US" altLang="zh-CN" sz="2000" b="1" dirty="0">
               <a:solidFill>
@@ -14679,108 +14851,6 @@
       </p:sp>
       <p:sp>
         <p:nvSpPr>
-          <p:cNvPr id="10" name="矩形 9">
-            <a:extLst>
-              <a:ext uri="{FF2B5EF4-FFF2-40B4-BE49-F238E27FC236}">
-                <a16:creationId xmlns:a16="http://schemas.microsoft.com/office/drawing/2014/main" id="{48A5E6A6-4091-42A0-9663-C5F34FE09704}"/>
-              </a:ext>
-            </a:extLst>
-          </p:cNvPr>
-          <p:cNvSpPr/>
-          <p:nvPr/>
-        </p:nvSpPr>
-        <p:spPr>
-          <a:xfrm>
-            <a:off x="391597" y="4707676"/>
-            <a:ext cx="4374964" cy="1015663"/>
-          </a:xfrm>
-          <a:prstGeom prst="rect">
-            <a:avLst/>
-          </a:prstGeom>
-        </p:spPr>
-        <p:txBody>
-          <a:bodyPr wrap="square">
-            <a:spAutoFit/>
-          </a:bodyPr>
-          <a:lstStyle/>
-          <a:p>
-            <a:r>
-              <a:rPr lang="en-US" altLang="zh-CN" sz="2000" b="1" dirty="0">
-                <a:solidFill>
-                  <a:srgbClr val="002060"/>
-                </a:solidFill>
-                <a:latin typeface="+mn-ea"/>
-              </a:rPr>
-              <a:t>L1</a:t>
-            </a:r>
-            <a:r>
-              <a:rPr lang="zh-CN" altLang="en-US" sz="2000" b="1" dirty="0">
-                <a:solidFill>
-                  <a:srgbClr val="002060"/>
-                </a:solidFill>
-                <a:latin typeface="+mn-ea"/>
-              </a:rPr>
-              <a:t>正则化和</a:t>
-            </a:r>
-            <a:r>
-              <a:rPr lang="en-US" altLang="zh-CN" sz="2000" b="1" dirty="0">
-                <a:solidFill>
-                  <a:srgbClr val="002060"/>
-                </a:solidFill>
-                <a:latin typeface="+mn-ea"/>
-              </a:rPr>
-              <a:t>L2</a:t>
-            </a:r>
-            <a:r>
-              <a:rPr lang="zh-CN" altLang="en-US" sz="2000" b="1" dirty="0">
-                <a:solidFill>
-                  <a:srgbClr val="002060"/>
-                </a:solidFill>
-                <a:latin typeface="+mn-ea"/>
-              </a:rPr>
-              <a:t>正则化主要的区别在于，</a:t>
-            </a:r>
-            <a:r>
-              <a:rPr lang="en-US" altLang="zh-CN" sz="2000" b="1" dirty="0">
-                <a:solidFill>
-                  <a:srgbClr val="002060"/>
-                </a:solidFill>
-                <a:latin typeface="+mn-ea"/>
-              </a:rPr>
-              <a:t>L1</a:t>
-            </a:r>
-            <a:r>
-              <a:rPr lang="zh-CN" altLang="en-US" sz="2000" b="1" dirty="0">
-                <a:solidFill>
-                  <a:srgbClr val="002060"/>
-                </a:solidFill>
-                <a:latin typeface="+mn-ea"/>
-              </a:rPr>
-              <a:t>正比于参数的绝对值，而</a:t>
-            </a:r>
-            <a:r>
-              <a:rPr lang="en-US" altLang="zh-CN" sz="2000" b="1" dirty="0">
-                <a:solidFill>
-                  <a:srgbClr val="002060"/>
-                </a:solidFill>
-                <a:latin typeface="+mn-ea"/>
-              </a:rPr>
-              <a:t>L2</a:t>
-            </a:r>
-            <a:r>
-              <a:rPr lang="zh-CN" altLang="en-US" sz="2000" b="1" dirty="0">
-                <a:solidFill>
-                  <a:srgbClr val="002060"/>
-                </a:solidFill>
-                <a:latin typeface="+mn-ea"/>
-              </a:rPr>
-              <a:t>正比于参数的平方。</a:t>
-            </a:r>
-          </a:p>
-        </p:txBody>
-      </p:sp>
-      <p:sp>
-        <p:nvSpPr>
           <p:cNvPr id="12" name="文本框 11">
             <a:extLst>
               <a:ext uri="{FF2B5EF4-FFF2-40B4-BE49-F238E27FC236}">
@@ -14833,15 +14903,15 @@
       </p:sp>
       <p:pic>
         <p:nvPicPr>
-          <p:cNvPr id="11" name="Picture 2" descr="preview">
+          <p:cNvPr id="9" name="图片 8">
             <a:extLst>
               <a:ext uri="{FF2B5EF4-FFF2-40B4-BE49-F238E27FC236}">
-                <a16:creationId xmlns:a16="http://schemas.microsoft.com/office/drawing/2014/main" id="{4F2A4BBC-8DB7-4F4D-B521-F04819179C9C}"/>
+                <a16:creationId xmlns:a16="http://schemas.microsoft.com/office/drawing/2014/main" id="{70047D14-5889-4585-99B7-82AA92A74E17}"/>
               </a:ext>
             </a:extLst>
           </p:cNvPr>
           <p:cNvPicPr>
-            <a:picLocks noChangeAspect="1" noChangeArrowheads="1"/>
+            <a:picLocks noChangeAspect="1"/>
           </p:cNvPicPr>
           <p:nvPr/>
         </p:nvPicPr>
@@ -14853,82 +14923,152 @@
               </a:ext>
             </a:extLst>
           </a:blip>
-          <a:srcRect/>
           <a:stretch>
             <a:fillRect/>
           </a:stretch>
         </p:blipFill>
-        <p:spPr bwMode="auto">
+        <p:spPr>
           <a:xfrm>
-            <a:off x="5754432" y="260648"/>
-            <a:ext cx="6132070" cy="3121529"/>
+            <a:off x="313600" y="2114494"/>
+            <a:ext cx="7437412" cy="3929996"/>
           </a:xfrm>
           <a:prstGeom prst="rect">
             <a:avLst/>
           </a:prstGeom>
-          <a:noFill/>
-          <a:extLst>
-            <a:ext uri="{909E8E84-426E-40DD-AFC4-6F175D3DCCD1}">
-              <a14:hiddenFill xmlns:a14="http://schemas.microsoft.com/office/drawing/2010/main">
-                <a:solidFill>
-                  <a:srgbClr val="FFFFFF"/>
-                </a:solidFill>
-              </a14:hiddenFill>
-            </a:ext>
-          </a:extLst>
         </p:spPr>
       </p:pic>
-      <p:pic>
-        <p:nvPicPr>
-          <p:cNvPr id="8194" name="Picture 2" descr="preview">
+      <p:sp>
+        <p:nvSpPr>
+          <p:cNvPr id="10" name="矩形 9">
             <a:extLst>
               <a:ext uri="{FF2B5EF4-FFF2-40B4-BE49-F238E27FC236}">
-                <a16:creationId xmlns:a16="http://schemas.microsoft.com/office/drawing/2014/main" id="{E2EE9DD5-AF1B-40BF-B5C5-BAE02F47808C}"/>
+                <a16:creationId xmlns:a16="http://schemas.microsoft.com/office/drawing/2014/main" id="{B9521CE4-BD0B-4252-BE0B-4179D14DEED3}"/>
               </a:ext>
             </a:extLst>
           </p:cNvPr>
-          <p:cNvPicPr>
-            <a:picLocks noChangeAspect="1" noChangeArrowheads="1"/>
-          </p:cNvPicPr>
+          <p:cNvSpPr/>
           <p:nvPr/>
-        </p:nvPicPr>
-        <p:blipFill>
-          <a:blip r:embed="rId4">
-            <a:extLst>
-              <a:ext uri="{28A0092B-C50C-407E-A947-70E740481C1C}">
-                <a14:useLocalDpi xmlns:a14="http://schemas.microsoft.com/office/drawing/2010/main" val="0"/>
-              </a:ext>
-            </a:extLst>
-          </a:blip>
-          <a:srcRect/>
-          <a:stretch>
-            <a:fillRect/>
-          </a:stretch>
-        </p:blipFill>
-        <p:spPr bwMode="auto">
+        </p:nvSpPr>
+        <p:spPr>
           <a:xfrm>
-            <a:off x="5754432" y="3573016"/>
-            <a:ext cx="6150608" cy="3284984"/>
+            <a:off x="7751011" y="697471"/>
+            <a:ext cx="4440989" cy="2585323"/>
           </a:xfrm>
           <a:prstGeom prst="rect">
             <a:avLst/>
           </a:prstGeom>
-          <a:noFill/>
-          <a:extLst>
-            <a:ext uri="{909E8E84-426E-40DD-AFC4-6F175D3DCCD1}">
-              <a14:hiddenFill xmlns:a14="http://schemas.microsoft.com/office/drawing/2010/main">
-                <a:solidFill>
-                  <a:srgbClr val="FFFFFF"/>
-                </a:solidFill>
-              </a14:hiddenFill>
-            </a:ext>
-          </a:extLst>
         </p:spPr>
-      </p:pic>
+        <p:txBody>
+          <a:bodyPr wrap="square">
+            <a:spAutoFit/>
+          </a:bodyPr>
+          <a:lstStyle/>
+          <a:p>
+            <a:r>
+              <a:rPr lang="zh-CN" altLang="en-US" dirty="0">
+                <a:latin typeface="+mn-ea"/>
+              </a:rPr>
+              <a:t>当</a:t>
+            </a:r>
+            <a:r>
+              <a:rPr lang="en-US" altLang="zh-CN" dirty="0">
+                <a:latin typeface="+mn-ea"/>
+              </a:rPr>
+              <a:t>p=1</a:t>
+            </a:r>
+            <a:r>
+              <a:rPr lang="zh-CN" altLang="en-US" dirty="0">
+                <a:latin typeface="+mn-ea"/>
+              </a:rPr>
+              <a:t>时，我们称之为</a:t>
+            </a:r>
+            <a:r>
+              <a:rPr lang="en-US" altLang="zh-CN" dirty="0">
+                <a:latin typeface="+mn-ea"/>
+              </a:rPr>
+              <a:t>taxicab Norm</a:t>
+            </a:r>
+            <a:r>
+              <a:rPr lang="zh-CN" altLang="en-US" dirty="0">
+                <a:latin typeface="+mn-ea"/>
+              </a:rPr>
+              <a:t>，也叫</a:t>
+            </a:r>
+            <a:r>
+              <a:rPr lang="en-US" altLang="zh-CN" dirty="0">
+                <a:latin typeface="+mn-ea"/>
+              </a:rPr>
+              <a:t>Manhattan Norm</a:t>
+            </a:r>
+            <a:r>
+              <a:rPr lang="zh-CN" altLang="en-US" dirty="0">
+                <a:latin typeface="+mn-ea"/>
+              </a:rPr>
+              <a:t>。其来源是曼哈顿的出租车司机在四四方方的曼哈顿街道中从一点到另一点所需要走过的距离。也即我们所要讨论的</a:t>
+            </a:r>
+            <a:r>
+              <a:rPr lang="en-US" altLang="zh-CN" dirty="0">
+                <a:latin typeface="+mn-ea"/>
+              </a:rPr>
+              <a:t>l1</a:t>
+            </a:r>
+            <a:r>
+              <a:rPr lang="zh-CN" altLang="en-US" dirty="0">
+                <a:latin typeface="+mn-ea"/>
+              </a:rPr>
+              <a:t>范数。其表示某个向量中所有元素绝对值的和。</a:t>
+            </a:r>
+            <a:endParaRPr lang="en-US" altLang="zh-CN" dirty="0">
+              <a:latin typeface="+mn-ea"/>
+            </a:endParaRPr>
+          </a:p>
+          <a:p>
+            <a:r>
+              <a:rPr lang="zh-CN" altLang="en-US" dirty="0"/>
+              <a:t>而当</a:t>
+            </a:r>
+            <a:r>
+              <a:rPr lang="en-US" altLang="zh-CN" dirty="0"/>
+              <a:t>p=2</a:t>
+            </a:r>
+            <a:r>
+              <a:rPr lang="zh-CN" altLang="en-US" dirty="0"/>
+              <a:t>时，则是我们最为常见的</a:t>
+            </a:r>
+            <a:r>
+              <a:rPr lang="en-US" altLang="zh-CN" dirty="0"/>
+              <a:t>Euclidean norm</a:t>
+            </a:r>
+            <a:r>
+              <a:rPr lang="zh-CN" altLang="en-US" dirty="0"/>
+              <a:t>。也称为</a:t>
+            </a:r>
+            <a:r>
+              <a:rPr lang="en-US" altLang="zh-CN" dirty="0"/>
+              <a:t>Euclidean distance</a:t>
+            </a:r>
+            <a:r>
+              <a:rPr lang="zh-CN" altLang="en-US" dirty="0"/>
+              <a:t>。也即我们要讨论的</a:t>
+            </a:r>
+            <a:r>
+              <a:rPr lang="en-US" altLang="zh-CN" dirty="0"/>
+              <a:t>l2</a:t>
+            </a:r>
+            <a:r>
+              <a:rPr lang="zh-CN" altLang="en-US" dirty="0"/>
+              <a:t>范数。</a:t>
+            </a:r>
+            <a:endParaRPr lang="zh-CN" altLang="en-US" dirty="0">
+              <a:latin typeface="+mn-ea"/>
+            </a:endParaRPr>
+          </a:p>
+        </p:txBody>
+      </p:sp>
     </p:spTree>
     <p:extLst>
       <p:ext uri="{BB962C8B-B14F-4D97-AF65-F5344CB8AC3E}">
-        <p14:creationId xmlns:p14="http://schemas.microsoft.com/office/powerpoint/2010/main" val="3008781515"/>
+        <p14:creationId xmlns:p14="http://schemas.microsoft.com/office/powerpoint/2010/main" val="879764887"/>
       </p:ext>
     </p:extLst>
   </p:cSld>
@@ -30589,8 +30729,8 @@
         </p:nvSpPr>
         <p:spPr>
           <a:xfrm>
-            <a:off x="237303" y="1195437"/>
-            <a:ext cx="5066609" cy="4893647"/>
+            <a:off x="313600" y="1167382"/>
+            <a:ext cx="11691345" cy="1446550"/>
           </a:xfrm>
           <a:prstGeom prst="rect">
             <a:avLst/>
@@ -30677,7 +30817,51 @@
             </a:endParaRPr>
           </a:p>
           <a:p>
-            <a:endParaRPr lang="en-US" altLang="zh-CN" sz="2000" b="1" dirty="0">
+            <a:r>
+              <a:rPr lang="zh-CN" altLang="en-US" sz="1600" dirty="0"/>
+              <a:t>而当</a:t>
+            </a:r>
+            <a:r>
+              <a:rPr lang="en-US" altLang="zh-CN" sz="1600" dirty="0"/>
+              <a:t>p=0</a:t>
+            </a:r>
+            <a:r>
+              <a:rPr lang="zh-CN" altLang="en-US" sz="1600" dirty="0"/>
+              <a:t>时，因其不再满足三角不等性，严格的说此时</a:t>
+            </a:r>
+            <a:r>
+              <a:rPr lang="en-US" altLang="zh-CN" sz="1600" dirty="0"/>
+              <a:t>p</a:t>
+            </a:r>
+            <a:r>
+              <a:rPr lang="zh-CN" altLang="en-US" sz="1600" dirty="0"/>
+              <a:t>已不算是范数了，但很多人仍然称之为</a:t>
+            </a:r>
+            <a:r>
+              <a:rPr lang="en-US" altLang="zh-CN" sz="1600" dirty="0"/>
+              <a:t>l0</a:t>
+            </a:r>
+            <a:r>
+              <a:rPr lang="zh-CN" altLang="en-US" sz="1600" dirty="0"/>
+              <a:t>范数。 这三个范数有很多非常有意思的特征，尤其是在机器学习中的正则化（</a:t>
+            </a:r>
+            <a:r>
+              <a:rPr lang="en-US" altLang="zh-CN" sz="1600" dirty="0"/>
+              <a:t>Regularization</a:t>
+            </a:r>
+            <a:r>
+              <a:rPr lang="zh-CN" altLang="en-US" sz="1600" dirty="0"/>
+              <a:t>）以及稀疏编码（</a:t>
+            </a:r>
+            <a:r>
+              <a:rPr lang="en-US" altLang="zh-CN" sz="1600" dirty="0"/>
+              <a:t>Sparse Coding</a:t>
+            </a:r>
+            <a:r>
+              <a:rPr lang="zh-CN" altLang="en-US" sz="1600" dirty="0"/>
+              <a:t>）有非常有趣的应用。</a:t>
+            </a:r>
+            <a:endParaRPr lang="en-US" altLang="zh-CN" sz="1600" b="1" dirty="0">
               <a:solidFill>
                 <a:srgbClr val="FF0000"/>
               </a:solidFill>
@@ -30685,156 +30869,26 @@
           </a:p>
           <a:p>
             <a:r>
-              <a:rPr lang="zh-CN" altLang="en-US" b="1" dirty="0"/>
-              <a:t>核心思想：</a:t>
-            </a:r>
-            <a:endParaRPr lang="en-US" altLang="zh-CN" b="1" dirty="0"/>
-          </a:p>
-          <a:p>
-            <a:endParaRPr lang="en-US" altLang="zh-CN" dirty="0"/>
-          </a:p>
-          <a:p>
-            <a:r>
-              <a:rPr lang="zh-CN" altLang="en-US" dirty="0"/>
-              <a:t>以</a:t>
-            </a:r>
-            <a:r>
-              <a:rPr lang="en-US" altLang="zh-CN" dirty="0"/>
-              <a:t>L2</a:t>
-            </a:r>
-            <a:r>
-              <a:rPr lang="zh-CN" altLang="en-US" dirty="0"/>
-              <a:t>正则化为例进行探讨</a:t>
-            </a:r>
-            <a:r>
-              <a:rPr lang="en-US" altLang="zh-CN" dirty="0"/>
-              <a:t>, </a:t>
-            </a:r>
-            <a:r>
-              <a:rPr lang="zh-CN" altLang="en-US" dirty="0"/>
-              <a:t>机器学习的过程是一个 通过修改参数 </a:t>
-            </a:r>
-            <a:r>
-              <a:rPr lang="en-US" altLang="zh-CN" dirty="0"/>
-              <a:t>theta </a:t>
-            </a:r>
-            <a:r>
-              <a:rPr lang="zh-CN" altLang="en-US" dirty="0"/>
-              <a:t>来减小误差的过程</a:t>
-            </a:r>
-            <a:r>
-              <a:rPr lang="en-US" altLang="zh-CN" dirty="0"/>
-              <a:t>, </a:t>
-            </a:r>
-            <a:r>
-              <a:rPr lang="zh-CN" altLang="en-US" dirty="0"/>
-              <a:t>可是在减小误差的时候非线性越强的参数</a:t>
-            </a:r>
-            <a:r>
-              <a:rPr lang="en-US" altLang="zh-CN" dirty="0"/>
-              <a:t>, </a:t>
-            </a:r>
-            <a:r>
-              <a:rPr lang="zh-CN" altLang="en-US" dirty="0"/>
-              <a:t>比如在 </a:t>
-            </a:r>
-            <a:r>
-              <a:rPr lang="en-US" altLang="zh-CN" dirty="0"/>
-              <a:t>x^3 </a:t>
-            </a:r>
-            <a:r>
-              <a:rPr lang="zh-CN" altLang="en-US" dirty="0"/>
-              <a:t>旁边的 </a:t>
-            </a:r>
-            <a:r>
-              <a:rPr lang="en-US" altLang="zh-CN" dirty="0"/>
-              <a:t>theta 4 </a:t>
-            </a:r>
-            <a:r>
-              <a:rPr lang="zh-CN" altLang="en-US" dirty="0"/>
-              <a:t>就会被修改得越多</a:t>
-            </a:r>
-            <a:r>
-              <a:rPr lang="en-US" altLang="zh-CN" dirty="0"/>
-              <a:t>, </a:t>
-            </a:r>
-            <a:r>
-              <a:rPr lang="zh-CN" altLang="en-US" dirty="0"/>
-              <a:t>因为如果使用非线性强的参数就能使方程更加曲折</a:t>
-            </a:r>
-            <a:r>
-              <a:rPr lang="en-US" altLang="zh-CN" dirty="0"/>
-              <a:t>, </a:t>
-            </a:r>
-            <a:r>
-              <a:rPr lang="zh-CN" altLang="en-US" dirty="0"/>
-              <a:t>也就能更好的拟合上那些分布的数据点</a:t>
-            </a:r>
-            <a:r>
-              <a:rPr lang="en-US" altLang="zh-CN" dirty="0"/>
-              <a:t>. Theta 4</a:t>
-            </a:r>
-            <a:r>
-              <a:rPr lang="zh-CN" altLang="en-US" dirty="0"/>
-              <a:t>作为非线性强的参数系数</a:t>
-            </a:r>
-            <a:r>
-              <a:rPr lang="en-US" altLang="zh-CN" dirty="0"/>
-              <a:t>, </a:t>
-            </a:r>
-            <a:r>
-              <a:rPr lang="zh-CN" altLang="en-US" dirty="0"/>
-              <a:t>改变模型的很明显</a:t>
-            </a:r>
-            <a:r>
-              <a:rPr lang="en-US" altLang="zh-CN" dirty="0"/>
-              <a:t>, </a:t>
-            </a:r>
-            <a:r>
-              <a:rPr lang="zh-CN" altLang="en-US" dirty="0"/>
-              <a:t>很容易拟合所有的数据</a:t>
-            </a:r>
-            <a:r>
-              <a:rPr lang="en-US" altLang="zh-CN" dirty="0"/>
-              <a:t>, </a:t>
-            </a:r>
-            <a:r>
-              <a:rPr lang="zh-CN" altLang="en-US" dirty="0"/>
-              <a:t>然而误差方程需要保证模型的鲁棒性，如果</a:t>
-            </a:r>
-            <a:r>
-              <a:rPr lang="en-US" altLang="zh-CN" dirty="0"/>
-              <a:t>Theta 4</a:t>
-            </a:r>
-            <a:r>
-              <a:rPr lang="zh-CN" altLang="en-US" dirty="0"/>
-              <a:t>错了</a:t>
-            </a:r>
-            <a:r>
-              <a:rPr lang="en-US" altLang="zh-CN" dirty="0"/>
-              <a:t>, </a:t>
-            </a:r>
-            <a:r>
-              <a:rPr lang="zh-CN" altLang="en-US" dirty="0"/>
-              <a:t>整个误差方程的效率就突然降低了</a:t>
-            </a:r>
-            <a:r>
-              <a:rPr lang="en-US" altLang="zh-CN" dirty="0"/>
-              <a:t>, </a:t>
-            </a:r>
-            <a:r>
-              <a:rPr lang="zh-CN" altLang="en-US" dirty="0"/>
-              <a:t>因此误差方程需要“惩罚”方程中“独出风头” 的参数系数</a:t>
-            </a:r>
-            <a:r>
-              <a:rPr lang="en-US" altLang="zh-CN" dirty="0"/>
-              <a:t>. </a:t>
-            </a:r>
-            <a:r>
-              <a:rPr lang="zh-CN" altLang="en-US" dirty="0"/>
-              <a:t>这就是整套正规化算法的核心思想。</a:t>
-            </a:r>
-            <a:endParaRPr lang="en-US" altLang="zh-CN" sz="2000" b="1" dirty="0">
+              <a:rPr lang="zh-CN" altLang="en-US" sz="1600" dirty="0"/>
+              <a:t>下图给出了一个</a:t>
+            </a:r>
+            <a:r>
+              <a:rPr lang="en-US" altLang="zh-CN" sz="1600" dirty="0" err="1"/>
+              <a:t>Lp</a:t>
+            </a:r>
+            <a:r>
+              <a:rPr lang="zh-CN" altLang="en-US" sz="1600" dirty="0"/>
+              <a:t>球的形状随着</a:t>
+            </a:r>
+            <a:r>
+              <a:rPr lang="en-US" altLang="zh-CN" sz="1600" dirty="0"/>
+              <a:t>P</a:t>
+            </a:r>
+            <a:r>
+              <a:rPr lang="zh-CN" altLang="en-US" sz="1600" dirty="0"/>
+              <a:t>的减少的可视化图。</a:t>
+            </a:r>
+            <a:endParaRPr lang="en-US" altLang="zh-CN" sz="1600" b="1" dirty="0">
               <a:solidFill>
                 <a:srgbClr val="FF0000"/>
               </a:solidFill>
@@ -30986,15 +31040,15 @@
       </p:sp>
       <p:pic>
         <p:nvPicPr>
-          <p:cNvPr id="9218" name="Picture 2" descr="preview">
+          <p:cNvPr id="5" name="图片 4">
             <a:extLst>
               <a:ext uri="{FF2B5EF4-FFF2-40B4-BE49-F238E27FC236}">
-                <a16:creationId xmlns:a16="http://schemas.microsoft.com/office/drawing/2014/main" id="{57B1CF31-18B4-4817-8270-B4D778A18723}"/>
+                <a16:creationId xmlns:a16="http://schemas.microsoft.com/office/drawing/2014/main" id="{B7CBA694-C5E1-418B-965F-693D8BEA28B4}"/>
               </a:ext>
             </a:extLst>
           </p:cNvPr>
           <p:cNvPicPr>
-            <a:picLocks noChangeAspect="1" noChangeArrowheads="1"/>
+            <a:picLocks noChangeAspect="1"/>
           </p:cNvPicPr>
           <p:nvPr/>
         </p:nvPicPr>
@@ -31006,35 +31060,24 @@
               </a:ext>
             </a:extLst>
           </a:blip>
-          <a:srcRect/>
           <a:stretch>
             <a:fillRect/>
           </a:stretch>
         </p:blipFill>
-        <p:spPr bwMode="auto">
+        <p:spPr>
           <a:xfrm>
-            <a:off x="5442199" y="1195437"/>
-            <a:ext cx="6729016" cy="3707825"/>
+            <a:off x="695400" y="2587834"/>
+            <a:ext cx="8906039" cy="4270166"/>
           </a:xfrm>
           <a:prstGeom prst="rect">
             <a:avLst/>
           </a:prstGeom>
-          <a:noFill/>
-          <a:extLst>
-            <a:ext uri="{909E8E84-426E-40DD-AFC4-6F175D3DCCD1}">
-              <a14:hiddenFill xmlns:a14="http://schemas.microsoft.com/office/drawing/2010/main">
-                <a:solidFill>
-                  <a:srgbClr val="FFFFFF"/>
-                </a:solidFill>
-              </a14:hiddenFill>
-            </a:ext>
-          </a:extLst>
         </p:spPr>
       </p:pic>
     </p:spTree>
     <p:extLst>
       <p:ext uri="{BB962C8B-B14F-4D97-AF65-F5344CB8AC3E}">
-        <p14:creationId xmlns:p14="http://schemas.microsoft.com/office/powerpoint/2010/main" val="21040560"/>
+        <p14:creationId xmlns:p14="http://schemas.microsoft.com/office/powerpoint/2010/main" val="759508715"/>
       </p:ext>
     </p:extLst>
   </p:cSld>
@@ -31491,8 +31534,8 @@
         </p:nvSpPr>
         <p:spPr>
           <a:xfrm>
-            <a:off x="237303" y="1195437"/>
-            <a:ext cx="5498657" cy="5447645"/>
+            <a:off x="313600" y="1167382"/>
+            <a:ext cx="11691345" cy="1323439"/>
           </a:xfrm>
           <a:prstGeom prst="rect">
             <a:avLst/>
@@ -31587,256 +31630,54 @@
           </a:p>
           <a:p>
             <a:r>
-              <a:rPr lang="zh-CN" altLang="en-US" b="1" dirty="0"/>
-              <a:t>图像化过程：</a:t>
-            </a:r>
-            <a:endParaRPr lang="en-US" altLang="zh-CN" b="1" dirty="0"/>
-          </a:p>
-          <a:p>
-            <a:endParaRPr lang="en-US" altLang="zh-CN" dirty="0"/>
-          </a:p>
-          <a:p>
-            <a:r>
-              <a:rPr lang="zh-CN" altLang="en-US" dirty="0"/>
-              <a:t>假设现在只有两个参数 </a:t>
-            </a:r>
-            <a:r>
-              <a:rPr lang="en-US" altLang="zh-CN" dirty="0"/>
-              <a:t>theta1 theta2 </a:t>
-            </a:r>
-            <a:r>
-              <a:rPr lang="zh-CN" altLang="en-US" dirty="0"/>
-              <a:t>要学习</a:t>
-            </a:r>
-            <a:r>
-              <a:rPr lang="en-US" altLang="zh-CN" dirty="0"/>
-              <a:t>, </a:t>
-            </a:r>
-            <a:r>
-              <a:rPr lang="zh-CN" altLang="en-US" dirty="0"/>
-              <a:t>蓝色的圆心是误差最小的地方</a:t>
-            </a:r>
-            <a:r>
-              <a:rPr lang="en-US" altLang="zh-CN" dirty="0"/>
-              <a:t>, </a:t>
-            </a:r>
-            <a:r>
-              <a:rPr lang="zh-CN" altLang="en-US" dirty="0"/>
-              <a:t>而每条蓝线上的误差都是一样的</a:t>
-            </a:r>
-            <a:r>
-              <a:rPr lang="en-US" altLang="zh-CN" dirty="0"/>
-              <a:t>. </a:t>
-            </a:r>
-            <a:r>
-              <a:rPr lang="zh-CN" altLang="en-US" dirty="0"/>
-              <a:t>正则化的方程是在黄线上产生的额外误差</a:t>
-            </a:r>
-            <a:r>
-              <a:rPr lang="en-US" altLang="zh-CN" dirty="0"/>
-              <a:t>(</a:t>
-            </a:r>
-            <a:r>
-              <a:rPr lang="zh-CN" altLang="en-US" dirty="0"/>
-              <a:t>也能理解为惩罚度</a:t>
-            </a:r>
-            <a:r>
-              <a:rPr lang="en-US" altLang="zh-CN" dirty="0"/>
-              <a:t>), </a:t>
-            </a:r>
-            <a:r>
-              <a:rPr lang="zh-CN" altLang="en-US" dirty="0"/>
-              <a:t>在黄圈上的额外误差也是一样</a:t>
-            </a:r>
-            <a:r>
-              <a:rPr lang="en-US" altLang="zh-CN" dirty="0"/>
-              <a:t>. </a:t>
-            </a:r>
-            <a:r>
-              <a:rPr lang="zh-CN" altLang="en-US" dirty="0"/>
-              <a:t>所以在蓝线和黄线 交点上的点能让两个误差的合最小</a:t>
-            </a:r>
-            <a:r>
-              <a:rPr lang="en-US" altLang="zh-CN" dirty="0"/>
-              <a:t>. </a:t>
-            </a:r>
-            <a:r>
-              <a:rPr lang="zh-CN" altLang="en-US" dirty="0"/>
-              <a:t>这就是 </a:t>
-            </a:r>
-            <a:r>
-              <a:rPr lang="en-US" altLang="zh-CN" dirty="0"/>
-              <a:t>theta1 </a:t>
-            </a:r>
-            <a:r>
-              <a:rPr lang="zh-CN" altLang="en-US" dirty="0"/>
-              <a:t>和 </a:t>
-            </a:r>
-            <a:r>
-              <a:rPr lang="en-US" altLang="zh-CN" dirty="0"/>
-              <a:t>theta2 </a:t>
-            </a:r>
-            <a:r>
-              <a:rPr lang="zh-CN" altLang="en-US" dirty="0"/>
-              <a:t>正则化后的解</a:t>
-            </a:r>
-            <a:r>
-              <a:rPr lang="en-US" altLang="zh-CN" dirty="0"/>
-              <a:t>. </a:t>
-            </a:r>
-            <a:r>
-              <a:rPr lang="zh-CN" altLang="en-US" dirty="0"/>
-              <a:t>要提到另外一点是</a:t>
-            </a:r>
-            <a:r>
-              <a:rPr lang="en-US" altLang="zh-CN" dirty="0"/>
-              <a:t>, </a:t>
-            </a:r>
-            <a:r>
-              <a:rPr lang="zh-CN" altLang="en-US" dirty="0"/>
-              <a:t>使用 </a:t>
-            </a:r>
-            <a:r>
-              <a:rPr lang="en-US" altLang="zh-CN" dirty="0"/>
-              <a:t>L1 </a:t>
-            </a:r>
-            <a:r>
-              <a:rPr lang="zh-CN" altLang="en-US" dirty="0"/>
-              <a:t>的方法</a:t>
-            </a:r>
-            <a:r>
-              <a:rPr lang="en-US" altLang="zh-CN" dirty="0"/>
-              <a:t>, </a:t>
-            </a:r>
-            <a:r>
-              <a:rPr lang="zh-CN" altLang="en-US" dirty="0"/>
-              <a:t>我们很可能得到的结果是只有 </a:t>
-            </a:r>
-            <a:r>
-              <a:rPr lang="en-US" altLang="zh-CN" dirty="0"/>
-              <a:t>theta1 </a:t>
-            </a:r>
-            <a:r>
-              <a:rPr lang="zh-CN" altLang="en-US" dirty="0"/>
-              <a:t>的特征被保留</a:t>
-            </a:r>
-            <a:r>
-              <a:rPr lang="en-US" altLang="zh-CN" dirty="0"/>
-              <a:t>, </a:t>
-            </a:r>
-            <a:r>
-              <a:rPr lang="zh-CN" altLang="en-US" dirty="0"/>
-              <a:t>所以很多人也用 </a:t>
-            </a:r>
-            <a:r>
-              <a:rPr lang="en-US" altLang="zh-CN" dirty="0"/>
-              <a:t>l1 </a:t>
-            </a:r>
-            <a:r>
-              <a:rPr lang="zh-CN" altLang="en-US" dirty="0"/>
-              <a:t>正则化来挑选对结果贡献最大的重要特征</a:t>
-            </a:r>
-            <a:r>
-              <a:rPr lang="en-US" altLang="zh-CN" dirty="0"/>
-              <a:t>. </a:t>
-            </a:r>
-            <a:r>
-              <a:rPr lang="zh-CN" altLang="en-US" dirty="0"/>
-              <a:t>但是 </a:t>
-            </a:r>
-            <a:r>
-              <a:rPr lang="en-US" altLang="zh-CN" dirty="0"/>
-              <a:t>l1 </a:t>
-            </a:r>
-            <a:r>
-              <a:rPr lang="zh-CN" altLang="en-US" dirty="0"/>
-              <a:t>的结并不是稳定的</a:t>
-            </a:r>
-            <a:r>
-              <a:rPr lang="en-US" altLang="zh-CN" dirty="0"/>
-              <a:t>. </a:t>
-            </a:r>
-            <a:r>
-              <a:rPr lang="zh-CN" altLang="en-US" dirty="0"/>
-              <a:t>比如用批数据训练</a:t>
-            </a:r>
-            <a:r>
-              <a:rPr lang="en-US" altLang="zh-CN" dirty="0"/>
-              <a:t>, </a:t>
-            </a:r>
-            <a:r>
-              <a:rPr lang="zh-CN" altLang="en-US" dirty="0"/>
-              <a:t>每次批数据都会有稍稍不同的误差曲线</a:t>
-            </a:r>
-            <a:r>
-              <a:rPr lang="en-US" altLang="zh-CN" dirty="0"/>
-              <a:t>,</a:t>
-            </a:r>
-            <a:r>
-              <a:rPr lang="zh-CN" altLang="en-US" dirty="0"/>
-              <a:t> </a:t>
-            </a:r>
-            <a:r>
-              <a:rPr lang="en-US" altLang="zh-CN" dirty="0"/>
-              <a:t>L2 </a:t>
-            </a:r>
-            <a:r>
-              <a:rPr lang="zh-CN" altLang="en-US" dirty="0"/>
-              <a:t>针对于这种变动</a:t>
-            </a:r>
-            <a:r>
-              <a:rPr lang="en-US" altLang="zh-CN" dirty="0"/>
-              <a:t>, </a:t>
-            </a:r>
-            <a:r>
-              <a:rPr lang="zh-CN" altLang="en-US" dirty="0"/>
-              <a:t>白点的移动不会太大</a:t>
-            </a:r>
-            <a:r>
-              <a:rPr lang="en-US" altLang="zh-CN" dirty="0"/>
-              <a:t>, </a:t>
-            </a:r>
-            <a:r>
-              <a:rPr lang="zh-CN" altLang="en-US" dirty="0"/>
-              <a:t>而 </a:t>
-            </a:r>
-            <a:r>
-              <a:rPr lang="en-US" altLang="zh-CN" dirty="0"/>
-              <a:t>L1</a:t>
-            </a:r>
-            <a:r>
-              <a:rPr lang="zh-CN" altLang="en-US" dirty="0"/>
-              <a:t>的白点则可能跳到许多不同的地方 </a:t>
-            </a:r>
-            <a:r>
-              <a:rPr lang="en-US" altLang="zh-CN" dirty="0"/>
-              <a:t>, </a:t>
-            </a:r>
-            <a:r>
-              <a:rPr lang="zh-CN" altLang="en-US" dirty="0"/>
-              <a:t>因为这些地方的总误差都是差不多的</a:t>
-            </a:r>
-            <a:r>
-              <a:rPr lang="en-US" altLang="zh-CN" dirty="0"/>
-              <a:t>. </a:t>
-            </a:r>
-            <a:r>
-              <a:rPr lang="zh-CN" altLang="en-US" dirty="0"/>
-              <a:t>侧面说明了 </a:t>
-            </a:r>
-            <a:r>
-              <a:rPr lang="en-US" altLang="zh-CN" dirty="0"/>
-              <a:t>L1 </a:t>
-            </a:r>
-            <a:r>
-              <a:rPr lang="zh-CN" altLang="en-US" dirty="0"/>
-              <a:t>解的不稳定性</a:t>
-            </a:r>
-            <a:endParaRPr lang="en-US" altLang="zh-CN" sz="2000" b="1" dirty="0">
-              <a:solidFill>
-                <a:srgbClr val="FF0000"/>
-              </a:solidFill>
-            </a:endParaRPr>
+              <a:rPr lang="en-US" altLang="zh-CN" sz="2000" b="1" dirty="0">
+                <a:solidFill>
+                  <a:srgbClr val="FF0000"/>
+                </a:solidFill>
+              </a:rPr>
+              <a:t>L0</a:t>
+            </a:r>
+            <a:r>
+              <a:rPr lang="zh-CN" altLang="en-US" sz="2000" b="1" dirty="0">
+                <a:solidFill>
+                  <a:srgbClr val="FF0000"/>
+                </a:solidFill>
+              </a:rPr>
+              <a:t>与</a:t>
+            </a:r>
+            <a:r>
+              <a:rPr lang="en-US" altLang="zh-CN" sz="2000" b="1" dirty="0">
+                <a:solidFill>
+                  <a:srgbClr val="FF0000"/>
+                </a:solidFill>
+              </a:rPr>
+              <a:t>L1-</a:t>
+            </a:r>
+            <a:r>
+              <a:rPr lang="zh-CN" altLang="en-US" sz="2000" b="1" dirty="0">
+                <a:solidFill>
+                  <a:srgbClr val="FF0000"/>
+                </a:solidFill>
+              </a:rPr>
+              <a:t>正则项（</a:t>
+            </a:r>
+            <a:r>
+              <a:rPr lang="en-US" altLang="zh-CN" b="1" dirty="0"/>
+              <a:t>LASSO </a:t>
+            </a:r>
+            <a:r>
+              <a:rPr lang="en-US" altLang="zh-CN" b="1" dirty="0" err="1"/>
+              <a:t>regularizer</a:t>
+            </a:r>
+            <a:r>
+              <a:rPr lang="zh-CN" altLang="en-US" sz="2000" b="1" dirty="0">
+                <a:solidFill>
+                  <a:srgbClr val="FF0000"/>
+                </a:solidFill>
+              </a:rPr>
+              <a:t>）</a:t>
+            </a:r>
+            <a:endParaRPr lang="zh-CN" altLang="en-US" sz="1600" dirty="0"/>
           </a:p>
         </p:txBody>
       </p:sp>
@@ -31982,104 +31823,10 @@
           </a:p>
         </p:txBody>
       </p:sp>
-      <p:pic>
-        <p:nvPicPr>
-          <p:cNvPr id="10242" name="Picture 2" descr="preview">
-            <a:extLst>
-              <a:ext uri="{FF2B5EF4-FFF2-40B4-BE49-F238E27FC236}">
-                <a16:creationId xmlns:a16="http://schemas.microsoft.com/office/drawing/2014/main" id="{4704B09D-E871-4B55-A8CC-024D67CE4692}"/>
-              </a:ext>
-            </a:extLst>
-          </p:cNvPr>
-          <p:cNvPicPr>
-            <a:picLocks noChangeAspect="1" noChangeArrowheads="1"/>
-          </p:cNvPicPr>
-          <p:nvPr/>
-        </p:nvPicPr>
-        <p:blipFill>
-          <a:blip r:embed="rId3">
-            <a:extLst>
-              <a:ext uri="{28A0092B-C50C-407E-A947-70E740481C1C}">
-                <a14:useLocalDpi xmlns:a14="http://schemas.microsoft.com/office/drawing/2010/main" val="0"/>
-              </a:ext>
-            </a:extLst>
-          </a:blip>
-          <a:srcRect/>
-          <a:stretch>
-            <a:fillRect/>
-          </a:stretch>
-        </p:blipFill>
-        <p:spPr bwMode="auto">
-          <a:xfrm>
-            <a:off x="5891300" y="16322"/>
-            <a:ext cx="6169072" cy="3412678"/>
-          </a:xfrm>
-          <a:prstGeom prst="rect">
-            <a:avLst/>
-          </a:prstGeom>
-          <a:noFill/>
-          <a:extLst>
-            <a:ext uri="{909E8E84-426E-40DD-AFC4-6F175D3DCCD1}">
-              <a14:hiddenFill xmlns:a14="http://schemas.microsoft.com/office/drawing/2010/main">
-                <a:solidFill>
-                  <a:srgbClr val="FFFFFF"/>
-                </a:solidFill>
-              </a14:hiddenFill>
-            </a:ext>
-          </a:extLst>
-        </p:spPr>
-      </p:pic>
-      <p:pic>
-        <p:nvPicPr>
-          <p:cNvPr id="10244" name="Picture 4" descr="https://pic1.zhimg.com/80/v2-e8734136ff4da41b748f16e514971aa0_1440w.png">
-            <a:extLst>
-              <a:ext uri="{FF2B5EF4-FFF2-40B4-BE49-F238E27FC236}">
-                <a16:creationId xmlns:a16="http://schemas.microsoft.com/office/drawing/2014/main" id="{974F7F11-A7A8-4ED8-BF46-50DC53A99321}"/>
-              </a:ext>
-            </a:extLst>
-          </p:cNvPr>
-          <p:cNvPicPr>
-            <a:picLocks noChangeAspect="1" noChangeArrowheads="1"/>
-          </p:cNvPicPr>
-          <p:nvPr/>
-        </p:nvPicPr>
-        <p:blipFill>
-          <a:blip r:embed="rId4">
-            <a:extLst>
-              <a:ext uri="{28A0092B-C50C-407E-A947-70E740481C1C}">
-                <a14:useLocalDpi xmlns:a14="http://schemas.microsoft.com/office/drawing/2010/main" val="0"/>
-              </a:ext>
-            </a:extLst>
-          </a:blip>
-          <a:srcRect/>
-          <a:stretch>
-            <a:fillRect/>
-          </a:stretch>
-        </p:blipFill>
-        <p:spPr bwMode="auto">
-          <a:xfrm>
-            <a:off x="5921739" y="3484247"/>
-            <a:ext cx="6169072" cy="3352757"/>
-          </a:xfrm>
-          <a:prstGeom prst="rect">
-            <a:avLst/>
-          </a:prstGeom>
-          <a:noFill/>
-          <a:extLst>
-            <a:ext uri="{909E8E84-426E-40DD-AFC4-6F175D3DCCD1}">
-              <a14:hiddenFill xmlns:a14="http://schemas.microsoft.com/office/drawing/2010/main">
-                <a:solidFill>
-                  <a:srgbClr val="FFFFFF"/>
-                </a:solidFill>
-              </a14:hiddenFill>
-            </a:ext>
-          </a:extLst>
-        </p:spPr>
-      </p:pic>
     </p:spTree>
     <p:extLst>
       <p:ext uri="{BB962C8B-B14F-4D97-AF65-F5344CB8AC3E}">
-        <p14:creationId xmlns:p14="http://schemas.microsoft.com/office/powerpoint/2010/main" val="3953406401"/>
+        <p14:creationId xmlns:p14="http://schemas.microsoft.com/office/powerpoint/2010/main" val="2341690279"/>
       </p:ext>
     </p:extLst>
   </p:cSld>
@@ -32536,6 +32283,3829 @@
         </p:nvSpPr>
         <p:spPr>
           <a:xfrm>
+            <a:off x="381319" y="1195437"/>
+            <a:ext cx="4274521" cy="2862322"/>
+          </a:xfrm>
+          <a:prstGeom prst="rect">
+            <a:avLst/>
+          </a:prstGeom>
+          <a:noFill/>
+        </p:spPr>
+        <p:txBody>
+          <a:bodyPr wrap="square" rtlCol="0">
+            <a:spAutoFit/>
+          </a:bodyPr>
+          <a:lstStyle/>
+          <a:p>
+            <a:pPr marL="342900" indent="-342900">
+              <a:buFont typeface="Wingdings" panose="05000000000000000000" pitchFamily="2" charset="2"/>
+              <a:buChar char="l"/>
+            </a:pPr>
+            <a:r>
+              <a:rPr lang="zh-CN" altLang="en-US" sz="2000" b="1" dirty="0"/>
+              <a:t>结构化风险（</a:t>
+            </a:r>
+            <a:r>
+              <a:rPr lang="en-US" altLang="zh-CN" sz="2000" b="1" dirty="0"/>
+              <a:t> L1, L2</a:t>
+            </a:r>
+            <a:r>
+              <a:rPr lang="zh-CN" altLang="en-US" sz="2000" b="1" dirty="0"/>
+              <a:t>正则化）</a:t>
+            </a:r>
+            <a:endParaRPr lang="en-US" altLang="zh-CN" sz="2000" b="1" dirty="0"/>
+          </a:p>
+          <a:p>
+            <a:r>
+              <a:rPr lang="en-US" altLang="zh-CN" sz="2000" b="1" dirty="0">
+                <a:solidFill>
+                  <a:srgbClr val="FF0000"/>
+                </a:solidFill>
+              </a:rPr>
+              <a:t>WHY</a:t>
+            </a:r>
+            <a:r>
+              <a:rPr lang="zh-CN" altLang="en-US" sz="2000" b="1" dirty="0">
+                <a:solidFill>
+                  <a:srgbClr val="FF0000"/>
+                </a:solidFill>
+              </a:rPr>
+              <a:t>？</a:t>
+            </a:r>
+            <a:r>
+              <a:rPr lang="en-US" altLang="zh-CN" sz="2000" b="1" dirty="0">
+                <a:solidFill>
+                  <a:srgbClr val="FF0000"/>
+                </a:solidFill>
+              </a:rPr>
+              <a:t>WHAT</a:t>
+            </a:r>
+            <a:r>
+              <a:rPr lang="zh-CN" altLang="en-US" sz="2000" b="1" dirty="0">
+                <a:solidFill>
+                  <a:srgbClr val="FF0000"/>
+                </a:solidFill>
+              </a:rPr>
+              <a:t>？</a:t>
+            </a:r>
+            <a:r>
+              <a:rPr lang="en-US" altLang="zh-CN" sz="2000" b="1" dirty="0">
+                <a:solidFill>
+                  <a:srgbClr val="FF0000"/>
+                </a:solidFill>
+              </a:rPr>
+              <a:t>HOW</a:t>
+            </a:r>
+            <a:r>
+              <a:rPr lang="zh-CN" altLang="en-US" sz="2000" b="1" dirty="0">
+                <a:solidFill>
+                  <a:srgbClr val="FF0000"/>
+                </a:solidFill>
+              </a:rPr>
+              <a:t>？</a:t>
+            </a:r>
+            <a:endParaRPr lang="en-US" altLang="zh-CN" sz="2000" b="1" dirty="0">
+              <a:solidFill>
+                <a:srgbClr val="FF0000"/>
+              </a:solidFill>
+            </a:endParaRPr>
+          </a:p>
+          <a:p>
+            <a:endParaRPr lang="en-US" altLang="zh-CN" sz="2000" b="1" dirty="0">
+              <a:solidFill>
+                <a:srgbClr val="FF0000"/>
+              </a:solidFill>
+            </a:endParaRPr>
+          </a:p>
+          <a:p>
+            <a:r>
+              <a:rPr lang="zh-CN" altLang="en-US" sz="2000" b="1" dirty="0">
+                <a:solidFill>
+                  <a:srgbClr val="FF0000"/>
+                </a:solidFill>
+              </a:rPr>
+              <a:t>正则化（</a:t>
+            </a:r>
+            <a:r>
+              <a:rPr lang="en-US" altLang="zh-CN" sz="2000" b="1" dirty="0">
+                <a:solidFill>
+                  <a:srgbClr val="FF0000"/>
+                </a:solidFill>
+              </a:rPr>
+              <a:t>Regularization</a:t>
+            </a:r>
+            <a:r>
+              <a:rPr lang="zh-CN" altLang="en-US" sz="2000" b="1" dirty="0">
+                <a:solidFill>
+                  <a:srgbClr val="FF0000"/>
+                </a:solidFill>
+              </a:rPr>
+              <a:t>）是机器学习中一种常用的技术，其主要目的是控制模型复杂度，减小过拟合。最基本的正则化方法是在原目标（代价）函数 中添加惩罚项，对复杂度高的模型进行“惩罚” 。</a:t>
+            </a:r>
+            <a:endParaRPr lang="en-US" altLang="zh-CN" sz="2000" b="1" dirty="0">
+              <a:solidFill>
+                <a:srgbClr val="FF0000"/>
+              </a:solidFill>
+            </a:endParaRPr>
+          </a:p>
+        </p:txBody>
+      </p:sp>
+      <p:sp>
+        <p:nvSpPr>
+          <p:cNvPr id="3" name="AutoShape 2" descr="[公式]">
+            <a:extLst>
+              <a:ext uri="{FF2B5EF4-FFF2-40B4-BE49-F238E27FC236}">
+                <a16:creationId xmlns:a16="http://schemas.microsoft.com/office/drawing/2014/main" id="{E557092A-43CE-4A70-84F7-39F580A0FEAB}"/>
+              </a:ext>
+            </a:extLst>
+          </p:cNvPr>
+          <p:cNvSpPr>
+            <a:spLocks noChangeAspect="1" noChangeArrowheads="1"/>
+          </p:cNvSpPr>
+          <p:nvPr/>
+        </p:nvSpPr>
+        <p:spPr bwMode="auto">
+          <a:xfrm>
+            <a:off x="3432175" y="-144463"/>
+            <a:ext cx="304800" cy="304801"/>
+          </a:xfrm>
+          <a:prstGeom prst="rect">
+            <a:avLst/>
+          </a:prstGeom>
+          <a:noFill/>
+          <a:extLst>
+            <a:ext uri="{909E8E84-426E-40DD-AFC4-6F175D3DCCD1}">
+              <a14:hiddenFill xmlns:a14="http://schemas.microsoft.com/office/drawing/2010/main">
+                <a:solidFill>
+                  <a:srgbClr val="FFFFFF"/>
+                </a:solidFill>
+              </a14:hiddenFill>
+            </a:ext>
+          </a:extLst>
+        </p:spPr>
+        <p:txBody>
+          <a:bodyPr vert="horz" wrap="square" lIns="91440" tIns="45720" rIns="91440" bIns="45720" numCol="1" anchor="t" anchorCtr="0" compatLnSpc="1">
+            <a:prstTxWarp prst="textNoShape">
+              <a:avLst/>
+            </a:prstTxWarp>
+          </a:bodyPr>
+          <a:lstStyle/>
+          <a:p>
+            <a:endParaRPr lang="zh-CN" altLang="en-US"/>
+          </a:p>
+        </p:txBody>
+      </p:sp>
+      <p:sp>
+        <p:nvSpPr>
+          <p:cNvPr id="13" name="AutoShape 8" descr="[公式]">
+            <a:extLst>
+              <a:ext uri="{FF2B5EF4-FFF2-40B4-BE49-F238E27FC236}">
+                <a16:creationId xmlns:a16="http://schemas.microsoft.com/office/drawing/2014/main" id="{3B151B13-88AE-47D1-A17E-AB83318390A2}"/>
+              </a:ext>
+            </a:extLst>
+          </p:cNvPr>
+          <p:cNvSpPr>
+            <a:spLocks noChangeAspect="1" noChangeArrowheads="1"/>
+          </p:cNvSpPr>
+          <p:nvPr/>
+        </p:nvSpPr>
+        <p:spPr bwMode="auto">
+          <a:xfrm flipV="1">
+            <a:off x="15636875" y="-1014094"/>
+            <a:ext cx="141599" cy="45719"/>
+          </a:xfrm>
+          <a:prstGeom prst="rect">
+            <a:avLst/>
+          </a:prstGeom>
+          <a:noFill/>
+          <a:extLst>
+            <a:ext uri="{909E8E84-426E-40DD-AFC4-6F175D3DCCD1}">
+              <a14:hiddenFill xmlns:a14="http://schemas.microsoft.com/office/drawing/2010/main">
+                <a:solidFill>
+                  <a:srgbClr val="FFFFFF"/>
+                </a:solidFill>
+              </a14:hiddenFill>
+            </a:ext>
+          </a:extLst>
+        </p:spPr>
+        <p:txBody>
+          <a:bodyPr vert="horz" wrap="square" lIns="91440" tIns="45720" rIns="91440" bIns="45720" numCol="1" anchor="t" anchorCtr="0" compatLnSpc="1">
+            <a:prstTxWarp prst="textNoShape">
+              <a:avLst/>
+            </a:prstTxWarp>
+          </a:bodyPr>
+          <a:lstStyle/>
+          <a:p>
+            <a:endParaRPr lang="zh-CN" altLang="en-US"/>
+          </a:p>
+        </p:txBody>
+      </p:sp>
+      <p:pic>
+        <p:nvPicPr>
+          <p:cNvPr id="8" name="图片 7">
+            <a:extLst>
+              <a:ext uri="{FF2B5EF4-FFF2-40B4-BE49-F238E27FC236}">
+                <a16:creationId xmlns:a16="http://schemas.microsoft.com/office/drawing/2014/main" id="{22FC0BE5-A385-4421-99F6-2DE143C41ADB}"/>
+              </a:ext>
+            </a:extLst>
+          </p:cNvPr>
+          <p:cNvPicPr>
+            <a:picLocks noChangeAspect="1"/>
+          </p:cNvPicPr>
+          <p:nvPr/>
+        </p:nvPicPr>
+        <p:blipFill>
+          <a:blip r:embed="rId3">
+            <a:extLst>
+              <a:ext uri="{28A0092B-C50C-407E-A947-70E740481C1C}">
+                <a14:useLocalDpi xmlns:a14="http://schemas.microsoft.com/office/drawing/2010/main" val="0"/>
+              </a:ext>
+            </a:extLst>
+          </a:blip>
+          <a:stretch>
+            <a:fillRect/>
+          </a:stretch>
+        </p:blipFill>
+        <p:spPr>
+          <a:xfrm>
+            <a:off x="4655840" y="280701"/>
+            <a:ext cx="7536160" cy="6504675"/>
+          </a:xfrm>
+          <a:prstGeom prst="rect">
+            <a:avLst/>
+          </a:prstGeom>
+        </p:spPr>
+      </p:pic>
+      <p:sp>
+        <p:nvSpPr>
+          <p:cNvPr id="10" name="矩形 9">
+            <a:extLst>
+              <a:ext uri="{FF2B5EF4-FFF2-40B4-BE49-F238E27FC236}">
+                <a16:creationId xmlns:a16="http://schemas.microsoft.com/office/drawing/2014/main" id="{48A5E6A6-4091-42A0-9663-C5F34FE09704}"/>
+              </a:ext>
+            </a:extLst>
+          </p:cNvPr>
+          <p:cNvSpPr/>
+          <p:nvPr/>
+        </p:nvSpPr>
+        <p:spPr>
+          <a:xfrm>
+            <a:off x="424892" y="4423944"/>
+            <a:ext cx="4374964" cy="1015663"/>
+          </a:xfrm>
+          <a:prstGeom prst="rect">
+            <a:avLst/>
+          </a:prstGeom>
+        </p:spPr>
+        <p:txBody>
+          <a:bodyPr wrap="square">
+            <a:spAutoFit/>
+          </a:bodyPr>
+          <a:lstStyle/>
+          <a:p>
+            <a:r>
+              <a:rPr lang="en-US" altLang="zh-CN" sz="2000" b="1" dirty="0">
+                <a:solidFill>
+                  <a:srgbClr val="002060"/>
+                </a:solidFill>
+                <a:latin typeface="+mn-ea"/>
+              </a:rPr>
+              <a:t>L1</a:t>
+            </a:r>
+            <a:r>
+              <a:rPr lang="zh-CN" altLang="en-US" sz="2000" b="1" dirty="0">
+                <a:solidFill>
+                  <a:srgbClr val="002060"/>
+                </a:solidFill>
+                <a:latin typeface="+mn-ea"/>
+              </a:rPr>
+              <a:t>正则化和</a:t>
+            </a:r>
+            <a:r>
+              <a:rPr lang="en-US" altLang="zh-CN" sz="2000" b="1" dirty="0">
+                <a:solidFill>
+                  <a:srgbClr val="002060"/>
+                </a:solidFill>
+                <a:latin typeface="+mn-ea"/>
+              </a:rPr>
+              <a:t>L2</a:t>
+            </a:r>
+            <a:r>
+              <a:rPr lang="zh-CN" altLang="en-US" sz="2000" b="1" dirty="0">
+                <a:solidFill>
+                  <a:srgbClr val="002060"/>
+                </a:solidFill>
+                <a:latin typeface="+mn-ea"/>
+              </a:rPr>
+              <a:t>正则化主要的区别在于，</a:t>
+            </a:r>
+            <a:r>
+              <a:rPr lang="en-US" altLang="zh-CN" sz="2000" b="1" dirty="0">
+                <a:solidFill>
+                  <a:srgbClr val="002060"/>
+                </a:solidFill>
+                <a:latin typeface="+mn-ea"/>
+              </a:rPr>
+              <a:t>L1</a:t>
+            </a:r>
+            <a:r>
+              <a:rPr lang="zh-CN" altLang="en-US" sz="2000" b="1" dirty="0">
+                <a:solidFill>
+                  <a:srgbClr val="002060"/>
+                </a:solidFill>
+                <a:latin typeface="+mn-ea"/>
+              </a:rPr>
+              <a:t>正比于参数的绝对值，而</a:t>
+            </a:r>
+            <a:r>
+              <a:rPr lang="en-US" altLang="zh-CN" sz="2000" b="1" dirty="0">
+                <a:solidFill>
+                  <a:srgbClr val="002060"/>
+                </a:solidFill>
+                <a:latin typeface="+mn-ea"/>
+              </a:rPr>
+              <a:t>L2</a:t>
+            </a:r>
+            <a:r>
+              <a:rPr lang="zh-CN" altLang="en-US" sz="2000" b="1" dirty="0">
+                <a:solidFill>
+                  <a:srgbClr val="002060"/>
+                </a:solidFill>
+                <a:latin typeface="+mn-ea"/>
+              </a:rPr>
+              <a:t>正比于参数的平方。</a:t>
+            </a:r>
+          </a:p>
+        </p:txBody>
+      </p:sp>
+      <p:sp>
+        <p:nvSpPr>
+          <p:cNvPr id="12" name="文本框 11">
+            <a:extLst>
+              <a:ext uri="{FF2B5EF4-FFF2-40B4-BE49-F238E27FC236}">
+                <a16:creationId xmlns:a16="http://schemas.microsoft.com/office/drawing/2014/main" id="{01FD16D1-3796-4A35-BBE5-0FE38C32D8FB}"/>
+              </a:ext>
+            </a:extLst>
+          </p:cNvPr>
+          <p:cNvSpPr txBox="1"/>
+          <p:nvPr/>
+        </p:nvSpPr>
+        <p:spPr>
+          <a:xfrm>
+            <a:off x="283263" y="447055"/>
+            <a:ext cx="3453712" cy="461665"/>
+          </a:xfrm>
+          <a:prstGeom prst="rect">
+            <a:avLst/>
+          </a:prstGeom>
+          <a:noFill/>
+        </p:spPr>
+        <p:txBody>
+          <a:bodyPr wrap="square" rtlCol="0">
+            <a:spAutoFit/>
+          </a:bodyPr>
+          <a:lstStyle/>
+          <a:p>
+            <a:r>
+              <a:rPr lang="zh-CN" altLang="en-US" sz="2400" dirty="0">
+                <a:latin typeface="Agency FB" panose="020B0503020202020204" pitchFamily="34" charset="0"/>
+              </a:rPr>
+              <a:t>结构化风险（</a:t>
+            </a:r>
+            <a:r>
+              <a:rPr lang="en-US" altLang="zh-CN" sz="2400" dirty="0">
+                <a:latin typeface="Agency FB" panose="020B0503020202020204" pitchFamily="34" charset="0"/>
+              </a:rPr>
+              <a:t>L1,L2</a:t>
+            </a:r>
+            <a:r>
+              <a:rPr lang="zh-CN" altLang="en-US" sz="2400" dirty="0">
+                <a:latin typeface="Agency FB" panose="020B0503020202020204" pitchFamily="34" charset="0"/>
+              </a:rPr>
+              <a:t>正则化）</a:t>
+            </a:r>
+            <a:endParaRPr lang="en-US" altLang="zh-CN" sz="2400" dirty="0">
+              <a:latin typeface="Agency FB" panose="020B0503020202020204" pitchFamily="34" charset="0"/>
+            </a:endParaRPr>
+          </a:p>
+        </p:txBody>
+      </p:sp>
+    </p:spTree>
+    <p:extLst>
+      <p:ext uri="{BB962C8B-B14F-4D97-AF65-F5344CB8AC3E}">
+        <p14:creationId xmlns:p14="http://schemas.microsoft.com/office/powerpoint/2010/main" val="2849306771"/>
+      </p:ext>
+    </p:extLst>
+  </p:cSld>
+  <p:clrMapOvr>
+    <a:masterClrMapping/>
+  </p:clrMapOvr>
+  <mc:AlternateContent xmlns:mc="http://schemas.openxmlformats.org/markup-compatibility/2006" xmlns:p14="http://schemas.microsoft.com/office/powerpoint/2010/main">
+    <mc:Choice Requires="p14">
+      <p:transition spd="slow" p14:dur="2000" advTm="3000"/>
+    </mc:Choice>
+    <mc:Fallback xmlns="">
+      <p:transition spd="slow" advTm="3000"/>
+    </mc:Fallback>
+  </mc:AlternateContent>
+  <p:timing>
+    <p:tnLst>
+      <p:par>
+        <p:cTn id="1" dur="indefinite" restart="never" nodeType="tmRoot">
+          <p:childTnLst>
+            <p:seq concurrent="1" nextAc="seek">
+              <p:cTn id="2" dur="indefinite" nodeType="mainSeq">
+                <p:childTnLst>
+                  <p:par>
+                    <p:cTn id="3" fill="hold">
+                      <p:stCondLst>
+                        <p:cond delay="indefinite"/>
+                        <p:cond evt="onBegin" delay="0">
+                          <p:tn val="2"/>
+                        </p:cond>
+                      </p:stCondLst>
+                      <p:childTnLst>
+                        <p:par>
+                          <p:cTn id="4" fill="hold">
+                            <p:stCondLst>
+                              <p:cond delay="0"/>
+                            </p:stCondLst>
+                            <p:childTnLst>
+                              <p:par>
+                                <p:cTn id="5" presetID="2" presetClass="entr" presetSubtype="8" fill="hold" nodeType="withEffect">
+                                  <p:stCondLst>
+                                    <p:cond delay="0"/>
+                                  </p:stCondLst>
+                                  <p:childTnLst>
+                                    <p:set>
+                                      <p:cBhvr>
+                                        <p:cTn id="6" dur="1" fill="hold">
+                                          <p:stCondLst>
+                                            <p:cond delay="0"/>
+                                          </p:stCondLst>
+                                        </p:cTn>
+                                        <p:tgtEl>
+                                          <p:spTgt spid="6"/>
+                                        </p:tgtEl>
+                                        <p:attrNameLst>
+                                          <p:attrName>style.visibility</p:attrName>
+                                        </p:attrNameLst>
+                                      </p:cBhvr>
+                                      <p:to>
+                                        <p:strVal val="visible"/>
+                                      </p:to>
+                                    </p:set>
+                                    <p:anim calcmode="lin" valueType="num">
+                                      <p:cBhvr additive="base">
+                                        <p:cTn id="7" dur="500" fill="hold"/>
+                                        <p:tgtEl>
+                                          <p:spTgt spid="6"/>
+                                        </p:tgtEl>
+                                        <p:attrNameLst>
+                                          <p:attrName>ppt_x</p:attrName>
+                                        </p:attrNameLst>
+                                      </p:cBhvr>
+                                      <p:tavLst>
+                                        <p:tav tm="0">
+                                          <p:val>
+                                            <p:strVal val="0-#ppt_w/2"/>
+                                          </p:val>
+                                        </p:tav>
+                                        <p:tav tm="100000">
+                                          <p:val>
+                                            <p:strVal val="#ppt_x"/>
+                                          </p:val>
+                                        </p:tav>
+                                      </p:tavLst>
+                                    </p:anim>
+                                    <p:anim calcmode="lin" valueType="num">
+                                      <p:cBhvr additive="base">
+                                        <p:cTn id="8" dur="500" fill="hold"/>
+                                        <p:tgtEl>
+                                          <p:spTgt spid="6"/>
+                                        </p:tgtEl>
+                                        <p:attrNameLst>
+                                          <p:attrName>ppt_y</p:attrName>
+                                        </p:attrNameLst>
+                                      </p:cBhvr>
+                                      <p:tavLst>
+                                        <p:tav tm="0">
+                                          <p:val>
+                                            <p:strVal val="#ppt_y"/>
+                                          </p:val>
+                                        </p:tav>
+                                        <p:tav tm="100000">
+                                          <p:val>
+                                            <p:strVal val="#ppt_y"/>
+                                          </p:val>
+                                        </p:tav>
+                                      </p:tavLst>
+                                    </p:anim>
+                                  </p:childTnLst>
+                                </p:cTn>
+                              </p:par>
+                            </p:childTnLst>
+                          </p:cTn>
+                        </p:par>
+                        <p:par>
+                          <p:cTn id="9" fill="hold">
+                            <p:stCondLst>
+                              <p:cond delay="500"/>
+                            </p:stCondLst>
+                            <p:childTnLst>
+                              <p:par>
+                                <p:cTn id="10" presetID="2" presetClass="entr" presetSubtype="8" fill="hold" grpId="0" nodeType="afterEffect">
+                                  <p:stCondLst>
+                                    <p:cond delay="0"/>
+                                  </p:stCondLst>
+                                  <p:childTnLst>
+                                    <p:set>
+                                      <p:cBhvr>
+                                        <p:cTn id="11" dur="1" fill="hold">
+                                          <p:stCondLst>
+                                            <p:cond delay="0"/>
+                                          </p:stCondLst>
+                                        </p:cTn>
+                                        <p:tgtEl>
+                                          <p:spTgt spid="4"/>
+                                        </p:tgtEl>
+                                        <p:attrNameLst>
+                                          <p:attrName>style.visibility</p:attrName>
+                                        </p:attrNameLst>
+                                      </p:cBhvr>
+                                      <p:to>
+                                        <p:strVal val="visible"/>
+                                      </p:to>
+                                    </p:set>
+                                    <p:anim calcmode="lin" valueType="num">
+                                      <p:cBhvr additive="base">
+                                        <p:cTn id="12" dur="500" fill="hold"/>
+                                        <p:tgtEl>
+                                          <p:spTgt spid="4"/>
+                                        </p:tgtEl>
+                                        <p:attrNameLst>
+                                          <p:attrName>ppt_x</p:attrName>
+                                        </p:attrNameLst>
+                                      </p:cBhvr>
+                                      <p:tavLst>
+                                        <p:tav tm="0">
+                                          <p:val>
+                                            <p:strVal val="0-#ppt_w/2"/>
+                                          </p:val>
+                                        </p:tav>
+                                        <p:tav tm="100000">
+                                          <p:val>
+                                            <p:strVal val="#ppt_x"/>
+                                          </p:val>
+                                        </p:tav>
+                                      </p:tavLst>
+                                    </p:anim>
+                                    <p:anim calcmode="lin" valueType="num">
+                                      <p:cBhvr additive="base">
+                                        <p:cTn id="13" dur="500" fill="hold"/>
+                                        <p:tgtEl>
+                                          <p:spTgt spid="4"/>
+                                        </p:tgtEl>
+                                        <p:attrNameLst>
+                                          <p:attrName>ppt_y</p:attrName>
+                                        </p:attrNameLst>
+                                      </p:cBhvr>
+                                      <p:tavLst>
+                                        <p:tav tm="0">
+                                          <p:val>
+                                            <p:strVal val="#ppt_y"/>
+                                          </p:val>
+                                        </p:tav>
+                                        <p:tav tm="100000">
+                                          <p:val>
+                                            <p:strVal val="#ppt_y"/>
+                                          </p:val>
+                                        </p:tav>
+                                      </p:tavLst>
+                                    </p:anim>
+                                  </p:childTnLst>
+                                </p:cTn>
+                              </p:par>
+                            </p:childTnLst>
+                          </p:cTn>
+                        </p:par>
+                        <p:par>
+                          <p:cTn id="14" fill="hold">
+                            <p:stCondLst>
+                              <p:cond delay="1000"/>
+                            </p:stCondLst>
+                            <p:childTnLst>
+                              <p:par>
+                                <p:cTn id="15" presetID="22" presetClass="entr" presetSubtype="1" fill="hold" grpId="0" nodeType="afterEffect">
+                                  <p:stCondLst>
+                                    <p:cond delay="0"/>
+                                  </p:stCondLst>
+                                  <p:childTnLst>
+                                    <p:set>
+                                      <p:cBhvr>
+                                        <p:cTn id="16" dur="1" fill="hold">
+                                          <p:stCondLst>
+                                            <p:cond delay="0"/>
+                                          </p:stCondLst>
+                                        </p:cTn>
+                                        <p:tgtEl>
+                                          <p:spTgt spid="7"/>
+                                        </p:tgtEl>
+                                        <p:attrNameLst>
+                                          <p:attrName>style.visibility</p:attrName>
+                                        </p:attrNameLst>
+                                      </p:cBhvr>
+                                      <p:to>
+                                        <p:strVal val="visible"/>
+                                      </p:to>
+                                    </p:set>
+                                    <p:animEffect transition="in" filter="wipe(up)">
+                                      <p:cBhvr>
+                                        <p:cTn id="17" dur="500"/>
+                                        <p:tgtEl>
+                                          <p:spTgt spid="7"/>
+                                        </p:tgtEl>
+                                      </p:cBhvr>
+                                    </p:animEffect>
+                                  </p:childTnLst>
+                                </p:cTn>
+                              </p:par>
+                            </p:childTnLst>
+                          </p:cTn>
+                        </p:par>
+                        <p:par>
+                          <p:cTn id="18" fill="hold">
+                            <p:stCondLst>
+                              <p:cond delay="1500"/>
+                            </p:stCondLst>
+                            <p:childTnLst>
+                              <p:par>
+                                <p:cTn id="19" presetID="12" presetClass="entr" presetSubtype="1" fill="hold" grpId="0" nodeType="afterEffect">
+                                  <p:stCondLst>
+                                    <p:cond delay="0"/>
+                                  </p:stCondLst>
+                                  <p:iterate type="lt">
+                                    <p:tmPct val="10000"/>
+                                  </p:iterate>
+                                  <p:childTnLst>
+                                    <p:set>
+                                      <p:cBhvr>
+                                        <p:cTn id="20" dur="1" fill="hold">
+                                          <p:stCondLst>
+                                            <p:cond delay="0"/>
+                                          </p:stCondLst>
+                                        </p:cTn>
+                                        <p:tgtEl>
+                                          <p:spTgt spid="12"/>
+                                        </p:tgtEl>
+                                        <p:attrNameLst>
+                                          <p:attrName>style.visibility</p:attrName>
+                                        </p:attrNameLst>
+                                      </p:cBhvr>
+                                      <p:to>
+                                        <p:strVal val="visible"/>
+                                      </p:to>
+                                    </p:set>
+                                    <p:anim calcmode="lin" valueType="num">
+                                      <p:cBhvr additive="base">
+                                        <p:cTn id="21" dur="250"/>
+                                        <p:tgtEl>
+                                          <p:spTgt spid="12"/>
+                                        </p:tgtEl>
+                                        <p:attrNameLst>
+                                          <p:attrName>ppt_y</p:attrName>
+                                        </p:attrNameLst>
+                                      </p:cBhvr>
+                                      <p:tavLst>
+                                        <p:tav tm="0">
+                                          <p:val>
+                                            <p:strVal val="#ppt_y-#ppt_h*1.125000"/>
+                                          </p:val>
+                                        </p:tav>
+                                        <p:tav tm="100000">
+                                          <p:val>
+                                            <p:strVal val="#ppt_y"/>
+                                          </p:val>
+                                        </p:tav>
+                                      </p:tavLst>
+                                    </p:anim>
+                                    <p:animEffect transition="in" filter="wipe(down)">
+                                      <p:cBhvr>
+                                        <p:cTn id="22" dur="250"/>
+                                        <p:tgtEl>
+                                          <p:spTgt spid="12"/>
+                                        </p:tgtEl>
+                                      </p:cBhvr>
+                                    </p:animEffect>
+                                  </p:childTnLst>
+                                </p:cTn>
+                              </p:par>
+                            </p:childTnLst>
+                          </p:cTn>
+                        </p:par>
+                      </p:childTnLst>
+                    </p:cTn>
+                  </p:par>
+                </p:childTnLst>
+              </p:cTn>
+              <p:prevCondLst>
+                <p:cond evt="onPrev" delay="0">
+                  <p:tgtEl>
+                    <p:sldTgt/>
+                  </p:tgtEl>
+                </p:cond>
+              </p:prevCondLst>
+              <p:nextCondLst>
+                <p:cond evt="onNext" delay="0">
+                  <p:tgtEl>
+                    <p:sldTgt/>
+                  </p:tgtEl>
+                </p:cond>
+              </p:nextCondLst>
+            </p:seq>
+          </p:childTnLst>
+        </p:cTn>
+      </p:par>
+    </p:tnLst>
+    <p:bldLst>
+      <p:bldP spid="4" grpId="0" animBg="1"/>
+      <p:bldP spid="7" grpId="0"/>
+      <p:bldP spid="12" grpId="0"/>
+    </p:bldLst>
+  </p:timing>
+</p:sld>
+</file>
+
+<file path=ppt/slides/slide23.xml><?xml version="1.0" encoding="utf-8"?>
+<p:sld xmlns:a="http://schemas.openxmlformats.org/drawingml/2006/main" xmlns:r="http://schemas.openxmlformats.org/officeDocument/2006/relationships" xmlns:p="http://schemas.openxmlformats.org/presentationml/2006/main">
+  <p:cSld>
+    <p:spTree>
+      <p:nvGrpSpPr>
+        <p:cNvPr id="1" name=""/>
+        <p:cNvGrpSpPr/>
+        <p:nvPr/>
+      </p:nvGrpSpPr>
+      <p:grpSpPr>
+        <a:xfrm>
+          <a:off x="0" y="0"/>
+          <a:ext cx="0" cy="0"/>
+          <a:chOff x="0" y="0"/>
+          <a:chExt cx="0" cy="0"/>
+        </a:xfrm>
+      </p:grpSpPr>
+      <p:sp>
+        <p:nvSpPr>
+          <p:cNvPr id="4" name="椭圆 3"/>
+          <p:cNvSpPr/>
+          <p:nvPr/>
+        </p:nvSpPr>
+        <p:spPr>
+          <a:xfrm flipV="1">
+            <a:off x="3472892" y="836712"/>
+            <a:ext cx="144016" cy="144016"/>
+          </a:xfrm>
+          <a:prstGeom prst="ellipse">
+            <a:avLst/>
+          </a:prstGeom>
+          <a:solidFill>
+            <a:schemeClr val="tx1"/>
+          </a:solidFill>
+          <a:ln>
+            <a:noFill/>
+          </a:ln>
+        </p:spPr>
+        <p:style>
+          <a:lnRef idx="2">
+            <a:schemeClr val="accent1">
+              <a:shade val="50000"/>
+            </a:schemeClr>
+          </a:lnRef>
+          <a:fillRef idx="1">
+            <a:schemeClr val="accent1"/>
+          </a:fillRef>
+          <a:effectRef idx="0">
+            <a:schemeClr val="accent1"/>
+          </a:effectRef>
+          <a:fontRef idx="minor">
+            <a:schemeClr val="lt1"/>
+          </a:fontRef>
+        </p:style>
+        <p:txBody>
+          <a:bodyPr rtlCol="0" anchor="ctr"/>
+          <a:lstStyle/>
+          <a:p>
+            <a:pPr algn="ctr"/>
+            <a:endParaRPr lang="zh-CN" altLang="en-US"/>
+          </a:p>
+        </p:txBody>
+      </p:sp>
+      <p:cxnSp>
+        <p:nvCxnSpPr>
+          <p:cNvPr id="6" name="直接连接符 5"/>
+          <p:cNvCxnSpPr>
+            <a:endCxn id="4" idx="2"/>
+          </p:cNvCxnSpPr>
+          <p:nvPr/>
+        </p:nvCxnSpPr>
+        <p:spPr>
+          <a:xfrm flipV="1">
+            <a:off x="-30820" y="908720"/>
+            <a:ext cx="3503712" cy="1"/>
+          </a:xfrm>
+          <a:prstGeom prst="line">
+            <a:avLst/>
+          </a:prstGeom>
+          <a:ln>
+            <a:solidFill>
+              <a:schemeClr val="tx1"/>
+            </a:solidFill>
+          </a:ln>
+        </p:spPr>
+        <p:style>
+          <a:lnRef idx="1">
+            <a:schemeClr val="accent1"/>
+          </a:lnRef>
+          <a:fillRef idx="0">
+            <a:schemeClr val="accent1"/>
+          </a:fillRef>
+          <a:effectRef idx="0">
+            <a:schemeClr val="accent1"/>
+          </a:effectRef>
+          <a:fontRef idx="minor">
+            <a:schemeClr val="tx1"/>
+          </a:fontRef>
+        </p:style>
+      </p:cxnSp>
+      <p:sp>
+        <p:nvSpPr>
+          <p:cNvPr id="7" name="文本框 6">
+            <a:extLst>
+              <a:ext uri="{FF2B5EF4-FFF2-40B4-BE49-F238E27FC236}">
+                <a16:creationId xmlns:a16="http://schemas.microsoft.com/office/drawing/2014/main" id="{D8DC2788-085A-49A1-99C1-2B2A79BC6D17}"/>
+              </a:ext>
+            </a:extLst>
+          </p:cNvPr>
+          <p:cNvSpPr txBox="1"/>
+          <p:nvPr/>
+        </p:nvSpPr>
+        <p:spPr>
+          <a:xfrm>
+            <a:off x="381319" y="1195437"/>
+            <a:ext cx="4274521" cy="3231654"/>
+          </a:xfrm>
+          <a:prstGeom prst="rect">
+            <a:avLst/>
+          </a:prstGeom>
+          <a:noFill/>
+        </p:spPr>
+        <p:txBody>
+          <a:bodyPr wrap="square" rtlCol="0">
+            <a:spAutoFit/>
+          </a:bodyPr>
+          <a:lstStyle/>
+          <a:p>
+            <a:pPr marL="342900" indent="-342900">
+              <a:buFont typeface="Wingdings" panose="05000000000000000000" pitchFamily="2" charset="2"/>
+              <a:buChar char="l"/>
+            </a:pPr>
+            <a:r>
+              <a:rPr lang="zh-CN" altLang="en-US" sz="2000" b="1" dirty="0"/>
+              <a:t>结构化风险（</a:t>
+            </a:r>
+            <a:r>
+              <a:rPr lang="en-US" altLang="zh-CN" sz="2000" b="1" dirty="0"/>
+              <a:t> L1, L2</a:t>
+            </a:r>
+            <a:r>
+              <a:rPr lang="zh-CN" altLang="en-US" sz="2000" b="1" dirty="0"/>
+              <a:t>正则化）</a:t>
+            </a:r>
+            <a:endParaRPr lang="en-US" altLang="zh-CN" sz="2000" b="1" dirty="0"/>
+          </a:p>
+          <a:p>
+            <a:r>
+              <a:rPr lang="en-US" altLang="zh-CN" sz="2000" b="1" dirty="0">
+                <a:solidFill>
+                  <a:srgbClr val="FF0000"/>
+                </a:solidFill>
+              </a:rPr>
+              <a:t>WHY</a:t>
+            </a:r>
+            <a:r>
+              <a:rPr lang="zh-CN" altLang="en-US" sz="2000" b="1" dirty="0">
+                <a:solidFill>
+                  <a:srgbClr val="FF0000"/>
+                </a:solidFill>
+              </a:rPr>
+              <a:t>？</a:t>
+            </a:r>
+            <a:r>
+              <a:rPr lang="en-US" altLang="zh-CN" sz="2000" b="1" dirty="0">
+                <a:solidFill>
+                  <a:srgbClr val="FF0000"/>
+                </a:solidFill>
+              </a:rPr>
+              <a:t>WHAT</a:t>
+            </a:r>
+            <a:r>
+              <a:rPr lang="zh-CN" altLang="en-US" sz="2000" b="1" dirty="0">
+                <a:solidFill>
+                  <a:srgbClr val="FF0000"/>
+                </a:solidFill>
+              </a:rPr>
+              <a:t>？</a:t>
+            </a:r>
+            <a:r>
+              <a:rPr lang="en-US" altLang="zh-CN" sz="2000" b="1" dirty="0">
+                <a:solidFill>
+                  <a:srgbClr val="FF0000"/>
+                </a:solidFill>
+              </a:rPr>
+              <a:t>HOW</a:t>
+            </a:r>
+            <a:r>
+              <a:rPr lang="zh-CN" altLang="en-US" sz="2000" b="1" dirty="0">
+                <a:solidFill>
+                  <a:srgbClr val="FF0000"/>
+                </a:solidFill>
+              </a:rPr>
+              <a:t>？</a:t>
+            </a:r>
+            <a:endParaRPr lang="en-US" altLang="zh-CN" sz="2000" b="1" dirty="0">
+              <a:solidFill>
+                <a:srgbClr val="FF0000"/>
+              </a:solidFill>
+            </a:endParaRPr>
+          </a:p>
+          <a:p>
+            <a:endParaRPr lang="en-US" altLang="zh-CN" sz="2000" b="1" dirty="0">
+              <a:solidFill>
+                <a:srgbClr val="FF0000"/>
+              </a:solidFill>
+            </a:endParaRPr>
+          </a:p>
+          <a:p>
+            <a:r>
+              <a:rPr lang="zh-CN" altLang="en-US" dirty="0"/>
+              <a:t>一般用右下图方程来求得模型 </a:t>
+            </a:r>
+            <a:r>
+              <a:rPr lang="en-US" altLang="zh-CN" dirty="0"/>
+              <a:t>y(x) </a:t>
+            </a:r>
+            <a:r>
+              <a:rPr lang="zh-CN" altLang="en-US" dirty="0"/>
+              <a:t>和 真实数据 </a:t>
+            </a:r>
+            <a:r>
+              <a:rPr lang="en-US" altLang="zh-CN" dirty="0"/>
+              <a:t>y </a:t>
+            </a:r>
+            <a:r>
+              <a:rPr lang="zh-CN" altLang="en-US" dirty="0"/>
+              <a:t>的误差</a:t>
+            </a:r>
+            <a:r>
+              <a:rPr lang="en-US" altLang="zh-CN" dirty="0"/>
+              <a:t>, </a:t>
+            </a:r>
+            <a:r>
+              <a:rPr lang="zh-CN" altLang="en-US" dirty="0"/>
+              <a:t>而 </a:t>
+            </a:r>
+            <a:r>
+              <a:rPr lang="en-US" altLang="zh-CN" dirty="0"/>
+              <a:t>L1 L2 </a:t>
+            </a:r>
+            <a:r>
+              <a:rPr lang="zh-CN" altLang="en-US" dirty="0"/>
+              <a:t>就只是在这个误差公式后面多加了一个东西</a:t>
+            </a:r>
+            <a:r>
+              <a:rPr lang="en-US" altLang="zh-CN" dirty="0"/>
+              <a:t>, </a:t>
+            </a:r>
+            <a:r>
+              <a:rPr lang="zh-CN" altLang="en-US" dirty="0"/>
+              <a:t>让误差不仅仅取决于拟合数据拟合的好坏</a:t>
+            </a:r>
+            <a:r>
+              <a:rPr lang="en-US" altLang="zh-CN" dirty="0"/>
+              <a:t>, </a:t>
+            </a:r>
+            <a:r>
+              <a:rPr lang="zh-CN" altLang="en-US" dirty="0"/>
+              <a:t>而且取决于像刚刚 </a:t>
+            </a:r>
+            <a:r>
+              <a:rPr lang="en-US" altLang="zh-CN" dirty="0"/>
+              <a:t>c d </a:t>
+            </a:r>
+            <a:r>
+              <a:rPr lang="zh-CN" altLang="en-US" dirty="0"/>
+              <a:t>那些参数的值的大小</a:t>
+            </a:r>
+            <a:r>
+              <a:rPr lang="en-US" altLang="zh-CN" dirty="0"/>
+              <a:t>. </a:t>
+            </a:r>
+            <a:r>
+              <a:rPr lang="zh-CN" altLang="en-US" dirty="0"/>
+              <a:t>如果是每个参数的平方</a:t>
+            </a:r>
+            <a:r>
+              <a:rPr lang="en-US" altLang="zh-CN" dirty="0"/>
+              <a:t>, </a:t>
+            </a:r>
+            <a:r>
+              <a:rPr lang="zh-CN" altLang="en-US" dirty="0"/>
+              <a:t>那么我们称它为 </a:t>
+            </a:r>
+            <a:r>
+              <a:rPr lang="en-US" altLang="zh-CN" dirty="0"/>
+              <a:t>L2</a:t>
+            </a:r>
+            <a:r>
+              <a:rPr lang="zh-CN" altLang="en-US" dirty="0"/>
+              <a:t>正则化</a:t>
+            </a:r>
+            <a:r>
+              <a:rPr lang="en-US" altLang="zh-CN" dirty="0"/>
+              <a:t>, </a:t>
+            </a:r>
+            <a:r>
+              <a:rPr lang="zh-CN" altLang="en-US" dirty="0"/>
+              <a:t>如果是每个参数的绝对值</a:t>
+            </a:r>
+            <a:r>
+              <a:rPr lang="en-US" altLang="zh-CN" dirty="0"/>
+              <a:t>, </a:t>
+            </a:r>
+            <a:r>
+              <a:rPr lang="zh-CN" altLang="en-US" dirty="0"/>
+              <a:t>我们称为 </a:t>
+            </a:r>
+            <a:r>
+              <a:rPr lang="en-US" altLang="zh-CN" dirty="0"/>
+              <a:t>L1 </a:t>
+            </a:r>
+            <a:r>
+              <a:rPr lang="zh-CN" altLang="en-US" dirty="0"/>
+              <a:t>正则化。</a:t>
+            </a:r>
+            <a:endParaRPr lang="en-US" altLang="zh-CN" sz="2000" b="1" dirty="0">
+              <a:solidFill>
+                <a:srgbClr val="FF0000"/>
+              </a:solidFill>
+            </a:endParaRPr>
+          </a:p>
+        </p:txBody>
+      </p:sp>
+      <p:sp>
+        <p:nvSpPr>
+          <p:cNvPr id="3" name="AutoShape 2" descr="[公式]">
+            <a:extLst>
+              <a:ext uri="{FF2B5EF4-FFF2-40B4-BE49-F238E27FC236}">
+                <a16:creationId xmlns:a16="http://schemas.microsoft.com/office/drawing/2014/main" id="{E557092A-43CE-4A70-84F7-39F580A0FEAB}"/>
+              </a:ext>
+            </a:extLst>
+          </p:cNvPr>
+          <p:cNvSpPr>
+            <a:spLocks noChangeAspect="1" noChangeArrowheads="1"/>
+          </p:cNvSpPr>
+          <p:nvPr/>
+        </p:nvSpPr>
+        <p:spPr bwMode="auto">
+          <a:xfrm>
+            <a:off x="3432175" y="-144463"/>
+            <a:ext cx="304800" cy="304801"/>
+          </a:xfrm>
+          <a:prstGeom prst="rect">
+            <a:avLst/>
+          </a:prstGeom>
+          <a:noFill/>
+          <a:extLst>
+            <a:ext uri="{909E8E84-426E-40DD-AFC4-6F175D3DCCD1}">
+              <a14:hiddenFill xmlns:a14="http://schemas.microsoft.com/office/drawing/2010/main">
+                <a:solidFill>
+                  <a:srgbClr val="FFFFFF"/>
+                </a:solidFill>
+              </a14:hiddenFill>
+            </a:ext>
+          </a:extLst>
+        </p:spPr>
+        <p:txBody>
+          <a:bodyPr vert="horz" wrap="square" lIns="91440" tIns="45720" rIns="91440" bIns="45720" numCol="1" anchor="t" anchorCtr="0" compatLnSpc="1">
+            <a:prstTxWarp prst="textNoShape">
+              <a:avLst/>
+            </a:prstTxWarp>
+          </a:bodyPr>
+          <a:lstStyle/>
+          <a:p>
+            <a:endParaRPr lang="zh-CN" altLang="en-US"/>
+          </a:p>
+        </p:txBody>
+      </p:sp>
+      <p:sp>
+        <p:nvSpPr>
+          <p:cNvPr id="13" name="AutoShape 8" descr="[公式]">
+            <a:extLst>
+              <a:ext uri="{FF2B5EF4-FFF2-40B4-BE49-F238E27FC236}">
+                <a16:creationId xmlns:a16="http://schemas.microsoft.com/office/drawing/2014/main" id="{3B151B13-88AE-47D1-A17E-AB83318390A2}"/>
+              </a:ext>
+            </a:extLst>
+          </p:cNvPr>
+          <p:cNvSpPr>
+            <a:spLocks noChangeAspect="1" noChangeArrowheads="1"/>
+          </p:cNvSpPr>
+          <p:nvPr/>
+        </p:nvSpPr>
+        <p:spPr bwMode="auto">
+          <a:xfrm flipV="1">
+            <a:off x="15636875" y="-1014094"/>
+            <a:ext cx="141599" cy="45719"/>
+          </a:xfrm>
+          <a:prstGeom prst="rect">
+            <a:avLst/>
+          </a:prstGeom>
+          <a:noFill/>
+          <a:extLst>
+            <a:ext uri="{909E8E84-426E-40DD-AFC4-6F175D3DCCD1}">
+              <a14:hiddenFill xmlns:a14="http://schemas.microsoft.com/office/drawing/2010/main">
+                <a:solidFill>
+                  <a:srgbClr val="FFFFFF"/>
+                </a:solidFill>
+              </a14:hiddenFill>
+            </a:ext>
+          </a:extLst>
+        </p:spPr>
+        <p:txBody>
+          <a:bodyPr vert="horz" wrap="square" lIns="91440" tIns="45720" rIns="91440" bIns="45720" numCol="1" anchor="t" anchorCtr="0" compatLnSpc="1">
+            <a:prstTxWarp prst="textNoShape">
+              <a:avLst/>
+            </a:prstTxWarp>
+          </a:bodyPr>
+          <a:lstStyle/>
+          <a:p>
+            <a:endParaRPr lang="zh-CN" altLang="en-US"/>
+          </a:p>
+        </p:txBody>
+      </p:sp>
+      <p:sp>
+        <p:nvSpPr>
+          <p:cNvPr id="10" name="矩形 9">
+            <a:extLst>
+              <a:ext uri="{FF2B5EF4-FFF2-40B4-BE49-F238E27FC236}">
+                <a16:creationId xmlns:a16="http://schemas.microsoft.com/office/drawing/2014/main" id="{48A5E6A6-4091-42A0-9663-C5F34FE09704}"/>
+              </a:ext>
+            </a:extLst>
+          </p:cNvPr>
+          <p:cNvSpPr/>
+          <p:nvPr/>
+        </p:nvSpPr>
+        <p:spPr>
+          <a:xfrm>
+            <a:off x="391597" y="4707676"/>
+            <a:ext cx="4374964" cy="1015663"/>
+          </a:xfrm>
+          <a:prstGeom prst="rect">
+            <a:avLst/>
+          </a:prstGeom>
+        </p:spPr>
+        <p:txBody>
+          <a:bodyPr wrap="square">
+            <a:spAutoFit/>
+          </a:bodyPr>
+          <a:lstStyle/>
+          <a:p>
+            <a:r>
+              <a:rPr lang="en-US" altLang="zh-CN" sz="2000" b="1" dirty="0">
+                <a:solidFill>
+                  <a:srgbClr val="002060"/>
+                </a:solidFill>
+                <a:latin typeface="+mn-ea"/>
+              </a:rPr>
+              <a:t>L1</a:t>
+            </a:r>
+            <a:r>
+              <a:rPr lang="zh-CN" altLang="en-US" sz="2000" b="1" dirty="0">
+                <a:solidFill>
+                  <a:srgbClr val="002060"/>
+                </a:solidFill>
+                <a:latin typeface="+mn-ea"/>
+              </a:rPr>
+              <a:t>正则化和</a:t>
+            </a:r>
+            <a:r>
+              <a:rPr lang="en-US" altLang="zh-CN" sz="2000" b="1" dirty="0">
+                <a:solidFill>
+                  <a:srgbClr val="002060"/>
+                </a:solidFill>
+                <a:latin typeface="+mn-ea"/>
+              </a:rPr>
+              <a:t>L2</a:t>
+            </a:r>
+            <a:r>
+              <a:rPr lang="zh-CN" altLang="en-US" sz="2000" b="1" dirty="0">
+                <a:solidFill>
+                  <a:srgbClr val="002060"/>
+                </a:solidFill>
+                <a:latin typeface="+mn-ea"/>
+              </a:rPr>
+              <a:t>正则化主要的区别在于，</a:t>
+            </a:r>
+            <a:r>
+              <a:rPr lang="en-US" altLang="zh-CN" sz="2000" b="1" dirty="0">
+                <a:solidFill>
+                  <a:srgbClr val="002060"/>
+                </a:solidFill>
+                <a:latin typeface="+mn-ea"/>
+              </a:rPr>
+              <a:t>L1</a:t>
+            </a:r>
+            <a:r>
+              <a:rPr lang="zh-CN" altLang="en-US" sz="2000" b="1" dirty="0">
+                <a:solidFill>
+                  <a:srgbClr val="002060"/>
+                </a:solidFill>
+                <a:latin typeface="+mn-ea"/>
+              </a:rPr>
+              <a:t>正比于参数的绝对值，而</a:t>
+            </a:r>
+            <a:r>
+              <a:rPr lang="en-US" altLang="zh-CN" sz="2000" b="1" dirty="0">
+                <a:solidFill>
+                  <a:srgbClr val="002060"/>
+                </a:solidFill>
+                <a:latin typeface="+mn-ea"/>
+              </a:rPr>
+              <a:t>L2</a:t>
+            </a:r>
+            <a:r>
+              <a:rPr lang="zh-CN" altLang="en-US" sz="2000" b="1" dirty="0">
+                <a:solidFill>
+                  <a:srgbClr val="002060"/>
+                </a:solidFill>
+                <a:latin typeface="+mn-ea"/>
+              </a:rPr>
+              <a:t>正比于参数的平方。</a:t>
+            </a:r>
+          </a:p>
+        </p:txBody>
+      </p:sp>
+      <p:sp>
+        <p:nvSpPr>
+          <p:cNvPr id="12" name="文本框 11">
+            <a:extLst>
+              <a:ext uri="{FF2B5EF4-FFF2-40B4-BE49-F238E27FC236}">
+                <a16:creationId xmlns:a16="http://schemas.microsoft.com/office/drawing/2014/main" id="{01FD16D1-3796-4A35-BBE5-0FE38C32D8FB}"/>
+              </a:ext>
+            </a:extLst>
+          </p:cNvPr>
+          <p:cNvSpPr txBox="1"/>
+          <p:nvPr/>
+        </p:nvSpPr>
+        <p:spPr>
+          <a:xfrm>
+            <a:off x="283263" y="447055"/>
+            <a:ext cx="3453712" cy="461665"/>
+          </a:xfrm>
+          <a:prstGeom prst="rect">
+            <a:avLst/>
+          </a:prstGeom>
+          <a:noFill/>
+        </p:spPr>
+        <p:txBody>
+          <a:bodyPr wrap="square" rtlCol="0">
+            <a:spAutoFit/>
+          </a:bodyPr>
+          <a:lstStyle/>
+          <a:p>
+            <a:r>
+              <a:rPr lang="zh-CN" altLang="en-US" sz="2400" dirty="0">
+                <a:latin typeface="Agency FB" panose="020B0503020202020204" pitchFamily="34" charset="0"/>
+              </a:rPr>
+              <a:t>结构化风险（</a:t>
+            </a:r>
+            <a:r>
+              <a:rPr lang="en-US" altLang="zh-CN" sz="2400" dirty="0">
+                <a:latin typeface="Agency FB" panose="020B0503020202020204" pitchFamily="34" charset="0"/>
+              </a:rPr>
+              <a:t>L1,L2</a:t>
+            </a:r>
+            <a:r>
+              <a:rPr lang="zh-CN" altLang="en-US" sz="2400" dirty="0">
+                <a:latin typeface="Agency FB" panose="020B0503020202020204" pitchFamily="34" charset="0"/>
+              </a:rPr>
+              <a:t>正则化）</a:t>
+            </a:r>
+            <a:endParaRPr lang="en-US" altLang="zh-CN" sz="2400" dirty="0">
+              <a:latin typeface="Agency FB" panose="020B0503020202020204" pitchFamily="34" charset="0"/>
+            </a:endParaRPr>
+          </a:p>
+        </p:txBody>
+      </p:sp>
+      <p:pic>
+        <p:nvPicPr>
+          <p:cNvPr id="11" name="Picture 2" descr="preview">
+            <a:extLst>
+              <a:ext uri="{FF2B5EF4-FFF2-40B4-BE49-F238E27FC236}">
+                <a16:creationId xmlns:a16="http://schemas.microsoft.com/office/drawing/2014/main" id="{4F2A4BBC-8DB7-4F4D-B521-F04819179C9C}"/>
+              </a:ext>
+            </a:extLst>
+          </p:cNvPr>
+          <p:cNvPicPr>
+            <a:picLocks noChangeAspect="1" noChangeArrowheads="1"/>
+          </p:cNvPicPr>
+          <p:nvPr/>
+        </p:nvPicPr>
+        <p:blipFill>
+          <a:blip r:embed="rId3">
+            <a:extLst>
+              <a:ext uri="{28A0092B-C50C-407E-A947-70E740481C1C}">
+                <a14:useLocalDpi xmlns:a14="http://schemas.microsoft.com/office/drawing/2010/main" val="0"/>
+              </a:ext>
+            </a:extLst>
+          </a:blip>
+          <a:srcRect/>
+          <a:stretch>
+            <a:fillRect/>
+          </a:stretch>
+        </p:blipFill>
+        <p:spPr bwMode="auto">
+          <a:xfrm>
+            <a:off x="5754432" y="260648"/>
+            <a:ext cx="6132070" cy="3121529"/>
+          </a:xfrm>
+          <a:prstGeom prst="rect">
+            <a:avLst/>
+          </a:prstGeom>
+          <a:noFill/>
+          <a:extLst>
+            <a:ext uri="{909E8E84-426E-40DD-AFC4-6F175D3DCCD1}">
+              <a14:hiddenFill xmlns:a14="http://schemas.microsoft.com/office/drawing/2010/main">
+                <a:solidFill>
+                  <a:srgbClr val="FFFFFF"/>
+                </a:solidFill>
+              </a14:hiddenFill>
+            </a:ext>
+          </a:extLst>
+        </p:spPr>
+      </p:pic>
+      <p:pic>
+        <p:nvPicPr>
+          <p:cNvPr id="8194" name="Picture 2" descr="preview">
+            <a:extLst>
+              <a:ext uri="{FF2B5EF4-FFF2-40B4-BE49-F238E27FC236}">
+                <a16:creationId xmlns:a16="http://schemas.microsoft.com/office/drawing/2014/main" id="{E2EE9DD5-AF1B-40BF-B5C5-BAE02F47808C}"/>
+              </a:ext>
+            </a:extLst>
+          </p:cNvPr>
+          <p:cNvPicPr>
+            <a:picLocks noChangeAspect="1" noChangeArrowheads="1"/>
+          </p:cNvPicPr>
+          <p:nvPr/>
+        </p:nvPicPr>
+        <p:blipFill>
+          <a:blip r:embed="rId4">
+            <a:extLst>
+              <a:ext uri="{28A0092B-C50C-407E-A947-70E740481C1C}">
+                <a14:useLocalDpi xmlns:a14="http://schemas.microsoft.com/office/drawing/2010/main" val="0"/>
+              </a:ext>
+            </a:extLst>
+          </a:blip>
+          <a:srcRect/>
+          <a:stretch>
+            <a:fillRect/>
+          </a:stretch>
+        </p:blipFill>
+        <p:spPr bwMode="auto">
+          <a:xfrm>
+            <a:off x="5754432" y="3573016"/>
+            <a:ext cx="6150608" cy="3284984"/>
+          </a:xfrm>
+          <a:prstGeom prst="rect">
+            <a:avLst/>
+          </a:prstGeom>
+          <a:noFill/>
+          <a:extLst>
+            <a:ext uri="{909E8E84-426E-40DD-AFC4-6F175D3DCCD1}">
+              <a14:hiddenFill xmlns:a14="http://schemas.microsoft.com/office/drawing/2010/main">
+                <a:solidFill>
+                  <a:srgbClr val="FFFFFF"/>
+                </a:solidFill>
+              </a14:hiddenFill>
+            </a:ext>
+          </a:extLst>
+        </p:spPr>
+      </p:pic>
+    </p:spTree>
+    <p:extLst>
+      <p:ext uri="{BB962C8B-B14F-4D97-AF65-F5344CB8AC3E}">
+        <p14:creationId xmlns:p14="http://schemas.microsoft.com/office/powerpoint/2010/main" val="3008781515"/>
+      </p:ext>
+    </p:extLst>
+  </p:cSld>
+  <p:clrMapOvr>
+    <a:masterClrMapping/>
+  </p:clrMapOvr>
+  <mc:AlternateContent xmlns:mc="http://schemas.openxmlformats.org/markup-compatibility/2006" xmlns:p14="http://schemas.microsoft.com/office/powerpoint/2010/main">
+    <mc:Choice Requires="p14">
+      <p:transition spd="slow" p14:dur="2000" advTm="3000"/>
+    </mc:Choice>
+    <mc:Fallback xmlns="">
+      <p:transition spd="slow" advTm="3000"/>
+    </mc:Fallback>
+  </mc:AlternateContent>
+  <p:timing>
+    <p:tnLst>
+      <p:par>
+        <p:cTn id="1" dur="indefinite" restart="never" nodeType="tmRoot">
+          <p:childTnLst>
+            <p:seq concurrent="1" nextAc="seek">
+              <p:cTn id="2" dur="indefinite" nodeType="mainSeq">
+                <p:childTnLst>
+                  <p:par>
+                    <p:cTn id="3" fill="hold">
+                      <p:stCondLst>
+                        <p:cond delay="indefinite"/>
+                        <p:cond evt="onBegin" delay="0">
+                          <p:tn val="2"/>
+                        </p:cond>
+                      </p:stCondLst>
+                      <p:childTnLst>
+                        <p:par>
+                          <p:cTn id="4" fill="hold">
+                            <p:stCondLst>
+                              <p:cond delay="0"/>
+                            </p:stCondLst>
+                            <p:childTnLst>
+                              <p:par>
+                                <p:cTn id="5" presetID="2" presetClass="entr" presetSubtype="8" fill="hold" nodeType="withEffect">
+                                  <p:stCondLst>
+                                    <p:cond delay="0"/>
+                                  </p:stCondLst>
+                                  <p:childTnLst>
+                                    <p:set>
+                                      <p:cBhvr>
+                                        <p:cTn id="6" dur="1" fill="hold">
+                                          <p:stCondLst>
+                                            <p:cond delay="0"/>
+                                          </p:stCondLst>
+                                        </p:cTn>
+                                        <p:tgtEl>
+                                          <p:spTgt spid="6"/>
+                                        </p:tgtEl>
+                                        <p:attrNameLst>
+                                          <p:attrName>style.visibility</p:attrName>
+                                        </p:attrNameLst>
+                                      </p:cBhvr>
+                                      <p:to>
+                                        <p:strVal val="visible"/>
+                                      </p:to>
+                                    </p:set>
+                                    <p:anim calcmode="lin" valueType="num">
+                                      <p:cBhvr additive="base">
+                                        <p:cTn id="7" dur="500" fill="hold"/>
+                                        <p:tgtEl>
+                                          <p:spTgt spid="6"/>
+                                        </p:tgtEl>
+                                        <p:attrNameLst>
+                                          <p:attrName>ppt_x</p:attrName>
+                                        </p:attrNameLst>
+                                      </p:cBhvr>
+                                      <p:tavLst>
+                                        <p:tav tm="0">
+                                          <p:val>
+                                            <p:strVal val="0-#ppt_w/2"/>
+                                          </p:val>
+                                        </p:tav>
+                                        <p:tav tm="100000">
+                                          <p:val>
+                                            <p:strVal val="#ppt_x"/>
+                                          </p:val>
+                                        </p:tav>
+                                      </p:tavLst>
+                                    </p:anim>
+                                    <p:anim calcmode="lin" valueType="num">
+                                      <p:cBhvr additive="base">
+                                        <p:cTn id="8" dur="500" fill="hold"/>
+                                        <p:tgtEl>
+                                          <p:spTgt spid="6"/>
+                                        </p:tgtEl>
+                                        <p:attrNameLst>
+                                          <p:attrName>ppt_y</p:attrName>
+                                        </p:attrNameLst>
+                                      </p:cBhvr>
+                                      <p:tavLst>
+                                        <p:tav tm="0">
+                                          <p:val>
+                                            <p:strVal val="#ppt_y"/>
+                                          </p:val>
+                                        </p:tav>
+                                        <p:tav tm="100000">
+                                          <p:val>
+                                            <p:strVal val="#ppt_y"/>
+                                          </p:val>
+                                        </p:tav>
+                                      </p:tavLst>
+                                    </p:anim>
+                                  </p:childTnLst>
+                                </p:cTn>
+                              </p:par>
+                            </p:childTnLst>
+                          </p:cTn>
+                        </p:par>
+                        <p:par>
+                          <p:cTn id="9" fill="hold">
+                            <p:stCondLst>
+                              <p:cond delay="500"/>
+                            </p:stCondLst>
+                            <p:childTnLst>
+                              <p:par>
+                                <p:cTn id="10" presetID="2" presetClass="entr" presetSubtype="8" fill="hold" grpId="0" nodeType="afterEffect">
+                                  <p:stCondLst>
+                                    <p:cond delay="0"/>
+                                  </p:stCondLst>
+                                  <p:childTnLst>
+                                    <p:set>
+                                      <p:cBhvr>
+                                        <p:cTn id="11" dur="1" fill="hold">
+                                          <p:stCondLst>
+                                            <p:cond delay="0"/>
+                                          </p:stCondLst>
+                                        </p:cTn>
+                                        <p:tgtEl>
+                                          <p:spTgt spid="4"/>
+                                        </p:tgtEl>
+                                        <p:attrNameLst>
+                                          <p:attrName>style.visibility</p:attrName>
+                                        </p:attrNameLst>
+                                      </p:cBhvr>
+                                      <p:to>
+                                        <p:strVal val="visible"/>
+                                      </p:to>
+                                    </p:set>
+                                    <p:anim calcmode="lin" valueType="num">
+                                      <p:cBhvr additive="base">
+                                        <p:cTn id="12" dur="500" fill="hold"/>
+                                        <p:tgtEl>
+                                          <p:spTgt spid="4"/>
+                                        </p:tgtEl>
+                                        <p:attrNameLst>
+                                          <p:attrName>ppt_x</p:attrName>
+                                        </p:attrNameLst>
+                                      </p:cBhvr>
+                                      <p:tavLst>
+                                        <p:tav tm="0">
+                                          <p:val>
+                                            <p:strVal val="0-#ppt_w/2"/>
+                                          </p:val>
+                                        </p:tav>
+                                        <p:tav tm="100000">
+                                          <p:val>
+                                            <p:strVal val="#ppt_x"/>
+                                          </p:val>
+                                        </p:tav>
+                                      </p:tavLst>
+                                    </p:anim>
+                                    <p:anim calcmode="lin" valueType="num">
+                                      <p:cBhvr additive="base">
+                                        <p:cTn id="13" dur="500" fill="hold"/>
+                                        <p:tgtEl>
+                                          <p:spTgt spid="4"/>
+                                        </p:tgtEl>
+                                        <p:attrNameLst>
+                                          <p:attrName>ppt_y</p:attrName>
+                                        </p:attrNameLst>
+                                      </p:cBhvr>
+                                      <p:tavLst>
+                                        <p:tav tm="0">
+                                          <p:val>
+                                            <p:strVal val="#ppt_y"/>
+                                          </p:val>
+                                        </p:tav>
+                                        <p:tav tm="100000">
+                                          <p:val>
+                                            <p:strVal val="#ppt_y"/>
+                                          </p:val>
+                                        </p:tav>
+                                      </p:tavLst>
+                                    </p:anim>
+                                  </p:childTnLst>
+                                </p:cTn>
+                              </p:par>
+                            </p:childTnLst>
+                          </p:cTn>
+                        </p:par>
+                        <p:par>
+                          <p:cTn id="14" fill="hold">
+                            <p:stCondLst>
+                              <p:cond delay="1000"/>
+                            </p:stCondLst>
+                            <p:childTnLst>
+                              <p:par>
+                                <p:cTn id="15" presetID="22" presetClass="entr" presetSubtype="1" fill="hold" grpId="0" nodeType="afterEffect">
+                                  <p:stCondLst>
+                                    <p:cond delay="0"/>
+                                  </p:stCondLst>
+                                  <p:childTnLst>
+                                    <p:set>
+                                      <p:cBhvr>
+                                        <p:cTn id="16" dur="1" fill="hold">
+                                          <p:stCondLst>
+                                            <p:cond delay="0"/>
+                                          </p:stCondLst>
+                                        </p:cTn>
+                                        <p:tgtEl>
+                                          <p:spTgt spid="7"/>
+                                        </p:tgtEl>
+                                        <p:attrNameLst>
+                                          <p:attrName>style.visibility</p:attrName>
+                                        </p:attrNameLst>
+                                      </p:cBhvr>
+                                      <p:to>
+                                        <p:strVal val="visible"/>
+                                      </p:to>
+                                    </p:set>
+                                    <p:animEffect transition="in" filter="wipe(up)">
+                                      <p:cBhvr>
+                                        <p:cTn id="17" dur="500"/>
+                                        <p:tgtEl>
+                                          <p:spTgt spid="7"/>
+                                        </p:tgtEl>
+                                      </p:cBhvr>
+                                    </p:animEffect>
+                                  </p:childTnLst>
+                                </p:cTn>
+                              </p:par>
+                            </p:childTnLst>
+                          </p:cTn>
+                        </p:par>
+                        <p:par>
+                          <p:cTn id="18" fill="hold">
+                            <p:stCondLst>
+                              <p:cond delay="1500"/>
+                            </p:stCondLst>
+                            <p:childTnLst>
+                              <p:par>
+                                <p:cTn id="19" presetID="12" presetClass="entr" presetSubtype="1" fill="hold" grpId="0" nodeType="afterEffect">
+                                  <p:stCondLst>
+                                    <p:cond delay="0"/>
+                                  </p:stCondLst>
+                                  <p:iterate type="lt">
+                                    <p:tmPct val="10000"/>
+                                  </p:iterate>
+                                  <p:childTnLst>
+                                    <p:set>
+                                      <p:cBhvr>
+                                        <p:cTn id="20" dur="1" fill="hold">
+                                          <p:stCondLst>
+                                            <p:cond delay="0"/>
+                                          </p:stCondLst>
+                                        </p:cTn>
+                                        <p:tgtEl>
+                                          <p:spTgt spid="12"/>
+                                        </p:tgtEl>
+                                        <p:attrNameLst>
+                                          <p:attrName>style.visibility</p:attrName>
+                                        </p:attrNameLst>
+                                      </p:cBhvr>
+                                      <p:to>
+                                        <p:strVal val="visible"/>
+                                      </p:to>
+                                    </p:set>
+                                    <p:anim calcmode="lin" valueType="num">
+                                      <p:cBhvr additive="base">
+                                        <p:cTn id="21" dur="250"/>
+                                        <p:tgtEl>
+                                          <p:spTgt spid="12"/>
+                                        </p:tgtEl>
+                                        <p:attrNameLst>
+                                          <p:attrName>ppt_y</p:attrName>
+                                        </p:attrNameLst>
+                                      </p:cBhvr>
+                                      <p:tavLst>
+                                        <p:tav tm="0">
+                                          <p:val>
+                                            <p:strVal val="#ppt_y-#ppt_h*1.125000"/>
+                                          </p:val>
+                                        </p:tav>
+                                        <p:tav tm="100000">
+                                          <p:val>
+                                            <p:strVal val="#ppt_y"/>
+                                          </p:val>
+                                        </p:tav>
+                                      </p:tavLst>
+                                    </p:anim>
+                                    <p:animEffect transition="in" filter="wipe(down)">
+                                      <p:cBhvr>
+                                        <p:cTn id="22" dur="250"/>
+                                        <p:tgtEl>
+                                          <p:spTgt spid="12"/>
+                                        </p:tgtEl>
+                                      </p:cBhvr>
+                                    </p:animEffect>
+                                  </p:childTnLst>
+                                </p:cTn>
+                              </p:par>
+                            </p:childTnLst>
+                          </p:cTn>
+                        </p:par>
+                      </p:childTnLst>
+                    </p:cTn>
+                  </p:par>
+                </p:childTnLst>
+              </p:cTn>
+              <p:prevCondLst>
+                <p:cond evt="onPrev" delay="0">
+                  <p:tgtEl>
+                    <p:sldTgt/>
+                  </p:tgtEl>
+                </p:cond>
+              </p:prevCondLst>
+              <p:nextCondLst>
+                <p:cond evt="onNext" delay="0">
+                  <p:tgtEl>
+                    <p:sldTgt/>
+                  </p:tgtEl>
+                </p:cond>
+              </p:nextCondLst>
+            </p:seq>
+          </p:childTnLst>
+        </p:cTn>
+      </p:par>
+    </p:tnLst>
+    <p:bldLst>
+      <p:bldP spid="4" grpId="0" animBg="1"/>
+      <p:bldP spid="7" grpId="0"/>
+      <p:bldP spid="12" grpId="0"/>
+    </p:bldLst>
+  </p:timing>
+</p:sld>
+</file>
+
+<file path=ppt/slides/slide24.xml><?xml version="1.0" encoding="utf-8"?>
+<p:sld xmlns:a="http://schemas.openxmlformats.org/drawingml/2006/main" xmlns:r="http://schemas.openxmlformats.org/officeDocument/2006/relationships" xmlns:p="http://schemas.openxmlformats.org/presentationml/2006/main">
+  <p:cSld>
+    <p:spTree>
+      <p:nvGrpSpPr>
+        <p:cNvPr id="1" name=""/>
+        <p:cNvGrpSpPr/>
+        <p:nvPr/>
+      </p:nvGrpSpPr>
+      <p:grpSpPr>
+        <a:xfrm>
+          <a:off x="0" y="0"/>
+          <a:ext cx="0" cy="0"/>
+          <a:chOff x="0" y="0"/>
+          <a:chExt cx="0" cy="0"/>
+        </a:xfrm>
+      </p:grpSpPr>
+      <p:sp>
+        <p:nvSpPr>
+          <p:cNvPr id="4" name="椭圆 3"/>
+          <p:cNvSpPr/>
+          <p:nvPr/>
+        </p:nvSpPr>
+        <p:spPr>
+          <a:xfrm flipV="1">
+            <a:off x="3472892" y="836712"/>
+            <a:ext cx="144016" cy="144016"/>
+          </a:xfrm>
+          <a:prstGeom prst="ellipse">
+            <a:avLst/>
+          </a:prstGeom>
+          <a:solidFill>
+            <a:schemeClr val="tx1"/>
+          </a:solidFill>
+          <a:ln>
+            <a:noFill/>
+          </a:ln>
+        </p:spPr>
+        <p:style>
+          <a:lnRef idx="2">
+            <a:schemeClr val="accent1">
+              <a:shade val="50000"/>
+            </a:schemeClr>
+          </a:lnRef>
+          <a:fillRef idx="1">
+            <a:schemeClr val="accent1"/>
+          </a:fillRef>
+          <a:effectRef idx="0">
+            <a:schemeClr val="accent1"/>
+          </a:effectRef>
+          <a:fontRef idx="minor">
+            <a:schemeClr val="lt1"/>
+          </a:fontRef>
+        </p:style>
+        <p:txBody>
+          <a:bodyPr rtlCol="0" anchor="ctr"/>
+          <a:lstStyle/>
+          <a:p>
+            <a:pPr algn="ctr"/>
+            <a:endParaRPr lang="zh-CN" altLang="en-US"/>
+          </a:p>
+        </p:txBody>
+      </p:sp>
+      <p:cxnSp>
+        <p:nvCxnSpPr>
+          <p:cNvPr id="6" name="直接连接符 5"/>
+          <p:cNvCxnSpPr>
+            <a:endCxn id="4" idx="2"/>
+          </p:cNvCxnSpPr>
+          <p:nvPr/>
+        </p:nvCxnSpPr>
+        <p:spPr>
+          <a:xfrm flipV="1">
+            <a:off x="-30820" y="908720"/>
+            <a:ext cx="3503712" cy="1"/>
+          </a:xfrm>
+          <a:prstGeom prst="line">
+            <a:avLst/>
+          </a:prstGeom>
+          <a:ln>
+            <a:solidFill>
+              <a:schemeClr val="tx1"/>
+            </a:solidFill>
+          </a:ln>
+        </p:spPr>
+        <p:style>
+          <a:lnRef idx="1">
+            <a:schemeClr val="accent1"/>
+          </a:lnRef>
+          <a:fillRef idx="0">
+            <a:schemeClr val="accent1"/>
+          </a:fillRef>
+          <a:effectRef idx="0">
+            <a:schemeClr val="accent1"/>
+          </a:effectRef>
+          <a:fontRef idx="minor">
+            <a:schemeClr val="tx1"/>
+          </a:fontRef>
+        </p:style>
+      </p:cxnSp>
+      <p:sp>
+        <p:nvSpPr>
+          <p:cNvPr id="7" name="文本框 6">
+            <a:extLst>
+              <a:ext uri="{FF2B5EF4-FFF2-40B4-BE49-F238E27FC236}">
+                <a16:creationId xmlns:a16="http://schemas.microsoft.com/office/drawing/2014/main" id="{D8DC2788-085A-49A1-99C1-2B2A79BC6D17}"/>
+              </a:ext>
+            </a:extLst>
+          </p:cNvPr>
+          <p:cNvSpPr txBox="1"/>
+          <p:nvPr/>
+        </p:nvSpPr>
+        <p:spPr>
+          <a:xfrm>
+            <a:off x="237303" y="1195437"/>
+            <a:ext cx="5066609" cy="4893647"/>
+          </a:xfrm>
+          <a:prstGeom prst="rect">
+            <a:avLst/>
+          </a:prstGeom>
+          <a:noFill/>
+        </p:spPr>
+        <p:txBody>
+          <a:bodyPr wrap="square" rtlCol="0">
+            <a:spAutoFit/>
+          </a:bodyPr>
+          <a:lstStyle/>
+          <a:p>
+            <a:pPr marL="342900" indent="-342900">
+              <a:buFont typeface="Wingdings" panose="05000000000000000000" pitchFamily="2" charset="2"/>
+              <a:buChar char="l"/>
+            </a:pPr>
+            <a:r>
+              <a:rPr lang="zh-CN" altLang="en-US" sz="2000" b="1" dirty="0"/>
+              <a:t>结构化风险（</a:t>
+            </a:r>
+            <a:r>
+              <a:rPr lang="en-US" altLang="zh-CN" sz="2000" b="1" dirty="0"/>
+              <a:t> L1, L2</a:t>
+            </a:r>
+            <a:r>
+              <a:rPr lang="zh-CN" altLang="en-US" sz="2000" b="1" dirty="0"/>
+              <a:t>正则化）</a:t>
+            </a:r>
+            <a:endParaRPr lang="en-US" altLang="zh-CN" sz="2000" b="1" dirty="0"/>
+          </a:p>
+          <a:p>
+            <a:r>
+              <a:rPr lang="en-US" altLang="zh-CN" sz="2000" b="1" dirty="0">
+                <a:solidFill>
+                  <a:srgbClr val="FF0000"/>
+                </a:solidFill>
+              </a:rPr>
+              <a:t>WHY</a:t>
+            </a:r>
+            <a:r>
+              <a:rPr lang="zh-CN" altLang="en-US" sz="2000" b="1" dirty="0">
+                <a:solidFill>
+                  <a:srgbClr val="FF0000"/>
+                </a:solidFill>
+              </a:rPr>
+              <a:t>？</a:t>
+            </a:r>
+            <a:r>
+              <a:rPr lang="en-US" altLang="zh-CN" sz="2000" b="1" dirty="0">
+                <a:solidFill>
+                  <a:srgbClr val="FF0000"/>
+                </a:solidFill>
+              </a:rPr>
+              <a:t>WHAT</a:t>
+            </a:r>
+            <a:r>
+              <a:rPr lang="zh-CN" altLang="en-US" sz="2000" b="1" dirty="0">
+                <a:solidFill>
+                  <a:srgbClr val="FF0000"/>
+                </a:solidFill>
+              </a:rPr>
+              <a:t>？</a:t>
+            </a:r>
+            <a:r>
+              <a:rPr lang="en-US" altLang="zh-CN" sz="2000" b="1" dirty="0">
+                <a:solidFill>
+                  <a:srgbClr val="FF0000"/>
+                </a:solidFill>
+              </a:rPr>
+              <a:t>HOW</a:t>
+            </a:r>
+            <a:r>
+              <a:rPr lang="zh-CN" altLang="en-US" sz="2000" b="1" dirty="0">
+                <a:solidFill>
+                  <a:srgbClr val="FF0000"/>
+                </a:solidFill>
+              </a:rPr>
+              <a:t>？</a:t>
+            </a:r>
+            <a:endParaRPr lang="en-US" altLang="zh-CN" sz="2000" b="1" dirty="0">
+              <a:solidFill>
+                <a:srgbClr val="FF0000"/>
+              </a:solidFill>
+            </a:endParaRPr>
+          </a:p>
+          <a:p>
+            <a:endParaRPr lang="en-US" altLang="zh-CN" sz="2000" b="1" dirty="0">
+              <a:solidFill>
+                <a:srgbClr val="FF0000"/>
+              </a:solidFill>
+            </a:endParaRPr>
+          </a:p>
+          <a:p>
+            <a:r>
+              <a:rPr lang="zh-CN" altLang="en-US" b="1" dirty="0"/>
+              <a:t>核心思想：</a:t>
+            </a:r>
+            <a:endParaRPr lang="en-US" altLang="zh-CN" b="1" dirty="0"/>
+          </a:p>
+          <a:p>
+            <a:endParaRPr lang="en-US" altLang="zh-CN" dirty="0"/>
+          </a:p>
+          <a:p>
+            <a:r>
+              <a:rPr lang="zh-CN" altLang="en-US" dirty="0"/>
+              <a:t>以</a:t>
+            </a:r>
+            <a:r>
+              <a:rPr lang="en-US" altLang="zh-CN" dirty="0"/>
+              <a:t>L2</a:t>
+            </a:r>
+            <a:r>
+              <a:rPr lang="zh-CN" altLang="en-US" dirty="0"/>
+              <a:t>正则化为例进行探讨</a:t>
+            </a:r>
+            <a:r>
+              <a:rPr lang="en-US" altLang="zh-CN" dirty="0"/>
+              <a:t>, </a:t>
+            </a:r>
+            <a:r>
+              <a:rPr lang="zh-CN" altLang="en-US" dirty="0"/>
+              <a:t>机器学习的过程是一个 通过修改参数 </a:t>
+            </a:r>
+            <a:r>
+              <a:rPr lang="en-US" altLang="zh-CN" dirty="0"/>
+              <a:t>theta </a:t>
+            </a:r>
+            <a:r>
+              <a:rPr lang="zh-CN" altLang="en-US" dirty="0"/>
+              <a:t>来减小误差的过程</a:t>
+            </a:r>
+            <a:r>
+              <a:rPr lang="en-US" altLang="zh-CN" dirty="0"/>
+              <a:t>, </a:t>
+            </a:r>
+            <a:r>
+              <a:rPr lang="zh-CN" altLang="en-US" dirty="0"/>
+              <a:t>可是在减小误差的时候非线性越强的参数</a:t>
+            </a:r>
+            <a:r>
+              <a:rPr lang="en-US" altLang="zh-CN" dirty="0"/>
+              <a:t>, </a:t>
+            </a:r>
+            <a:r>
+              <a:rPr lang="zh-CN" altLang="en-US" dirty="0"/>
+              <a:t>比如在 </a:t>
+            </a:r>
+            <a:r>
+              <a:rPr lang="en-US" altLang="zh-CN" dirty="0"/>
+              <a:t>x^3 </a:t>
+            </a:r>
+            <a:r>
+              <a:rPr lang="zh-CN" altLang="en-US" dirty="0"/>
+              <a:t>旁边的 </a:t>
+            </a:r>
+            <a:r>
+              <a:rPr lang="en-US" altLang="zh-CN" dirty="0"/>
+              <a:t>theta 4 </a:t>
+            </a:r>
+            <a:r>
+              <a:rPr lang="zh-CN" altLang="en-US" dirty="0"/>
+              <a:t>就会被修改得越多</a:t>
+            </a:r>
+            <a:r>
+              <a:rPr lang="en-US" altLang="zh-CN" dirty="0"/>
+              <a:t>, </a:t>
+            </a:r>
+            <a:r>
+              <a:rPr lang="zh-CN" altLang="en-US" dirty="0"/>
+              <a:t>因为如果使用非线性强的参数就能使方程更加曲折</a:t>
+            </a:r>
+            <a:r>
+              <a:rPr lang="en-US" altLang="zh-CN" dirty="0"/>
+              <a:t>, </a:t>
+            </a:r>
+            <a:r>
+              <a:rPr lang="zh-CN" altLang="en-US" dirty="0"/>
+              <a:t>也就能更好的拟合上那些分布的数据点</a:t>
+            </a:r>
+            <a:r>
+              <a:rPr lang="en-US" altLang="zh-CN" dirty="0"/>
+              <a:t>. Theta 4</a:t>
+            </a:r>
+            <a:r>
+              <a:rPr lang="zh-CN" altLang="en-US" dirty="0"/>
+              <a:t>作为非线性强的参数系数</a:t>
+            </a:r>
+            <a:r>
+              <a:rPr lang="en-US" altLang="zh-CN" dirty="0"/>
+              <a:t>, </a:t>
+            </a:r>
+            <a:r>
+              <a:rPr lang="zh-CN" altLang="en-US" dirty="0"/>
+              <a:t>改变模型的很明显</a:t>
+            </a:r>
+            <a:r>
+              <a:rPr lang="en-US" altLang="zh-CN" dirty="0"/>
+              <a:t>, </a:t>
+            </a:r>
+            <a:r>
+              <a:rPr lang="zh-CN" altLang="en-US" dirty="0"/>
+              <a:t>很容易拟合所有的数据</a:t>
+            </a:r>
+            <a:r>
+              <a:rPr lang="en-US" altLang="zh-CN" dirty="0"/>
+              <a:t>, </a:t>
+            </a:r>
+            <a:r>
+              <a:rPr lang="zh-CN" altLang="en-US" dirty="0"/>
+              <a:t>然而误差方程需要保证模型的鲁棒性，如果</a:t>
+            </a:r>
+            <a:r>
+              <a:rPr lang="en-US" altLang="zh-CN" dirty="0"/>
+              <a:t>Theta 4</a:t>
+            </a:r>
+            <a:r>
+              <a:rPr lang="zh-CN" altLang="en-US" dirty="0"/>
+              <a:t>错了</a:t>
+            </a:r>
+            <a:r>
+              <a:rPr lang="en-US" altLang="zh-CN" dirty="0"/>
+              <a:t>, </a:t>
+            </a:r>
+            <a:r>
+              <a:rPr lang="zh-CN" altLang="en-US" dirty="0"/>
+              <a:t>整个误差方程的效率就突然降低了</a:t>
+            </a:r>
+            <a:r>
+              <a:rPr lang="en-US" altLang="zh-CN" dirty="0"/>
+              <a:t>, </a:t>
+            </a:r>
+            <a:r>
+              <a:rPr lang="zh-CN" altLang="en-US" dirty="0"/>
+              <a:t>因此误差方程需要“惩罚”方程中“独出风头” 的参数系数</a:t>
+            </a:r>
+            <a:r>
+              <a:rPr lang="en-US" altLang="zh-CN" dirty="0"/>
+              <a:t>. </a:t>
+            </a:r>
+            <a:r>
+              <a:rPr lang="zh-CN" altLang="en-US" dirty="0"/>
+              <a:t>这就是整套正规化算法的核心思想。</a:t>
+            </a:r>
+            <a:endParaRPr lang="en-US" altLang="zh-CN" sz="2000" b="1" dirty="0">
+              <a:solidFill>
+                <a:srgbClr val="FF0000"/>
+              </a:solidFill>
+            </a:endParaRPr>
+          </a:p>
+        </p:txBody>
+      </p:sp>
+      <p:sp>
+        <p:nvSpPr>
+          <p:cNvPr id="3" name="AutoShape 2" descr="[公式]">
+            <a:extLst>
+              <a:ext uri="{FF2B5EF4-FFF2-40B4-BE49-F238E27FC236}">
+                <a16:creationId xmlns:a16="http://schemas.microsoft.com/office/drawing/2014/main" id="{E557092A-43CE-4A70-84F7-39F580A0FEAB}"/>
+              </a:ext>
+            </a:extLst>
+          </p:cNvPr>
+          <p:cNvSpPr>
+            <a:spLocks noChangeAspect="1" noChangeArrowheads="1"/>
+          </p:cNvSpPr>
+          <p:nvPr/>
+        </p:nvSpPr>
+        <p:spPr bwMode="auto">
+          <a:xfrm>
+            <a:off x="3432175" y="-144463"/>
+            <a:ext cx="304800" cy="304801"/>
+          </a:xfrm>
+          <a:prstGeom prst="rect">
+            <a:avLst/>
+          </a:prstGeom>
+          <a:noFill/>
+          <a:extLst>
+            <a:ext uri="{909E8E84-426E-40DD-AFC4-6F175D3DCCD1}">
+              <a14:hiddenFill xmlns:a14="http://schemas.microsoft.com/office/drawing/2010/main">
+                <a:solidFill>
+                  <a:srgbClr val="FFFFFF"/>
+                </a:solidFill>
+              </a14:hiddenFill>
+            </a:ext>
+          </a:extLst>
+        </p:spPr>
+        <p:txBody>
+          <a:bodyPr vert="horz" wrap="square" lIns="91440" tIns="45720" rIns="91440" bIns="45720" numCol="1" anchor="t" anchorCtr="0" compatLnSpc="1">
+            <a:prstTxWarp prst="textNoShape">
+              <a:avLst/>
+            </a:prstTxWarp>
+          </a:bodyPr>
+          <a:lstStyle/>
+          <a:p>
+            <a:endParaRPr lang="zh-CN" altLang="en-US"/>
+          </a:p>
+        </p:txBody>
+      </p:sp>
+      <p:sp>
+        <p:nvSpPr>
+          <p:cNvPr id="13" name="AutoShape 8" descr="[公式]">
+            <a:extLst>
+              <a:ext uri="{FF2B5EF4-FFF2-40B4-BE49-F238E27FC236}">
+                <a16:creationId xmlns:a16="http://schemas.microsoft.com/office/drawing/2014/main" id="{3B151B13-88AE-47D1-A17E-AB83318390A2}"/>
+              </a:ext>
+            </a:extLst>
+          </p:cNvPr>
+          <p:cNvSpPr>
+            <a:spLocks noChangeAspect="1" noChangeArrowheads="1"/>
+          </p:cNvSpPr>
+          <p:nvPr/>
+        </p:nvSpPr>
+        <p:spPr bwMode="auto">
+          <a:xfrm flipV="1">
+            <a:off x="15636875" y="-1014094"/>
+            <a:ext cx="141599" cy="45719"/>
+          </a:xfrm>
+          <a:prstGeom prst="rect">
+            <a:avLst/>
+          </a:prstGeom>
+          <a:noFill/>
+          <a:extLst>
+            <a:ext uri="{909E8E84-426E-40DD-AFC4-6F175D3DCCD1}">
+              <a14:hiddenFill xmlns:a14="http://schemas.microsoft.com/office/drawing/2010/main">
+                <a:solidFill>
+                  <a:srgbClr val="FFFFFF"/>
+                </a:solidFill>
+              </a14:hiddenFill>
+            </a:ext>
+          </a:extLst>
+        </p:spPr>
+        <p:txBody>
+          <a:bodyPr vert="horz" wrap="square" lIns="91440" tIns="45720" rIns="91440" bIns="45720" numCol="1" anchor="t" anchorCtr="0" compatLnSpc="1">
+            <a:prstTxWarp prst="textNoShape">
+              <a:avLst/>
+            </a:prstTxWarp>
+          </a:bodyPr>
+          <a:lstStyle/>
+          <a:p>
+            <a:endParaRPr lang="zh-CN" altLang="en-US"/>
+          </a:p>
+        </p:txBody>
+      </p:sp>
+      <p:sp>
+        <p:nvSpPr>
+          <p:cNvPr id="12" name="文本框 11">
+            <a:extLst>
+              <a:ext uri="{FF2B5EF4-FFF2-40B4-BE49-F238E27FC236}">
+                <a16:creationId xmlns:a16="http://schemas.microsoft.com/office/drawing/2014/main" id="{01FD16D1-3796-4A35-BBE5-0FE38C32D8FB}"/>
+              </a:ext>
+            </a:extLst>
+          </p:cNvPr>
+          <p:cNvSpPr txBox="1"/>
+          <p:nvPr/>
+        </p:nvSpPr>
+        <p:spPr>
+          <a:xfrm>
+            <a:off x="283263" y="447055"/>
+            <a:ext cx="3453712" cy="461665"/>
+          </a:xfrm>
+          <a:prstGeom prst="rect">
+            <a:avLst/>
+          </a:prstGeom>
+          <a:noFill/>
+        </p:spPr>
+        <p:txBody>
+          <a:bodyPr wrap="square" rtlCol="0">
+            <a:spAutoFit/>
+          </a:bodyPr>
+          <a:lstStyle/>
+          <a:p>
+            <a:r>
+              <a:rPr lang="zh-CN" altLang="en-US" sz="2400" dirty="0">
+                <a:latin typeface="Agency FB" panose="020B0503020202020204" pitchFamily="34" charset="0"/>
+              </a:rPr>
+              <a:t>结构化风险（</a:t>
+            </a:r>
+            <a:r>
+              <a:rPr lang="en-US" altLang="zh-CN" sz="2400" dirty="0">
+                <a:latin typeface="Agency FB" panose="020B0503020202020204" pitchFamily="34" charset="0"/>
+              </a:rPr>
+              <a:t>L1,L2</a:t>
+            </a:r>
+            <a:r>
+              <a:rPr lang="zh-CN" altLang="en-US" sz="2400" dirty="0">
+                <a:latin typeface="Agency FB" panose="020B0503020202020204" pitchFamily="34" charset="0"/>
+              </a:rPr>
+              <a:t>正则化）</a:t>
+            </a:r>
+            <a:endParaRPr lang="en-US" altLang="zh-CN" sz="2400" dirty="0">
+              <a:latin typeface="Agency FB" panose="020B0503020202020204" pitchFamily="34" charset="0"/>
+            </a:endParaRPr>
+          </a:p>
+        </p:txBody>
+      </p:sp>
+      <p:pic>
+        <p:nvPicPr>
+          <p:cNvPr id="9218" name="Picture 2" descr="preview">
+            <a:extLst>
+              <a:ext uri="{FF2B5EF4-FFF2-40B4-BE49-F238E27FC236}">
+                <a16:creationId xmlns:a16="http://schemas.microsoft.com/office/drawing/2014/main" id="{57B1CF31-18B4-4817-8270-B4D778A18723}"/>
+              </a:ext>
+            </a:extLst>
+          </p:cNvPr>
+          <p:cNvPicPr>
+            <a:picLocks noChangeAspect="1" noChangeArrowheads="1"/>
+          </p:cNvPicPr>
+          <p:nvPr/>
+        </p:nvPicPr>
+        <p:blipFill>
+          <a:blip r:embed="rId3">
+            <a:extLst>
+              <a:ext uri="{28A0092B-C50C-407E-A947-70E740481C1C}">
+                <a14:useLocalDpi xmlns:a14="http://schemas.microsoft.com/office/drawing/2010/main" val="0"/>
+              </a:ext>
+            </a:extLst>
+          </a:blip>
+          <a:srcRect/>
+          <a:stretch>
+            <a:fillRect/>
+          </a:stretch>
+        </p:blipFill>
+        <p:spPr bwMode="auto">
+          <a:xfrm>
+            <a:off x="5442199" y="1195437"/>
+            <a:ext cx="6729016" cy="3707825"/>
+          </a:xfrm>
+          <a:prstGeom prst="rect">
+            <a:avLst/>
+          </a:prstGeom>
+          <a:noFill/>
+          <a:extLst>
+            <a:ext uri="{909E8E84-426E-40DD-AFC4-6F175D3DCCD1}">
+              <a14:hiddenFill xmlns:a14="http://schemas.microsoft.com/office/drawing/2010/main">
+                <a:solidFill>
+                  <a:srgbClr val="FFFFFF"/>
+                </a:solidFill>
+              </a14:hiddenFill>
+            </a:ext>
+          </a:extLst>
+        </p:spPr>
+      </p:pic>
+    </p:spTree>
+    <p:extLst>
+      <p:ext uri="{BB962C8B-B14F-4D97-AF65-F5344CB8AC3E}">
+        <p14:creationId xmlns:p14="http://schemas.microsoft.com/office/powerpoint/2010/main" val="21040560"/>
+      </p:ext>
+    </p:extLst>
+  </p:cSld>
+  <p:clrMapOvr>
+    <a:masterClrMapping/>
+  </p:clrMapOvr>
+  <mc:AlternateContent xmlns:mc="http://schemas.openxmlformats.org/markup-compatibility/2006" xmlns:p14="http://schemas.microsoft.com/office/powerpoint/2010/main">
+    <mc:Choice Requires="p14">
+      <p:transition spd="slow" p14:dur="2000" advTm="3000"/>
+    </mc:Choice>
+    <mc:Fallback xmlns="">
+      <p:transition spd="slow" advTm="3000"/>
+    </mc:Fallback>
+  </mc:AlternateContent>
+  <p:timing>
+    <p:tnLst>
+      <p:par>
+        <p:cTn id="1" dur="indefinite" restart="never" nodeType="tmRoot">
+          <p:childTnLst>
+            <p:seq concurrent="1" nextAc="seek">
+              <p:cTn id="2" dur="indefinite" nodeType="mainSeq">
+                <p:childTnLst>
+                  <p:par>
+                    <p:cTn id="3" fill="hold">
+                      <p:stCondLst>
+                        <p:cond delay="indefinite"/>
+                        <p:cond evt="onBegin" delay="0">
+                          <p:tn val="2"/>
+                        </p:cond>
+                      </p:stCondLst>
+                      <p:childTnLst>
+                        <p:par>
+                          <p:cTn id="4" fill="hold">
+                            <p:stCondLst>
+                              <p:cond delay="0"/>
+                            </p:stCondLst>
+                            <p:childTnLst>
+                              <p:par>
+                                <p:cTn id="5" presetID="2" presetClass="entr" presetSubtype="8" fill="hold" nodeType="withEffect">
+                                  <p:stCondLst>
+                                    <p:cond delay="0"/>
+                                  </p:stCondLst>
+                                  <p:childTnLst>
+                                    <p:set>
+                                      <p:cBhvr>
+                                        <p:cTn id="6" dur="1" fill="hold">
+                                          <p:stCondLst>
+                                            <p:cond delay="0"/>
+                                          </p:stCondLst>
+                                        </p:cTn>
+                                        <p:tgtEl>
+                                          <p:spTgt spid="6"/>
+                                        </p:tgtEl>
+                                        <p:attrNameLst>
+                                          <p:attrName>style.visibility</p:attrName>
+                                        </p:attrNameLst>
+                                      </p:cBhvr>
+                                      <p:to>
+                                        <p:strVal val="visible"/>
+                                      </p:to>
+                                    </p:set>
+                                    <p:anim calcmode="lin" valueType="num">
+                                      <p:cBhvr additive="base">
+                                        <p:cTn id="7" dur="500" fill="hold"/>
+                                        <p:tgtEl>
+                                          <p:spTgt spid="6"/>
+                                        </p:tgtEl>
+                                        <p:attrNameLst>
+                                          <p:attrName>ppt_x</p:attrName>
+                                        </p:attrNameLst>
+                                      </p:cBhvr>
+                                      <p:tavLst>
+                                        <p:tav tm="0">
+                                          <p:val>
+                                            <p:strVal val="0-#ppt_w/2"/>
+                                          </p:val>
+                                        </p:tav>
+                                        <p:tav tm="100000">
+                                          <p:val>
+                                            <p:strVal val="#ppt_x"/>
+                                          </p:val>
+                                        </p:tav>
+                                      </p:tavLst>
+                                    </p:anim>
+                                    <p:anim calcmode="lin" valueType="num">
+                                      <p:cBhvr additive="base">
+                                        <p:cTn id="8" dur="500" fill="hold"/>
+                                        <p:tgtEl>
+                                          <p:spTgt spid="6"/>
+                                        </p:tgtEl>
+                                        <p:attrNameLst>
+                                          <p:attrName>ppt_y</p:attrName>
+                                        </p:attrNameLst>
+                                      </p:cBhvr>
+                                      <p:tavLst>
+                                        <p:tav tm="0">
+                                          <p:val>
+                                            <p:strVal val="#ppt_y"/>
+                                          </p:val>
+                                        </p:tav>
+                                        <p:tav tm="100000">
+                                          <p:val>
+                                            <p:strVal val="#ppt_y"/>
+                                          </p:val>
+                                        </p:tav>
+                                      </p:tavLst>
+                                    </p:anim>
+                                  </p:childTnLst>
+                                </p:cTn>
+                              </p:par>
+                            </p:childTnLst>
+                          </p:cTn>
+                        </p:par>
+                        <p:par>
+                          <p:cTn id="9" fill="hold">
+                            <p:stCondLst>
+                              <p:cond delay="500"/>
+                            </p:stCondLst>
+                            <p:childTnLst>
+                              <p:par>
+                                <p:cTn id="10" presetID="2" presetClass="entr" presetSubtype="8" fill="hold" grpId="0" nodeType="afterEffect">
+                                  <p:stCondLst>
+                                    <p:cond delay="0"/>
+                                  </p:stCondLst>
+                                  <p:childTnLst>
+                                    <p:set>
+                                      <p:cBhvr>
+                                        <p:cTn id="11" dur="1" fill="hold">
+                                          <p:stCondLst>
+                                            <p:cond delay="0"/>
+                                          </p:stCondLst>
+                                        </p:cTn>
+                                        <p:tgtEl>
+                                          <p:spTgt spid="4"/>
+                                        </p:tgtEl>
+                                        <p:attrNameLst>
+                                          <p:attrName>style.visibility</p:attrName>
+                                        </p:attrNameLst>
+                                      </p:cBhvr>
+                                      <p:to>
+                                        <p:strVal val="visible"/>
+                                      </p:to>
+                                    </p:set>
+                                    <p:anim calcmode="lin" valueType="num">
+                                      <p:cBhvr additive="base">
+                                        <p:cTn id="12" dur="500" fill="hold"/>
+                                        <p:tgtEl>
+                                          <p:spTgt spid="4"/>
+                                        </p:tgtEl>
+                                        <p:attrNameLst>
+                                          <p:attrName>ppt_x</p:attrName>
+                                        </p:attrNameLst>
+                                      </p:cBhvr>
+                                      <p:tavLst>
+                                        <p:tav tm="0">
+                                          <p:val>
+                                            <p:strVal val="0-#ppt_w/2"/>
+                                          </p:val>
+                                        </p:tav>
+                                        <p:tav tm="100000">
+                                          <p:val>
+                                            <p:strVal val="#ppt_x"/>
+                                          </p:val>
+                                        </p:tav>
+                                      </p:tavLst>
+                                    </p:anim>
+                                    <p:anim calcmode="lin" valueType="num">
+                                      <p:cBhvr additive="base">
+                                        <p:cTn id="13" dur="500" fill="hold"/>
+                                        <p:tgtEl>
+                                          <p:spTgt spid="4"/>
+                                        </p:tgtEl>
+                                        <p:attrNameLst>
+                                          <p:attrName>ppt_y</p:attrName>
+                                        </p:attrNameLst>
+                                      </p:cBhvr>
+                                      <p:tavLst>
+                                        <p:tav tm="0">
+                                          <p:val>
+                                            <p:strVal val="#ppt_y"/>
+                                          </p:val>
+                                        </p:tav>
+                                        <p:tav tm="100000">
+                                          <p:val>
+                                            <p:strVal val="#ppt_y"/>
+                                          </p:val>
+                                        </p:tav>
+                                      </p:tavLst>
+                                    </p:anim>
+                                  </p:childTnLst>
+                                </p:cTn>
+                              </p:par>
+                            </p:childTnLst>
+                          </p:cTn>
+                        </p:par>
+                        <p:par>
+                          <p:cTn id="14" fill="hold">
+                            <p:stCondLst>
+                              <p:cond delay="1000"/>
+                            </p:stCondLst>
+                            <p:childTnLst>
+                              <p:par>
+                                <p:cTn id="15" presetID="22" presetClass="entr" presetSubtype="1" fill="hold" grpId="0" nodeType="afterEffect">
+                                  <p:stCondLst>
+                                    <p:cond delay="0"/>
+                                  </p:stCondLst>
+                                  <p:childTnLst>
+                                    <p:set>
+                                      <p:cBhvr>
+                                        <p:cTn id="16" dur="1" fill="hold">
+                                          <p:stCondLst>
+                                            <p:cond delay="0"/>
+                                          </p:stCondLst>
+                                        </p:cTn>
+                                        <p:tgtEl>
+                                          <p:spTgt spid="7"/>
+                                        </p:tgtEl>
+                                        <p:attrNameLst>
+                                          <p:attrName>style.visibility</p:attrName>
+                                        </p:attrNameLst>
+                                      </p:cBhvr>
+                                      <p:to>
+                                        <p:strVal val="visible"/>
+                                      </p:to>
+                                    </p:set>
+                                    <p:animEffect transition="in" filter="wipe(up)">
+                                      <p:cBhvr>
+                                        <p:cTn id="17" dur="500"/>
+                                        <p:tgtEl>
+                                          <p:spTgt spid="7"/>
+                                        </p:tgtEl>
+                                      </p:cBhvr>
+                                    </p:animEffect>
+                                  </p:childTnLst>
+                                </p:cTn>
+                              </p:par>
+                            </p:childTnLst>
+                          </p:cTn>
+                        </p:par>
+                        <p:par>
+                          <p:cTn id="18" fill="hold">
+                            <p:stCondLst>
+                              <p:cond delay="1500"/>
+                            </p:stCondLst>
+                            <p:childTnLst>
+                              <p:par>
+                                <p:cTn id="19" presetID="12" presetClass="entr" presetSubtype="1" fill="hold" grpId="0" nodeType="afterEffect">
+                                  <p:stCondLst>
+                                    <p:cond delay="0"/>
+                                  </p:stCondLst>
+                                  <p:iterate type="lt">
+                                    <p:tmPct val="10000"/>
+                                  </p:iterate>
+                                  <p:childTnLst>
+                                    <p:set>
+                                      <p:cBhvr>
+                                        <p:cTn id="20" dur="1" fill="hold">
+                                          <p:stCondLst>
+                                            <p:cond delay="0"/>
+                                          </p:stCondLst>
+                                        </p:cTn>
+                                        <p:tgtEl>
+                                          <p:spTgt spid="12"/>
+                                        </p:tgtEl>
+                                        <p:attrNameLst>
+                                          <p:attrName>style.visibility</p:attrName>
+                                        </p:attrNameLst>
+                                      </p:cBhvr>
+                                      <p:to>
+                                        <p:strVal val="visible"/>
+                                      </p:to>
+                                    </p:set>
+                                    <p:anim calcmode="lin" valueType="num">
+                                      <p:cBhvr additive="base">
+                                        <p:cTn id="21" dur="250"/>
+                                        <p:tgtEl>
+                                          <p:spTgt spid="12"/>
+                                        </p:tgtEl>
+                                        <p:attrNameLst>
+                                          <p:attrName>ppt_y</p:attrName>
+                                        </p:attrNameLst>
+                                      </p:cBhvr>
+                                      <p:tavLst>
+                                        <p:tav tm="0">
+                                          <p:val>
+                                            <p:strVal val="#ppt_y-#ppt_h*1.125000"/>
+                                          </p:val>
+                                        </p:tav>
+                                        <p:tav tm="100000">
+                                          <p:val>
+                                            <p:strVal val="#ppt_y"/>
+                                          </p:val>
+                                        </p:tav>
+                                      </p:tavLst>
+                                    </p:anim>
+                                    <p:animEffect transition="in" filter="wipe(down)">
+                                      <p:cBhvr>
+                                        <p:cTn id="22" dur="250"/>
+                                        <p:tgtEl>
+                                          <p:spTgt spid="12"/>
+                                        </p:tgtEl>
+                                      </p:cBhvr>
+                                    </p:animEffect>
+                                  </p:childTnLst>
+                                </p:cTn>
+                              </p:par>
+                            </p:childTnLst>
+                          </p:cTn>
+                        </p:par>
+                      </p:childTnLst>
+                    </p:cTn>
+                  </p:par>
+                </p:childTnLst>
+              </p:cTn>
+              <p:prevCondLst>
+                <p:cond evt="onPrev" delay="0">
+                  <p:tgtEl>
+                    <p:sldTgt/>
+                  </p:tgtEl>
+                </p:cond>
+              </p:prevCondLst>
+              <p:nextCondLst>
+                <p:cond evt="onNext" delay="0">
+                  <p:tgtEl>
+                    <p:sldTgt/>
+                  </p:tgtEl>
+                </p:cond>
+              </p:nextCondLst>
+            </p:seq>
+          </p:childTnLst>
+        </p:cTn>
+      </p:par>
+    </p:tnLst>
+    <p:bldLst>
+      <p:bldP spid="4" grpId="0" animBg="1"/>
+      <p:bldP spid="7" grpId="0"/>
+      <p:bldP spid="12" grpId="0"/>
+    </p:bldLst>
+  </p:timing>
+</p:sld>
+</file>
+
+<file path=ppt/slides/slide25.xml><?xml version="1.0" encoding="utf-8"?>
+<p:sld xmlns:a="http://schemas.openxmlformats.org/drawingml/2006/main" xmlns:r="http://schemas.openxmlformats.org/officeDocument/2006/relationships" xmlns:p="http://schemas.openxmlformats.org/presentationml/2006/main">
+  <p:cSld>
+    <p:spTree>
+      <p:nvGrpSpPr>
+        <p:cNvPr id="1" name=""/>
+        <p:cNvGrpSpPr/>
+        <p:nvPr/>
+      </p:nvGrpSpPr>
+      <p:grpSpPr>
+        <a:xfrm>
+          <a:off x="0" y="0"/>
+          <a:ext cx="0" cy="0"/>
+          <a:chOff x="0" y="0"/>
+          <a:chExt cx="0" cy="0"/>
+        </a:xfrm>
+      </p:grpSpPr>
+      <p:sp>
+        <p:nvSpPr>
+          <p:cNvPr id="4" name="椭圆 3"/>
+          <p:cNvSpPr/>
+          <p:nvPr/>
+        </p:nvSpPr>
+        <p:spPr>
+          <a:xfrm flipV="1">
+            <a:off x="3472892" y="836712"/>
+            <a:ext cx="144016" cy="144016"/>
+          </a:xfrm>
+          <a:prstGeom prst="ellipse">
+            <a:avLst/>
+          </a:prstGeom>
+          <a:solidFill>
+            <a:schemeClr val="tx1"/>
+          </a:solidFill>
+          <a:ln>
+            <a:noFill/>
+          </a:ln>
+        </p:spPr>
+        <p:style>
+          <a:lnRef idx="2">
+            <a:schemeClr val="accent1">
+              <a:shade val="50000"/>
+            </a:schemeClr>
+          </a:lnRef>
+          <a:fillRef idx="1">
+            <a:schemeClr val="accent1"/>
+          </a:fillRef>
+          <a:effectRef idx="0">
+            <a:schemeClr val="accent1"/>
+          </a:effectRef>
+          <a:fontRef idx="minor">
+            <a:schemeClr val="lt1"/>
+          </a:fontRef>
+        </p:style>
+        <p:txBody>
+          <a:bodyPr rtlCol="0" anchor="ctr"/>
+          <a:lstStyle/>
+          <a:p>
+            <a:pPr algn="ctr"/>
+            <a:endParaRPr lang="zh-CN" altLang="en-US"/>
+          </a:p>
+        </p:txBody>
+      </p:sp>
+      <p:cxnSp>
+        <p:nvCxnSpPr>
+          <p:cNvPr id="6" name="直接连接符 5"/>
+          <p:cNvCxnSpPr>
+            <a:endCxn id="4" idx="2"/>
+          </p:cNvCxnSpPr>
+          <p:nvPr/>
+        </p:nvCxnSpPr>
+        <p:spPr>
+          <a:xfrm flipV="1">
+            <a:off x="-30820" y="908720"/>
+            <a:ext cx="3503712" cy="1"/>
+          </a:xfrm>
+          <a:prstGeom prst="line">
+            <a:avLst/>
+          </a:prstGeom>
+          <a:ln>
+            <a:solidFill>
+              <a:schemeClr val="tx1"/>
+            </a:solidFill>
+          </a:ln>
+        </p:spPr>
+        <p:style>
+          <a:lnRef idx="1">
+            <a:schemeClr val="accent1"/>
+          </a:lnRef>
+          <a:fillRef idx="0">
+            <a:schemeClr val="accent1"/>
+          </a:fillRef>
+          <a:effectRef idx="0">
+            <a:schemeClr val="accent1"/>
+          </a:effectRef>
+          <a:fontRef idx="minor">
+            <a:schemeClr val="tx1"/>
+          </a:fontRef>
+        </p:style>
+      </p:cxnSp>
+      <p:sp>
+        <p:nvSpPr>
+          <p:cNvPr id="7" name="文本框 6">
+            <a:extLst>
+              <a:ext uri="{FF2B5EF4-FFF2-40B4-BE49-F238E27FC236}">
+                <a16:creationId xmlns:a16="http://schemas.microsoft.com/office/drawing/2014/main" id="{D8DC2788-085A-49A1-99C1-2B2A79BC6D17}"/>
+              </a:ext>
+            </a:extLst>
+          </p:cNvPr>
+          <p:cNvSpPr txBox="1"/>
+          <p:nvPr/>
+        </p:nvSpPr>
+        <p:spPr>
+          <a:xfrm>
+            <a:off x="237303" y="1195437"/>
+            <a:ext cx="5498657" cy="5447645"/>
+          </a:xfrm>
+          <a:prstGeom prst="rect">
+            <a:avLst/>
+          </a:prstGeom>
+          <a:noFill/>
+        </p:spPr>
+        <p:txBody>
+          <a:bodyPr wrap="square" rtlCol="0">
+            <a:spAutoFit/>
+          </a:bodyPr>
+          <a:lstStyle/>
+          <a:p>
+            <a:pPr marL="342900" indent="-342900">
+              <a:buFont typeface="Wingdings" panose="05000000000000000000" pitchFamily="2" charset="2"/>
+              <a:buChar char="l"/>
+            </a:pPr>
+            <a:r>
+              <a:rPr lang="zh-CN" altLang="en-US" sz="2000" b="1" dirty="0"/>
+              <a:t>结构化风险（</a:t>
+            </a:r>
+            <a:r>
+              <a:rPr lang="en-US" altLang="zh-CN" sz="2000" b="1" dirty="0"/>
+              <a:t> L1, L2</a:t>
+            </a:r>
+            <a:r>
+              <a:rPr lang="zh-CN" altLang="en-US" sz="2000" b="1" dirty="0"/>
+              <a:t>正则化）</a:t>
+            </a:r>
+            <a:endParaRPr lang="en-US" altLang="zh-CN" sz="2000" b="1" dirty="0"/>
+          </a:p>
+          <a:p>
+            <a:r>
+              <a:rPr lang="en-US" altLang="zh-CN" sz="2000" b="1" dirty="0">
+                <a:solidFill>
+                  <a:srgbClr val="FF0000"/>
+                </a:solidFill>
+              </a:rPr>
+              <a:t>WHY</a:t>
+            </a:r>
+            <a:r>
+              <a:rPr lang="zh-CN" altLang="en-US" sz="2000" b="1" dirty="0">
+                <a:solidFill>
+                  <a:srgbClr val="FF0000"/>
+                </a:solidFill>
+              </a:rPr>
+              <a:t>？</a:t>
+            </a:r>
+            <a:r>
+              <a:rPr lang="en-US" altLang="zh-CN" sz="2000" b="1" dirty="0">
+                <a:solidFill>
+                  <a:srgbClr val="FF0000"/>
+                </a:solidFill>
+              </a:rPr>
+              <a:t>WHAT</a:t>
+            </a:r>
+            <a:r>
+              <a:rPr lang="zh-CN" altLang="en-US" sz="2000" b="1" dirty="0">
+                <a:solidFill>
+                  <a:srgbClr val="FF0000"/>
+                </a:solidFill>
+              </a:rPr>
+              <a:t>？</a:t>
+            </a:r>
+            <a:r>
+              <a:rPr lang="en-US" altLang="zh-CN" sz="2000" b="1" dirty="0">
+                <a:solidFill>
+                  <a:srgbClr val="FF0000"/>
+                </a:solidFill>
+              </a:rPr>
+              <a:t>HOW</a:t>
+            </a:r>
+            <a:r>
+              <a:rPr lang="zh-CN" altLang="en-US" sz="2000" b="1" dirty="0">
+                <a:solidFill>
+                  <a:srgbClr val="FF0000"/>
+                </a:solidFill>
+              </a:rPr>
+              <a:t>？</a:t>
+            </a:r>
+            <a:endParaRPr lang="en-US" altLang="zh-CN" sz="2000" b="1" dirty="0">
+              <a:solidFill>
+                <a:srgbClr val="FF0000"/>
+              </a:solidFill>
+            </a:endParaRPr>
+          </a:p>
+          <a:p>
+            <a:endParaRPr lang="en-US" altLang="zh-CN" sz="2000" b="1" dirty="0">
+              <a:solidFill>
+                <a:srgbClr val="FF0000"/>
+              </a:solidFill>
+            </a:endParaRPr>
+          </a:p>
+          <a:p>
+            <a:r>
+              <a:rPr lang="zh-CN" altLang="en-US" b="1" dirty="0"/>
+              <a:t>图像化过程：</a:t>
+            </a:r>
+            <a:endParaRPr lang="en-US" altLang="zh-CN" b="1" dirty="0"/>
+          </a:p>
+          <a:p>
+            <a:endParaRPr lang="en-US" altLang="zh-CN" dirty="0"/>
+          </a:p>
+          <a:p>
+            <a:r>
+              <a:rPr lang="zh-CN" altLang="en-US" dirty="0"/>
+              <a:t>假设现在只有两个参数 </a:t>
+            </a:r>
+            <a:r>
+              <a:rPr lang="en-US" altLang="zh-CN" dirty="0"/>
+              <a:t>theta1 theta2 </a:t>
+            </a:r>
+            <a:r>
+              <a:rPr lang="zh-CN" altLang="en-US" dirty="0"/>
+              <a:t>要学习</a:t>
+            </a:r>
+            <a:r>
+              <a:rPr lang="en-US" altLang="zh-CN" dirty="0"/>
+              <a:t>, </a:t>
+            </a:r>
+            <a:r>
+              <a:rPr lang="zh-CN" altLang="en-US" dirty="0"/>
+              <a:t>蓝色的圆心是误差最小的地方</a:t>
+            </a:r>
+            <a:r>
+              <a:rPr lang="en-US" altLang="zh-CN" dirty="0"/>
+              <a:t>, </a:t>
+            </a:r>
+            <a:r>
+              <a:rPr lang="zh-CN" altLang="en-US" dirty="0"/>
+              <a:t>而每条蓝线上的误差都是一样的</a:t>
+            </a:r>
+            <a:r>
+              <a:rPr lang="en-US" altLang="zh-CN" dirty="0"/>
+              <a:t>. </a:t>
+            </a:r>
+            <a:r>
+              <a:rPr lang="zh-CN" altLang="en-US" dirty="0"/>
+              <a:t>正则化的方程是在黄线上产生的额外误差</a:t>
+            </a:r>
+            <a:r>
+              <a:rPr lang="en-US" altLang="zh-CN" dirty="0"/>
+              <a:t>(</a:t>
+            </a:r>
+            <a:r>
+              <a:rPr lang="zh-CN" altLang="en-US" dirty="0"/>
+              <a:t>也能理解为惩罚度</a:t>
+            </a:r>
+            <a:r>
+              <a:rPr lang="en-US" altLang="zh-CN" dirty="0"/>
+              <a:t>), </a:t>
+            </a:r>
+            <a:r>
+              <a:rPr lang="zh-CN" altLang="en-US" dirty="0"/>
+              <a:t>在黄圈上的额外误差也是一样</a:t>
+            </a:r>
+            <a:r>
+              <a:rPr lang="en-US" altLang="zh-CN" dirty="0"/>
+              <a:t>. </a:t>
+            </a:r>
+            <a:r>
+              <a:rPr lang="zh-CN" altLang="en-US" dirty="0"/>
+              <a:t>所以在蓝线和黄线 交点上的点能让两个误差的合最小</a:t>
+            </a:r>
+            <a:r>
+              <a:rPr lang="en-US" altLang="zh-CN" dirty="0"/>
+              <a:t>. </a:t>
+            </a:r>
+            <a:r>
+              <a:rPr lang="zh-CN" altLang="en-US" dirty="0"/>
+              <a:t>这就是 </a:t>
+            </a:r>
+            <a:r>
+              <a:rPr lang="en-US" altLang="zh-CN" dirty="0"/>
+              <a:t>theta1 </a:t>
+            </a:r>
+            <a:r>
+              <a:rPr lang="zh-CN" altLang="en-US" dirty="0"/>
+              <a:t>和 </a:t>
+            </a:r>
+            <a:r>
+              <a:rPr lang="en-US" altLang="zh-CN" dirty="0"/>
+              <a:t>theta2 </a:t>
+            </a:r>
+            <a:r>
+              <a:rPr lang="zh-CN" altLang="en-US" dirty="0"/>
+              <a:t>正则化后的解</a:t>
+            </a:r>
+            <a:r>
+              <a:rPr lang="en-US" altLang="zh-CN" dirty="0"/>
+              <a:t>. </a:t>
+            </a:r>
+            <a:r>
+              <a:rPr lang="zh-CN" altLang="en-US" dirty="0"/>
+              <a:t>要提到另外一点是</a:t>
+            </a:r>
+            <a:r>
+              <a:rPr lang="en-US" altLang="zh-CN" dirty="0"/>
+              <a:t>, </a:t>
+            </a:r>
+            <a:r>
+              <a:rPr lang="zh-CN" altLang="en-US" dirty="0"/>
+              <a:t>使用 </a:t>
+            </a:r>
+            <a:r>
+              <a:rPr lang="en-US" altLang="zh-CN" dirty="0"/>
+              <a:t>L1 </a:t>
+            </a:r>
+            <a:r>
+              <a:rPr lang="zh-CN" altLang="en-US" dirty="0"/>
+              <a:t>的方法</a:t>
+            </a:r>
+            <a:r>
+              <a:rPr lang="en-US" altLang="zh-CN" dirty="0"/>
+              <a:t>, </a:t>
+            </a:r>
+            <a:r>
+              <a:rPr lang="zh-CN" altLang="en-US" dirty="0"/>
+              <a:t>我们很可能得到的结果是只有 </a:t>
+            </a:r>
+            <a:r>
+              <a:rPr lang="en-US" altLang="zh-CN" dirty="0"/>
+              <a:t>theta1 </a:t>
+            </a:r>
+            <a:r>
+              <a:rPr lang="zh-CN" altLang="en-US" dirty="0"/>
+              <a:t>的特征被保留</a:t>
+            </a:r>
+            <a:r>
+              <a:rPr lang="en-US" altLang="zh-CN" dirty="0"/>
+              <a:t>, </a:t>
+            </a:r>
+            <a:r>
+              <a:rPr lang="zh-CN" altLang="en-US" dirty="0"/>
+              <a:t>所以很多人也用 </a:t>
+            </a:r>
+            <a:r>
+              <a:rPr lang="en-US" altLang="zh-CN" dirty="0"/>
+              <a:t>l1 </a:t>
+            </a:r>
+            <a:r>
+              <a:rPr lang="zh-CN" altLang="en-US" dirty="0"/>
+              <a:t>正则化来挑选对结果贡献最大的重要特征</a:t>
+            </a:r>
+            <a:r>
+              <a:rPr lang="en-US" altLang="zh-CN" dirty="0"/>
+              <a:t>. </a:t>
+            </a:r>
+            <a:r>
+              <a:rPr lang="zh-CN" altLang="en-US" dirty="0"/>
+              <a:t>但是 </a:t>
+            </a:r>
+            <a:r>
+              <a:rPr lang="en-US" altLang="zh-CN" dirty="0"/>
+              <a:t>l1 </a:t>
+            </a:r>
+            <a:r>
+              <a:rPr lang="zh-CN" altLang="en-US" dirty="0"/>
+              <a:t>的结并不是稳定的</a:t>
+            </a:r>
+            <a:r>
+              <a:rPr lang="en-US" altLang="zh-CN" dirty="0"/>
+              <a:t>. </a:t>
+            </a:r>
+            <a:r>
+              <a:rPr lang="zh-CN" altLang="en-US" dirty="0"/>
+              <a:t>比如用批数据训练</a:t>
+            </a:r>
+            <a:r>
+              <a:rPr lang="en-US" altLang="zh-CN" dirty="0"/>
+              <a:t>, </a:t>
+            </a:r>
+            <a:r>
+              <a:rPr lang="zh-CN" altLang="en-US" dirty="0"/>
+              <a:t>每次批数据都会有稍稍不同的误差曲线</a:t>
+            </a:r>
+            <a:r>
+              <a:rPr lang="en-US" altLang="zh-CN" dirty="0"/>
+              <a:t>,</a:t>
+            </a:r>
+            <a:r>
+              <a:rPr lang="zh-CN" altLang="en-US" dirty="0"/>
+              <a:t> </a:t>
+            </a:r>
+            <a:r>
+              <a:rPr lang="en-US" altLang="zh-CN" dirty="0"/>
+              <a:t>L2 </a:t>
+            </a:r>
+            <a:r>
+              <a:rPr lang="zh-CN" altLang="en-US" dirty="0"/>
+              <a:t>针对于这种变动</a:t>
+            </a:r>
+            <a:r>
+              <a:rPr lang="en-US" altLang="zh-CN" dirty="0"/>
+              <a:t>, </a:t>
+            </a:r>
+            <a:r>
+              <a:rPr lang="zh-CN" altLang="en-US" dirty="0"/>
+              <a:t>白点的移动不会太大</a:t>
+            </a:r>
+            <a:r>
+              <a:rPr lang="en-US" altLang="zh-CN" dirty="0"/>
+              <a:t>, </a:t>
+            </a:r>
+            <a:r>
+              <a:rPr lang="zh-CN" altLang="en-US" dirty="0"/>
+              <a:t>而 </a:t>
+            </a:r>
+            <a:r>
+              <a:rPr lang="en-US" altLang="zh-CN" dirty="0"/>
+              <a:t>L1</a:t>
+            </a:r>
+            <a:r>
+              <a:rPr lang="zh-CN" altLang="en-US" dirty="0"/>
+              <a:t>的白点则可能跳到许多不同的地方 </a:t>
+            </a:r>
+            <a:r>
+              <a:rPr lang="en-US" altLang="zh-CN" dirty="0"/>
+              <a:t>, </a:t>
+            </a:r>
+            <a:r>
+              <a:rPr lang="zh-CN" altLang="en-US" dirty="0"/>
+              <a:t>因为这些地方的总误差都是差不多的</a:t>
+            </a:r>
+            <a:r>
+              <a:rPr lang="en-US" altLang="zh-CN" dirty="0"/>
+              <a:t>. </a:t>
+            </a:r>
+            <a:r>
+              <a:rPr lang="zh-CN" altLang="en-US" dirty="0"/>
+              <a:t>侧面说明了 </a:t>
+            </a:r>
+            <a:r>
+              <a:rPr lang="en-US" altLang="zh-CN" dirty="0"/>
+              <a:t>L1 </a:t>
+            </a:r>
+            <a:r>
+              <a:rPr lang="zh-CN" altLang="en-US" dirty="0"/>
+              <a:t>解的不稳定性</a:t>
+            </a:r>
+            <a:endParaRPr lang="en-US" altLang="zh-CN" sz="2000" b="1" dirty="0">
+              <a:solidFill>
+                <a:srgbClr val="FF0000"/>
+              </a:solidFill>
+            </a:endParaRPr>
+          </a:p>
+        </p:txBody>
+      </p:sp>
+      <p:sp>
+        <p:nvSpPr>
+          <p:cNvPr id="3" name="AutoShape 2" descr="[公式]">
+            <a:extLst>
+              <a:ext uri="{FF2B5EF4-FFF2-40B4-BE49-F238E27FC236}">
+                <a16:creationId xmlns:a16="http://schemas.microsoft.com/office/drawing/2014/main" id="{E557092A-43CE-4A70-84F7-39F580A0FEAB}"/>
+              </a:ext>
+            </a:extLst>
+          </p:cNvPr>
+          <p:cNvSpPr>
+            <a:spLocks noChangeAspect="1" noChangeArrowheads="1"/>
+          </p:cNvSpPr>
+          <p:nvPr/>
+        </p:nvSpPr>
+        <p:spPr bwMode="auto">
+          <a:xfrm>
+            <a:off x="3432175" y="-144463"/>
+            <a:ext cx="304800" cy="304801"/>
+          </a:xfrm>
+          <a:prstGeom prst="rect">
+            <a:avLst/>
+          </a:prstGeom>
+          <a:noFill/>
+          <a:extLst>
+            <a:ext uri="{909E8E84-426E-40DD-AFC4-6F175D3DCCD1}">
+              <a14:hiddenFill xmlns:a14="http://schemas.microsoft.com/office/drawing/2010/main">
+                <a:solidFill>
+                  <a:srgbClr val="FFFFFF"/>
+                </a:solidFill>
+              </a14:hiddenFill>
+            </a:ext>
+          </a:extLst>
+        </p:spPr>
+        <p:txBody>
+          <a:bodyPr vert="horz" wrap="square" lIns="91440" tIns="45720" rIns="91440" bIns="45720" numCol="1" anchor="t" anchorCtr="0" compatLnSpc="1">
+            <a:prstTxWarp prst="textNoShape">
+              <a:avLst/>
+            </a:prstTxWarp>
+          </a:bodyPr>
+          <a:lstStyle/>
+          <a:p>
+            <a:endParaRPr lang="zh-CN" altLang="en-US"/>
+          </a:p>
+        </p:txBody>
+      </p:sp>
+      <p:sp>
+        <p:nvSpPr>
+          <p:cNvPr id="13" name="AutoShape 8" descr="[公式]">
+            <a:extLst>
+              <a:ext uri="{FF2B5EF4-FFF2-40B4-BE49-F238E27FC236}">
+                <a16:creationId xmlns:a16="http://schemas.microsoft.com/office/drawing/2014/main" id="{3B151B13-88AE-47D1-A17E-AB83318390A2}"/>
+              </a:ext>
+            </a:extLst>
+          </p:cNvPr>
+          <p:cNvSpPr>
+            <a:spLocks noChangeAspect="1" noChangeArrowheads="1"/>
+          </p:cNvSpPr>
+          <p:nvPr/>
+        </p:nvSpPr>
+        <p:spPr bwMode="auto">
+          <a:xfrm flipV="1">
+            <a:off x="15636875" y="-1014094"/>
+            <a:ext cx="141599" cy="45719"/>
+          </a:xfrm>
+          <a:prstGeom prst="rect">
+            <a:avLst/>
+          </a:prstGeom>
+          <a:noFill/>
+          <a:extLst>
+            <a:ext uri="{909E8E84-426E-40DD-AFC4-6F175D3DCCD1}">
+              <a14:hiddenFill xmlns:a14="http://schemas.microsoft.com/office/drawing/2010/main">
+                <a:solidFill>
+                  <a:srgbClr val="FFFFFF"/>
+                </a:solidFill>
+              </a14:hiddenFill>
+            </a:ext>
+          </a:extLst>
+        </p:spPr>
+        <p:txBody>
+          <a:bodyPr vert="horz" wrap="square" lIns="91440" tIns="45720" rIns="91440" bIns="45720" numCol="1" anchor="t" anchorCtr="0" compatLnSpc="1">
+            <a:prstTxWarp prst="textNoShape">
+              <a:avLst/>
+            </a:prstTxWarp>
+          </a:bodyPr>
+          <a:lstStyle/>
+          <a:p>
+            <a:endParaRPr lang="zh-CN" altLang="en-US"/>
+          </a:p>
+        </p:txBody>
+      </p:sp>
+      <p:sp>
+        <p:nvSpPr>
+          <p:cNvPr id="12" name="文本框 11">
+            <a:extLst>
+              <a:ext uri="{FF2B5EF4-FFF2-40B4-BE49-F238E27FC236}">
+                <a16:creationId xmlns:a16="http://schemas.microsoft.com/office/drawing/2014/main" id="{01FD16D1-3796-4A35-BBE5-0FE38C32D8FB}"/>
+              </a:ext>
+            </a:extLst>
+          </p:cNvPr>
+          <p:cNvSpPr txBox="1"/>
+          <p:nvPr/>
+        </p:nvSpPr>
+        <p:spPr>
+          <a:xfrm>
+            <a:off x="283263" y="447055"/>
+            <a:ext cx="3453712" cy="461665"/>
+          </a:xfrm>
+          <a:prstGeom prst="rect">
+            <a:avLst/>
+          </a:prstGeom>
+          <a:noFill/>
+        </p:spPr>
+        <p:txBody>
+          <a:bodyPr wrap="square" rtlCol="0">
+            <a:spAutoFit/>
+          </a:bodyPr>
+          <a:lstStyle/>
+          <a:p>
+            <a:r>
+              <a:rPr lang="zh-CN" altLang="en-US" sz="2400" dirty="0">
+                <a:latin typeface="Agency FB" panose="020B0503020202020204" pitchFamily="34" charset="0"/>
+              </a:rPr>
+              <a:t>结构化风险（</a:t>
+            </a:r>
+            <a:r>
+              <a:rPr lang="en-US" altLang="zh-CN" sz="2400" dirty="0">
+                <a:latin typeface="Agency FB" panose="020B0503020202020204" pitchFamily="34" charset="0"/>
+              </a:rPr>
+              <a:t>L1,L2</a:t>
+            </a:r>
+            <a:r>
+              <a:rPr lang="zh-CN" altLang="en-US" sz="2400" dirty="0">
+                <a:latin typeface="Agency FB" panose="020B0503020202020204" pitchFamily="34" charset="0"/>
+              </a:rPr>
+              <a:t>正则化）</a:t>
+            </a:r>
+            <a:endParaRPr lang="en-US" altLang="zh-CN" sz="2400" dirty="0">
+              <a:latin typeface="Agency FB" panose="020B0503020202020204" pitchFamily="34" charset="0"/>
+            </a:endParaRPr>
+          </a:p>
+        </p:txBody>
+      </p:sp>
+      <p:pic>
+        <p:nvPicPr>
+          <p:cNvPr id="10242" name="Picture 2" descr="preview">
+            <a:extLst>
+              <a:ext uri="{FF2B5EF4-FFF2-40B4-BE49-F238E27FC236}">
+                <a16:creationId xmlns:a16="http://schemas.microsoft.com/office/drawing/2014/main" id="{4704B09D-E871-4B55-A8CC-024D67CE4692}"/>
+              </a:ext>
+            </a:extLst>
+          </p:cNvPr>
+          <p:cNvPicPr>
+            <a:picLocks noChangeAspect="1" noChangeArrowheads="1"/>
+          </p:cNvPicPr>
+          <p:nvPr/>
+        </p:nvPicPr>
+        <p:blipFill>
+          <a:blip r:embed="rId3">
+            <a:extLst>
+              <a:ext uri="{28A0092B-C50C-407E-A947-70E740481C1C}">
+                <a14:useLocalDpi xmlns:a14="http://schemas.microsoft.com/office/drawing/2010/main" val="0"/>
+              </a:ext>
+            </a:extLst>
+          </a:blip>
+          <a:srcRect/>
+          <a:stretch>
+            <a:fillRect/>
+          </a:stretch>
+        </p:blipFill>
+        <p:spPr bwMode="auto">
+          <a:xfrm>
+            <a:off x="5891300" y="16322"/>
+            <a:ext cx="6169072" cy="3412678"/>
+          </a:xfrm>
+          <a:prstGeom prst="rect">
+            <a:avLst/>
+          </a:prstGeom>
+          <a:noFill/>
+          <a:extLst>
+            <a:ext uri="{909E8E84-426E-40DD-AFC4-6F175D3DCCD1}">
+              <a14:hiddenFill xmlns:a14="http://schemas.microsoft.com/office/drawing/2010/main">
+                <a:solidFill>
+                  <a:srgbClr val="FFFFFF"/>
+                </a:solidFill>
+              </a14:hiddenFill>
+            </a:ext>
+          </a:extLst>
+        </p:spPr>
+      </p:pic>
+      <p:pic>
+        <p:nvPicPr>
+          <p:cNvPr id="10244" name="Picture 4" descr="https://pic1.zhimg.com/80/v2-e8734136ff4da41b748f16e514971aa0_1440w.png">
+            <a:extLst>
+              <a:ext uri="{FF2B5EF4-FFF2-40B4-BE49-F238E27FC236}">
+                <a16:creationId xmlns:a16="http://schemas.microsoft.com/office/drawing/2014/main" id="{974F7F11-A7A8-4ED8-BF46-50DC53A99321}"/>
+              </a:ext>
+            </a:extLst>
+          </p:cNvPr>
+          <p:cNvPicPr>
+            <a:picLocks noChangeAspect="1" noChangeArrowheads="1"/>
+          </p:cNvPicPr>
+          <p:nvPr/>
+        </p:nvPicPr>
+        <p:blipFill>
+          <a:blip r:embed="rId4">
+            <a:extLst>
+              <a:ext uri="{28A0092B-C50C-407E-A947-70E740481C1C}">
+                <a14:useLocalDpi xmlns:a14="http://schemas.microsoft.com/office/drawing/2010/main" val="0"/>
+              </a:ext>
+            </a:extLst>
+          </a:blip>
+          <a:srcRect/>
+          <a:stretch>
+            <a:fillRect/>
+          </a:stretch>
+        </p:blipFill>
+        <p:spPr bwMode="auto">
+          <a:xfrm>
+            <a:off x="5921739" y="3484247"/>
+            <a:ext cx="6169072" cy="3352757"/>
+          </a:xfrm>
+          <a:prstGeom prst="rect">
+            <a:avLst/>
+          </a:prstGeom>
+          <a:noFill/>
+          <a:extLst>
+            <a:ext uri="{909E8E84-426E-40DD-AFC4-6F175D3DCCD1}">
+              <a14:hiddenFill xmlns:a14="http://schemas.microsoft.com/office/drawing/2010/main">
+                <a:solidFill>
+                  <a:srgbClr val="FFFFFF"/>
+                </a:solidFill>
+              </a14:hiddenFill>
+            </a:ext>
+          </a:extLst>
+        </p:spPr>
+      </p:pic>
+    </p:spTree>
+    <p:extLst>
+      <p:ext uri="{BB962C8B-B14F-4D97-AF65-F5344CB8AC3E}">
+        <p14:creationId xmlns:p14="http://schemas.microsoft.com/office/powerpoint/2010/main" val="3953406401"/>
+      </p:ext>
+    </p:extLst>
+  </p:cSld>
+  <p:clrMapOvr>
+    <a:masterClrMapping/>
+  </p:clrMapOvr>
+  <mc:AlternateContent xmlns:mc="http://schemas.openxmlformats.org/markup-compatibility/2006" xmlns:p14="http://schemas.microsoft.com/office/powerpoint/2010/main">
+    <mc:Choice Requires="p14">
+      <p:transition spd="slow" p14:dur="2000" advTm="3000"/>
+    </mc:Choice>
+    <mc:Fallback xmlns="">
+      <p:transition spd="slow" advTm="3000"/>
+    </mc:Fallback>
+  </mc:AlternateContent>
+  <p:timing>
+    <p:tnLst>
+      <p:par>
+        <p:cTn id="1" dur="indefinite" restart="never" nodeType="tmRoot">
+          <p:childTnLst>
+            <p:seq concurrent="1" nextAc="seek">
+              <p:cTn id="2" dur="indefinite" nodeType="mainSeq">
+                <p:childTnLst>
+                  <p:par>
+                    <p:cTn id="3" fill="hold">
+                      <p:stCondLst>
+                        <p:cond delay="indefinite"/>
+                        <p:cond evt="onBegin" delay="0">
+                          <p:tn val="2"/>
+                        </p:cond>
+                      </p:stCondLst>
+                      <p:childTnLst>
+                        <p:par>
+                          <p:cTn id="4" fill="hold">
+                            <p:stCondLst>
+                              <p:cond delay="0"/>
+                            </p:stCondLst>
+                            <p:childTnLst>
+                              <p:par>
+                                <p:cTn id="5" presetID="2" presetClass="entr" presetSubtype="8" fill="hold" nodeType="withEffect">
+                                  <p:stCondLst>
+                                    <p:cond delay="0"/>
+                                  </p:stCondLst>
+                                  <p:childTnLst>
+                                    <p:set>
+                                      <p:cBhvr>
+                                        <p:cTn id="6" dur="1" fill="hold">
+                                          <p:stCondLst>
+                                            <p:cond delay="0"/>
+                                          </p:stCondLst>
+                                        </p:cTn>
+                                        <p:tgtEl>
+                                          <p:spTgt spid="6"/>
+                                        </p:tgtEl>
+                                        <p:attrNameLst>
+                                          <p:attrName>style.visibility</p:attrName>
+                                        </p:attrNameLst>
+                                      </p:cBhvr>
+                                      <p:to>
+                                        <p:strVal val="visible"/>
+                                      </p:to>
+                                    </p:set>
+                                    <p:anim calcmode="lin" valueType="num">
+                                      <p:cBhvr additive="base">
+                                        <p:cTn id="7" dur="500" fill="hold"/>
+                                        <p:tgtEl>
+                                          <p:spTgt spid="6"/>
+                                        </p:tgtEl>
+                                        <p:attrNameLst>
+                                          <p:attrName>ppt_x</p:attrName>
+                                        </p:attrNameLst>
+                                      </p:cBhvr>
+                                      <p:tavLst>
+                                        <p:tav tm="0">
+                                          <p:val>
+                                            <p:strVal val="0-#ppt_w/2"/>
+                                          </p:val>
+                                        </p:tav>
+                                        <p:tav tm="100000">
+                                          <p:val>
+                                            <p:strVal val="#ppt_x"/>
+                                          </p:val>
+                                        </p:tav>
+                                      </p:tavLst>
+                                    </p:anim>
+                                    <p:anim calcmode="lin" valueType="num">
+                                      <p:cBhvr additive="base">
+                                        <p:cTn id="8" dur="500" fill="hold"/>
+                                        <p:tgtEl>
+                                          <p:spTgt spid="6"/>
+                                        </p:tgtEl>
+                                        <p:attrNameLst>
+                                          <p:attrName>ppt_y</p:attrName>
+                                        </p:attrNameLst>
+                                      </p:cBhvr>
+                                      <p:tavLst>
+                                        <p:tav tm="0">
+                                          <p:val>
+                                            <p:strVal val="#ppt_y"/>
+                                          </p:val>
+                                        </p:tav>
+                                        <p:tav tm="100000">
+                                          <p:val>
+                                            <p:strVal val="#ppt_y"/>
+                                          </p:val>
+                                        </p:tav>
+                                      </p:tavLst>
+                                    </p:anim>
+                                  </p:childTnLst>
+                                </p:cTn>
+                              </p:par>
+                            </p:childTnLst>
+                          </p:cTn>
+                        </p:par>
+                        <p:par>
+                          <p:cTn id="9" fill="hold">
+                            <p:stCondLst>
+                              <p:cond delay="500"/>
+                            </p:stCondLst>
+                            <p:childTnLst>
+                              <p:par>
+                                <p:cTn id="10" presetID="2" presetClass="entr" presetSubtype="8" fill="hold" grpId="0" nodeType="afterEffect">
+                                  <p:stCondLst>
+                                    <p:cond delay="0"/>
+                                  </p:stCondLst>
+                                  <p:childTnLst>
+                                    <p:set>
+                                      <p:cBhvr>
+                                        <p:cTn id="11" dur="1" fill="hold">
+                                          <p:stCondLst>
+                                            <p:cond delay="0"/>
+                                          </p:stCondLst>
+                                        </p:cTn>
+                                        <p:tgtEl>
+                                          <p:spTgt spid="4"/>
+                                        </p:tgtEl>
+                                        <p:attrNameLst>
+                                          <p:attrName>style.visibility</p:attrName>
+                                        </p:attrNameLst>
+                                      </p:cBhvr>
+                                      <p:to>
+                                        <p:strVal val="visible"/>
+                                      </p:to>
+                                    </p:set>
+                                    <p:anim calcmode="lin" valueType="num">
+                                      <p:cBhvr additive="base">
+                                        <p:cTn id="12" dur="500" fill="hold"/>
+                                        <p:tgtEl>
+                                          <p:spTgt spid="4"/>
+                                        </p:tgtEl>
+                                        <p:attrNameLst>
+                                          <p:attrName>ppt_x</p:attrName>
+                                        </p:attrNameLst>
+                                      </p:cBhvr>
+                                      <p:tavLst>
+                                        <p:tav tm="0">
+                                          <p:val>
+                                            <p:strVal val="0-#ppt_w/2"/>
+                                          </p:val>
+                                        </p:tav>
+                                        <p:tav tm="100000">
+                                          <p:val>
+                                            <p:strVal val="#ppt_x"/>
+                                          </p:val>
+                                        </p:tav>
+                                      </p:tavLst>
+                                    </p:anim>
+                                    <p:anim calcmode="lin" valueType="num">
+                                      <p:cBhvr additive="base">
+                                        <p:cTn id="13" dur="500" fill="hold"/>
+                                        <p:tgtEl>
+                                          <p:spTgt spid="4"/>
+                                        </p:tgtEl>
+                                        <p:attrNameLst>
+                                          <p:attrName>ppt_y</p:attrName>
+                                        </p:attrNameLst>
+                                      </p:cBhvr>
+                                      <p:tavLst>
+                                        <p:tav tm="0">
+                                          <p:val>
+                                            <p:strVal val="#ppt_y"/>
+                                          </p:val>
+                                        </p:tav>
+                                        <p:tav tm="100000">
+                                          <p:val>
+                                            <p:strVal val="#ppt_y"/>
+                                          </p:val>
+                                        </p:tav>
+                                      </p:tavLst>
+                                    </p:anim>
+                                  </p:childTnLst>
+                                </p:cTn>
+                              </p:par>
+                            </p:childTnLst>
+                          </p:cTn>
+                        </p:par>
+                        <p:par>
+                          <p:cTn id="14" fill="hold">
+                            <p:stCondLst>
+                              <p:cond delay="1000"/>
+                            </p:stCondLst>
+                            <p:childTnLst>
+                              <p:par>
+                                <p:cTn id="15" presetID="22" presetClass="entr" presetSubtype="1" fill="hold" grpId="0" nodeType="afterEffect">
+                                  <p:stCondLst>
+                                    <p:cond delay="0"/>
+                                  </p:stCondLst>
+                                  <p:childTnLst>
+                                    <p:set>
+                                      <p:cBhvr>
+                                        <p:cTn id="16" dur="1" fill="hold">
+                                          <p:stCondLst>
+                                            <p:cond delay="0"/>
+                                          </p:stCondLst>
+                                        </p:cTn>
+                                        <p:tgtEl>
+                                          <p:spTgt spid="7"/>
+                                        </p:tgtEl>
+                                        <p:attrNameLst>
+                                          <p:attrName>style.visibility</p:attrName>
+                                        </p:attrNameLst>
+                                      </p:cBhvr>
+                                      <p:to>
+                                        <p:strVal val="visible"/>
+                                      </p:to>
+                                    </p:set>
+                                    <p:animEffect transition="in" filter="wipe(up)">
+                                      <p:cBhvr>
+                                        <p:cTn id="17" dur="500"/>
+                                        <p:tgtEl>
+                                          <p:spTgt spid="7"/>
+                                        </p:tgtEl>
+                                      </p:cBhvr>
+                                    </p:animEffect>
+                                  </p:childTnLst>
+                                </p:cTn>
+                              </p:par>
+                            </p:childTnLst>
+                          </p:cTn>
+                        </p:par>
+                        <p:par>
+                          <p:cTn id="18" fill="hold">
+                            <p:stCondLst>
+                              <p:cond delay="1500"/>
+                            </p:stCondLst>
+                            <p:childTnLst>
+                              <p:par>
+                                <p:cTn id="19" presetID="12" presetClass="entr" presetSubtype="1" fill="hold" grpId="0" nodeType="afterEffect">
+                                  <p:stCondLst>
+                                    <p:cond delay="0"/>
+                                  </p:stCondLst>
+                                  <p:iterate type="lt">
+                                    <p:tmPct val="10000"/>
+                                  </p:iterate>
+                                  <p:childTnLst>
+                                    <p:set>
+                                      <p:cBhvr>
+                                        <p:cTn id="20" dur="1" fill="hold">
+                                          <p:stCondLst>
+                                            <p:cond delay="0"/>
+                                          </p:stCondLst>
+                                        </p:cTn>
+                                        <p:tgtEl>
+                                          <p:spTgt spid="12"/>
+                                        </p:tgtEl>
+                                        <p:attrNameLst>
+                                          <p:attrName>style.visibility</p:attrName>
+                                        </p:attrNameLst>
+                                      </p:cBhvr>
+                                      <p:to>
+                                        <p:strVal val="visible"/>
+                                      </p:to>
+                                    </p:set>
+                                    <p:anim calcmode="lin" valueType="num">
+                                      <p:cBhvr additive="base">
+                                        <p:cTn id="21" dur="250"/>
+                                        <p:tgtEl>
+                                          <p:spTgt spid="12"/>
+                                        </p:tgtEl>
+                                        <p:attrNameLst>
+                                          <p:attrName>ppt_y</p:attrName>
+                                        </p:attrNameLst>
+                                      </p:cBhvr>
+                                      <p:tavLst>
+                                        <p:tav tm="0">
+                                          <p:val>
+                                            <p:strVal val="#ppt_y-#ppt_h*1.125000"/>
+                                          </p:val>
+                                        </p:tav>
+                                        <p:tav tm="100000">
+                                          <p:val>
+                                            <p:strVal val="#ppt_y"/>
+                                          </p:val>
+                                        </p:tav>
+                                      </p:tavLst>
+                                    </p:anim>
+                                    <p:animEffect transition="in" filter="wipe(down)">
+                                      <p:cBhvr>
+                                        <p:cTn id="22" dur="250"/>
+                                        <p:tgtEl>
+                                          <p:spTgt spid="12"/>
+                                        </p:tgtEl>
+                                      </p:cBhvr>
+                                    </p:animEffect>
+                                  </p:childTnLst>
+                                </p:cTn>
+                              </p:par>
+                            </p:childTnLst>
+                          </p:cTn>
+                        </p:par>
+                      </p:childTnLst>
+                    </p:cTn>
+                  </p:par>
+                </p:childTnLst>
+              </p:cTn>
+              <p:prevCondLst>
+                <p:cond evt="onPrev" delay="0">
+                  <p:tgtEl>
+                    <p:sldTgt/>
+                  </p:tgtEl>
+                </p:cond>
+              </p:prevCondLst>
+              <p:nextCondLst>
+                <p:cond evt="onNext" delay="0">
+                  <p:tgtEl>
+                    <p:sldTgt/>
+                  </p:tgtEl>
+                </p:cond>
+              </p:nextCondLst>
+            </p:seq>
+          </p:childTnLst>
+        </p:cTn>
+      </p:par>
+    </p:tnLst>
+    <p:bldLst>
+      <p:bldP spid="4" grpId="0" animBg="1"/>
+      <p:bldP spid="7" grpId="0"/>
+      <p:bldP spid="12" grpId="0"/>
+    </p:bldLst>
+  </p:timing>
+</p:sld>
+</file>
+
+<file path=ppt/slides/slide26.xml><?xml version="1.0" encoding="utf-8"?>
+<p:sld xmlns:a="http://schemas.openxmlformats.org/drawingml/2006/main" xmlns:r="http://schemas.openxmlformats.org/officeDocument/2006/relationships" xmlns:p="http://schemas.openxmlformats.org/presentationml/2006/main">
+  <p:cSld>
+    <p:spTree>
+      <p:nvGrpSpPr>
+        <p:cNvPr id="1" name=""/>
+        <p:cNvGrpSpPr/>
+        <p:nvPr/>
+      </p:nvGrpSpPr>
+      <p:grpSpPr>
+        <a:xfrm>
+          <a:off x="0" y="0"/>
+          <a:ext cx="0" cy="0"/>
+          <a:chOff x="0" y="0"/>
+          <a:chExt cx="0" cy="0"/>
+        </a:xfrm>
+      </p:grpSpPr>
+      <p:sp>
+        <p:nvSpPr>
+          <p:cNvPr id="4" name="椭圆 3"/>
+          <p:cNvSpPr/>
+          <p:nvPr/>
+        </p:nvSpPr>
+        <p:spPr>
+          <a:xfrm flipV="1">
+            <a:off x="3472892" y="836712"/>
+            <a:ext cx="144016" cy="144016"/>
+          </a:xfrm>
+          <a:prstGeom prst="ellipse">
+            <a:avLst/>
+          </a:prstGeom>
+          <a:solidFill>
+            <a:schemeClr val="tx1"/>
+          </a:solidFill>
+          <a:ln>
+            <a:noFill/>
+          </a:ln>
+        </p:spPr>
+        <p:style>
+          <a:lnRef idx="2">
+            <a:schemeClr val="accent1">
+              <a:shade val="50000"/>
+            </a:schemeClr>
+          </a:lnRef>
+          <a:fillRef idx="1">
+            <a:schemeClr val="accent1"/>
+          </a:fillRef>
+          <a:effectRef idx="0">
+            <a:schemeClr val="accent1"/>
+          </a:effectRef>
+          <a:fontRef idx="minor">
+            <a:schemeClr val="lt1"/>
+          </a:fontRef>
+        </p:style>
+        <p:txBody>
+          <a:bodyPr rtlCol="0" anchor="ctr"/>
+          <a:lstStyle/>
+          <a:p>
+            <a:pPr algn="ctr"/>
+            <a:endParaRPr lang="zh-CN" altLang="en-US"/>
+          </a:p>
+        </p:txBody>
+      </p:sp>
+      <p:cxnSp>
+        <p:nvCxnSpPr>
+          <p:cNvPr id="6" name="直接连接符 5"/>
+          <p:cNvCxnSpPr>
+            <a:endCxn id="4" idx="2"/>
+          </p:cNvCxnSpPr>
+          <p:nvPr/>
+        </p:nvCxnSpPr>
+        <p:spPr>
+          <a:xfrm flipV="1">
+            <a:off x="-30820" y="908720"/>
+            <a:ext cx="3503712" cy="1"/>
+          </a:xfrm>
+          <a:prstGeom prst="line">
+            <a:avLst/>
+          </a:prstGeom>
+          <a:ln>
+            <a:solidFill>
+              <a:schemeClr val="tx1"/>
+            </a:solidFill>
+          </a:ln>
+        </p:spPr>
+        <p:style>
+          <a:lnRef idx="1">
+            <a:schemeClr val="accent1"/>
+          </a:lnRef>
+          <a:fillRef idx="0">
+            <a:schemeClr val="accent1"/>
+          </a:fillRef>
+          <a:effectRef idx="0">
+            <a:schemeClr val="accent1"/>
+          </a:effectRef>
+          <a:fontRef idx="minor">
+            <a:schemeClr val="tx1"/>
+          </a:fontRef>
+        </p:style>
+      </p:cxnSp>
+      <p:sp>
+        <p:nvSpPr>
+          <p:cNvPr id="7" name="文本框 6">
+            <a:extLst>
+              <a:ext uri="{FF2B5EF4-FFF2-40B4-BE49-F238E27FC236}">
+                <a16:creationId xmlns:a16="http://schemas.microsoft.com/office/drawing/2014/main" id="{D8DC2788-085A-49A1-99C1-2B2A79BC6D17}"/>
+              </a:ext>
+            </a:extLst>
+          </p:cNvPr>
+          <p:cNvSpPr txBox="1"/>
+          <p:nvPr/>
+        </p:nvSpPr>
+        <p:spPr>
+          <a:xfrm>
             <a:off x="237303" y="1195437"/>
             <a:ext cx="11547329" cy="1292662"/>
           </a:xfrm>
@@ -33365,7 +36935,7 @@
 </p:sld>
 </file>
 
-<file path=ppt/slides/slide23.xml><?xml version="1.0" encoding="utf-8"?>
+<file path=ppt/slides/slide27.xml><?xml version="1.0" encoding="utf-8"?>
 <p:sld xmlns:a="http://schemas.openxmlformats.org/drawingml/2006/main" xmlns:r="http://schemas.openxmlformats.org/officeDocument/2006/relationships" xmlns:p="http://schemas.openxmlformats.org/presentationml/2006/main">
   <p:cSld>
     <p:spTree>
@@ -34180,7 +37750,7 @@
 </p:sld>
 </file>
 
-<file path=ppt/slides/slide24.xml><?xml version="1.0" encoding="utf-8"?>
+<file path=ppt/slides/slide28.xml><?xml version="1.0" encoding="utf-8"?>
 <p:sld xmlns:a="http://schemas.openxmlformats.org/drawingml/2006/main" xmlns:r="http://schemas.openxmlformats.org/officeDocument/2006/relationships" xmlns:p="http://schemas.openxmlformats.org/presentationml/2006/main">
   <p:cSld>
     <p:spTree>
@@ -35237,7 +38807,7 @@
 </p:sld>
 </file>
 
-<file path=ppt/slides/slide25.xml><?xml version="1.0" encoding="utf-8"?>
+<file path=ppt/slides/slide29.xml><?xml version="1.0" encoding="utf-8"?>
 <p:sld xmlns:a="http://schemas.openxmlformats.org/drawingml/2006/main" xmlns:r="http://schemas.openxmlformats.org/officeDocument/2006/relationships" xmlns:p="http://schemas.openxmlformats.org/presentationml/2006/main">
   <p:cSld>
     <p:spTree>
@@ -36335,7 +39905,822 @@
 </p:sld>
 </file>
 
-<file path=ppt/slides/slide26.xml><?xml version="1.0" encoding="utf-8"?>
+<file path=ppt/slides/slide3.xml><?xml version="1.0" encoding="utf-8"?>
+<p:sld xmlns:a="http://schemas.openxmlformats.org/drawingml/2006/main" xmlns:r="http://schemas.openxmlformats.org/officeDocument/2006/relationships" xmlns:p="http://schemas.openxmlformats.org/presentationml/2006/main">
+  <p:cSld>
+    <p:spTree>
+      <p:nvGrpSpPr>
+        <p:cNvPr id="1" name=""/>
+        <p:cNvGrpSpPr/>
+        <p:nvPr/>
+      </p:nvGrpSpPr>
+      <p:grpSpPr>
+        <a:xfrm>
+          <a:off x="0" y="0"/>
+          <a:ext cx="0" cy="0"/>
+          <a:chOff x="0" y="0"/>
+          <a:chExt cx="0" cy="0"/>
+        </a:xfrm>
+      </p:grpSpPr>
+      <p:pic>
+        <p:nvPicPr>
+          <p:cNvPr id="14" name="图片 13"/>
+          <p:cNvPicPr>
+            <a:picLocks noChangeAspect="1"/>
+          </p:cNvPicPr>
+          <p:nvPr/>
+        </p:nvPicPr>
+        <p:blipFill>
+          <a:blip r:embed="rId3"/>
+          <a:stretch>
+            <a:fillRect/>
+          </a:stretch>
+        </p:blipFill>
+        <p:spPr>
+          <a:xfrm>
+            <a:off x="2902604" y="116631"/>
+            <a:ext cx="6624736" cy="6614789"/>
+          </a:xfrm>
+          <a:prstGeom prst="rect">
+            <a:avLst/>
+          </a:prstGeom>
+        </p:spPr>
+      </p:pic>
+      <p:sp>
+        <p:nvSpPr>
+          <p:cNvPr id="3" name="椭圆 2"/>
+          <p:cNvSpPr/>
+          <p:nvPr/>
+        </p:nvSpPr>
+        <p:spPr>
+          <a:xfrm>
+            <a:off x="2902604" y="89887"/>
+            <a:ext cx="6619762" cy="6619762"/>
+          </a:xfrm>
+          <a:prstGeom prst="ellipse">
+            <a:avLst/>
+          </a:prstGeom>
+          <a:noFill/>
+          <a:ln>
+            <a:solidFill>
+              <a:schemeClr val="bg1"/>
+            </a:solidFill>
+          </a:ln>
+        </p:spPr>
+        <p:style>
+          <a:lnRef idx="2">
+            <a:schemeClr val="accent1">
+              <a:shade val="50000"/>
+            </a:schemeClr>
+          </a:lnRef>
+          <a:fillRef idx="1">
+            <a:schemeClr val="accent1"/>
+          </a:fillRef>
+          <a:effectRef idx="0">
+            <a:schemeClr val="accent1"/>
+          </a:effectRef>
+          <a:fontRef idx="minor">
+            <a:schemeClr val="lt1"/>
+          </a:fontRef>
+        </p:style>
+        <p:txBody>
+          <a:bodyPr rtlCol="0" anchor="ctr"/>
+          <a:lstStyle/>
+          <a:p>
+            <a:pPr algn="ctr"/>
+            <a:endParaRPr lang="zh-CN" altLang="en-US"/>
+          </a:p>
+        </p:txBody>
+      </p:sp>
+      <p:sp>
+        <p:nvSpPr>
+          <p:cNvPr id="4" name="椭圆 3"/>
+          <p:cNvSpPr/>
+          <p:nvPr/>
+        </p:nvSpPr>
+        <p:spPr>
+          <a:xfrm>
+            <a:off x="6202121" y="40199"/>
+            <a:ext cx="72008" cy="72008"/>
+          </a:xfrm>
+          <a:prstGeom prst="ellipse">
+            <a:avLst/>
+          </a:prstGeom>
+          <a:solidFill>
+            <a:schemeClr val="bg1"/>
+          </a:solidFill>
+          <a:ln>
+            <a:solidFill>
+              <a:schemeClr val="bg1"/>
+            </a:solidFill>
+          </a:ln>
+        </p:spPr>
+        <p:style>
+          <a:lnRef idx="2">
+            <a:schemeClr val="accent1">
+              <a:shade val="50000"/>
+            </a:schemeClr>
+          </a:lnRef>
+          <a:fillRef idx="1">
+            <a:schemeClr val="accent1"/>
+          </a:fillRef>
+          <a:effectRef idx="0">
+            <a:schemeClr val="accent1"/>
+          </a:effectRef>
+          <a:fontRef idx="minor">
+            <a:schemeClr val="lt1"/>
+          </a:fontRef>
+        </p:style>
+        <p:txBody>
+          <a:bodyPr rtlCol="0" anchor="ctr"/>
+          <a:lstStyle/>
+          <a:p>
+            <a:pPr algn="ctr"/>
+            <a:endParaRPr lang="zh-CN" altLang="en-US"/>
+          </a:p>
+        </p:txBody>
+      </p:sp>
+      <p:cxnSp>
+        <p:nvCxnSpPr>
+          <p:cNvPr id="5" name="直接连接符 4"/>
+          <p:cNvCxnSpPr/>
+          <p:nvPr/>
+        </p:nvCxnSpPr>
+        <p:spPr>
+          <a:xfrm>
+            <a:off x="5375920" y="2852936"/>
+            <a:ext cx="1800200" cy="0"/>
+          </a:xfrm>
+          <a:prstGeom prst="line">
+            <a:avLst/>
+          </a:prstGeom>
+          <a:ln>
+            <a:solidFill>
+              <a:schemeClr val="bg1"/>
+            </a:solidFill>
+          </a:ln>
+        </p:spPr>
+        <p:style>
+          <a:lnRef idx="1">
+            <a:schemeClr val="accent1"/>
+          </a:lnRef>
+          <a:fillRef idx="0">
+            <a:schemeClr val="accent1"/>
+          </a:fillRef>
+          <a:effectRef idx="0">
+            <a:schemeClr val="accent1"/>
+          </a:effectRef>
+          <a:fontRef idx="minor">
+            <a:schemeClr val="tx1"/>
+          </a:fontRef>
+        </p:style>
+      </p:cxnSp>
+      <p:cxnSp>
+        <p:nvCxnSpPr>
+          <p:cNvPr id="7" name="直接连接符 6"/>
+          <p:cNvCxnSpPr/>
+          <p:nvPr/>
+        </p:nvCxnSpPr>
+        <p:spPr>
+          <a:xfrm>
+            <a:off x="6239365" y="183666"/>
+            <a:ext cx="0" cy="504056"/>
+          </a:xfrm>
+          <a:prstGeom prst="line">
+            <a:avLst/>
+          </a:prstGeom>
+          <a:ln>
+            <a:solidFill>
+              <a:schemeClr val="bg1"/>
+            </a:solidFill>
+          </a:ln>
+        </p:spPr>
+        <p:style>
+          <a:lnRef idx="1">
+            <a:schemeClr val="accent1"/>
+          </a:lnRef>
+          <a:fillRef idx="0">
+            <a:schemeClr val="accent1"/>
+          </a:fillRef>
+          <a:effectRef idx="0">
+            <a:schemeClr val="accent1"/>
+          </a:effectRef>
+          <a:fontRef idx="minor">
+            <a:schemeClr val="tx1"/>
+          </a:fontRef>
+        </p:style>
+      </p:cxnSp>
+      <p:sp>
+        <p:nvSpPr>
+          <p:cNvPr id="15" name="文本框 14"/>
+          <p:cNvSpPr txBox="1"/>
+          <p:nvPr/>
+        </p:nvSpPr>
+        <p:spPr>
+          <a:xfrm>
+            <a:off x="5375920" y="1525073"/>
+            <a:ext cx="1800200" cy="1323439"/>
+          </a:xfrm>
+          <a:prstGeom prst="rect">
+            <a:avLst/>
+          </a:prstGeom>
+          <a:noFill/>
+        </p:spPr>
+        <p:txBody>
+          <a:bodyPr wrap="square" rtlCol="0">
+            <a:spAutoFit/>
+          </a:bodyPr>
+          <a:lstStyle/>
+          <a:p>
+            <a:pPr algn="ctr"/>
+            <a:r>
+              <a:rPr lang="en-US" altLang="zh-CN" sz="8000" dirty="0">
+                <a:solidFill>
+                  <a:schemeClr val="bg1"/>
+                </a:solidFill>
+                <a:latin typeface="Agency FB" panose="020B0503020202020204" pitchFamily="34" charset="0"/>
+              </a:rPr>
+              <a:t>01</a:t>
+            </a:r>
+            <a:endParaRPr lang="zh-CN" altLang="en-US" sz="8000" dirty="0">
+              <a:solidFill>
+                <a:schemeClr val="bg1"/>
+              </a:solidFill>
+              <a:latin typeface="Agency FB" panose="020B0503020202020204" pitchFamily="34" charset="0"/>
+            </a:endParaRPr>
+          </a:p>
+        </p:txBody>
+      </p:sp>
+      <p:sp>
+        <p:nvSpPr>
+          <p:cNvPr id="16" name="文本框 15"/>
+          <p:cNvSpPr txBox="1"/>
+          <p:nvPr/>
+        </p:nvSpPr>
+        <p:spPr>
+          <a:xfrm>
+            <a:off x="4439816" y="3024247"/>
+            <a:ext cx="3672408" cy="523220"/>
+          </a:xfrm>
+          <a:prstGeom prst="rect">
+            <a:avLst/>
+          </a:prstGeom>
+          <a:noFill/>
+        </p:spPr>
+        <p:txBody>
+          <a:bodyPr wrap="square" rtlCol="0">
+            <a:spAutoFit/>
+          </a:bodyPr>
+          <a:lstStyle/>
+          <a:p>
+            <a:pPr algn="ctr"/>
+            <a:r>
+              <a:rPr lang="zh-CN" altLang="en-US" sz="2800" dirty="0">
+                <a:solidFill>
+                  <a:schemeClr val="bg1"/>
+                </a:solidFill>
+                <a:latin typeface="Agency FB" panose="020B0503020202020204" pitchFamily="34" charset="0"/>
+              </a:rPr>
+              <a:t>基础概念</a:t>
+            </a:r>
+          </a:p>
+        </p:txBody>
+      </p:sp>
+    </p:spTree>
+    <p:extLst>
+      <p:ext uri="{BB962C8B-B14F-4D97-AF65-F5344CB8AC3E}">
+        <p14:creationId xmlns:p14="http://schemas.microsoft.com/office/powerpoint/2010/main" val="1093615146"/>
+      </p:ext>
+    </p:extLst>
+  </p:cSld>
+  <p:clrMapOvr>
+    <a:masterClrMapping/>
+  </p:clrMapOvr>
+  <mc:AlternateContent xmlns:mc="http://schemas.openxmlformats.org/markup-compatibility/2006" xmlns:p14="http://schemas.microsoft.com/office/powerpoint/2010/main">
+    <mc:Choice Requires="p14">
+      <p:transition spd="slow" p14:dur="2000" advTm="3000"/>
+    </mc:Choice>
+    <mc:Fallback xmlns="">
+      <p:transition spd="slow" advTm="3000"/>
+    </mc:Fallback>
+  </mc:AlternateContent>
+  <p:timing>
+    <p:tnLst>
+      <p:par>
+        <p:cTn id="1" dur="indefinite" restart="never" nodeType="tmRoot">
+          <p:childTnLst>
+            <p:seq concurrent="1" nextAc="seek">
+              <p:cTn id="2" dur="indefinite" nodeType="mainSeq">
+                <p:childTnLst>
+                  <p:par>
+                    <p:cTn id="3" fill="hold">
+                      <p:stCondLst>
+                        <p:cond delay="indefinite"/>
+                        <p:cond evt="onBegin" delay="0">
+                          <p:tn val="2"/>
+                        </p:cond>
+                      </p:stCondLst>
+                      <p:childTnLst>
+                        <p:par>
+                          <p:cTn id="4" fill="hold">
+                            <p:stCondLst>
+                              <p:cond delay="0"/>
+                            </p:stCondLst>
+                            <p:childTnLst>
+                              <p:par>
+                                <p:cTn id="5" presetID="21" presetClass="entr" presetSubtype="1" fill="hold" grpId="0" nodeType="withEffect">
+                                  <p:stCondLst>
+                                    <p:cond delay="50"/>
+                                  </p:stCondLst>
+                                  <p:childTnLst>
+                                    <p:set>
+                                      <p:cBhvr>
+                                        <p:cTn id="6" dur="1" fill="hold">
+                                          <p:stCondLst>
+                                            <p:cond delay="0"/>
+                                          </p:stCondLst>
+                                        </p:cTn>
+                                        <p:tgtEl>
+                                          <p:spTgt spid="3"/>
+                                        </p:tgtEl>
+                                        <p:attrNameLst>
+                                          <p:attrName>style.visibility</p:attrName>
+                                        </p:attrNameLst>
+                                      </p:cBhvr>
+                                      <p:to>
+                                        <p:strVal val="visible"/>
+                                      </p:to>
+                                    </p:set>
+                                    <p:animEffect transition="in" filter="wheel(1)">
+                                      <p:cBhvr>
+                                        <p:cTn id="7" dur="1000"/>
+                                        <p:tgtEl>
+                                          <p:spTgt spid="3"/>
+                                        </p:tgtEl>
+                                      </p:cBhvr>
+                                    </p:animEffect>
+                                  </p:childTnLst>
+                                </p:cTn>
+                              </p:par>
+                              <p:par>
+                                <p:cTn id="8" presetID="1" presetClass="path" presetSubtype="0" accel="50000" decel="50000" fill="hold" grpId="0" nodeType="withEffect">
+                                  <p:stCondLst>
+                                    <p:cond delay="50"/>
+                                  </p:stCondLst>
+                                  <p:childTnLst>
+                                    <p:animMotion origin="layout" path="M 1.45833E-6 -1.11111E-6 C 0.15 -1.11111E-6 0.27174 0.21574 0.27174 0.48264 C 0.27174 0.74884 0.15 0.96528 1.45833E-6 0.96528 C -0.15 0.96528 -0.27123 0.74884 -0.27123 0.48264 C -0.27123 0.21574 -0.15 -1.11111E-6 1.45833E-6 -1.11111E-6 Z " pathEditMode="relative" rAng="0" ptsTypes="AAAAA">
+                                      <p:cBhvr>
+                                        <p:cTn id="9" dur="1000" fill="hold"/>
+                                        <p:tgtEl>
+                                          <p:spTgt spid="4"/>
+                                        </p:tgtEl>
+                                        <p:attrNameLst>
+                                          <p:attrName>ppt_x</p:attrName>
+                                          <p:attrName>ppt_y</p:attrName>
+                                        </p:attrNameLst>
+                                      </p:cBhvr>
+                                      <p:rCtr x="26" y="48264"/>
+                                    </p:animMotion>
+                                  </p:childTnLst>
+                                </p:cTn>
+                              </p:par>
+                              <p:par>
+                                <p:cTn id="10" presetID="21" presetClass="exit" presetSubtype="1" fill="hold" grpId="1" nodeType="withEffect">
+                                  <p:stCondLst>
+                                    <p:cond delay="1000"/>
+                                  </p:stCondLst>
+                                  <p:childTnLst>
+                                    <p:animEffect transition="out" filter="wheel(1)">
+                                      <p:cBhvr>
+                                        <p:cTn id="11" dur="1000"/>
+                                        <p:tgtEl>
+                                          <p:spTgt spid="3"/>
+                                        </p:tgtEl>
+                                      </p:cBhvr>
+                                    </p:animEffect>
+                                    <p:set>
+                                      <p:cBhvr>
+                                        <p:cTn id="12" dur="1" fill="hold">
+                                          <p:stCondLst>
+                                            <p:cond delay="999"/>
+                                          </p:stCondLst>
+                                        </p:cTn>
+                                        <p:tgtEl>
+                                          <p:spTgt spid="3"/>
+                                        </p:tgtEl>
+                                        <p:attrNameLst>
+                                          <p:attrName>style.visibility</p:attrName>
+                                        </p:attrNameLst>
+                                      </p:cBhvr>
+                                      <p:to>
+                                        <p:strVal val="hidden"/>
+                                      </p:to>
+                                    </p:set>
+                                  </p:childTnLst>
+                                </p:cTn>
+                              </p:par>
+                              <p:par>
+                                <p:cTn id="13" presetID="6" presetClass="entr" presetSubtype="16" fill="hold" nodeType="withEffect">
+                                  <p:stCondLst>
+                                    <p:cond delay="1000"/>
+                                  </p:stCondLst>
+                                  <p:childTnLst>
+                                    <p:set>
+                                      <p:cBhvr>
+                                        <p:cTn id="14" dur="1" fill="hold">
+                                          <p:stCondLst>
+                                            <p:cond delay="0"/>
+                                          </p:stCondLst>
+                                        </p:cTn>
+                                        <p:tgtEl>
+                                          <p:spTgt spid="14"/>
+                                        </p:tgtEl>
+                                        <p:attrNameLst>
+                                          <p:attrName>style.visibility</p:attrName>
+                                        </p:attrNameLst>
+                                      </p:cBhvr>
+                                      <p:to>
+                                        <p:strVal val="visible"/>
+                                      </p:to>
+                                    </p:set>
+                                    <p:animEffect transition="in" filter="circle(in)">
+                                      <p:cBhvr>
+                                        <p:cTn id="15" dur="1500"/>
+                                        <p:tgtEl>
+                                          <p:spTgt spid="14"/>
+                                        </p:tgtEl>
+                                      </p:cBhvr>
+                                    </p:animEffect>
+                                  </p:childTnLst>
+                                </p:cTn>
+                              </p:par>
+                            </p:childTnLst>
+                          </p:cTn>
+                        </p:par>
+                        <p:par>
+                          <p:cTn id="16" fill="hold">
+                            <p:stCondLst>
+                              <p:cond delay="2500"/>
+                            </p:stCondLst>
+                            <p:childTnLst>
+                              <p:par>
+                                <p:cTn id="17" presetID="1" presetClass="exit" presetSubtype="0" fill="hold" grpId="1" nodeType="afterEffect">
+                                  <p:stCondLst>
+                                    <p:cond delay="0"/>
+                                  </p:stCondLst>
+                                  <p:childTnLst>
+                                    <p:set>
+                                      <p:cBhvr>
+                                        <p:cTn id="18" dur="1" fill="hold">
+                                          <p:stCondLst>
+                                            <p:cond delay="0"/>
+                                          </p:stCondLst>
+                                        </p:cTn>
+                                        <p:tgtEl>
+                                          <p:spTgt spid="4"/>
+                                        </p:tgtEl>
+                                        <p:attrNameLst>
+                                          <p:attrName>style.visibility</p:attrName>
+                                        </p:attrNameLst>
+                                      </p:cBhvr>
+                                      <p:to>
+                                        <p:strVal val="hidden"/>
+                                      </p:to>
+                                    </p:set>
+                                  </p:childTnLst>
+                                </p:cTn>
+                              </p:par>
+                            </p:childTnLst>
+                          </p:cTn>
+                        </p:par>
+                        <p:par>
+                          <p:cTn id="19" fill="hold">
+                            <p:stCondLst>
+                              <p:cond delay="2500"/>
+                            </p:stCondLst>
+                            <p:childTnLst>
+                              <p:par>
+                                <p:cTn id="20" presetID="22" presetClass="entr" presetSubtype="1" fill="hold" nodeType="afterEffect">
+                                  <p:stCondLst>
+                                    <p:cond delay="0"/>
+                                  </p:stCondLst>
+                                  <p:childTnLst>
+                                    <p:set>
+                                      <p:cBhvr>
+                                        <p:cTn id="21" dur="1" fill="hold">
+                                          <p:stCondLst>
+                                            <p:cond delay="0"/>
+                                          </p:stCondLst>
+                                        </p:cTn>
+                                        <p:tgtEl>
+                                          <p:spTgt spid="7"/>
+                                        </p:tgtEl>
+                                        <p:attrNameLst>
+                                          <p:attrName>style.visibility</p:attrName>
+                                        </p:attrNameLst>
+                                      </p:cBhvr>
+                                      <p:to>
+                                        <p:strVal val="visible"/>
+                                      </p:to>
+                                    </p:set>
+                                    <p:animEffect transition="in" filter="wipe(up)">
+                                      <p:cBhvr>
+                                        <p:cTn id="22" dur="150"/>
+                                        <p:tgtEl>
+                                          <p:spTgt spid="7"/>
+                                        </p:tgtEl>
+                                      </p:cBhvr>
+                                    </p:animEffect>
+                                  </p:childTnLst>
+                                </p:cTn>
+                              </p:par>
+                            </p:childTnLst>
+                          </p:cTn>
+                        </p:par>
+                        <p:par>
+                          <p:cTn id="23" fill="hold">
+                            <p:stCondLst>
+                              <p:cond delay="2650"/>
+                            </p:stCondLst>
+                            <p:childTnLst>
+                              <p:par>
+                                <p:cTn id="24" presetID="42" presetClass="path" presetSubtype="0" accel="50000" fill="hold" nodeType="afterEffect">
+                                  <p:stCondLst>
+                                    <p:cond delay="0"/>
+                                  </p:stCondLst>
+                                  <p:childTnLst>
+                                    <p:animMotion origin="layout" path="M 1.25E-6 4.07407E-6 L 1.25E-6 0.28958 " pathEditMode="relative" rAng="0" ptsTypes="AA">
+                                      <p:cBhvr>
+                                        <p:cTn id="25" dur="500" fill="hold"/>
+                                        <p:tgtEl>
+                                          <p:spTgt spid="7"/>
+                                        </p:tgtEl>
+                                        <p:attrNameLst>
+                                          <p:attrName>ppt_x</p:attrName>
+                                          <p:attrName>ppt_y</p:attrName>
+                                        </p:attrNameLst>
+                                      </p:cBhvr>
+                                      <p:rCtr x="0" y="14468"/>
+                                    </p:animMotion>
+                                  </p:childTnLst>
+                                </p:cTn>
+                              </p:par>
+                              <p:par>
+                                <p:cTn id="26" presetID="22" presetClass="exit" presetSubtype="1" fill="hold" nodeType="withEffect">
+                                  <p:stCondLst>
+                                    <p:cond delay="250"/>
+                                  </p:stCondLst>
+                                  <p:childTnLst>
+                                    <p:animEffect transition="out" filter="wipe(up)">
+                                      <p:cBhvr>
+                                        <p:cTn id="27" dur="500"/>
+                                        <p:tgtEl>
+                                          <p:spTgt spid="7"/>
+                                        </p:tgtEl>
+                                      </p:cBhvr>
+                                    </p:animEffect>
+                                    <p:set>
+                                      <p:cBhvr>
+                                        <p:cTn id="28" dur="1" fill="hold">
+                                          <p:stCondLst>
+                                            <p:cond delay="499"/>
+                                          </p:stCondLst>
+                                        </p:cTn>
+                                        <p:tgtEl>
+                                          <p:spTgt spid="7"/>
+                                        </p:tgtEl>
+                                        <p:attrNameLst>
+                                          <p:attrName>style.visibility</p:attrName>
+                                        </p:attrNameLst>
+                                      </p:cBhvr>
+                                      <p:to>
+                                        <p:strVal val="hidden"/>
+                                      </p:to>
+                                    </p:set>
+                                  </p:childTnLst>
+                                </p:cTn>
+                              </p:par>
+                            </p:childTnLst>
+                          </p:cTn>
+                        </p:par>
+                        <p:par>
+                          <p:cTn id="29" fill="hold">
+                            <p:stCondLst>
+                              <p:cond delay="3400"/>
+                            </p:stCondLst>
+                            <p:childTnLst>
+                              <p:par>
+                                <p:cTn id="30" presetID="16" presetClass="entr" presetSubtype="37" fill="hold" nodeType="afterEffect">
+                                  <p:stCondLst>
+                                    <p:cond delay="0"/>
+                                  </p:stCondLst>
+                                  <p:childTnLst>
+                                    <p:set>
+                                      <p:cBhvr>
+                                        <p:cTn id="31" dur="1" fill="hold">
+                                          <p:stCondLst>
+                                            <p:cond delay="0"/>
+                                          </p:stCondLst>
+                                        </p:cTn>
+                                        <p:tgtEl>
+                                          <p:spTgt spid="5"/>
+                                        </p:tgtEl>
+                                        <p:attrNameLst>
+                                          <p:attrName>style.visibility</p:attrName>
+                                        </p:attrNameLst>
+                                      </p:cBhvr>
+                                      <p:to>
+                                        <p:strVal val="visible"/>
+                                      </p:to>
+                                    </p:set>
+                                    <p:animEffect transition="in" filter="barn(outVertical)">
+                                      <p:cBhvr>
+                                        <p:cTn id="32" dur="350"/>
+                                        <p:tgtEl>
+                                          <p:spTgt spid="5"/>
+                                        </p:tgtEl>
+                                      </p:cBhvr>
+                                    </p:animEffect>
+                                  </p:childTnLst>
+                                </p:cTn>
+                              </p:par>
+                            </p:childTnLst>
+                          </p:cTn>
+                        </p:par>
+                        <p:par>
+                          <p:cTn id="33" fill="hold">
+                            <p:stCondLst>
+                              <p:cond delay="3750"/>
+                            </p:stCondLst>
+                            <p:childTnLst>
+                              <p:par>
+                                <p:cTn id="34" presetID="12" presetClass="entr" presetSubtype="4" fill="hold" grpId="0" nodeType="afterEffect">
+                                  <p:stCondLst>
+                                    <p:cond delay="0"/>
+                                  </p:stCondLst>
+                                  <p:iterate type="lt">
+                                    <p:tmPct val="10000"/>
+                                  </p:iterate>
+                                  <p:childTnLst>
+                                    <p:set>
+                                      <p:cBhvr>
+                                        <p:cTn id="35" dur="1" fill="hold">
+                                          <p:stCondLst>
+                                            <p:cond delay="0"/>
+                                          </p:stCondLst>
+                                        </p:cTn>
+                                        <p:tgtEl>
+                                          <p:spTgt spid="15"/>
+                                        </p:tgtEl>
+                                        <p:attrNameLst>
+                                          <p:attrName>style.visibility</p:attrName>
+                                        </p:attrNameLst>
+                                      </p:cBhvr>
+                                      <p:to>
+                                        <p:strVal val="visible"/>
+                                      </p:to>
+                                    </p:set>
+                                    <p:anim calcmode="lin" valueType="num">
+                                      <p:cBhvr additive="base">
+                                        <p:cTn id="36" dur="500"/>
+                                        <p:tgtEl>
+                                          <p:spTgt spid="15"/>
+                                        </p:tgtEl>
+                                        <p:attrNameLst>
+                                          <p:attrName>ppt_y</p:attrName>
+                                        </p:attrNameLst>
+                                      </p:cBhvr>
+                                      <p:tavLst>
+                                        <p:tav tm="0">
+                                          <p:val>
+                                            <p:strVal val="#ppt_y+#ppt_h*1.125000"/>
+                                          </p:val>
+                                        </p:tav>
+                                        <p:tav tm="100000">
+                                          <p:val>
+                                            <p:strVal val="#ppt_y"/>
+                                          </p:val>
+                                        </p:tav>
+                                      </p:tavLst>
+                                    </p:anim>
+                                    <p:animEffect transition="in" filter="wipe(up)">
+                                      <p:cBhvr>
+                                        <p:cTn id="37" dur="500"/>
+                                        <p:tgtEl>
+                                          <p:spTgt spid="15"/>
+                                        </p:tgtEl>
+                                      </p:cBhvr>
+                                    </p:animEffect>
+                                  </p:childTnLst>
+                                </p:cTn>
+                              </p:par>
+                            </p:childTnLst>
+                          </p:cTn>
+                        </p:par>
+                        <p:par>
+                          <p:cTn id="38" fill="hold">
+                            <p:stCondLst>
+                              <p:cond delay="4300"/>
+                            </p:stCondLst>
+                            <p:childTnLst>
+                              <p:par>
+                                <p:cTn id="39" presetID="12" presetClass="entr" presetSubtype="1" fill="hold" grpId="0" nodeType="afterEffect">
+                                  <p:stCondLst>
+                                    <p:cond delay="0"/>
+                                  </p:stCondLst>
+                                  <p:childTnLst>
+                                    <p:set>
+                                      <p:cBhvr>
+                                        <p:cTn id="40" dur="1" fill="hold">
+                                          <p:stCondLst>
+                                            <p:cond delay="0"/>
+                                          </p:stCondLst>
+                                        </p:cTn>
+                                        <p:tgtEl>
+                                          <p:spTgt spid="16"/>
+                                        </p:tgtEl>
+                                        <p:attrNameLst>
+                                          <p:attrName>style.visibility</p:attrName>
+                                        </p:attrNameLst>
+                                      </p:cBhvr>
+                                      <p:to>
+                                        <p:strVal val="visible"/>
+                                      </p:to>
+                                    </p:set>
+                                    <p:anim calcmode="lin" valueType="num">
+                                      <p:cBhvr additive="base">
+                                        <p:cTn id="41" dur="500"/>
+                                        <p:tgtEl>
+                                          <p:spTgt spid="16"/>
+                                        </p:tgtEl>
+                                        <p:attrNameLst>
+                                          <p:attrName>ppt_y</p:attrName>
+                                        </p:attrNameLst>
+                                      </p:cBhvr>
+                                      <p:tavLst>
+                                        <p:tav tm="0">
+                                          <p:val>
+                                            <p:strVal val="#ppt_y-#ppt_h*1.125000"/>
+                                          </p:val>
+                                        </p:tav>
+                                        <p:tav tm="100000">
+                                          <p:val>
+                                            <p:strVal val="#ppt_y"/>
+                                          </p:val>
+                                        </p:tav>
+                                      </p:tavLst>
+                                    </p:anim>
+                                    <p:animEffect transition="in" filter="wipe(down)">
+                                      <p:cBhvr>
+                                        <p:cTn id="42" dur="500"/>
+                                        <p:tgtEl>
+                                          <p:spTgt spid="16"/>
+                                        </p:tgtEl>
+                                      </p:cBhvr>
+                                    </p:animEffect>
+                                  </p:childTnLst>
+                                </p:cTn>
+                              </p:par>
+                            </p:childTnLst>
+                          </p:cTn>
+                        </p:par>
+                      </p:childTnLst>
+                    </p:cTn>
+                  </p:par>
+                </p:childTnLst>
+              </p:cTn>
+              <p:prevCondLst>
+                <p:cond evt="onPrev" delay="0">
+                  <p:tgtEl>
+                    <p:sldTgt/>
+                  </p:tgtEl>
+                </p:cond>
+              </p:prevCondLst>
+              <p:nextCondLst>
+                <p:cond evt="onNext" delay="0">
+                  <p:tgtEl>
+                    <p:sldTgt/>
+                  </p:tgtEl>
+                </p:cond>
+              </p:nextCondLst>
+            </p:seq>
+          </p:childTnLst>
+        </p:cTn>
+      </p:par>
+    </p:tnLst>
+    <p:bldLst>
+      <p:bldP spid="3" grpId="0" animBg="1"/>
+      <p:bldP spid="3" grpId="1" animBg="1"/>
+      <p:bldP spid="4" grpId="0" animBg="1"/>
+      <p:bldP spid="4" grpId="1" animBg="1"/>
+      <p:bldP spid="15" grpId="0"/>
+      <p:bldP spid="16" grpId="0"/>
+    </p:bldLst>
+  </p:timing>
+</p:sld>
+</file>
+
+<file path=ppt/slides/slide30.xml><?xml version="1.0" encoding="utf-8"?>
 <p:sld xmlns:a="http://schemas.openxmlformats.org/drawingml/2006/main" xmlns:r="http://schemas.openxmlformats.org/officeDocument/2006/relationships" xmlns:p="http://schemas.openxmlformats.org/presentationml/2006/main">
   <p:cSld>
     <p:spTree>
@@ -37819,7 +42204,7 @@
 </p:sld>
 </file>
 
-<file path=ppt/slides/slide27.xml><?xml version="1.0" encoding="utf-8"?>
+<file path=ppt/slides/slide31.xml><?xml version="1.0" encoding="utf-8"?>
 <p:sld xmlns:a="http://schemas.openxmlformats.org/drawingml/2006/main" xmlns:r="http://schemas.openxmlformats.org/officeDocument/2006/relationships" xmlns:p="http://schemas.openxmlformats.org/presentationml/2006/main">
   <p:cSld>
     <p:spTree>
@@ -38374,821 +42759,6 @@
       <p:bldP spid="3" grpId="0"/>
       <p:bldP spid="4" grpId="0"/>
       <p:bldP spid="5" grpId="0"/>
-    </p:bldLst>
-  </p:timing>
-</p:sld>
-</file>
-
-<file path=ppt/slides/slide3.xml><?xml version="1.0" encoding="utf-8"?>
-<p:sld xmlns:a="http://schemas.openxmlformats.org/drawingml/2006/main" xmlns:r="http://schemas.openxmlformats.org/officeDocument/2006/relationships" xmlns:p="http://schemas.openxmlformats.org/presentationml/2006/main">
-  <p:cSld>
-    <p:spTree>
-      <p:nvGrpSpPr>
-        <p:cNvPr id="1" name=""/>
-        <p:cNvGrpSpPr/>
-        <p:nvPr/>
-      </p:nvGrpSpPr>
-      <p:grpSpPr>
-        <a:xfrm>
-          <a:off x="0" y="0"/>
-          <a:ext cx="0" cy="0"/>
-          <a:chOff x="0" y="0"/>
-          <a:chExt cx="0" cy="0"/>
-        </a:xfrm>
-      </p:grpSpPr>
-      <p:pic>
-        <p:nvPicPr>
-          <p:cNvPr id="14" name="图片 13"/>
-          <p:cNvPicPr>
-            <a:picLocks noChangeAspect="1"/>
-          </p:cNvPicPr>
-          <p:nvPr/>
-        </p:nvPicPr>
-        <p:blipFill>
-          <a:blip r:embed="rId3"/>
-          <a:stretch>
-            <a:fillRect/>
-          </a:stretch>
-        </p:blipFill>
-        <p:spPr>
-          <a:xfrm>
-            <a:off x="2902604" y="116631"/>
-            <a:ext cx="6624736" cy="6614789"/>
-          </a:xfrm>
-          <a:prstGeom prst="rect">
-            <a:avLst/>
-          </a:prstGeom>
-        </p:spPr>
-      </p:pic>
-      <p:sp>
-        <p:nvSpPr>
-          <p:cNvPr id="3" name="椭圆 2"/>
-          <p:cNvSpPr/>
-          <p:nvPr/>
-        </p:nvSpPr>
-        <p:spPr>
-          <a:xfrm>
-            <a:off x="2902604" y="89887"/>
-            <a:ext cx="6619762" cy="6619762"/>
-          </a:xfrm>
-          <a:prstGeom prst="ellipse">
-            <a:avLst/>
-          </a:prstGeom>
-          <a:noFill/>
-          <a:ln>
-            <a:solidFill>
-              <a:schemeClr val="bg1"/>
-            </a:solidFill>
-          </a:ln>
-        </p:spPr>
-        <p:style>
-          <a:lnRef idx="2">
-            <a:schemeClr val="accent1">
-              <a:shade val="50000"/>
-            </a:schemeClr>
-          </a:lnRef>
-          <a:fillRef idx="1">
-            <a:schemeClr val="accent1"/>
-          </a:fillRef>
-          <a:effectRef idx="0">
-            <a:schemeClr val="accent1"/>
-          </a:effectRef>
-          <a:fontRef idx="minor">
-            <a:schemeClr val="lt1"/>
-          </a:fontRef>
-        </p:style>
-        <p:txBody>
-          <a:bodyPr rtlCol="0" anchor="ctr"/>
-          <a:lstStyle/>
-          <a:p>
-            <a:pPr algn="ctr"/>
-            <a:endParaRPr lang="zh-CN" altLang="en-US"/>
-          </a:p>
-        </p:txBody>
-      </p:sp>
-      <p:sp>
-        <p:nvSpPr>
-          <p:cNvPr id="4" name="椭圆 3"/>
-          <p:cNvSpPr/>
-          <p:nvPr/>
-        </p:nvSpPr>
-        <p:spPr>
-          <a:xfrm>
-            <a:off x="6202121" y="40199"/>
-            <a:ext cx="72008" cy="72008"/>
-          </a:xfrm>
-          <a:prstGeom prst="ellipse">
-            <a:avLst/>
-          </a:prstGeom>
-          <a:solidFill>
-            <a:schemeClr val="bg1"/>
-          </a:solidFill>
-          <a:ln>
-            <a:solidFill>
-              <a:schemeClr val="bg1"/>
-            </a:solidFill>
-          </a:ln>
-        </p:spPr>
-        <p:style>
-          <a:lnRef idx="2">
-            <a:schemeClr val="accent1">
-              <a:shade val="50000"/>
-            </a:schemeClr>
-          </a:lnRef>
-          <a:fillRef idx="1">
-            <a:schemeClr val="accent1"/>
-          </a:fillRef>
-          <a:effectRef idx="0">
-            <a:schemeClr val="accent1"/>
-          </a:effectRef>
-          <a:fontRef idx="minor">
-            <a:schemeClr val="lt1"/>
-          </a:fontRef>
-        </p:style>
-        <p:txBody>
-          <a:bodyPr rtlCol="0" anchor="ctr"/>
-          <a:lstStyle/>
-          <a:p>
-            <a:pPr algn="ctr"/>
-            <a:endParaRPr lang="zh-CN" altLang="en-US"/>
-          </a:p>
-        </p:txBody>
-      </p:sp>
-      <p:cxnSp>
-        <p:nvCxnSpPr>
-          <p:cNvPr id="5" name="直接连接符 4"/>
-          <p:cNvCxnSpPr/>
-          <p:nvPr/>
-        </p:nvCxnSpPr>
-        <p:spPr>
-          <a:xfrm>
-            <a:off x="5375920" y="2852936"/>
-            <a:ext cx="1800200" cy="0"/>
-          </a:xfrm>
-          <a:prstGeom prst="line">
-            <a:avLst/>
-          </a:prstGeom>
-          <a:ln>
-            <a:solidFill>
-              <a:schemeClr val="bg1"/>
-            </a:solidFill>
-          </a:ln>
-        </p:spPr>
-        <p:style>
-          <a:lnRef idx="1">
-            <a:schemeClr val="accent1"/>
-          </a:lnRef>
-          <a:fillRef idx="0">
-            <a:schemeClr val="accent1"/>
-          </a:fillRef>
-          <a:effectRef idx="0">
-            <a:schemeClr val="accent1"/>
-          </a:effectRef>
-          <a:fontRef idx="minor">
-            <a:schemeClr val="tx1"/>
-          </a:fontRef>
-        </p:style>
-      </p:cxnSp>
-      <p:cxnSp>
-        <p:nvCxnSpPr>
-          <p:cNvPr id="7" name="直接连接符 6"/>
-          <p:cNvCxnSpPr/>
-          <p:nvPr/>
-        </p:nvCxnSpPr>
-        <p:spPr>
-          <a:xfrm>
-            <a:off x="6239365" y="183666"/>
-            <a:ext cx="0" cy="504056"/>
-          </a:xfrm>
-          <a:prstGeom prst="line">
-            <a:avLst/>
-          </a:prstGeom>
-          <a:ln>
-            <a:solidFill>
-              <a:schemeClr val="bg1"/>
-            </a:solidFill>
-          </a:ln>
-        </p:spPr>
-        <p:style>
-          <a:lnRef idx="1">
-            <a:schemeClr val="accent1"/>
-          </a:lnRef>
-          <a:fillRef idx="0">
-            <a:schemeClr val="accent1"/>
-          </a:fillRef>
-          <a:effectRef idx="0">
-            <a:schemeClr val="accent1"/>
-          </a:effectRef>
-          <a:fontRef idx="minor">
-            <a:schemeClr val="tx1"/>
-          </a:fontRef>
-        </p:style>
-      </p:cxnSp>
-      <p:sp>
-        <p:nvSpPr>
-          <p:cNvPr id="15" name="文本框 14"/>
-          <p:cNvSpPr txBox="1"/>
-          <p:nvPr/>
-        </p:nvSpPr>
-        <p:spPr>
-          <a:xfrm>
-            <a:off x="5375920" y="1525073"/>
-            <a:ext cx="1800200" cy="1323439"/>
-          </a:xfrm>
-          <a:prstGeom prst="rect">
-            <a:avLst/>
-          </a:prstGeom>
-          <a:noFill/>
-        </p:spPr>
-        <p:txBody>
-          <a:bodyPr wrap="square" rtlCol="0">
-            <a:spAutoFit/>
-          </a:bodyPr>
-          <a:lstStyle/>
-          <a:p>
-            <a:pPr algn="ctr"/>
-            <a:r>
-              <a:rPr lang="en-US" altLang="zh-CN" sz="8000" dirty="0">
-                <a:solidFill>
-                  <a:schemeClr val="bg1"/>
-                </a:solidFill>
-                <a:latin typeface="Agency FB" panose="020B0503020202020204" pitchFamily="34" charset="0"/>
-              </a:rPr>
-              <a:t>01</a:t>
-            </a:r>
-            <a:endParaRPr lang="zh-CN" altLang="en-US" sz="8000" dirty="0">
-              <a:solidFill>
-                <a:schemeClr val="bg1"/>
-              </a:solidFill>
-              <a:latin typeface="Agency FB" panose="020B0503020202020204" pitchFamily="34" charset="0"/>
-            </a:endParaRPr>
-          </a:p>
-        </p:txBody>
-      </p:sp>
-      <p:sp>
-        <p:nvSpPr>
-          <p:cNvPr id="16" name="文本框 15"/>
-          <p:cNvSpPr txBox="1"/>
-          <p:nvPr/>
-        </p:nvSpPr>
-        <p:spPr>
-          <a:xfrm>
-            <a:off x="4439816" y="3024247"/>
-            <a:ext cx="3672408" cy="523220"/>
-          </a:xfrm>
-          <a:prstGeom prst="rect">
-            <a:avLst/>
-          </a:prstGeom>
-          <a:noFill/>
-        </p:spPr>
-        <p:txBody>
-          <a:bodyPr wrap="square" rtlCol="0">
-            <a:spAutoFit/>
-          </a:bodyPr>
-          <a:lstStyle/>
-          <a:p>
-            <a:pPr algn="ctr"/>
-            <a:r>
-              <a:rPr lang="zh-CN" altLang="en-US" sz="2800" dirty="0">
-                <a:solidFill>
-                  <a:schemeClr val="bg1"/>
-                </a:solidFill>
-                <a:latin typeface="Agency FB" panose="020B0503020202020204" pitchFamily="34" charset="0"/>
-              </a:rPr>
-              <a:t>基础概念</a:t>
-            </a:r>
-          </a:p>
-        </p:txBody>
-      </p:sp>
-    </p:spTree>
-    <p:extLst>
-      <p:ext uri="{BB962C8B-B14F-4D97-AF65-F5344CB8AC3E}">
-        <p14:creationId xmlns:p14="http://schemas.microsoft.com/office/powerpoint/2010/main" val="1093615146"/>
-      </p:ext>
-    </p:extLst>
-  </p:cSld>
-  <p:clrMapOvr>
-    <a:masterClrMapping/>
-  </p:clrMapOvr>
-  <mc:AlternateContent xmlns:mc="http://schemas.openxmlformats.org/markup-compatibility/2006" xmlns:p14="http://schemas.microsoft.com/office/powerpoint/2010/main">
-    <mc:Choice Requires="p14">
-      <p:transition spd="slow" p14:dur="2000" advTm="3000"/>
-    </mc:Choice>
-    <mc:Fallback xmlns="">
-      <p:transition spd="slow" advTm="3000"/>
-    </mc:Fallback>
-  </mc:AlternateContent>
-  <p:timing>
-    <p:tnLst>
-      <p:par>
-        <p:cTn id="1" dur="indefinite" restart="never" nodeType="tmRoot">
-          <p:childTnLst>
-            <p:seq concurrent="1" nextAc="seek">
-              <p:cTn id="2" dur="indefinite" nodeType="mainSeq">
-                <p:childTnLst>
-                  <p:par>
-                    <p:cTn id="3" fill="hold">
-                      <p:stCondLst>
-                        <p:cond delay="indefinite"/>
-                        <p:cond evt="onBegin" delay="0">
-                          <p:tn val="2"/>
-                        </p:cond>
-                      </p:stCondLst>
-                      <p:childTnLst>
-                        <p:par>
-                          <p:cTn id="4" fill="hold">
-                            <p:stCondLst>
-                              <p:cond delay="0"/>
-                            </p:stCondLst>
-                            <p:childTnLst>
-                              <p:par>
-                                <p:cTn id="5" presetID="21" presetClass="entr" presetSubtype="1" fill="hold" grpId="0" nodeType="withEffect">
-                                  <p:stCondLst>
-                                    <p:cond delay="50"/>
-                                  </p:stCondLst>
-                                  <p:childTnLst>
-                                    <p:set>
-                                      <p:cBhvr>
-                                        <p:cTn id="6" dur="1" fill="hold">
-                                          <p:stCondLst>
-                                            <p:cond delay="0"/>
-                                          </p:stCondLst>
-                                        </p:cTn>
-                                        <p:tgtEl>
-                                          <p:spTgt spid="3"/>
-                                        </p:tgtEl>
-                                        <p:attrNameLst>
-                                          <p:attrName>style.visibility</p:attrName>
-                                        </p:attrNameLst>
-                                      </p:cBhvr>
-                                      <p:to>
-                                        <p:strVal val="visible"/>
-                                      </p:to>
-                                    </p:set>
-                                    <p:animEffect transition="in" filter="wheel(1)">
-                                      <p:cBhvr>
-                                        <p:cTn id="7" dur="1000"/>
-                                        <p:tgtEl>
-                                          <p:spTgt spid="3"/>
-                                        </p:tgtEl>
-                                      </p:cBhvr>
-                                    </p:animEffect>
-                                  </p:childTnLst>
-                                </p:cTn>
-                              </p:par>
-                              <p:par>
-                                <p:cTn id="8" presetID="1" presetClass="path" presetSubtype="0" accel="50000" decel="50000" fill="hold" grpId="0" nodeType="withEffect">
-                                  <p:stCondLst>
-                                    <p:cond delay="50"/>
-                                  </p:stCondLst>
-                                  <p:childTnLst>
-                                    <p:animMotion origin="layout" path="M 1.45833E-6 -1.11111E-6 C 0.15 -1.11111E-6 0.27174 0.21574 0.27174 0.48264 C 0.27174 0.74884 0.15 0.96528 1.45833E-6 0.96528 C -0.15 0.96528 -0.27123 0.74884 -0.27123 0.48264 C -0.27123 0.21574 -0.15 -1.11111E-6 1.45833E-6 -1.11111E-6 Z " pathEditMode="relative" rAng="0" ptsTypes="AAAAA">
-                                      <p:cBhvr>
-                                        <p:cTn id="9" dur="1000" fill="hold"/>
-                                        <p:tgtEl>
-                                          <p:spTgt spid="4"/>
-                                        </p:tgtEl>
-                                        <p:attrNameLst>
-                                          <p:attrName>ppt_x</p:attrName>
-                                          <p:attrName>ppt_y</p:attrName>
-                                        </p:attrNameLst>
-                                      </p:cBhvr>
-                                      <p:rCtr x="26" y="48264"/>
-                                    </p:animMotion>
-                                  </p:childTnLst>
-                                </p:cTn>
-                              </p:par>
-                              <p:par>
-                                <p:cTn id="10" presetID="21" presetClass="exit" presetSubtype="1" fill="hold" grpId="1" nodeType="withEffect">
-                                  <p:stCondLst>
-                                    <p:cond delay="1000"/>
-                                  </p:stCondLst>
-                                  <p:childTnLst>
-                                    <p:animEffect transition="out" filter="wheel(1)">
-                                      <p:cBhvr>
-                                        <p:cTn id="11" dur="1000"/>
-                                        <p:tgtEl>
-                                          <p:spTgt spid="3"/>
-                                        </p:tgtEl>
-                                      </p:cBhvr>
-                                    </p:animEffect>
-                                    <p:set>
-                                      <p:cBhvr>
-                                        <p:cTn id="12" dur="1" fill="hold">
-                                          <p:stCondLst>
-                                            <p:cond delay="999"/>
-                                          </p:stCondLst>
-                                        </p:cTn>
-                                        <p:tgtEl>
-                                          <p:spTgt spid="3"/>
-                                        </p:tgtEl>
-                                        <p:attrNameLst>
-                                          <p:attrName>style.visibility</p:attrName>
-                                        </p:attrNameLst>
-                                      </p:cBhvr>
-                                      <p:to>
-                                        <p:strVal val="hidden"/>
-                                      </p:to>
-                                    </p:set>
-                                  </p:childTnLst>
-                                </p:cTn>
-                              </p:par>
-                              <p:par>
-                                <p:cTn id="13" presetID="6" presetClass="entr" presetSubtype="16" fill="hold" nodeType="withEffect">
-                                  <p:stCondLst>
-                                    <p:cond delay="1000"/>
-                                  </p:stCondLst>
-                                  <p:childTnLst>
-                                    <p:set>
-                                      <p:cBhvr>
-                                        <p:cTn id="14" dur="1" fill="hold">
-                                          <p:stCondLst>
-                                            <p:cond delay="0"/>
-                                          </p:stCondLst>
-                                        </p:cTn>
-                                        <p:tgtEl>
-                                          <p:spTgt spid="14"/>
-                                        </p:tgtEl>
-                                        <p:attrNameLst>
-                                          <p:attrName>style.visibility</p:attrName>
-                                        </p:attrNameLst>
-                                      </p:cBhvr>
-                                      <p:to>
-                                        <p:strVal val="visible"/>
-                                      </p:to>
-                                    </p:set>
-                                    <p:animEffect transition="in" filter="circle(in)">
-                                      <p:cBhvr>
-                                        <p:cTn id="15" dur="1500"/>
-                                        <p:tgtEl>
-                                          <p:spTgt spid="14"/>
-                                        </p:tgtEl>
-                                      </p:cBhvr>
-                                    </p:animEffect>
-                                  </p:childTnLst>
-                                </p:cTn>
-                              </p:par>
-                            </p:childTnLst>
-                          </p:cTn>
-                        </p:par>
-                        <p:par>
-                          <p:cTn id="16" fill="hold">
-                            <p:stCondLst>
-                              <p:cond delay="2500"/>
-                            </p:stCondLst>
-                            <p:childTnLst>
-                              <p:par>
-                                <p:cTn id="17" presetID="1" presetClass="exit" presetSubtype="0" fill="hold" grpId="1" nodeType="afterEffect">
-                                  <p:stCondLst>
-                                    <p:cond delay="0"/>
-                                  </p:stCondLst>
-                                  <p:childTnLst>
-                                    <p:set>
-                                      <p:cBhvr>
-                                        <p:cTn id="18" dur="1" fill="hold">
-                                          <p:stCondLst>
-                                            <p:cond delay="0"/>
-                                          </p:stCondLst>
-                                        </p:cTn>
-                                        <p:tgtEl>
-                                          <p:spTgt spid="4"/>
-                                        </p:tgtEl>
-                                        <p:attrNameLst>
-                                          <p:attrName>style.visibility</p:attrName>
-                                        </p:attrNameLst>
-                                      </p:cBhvr>
-                                      <p:to>
-                                        <p:strVal val="hidden"/>
-                                      </p:to>
-                                    </p:set>
-                                  </p:childTnLst>
-                                </p:cTn>
-                              </p:par>
-                            </p:childTnLst>
-                          </p:cTn>
-                        </p:par>
-                        <p:par>
-                          <p:cTn id="19" fill="hold">
-                            <p:stCondLst>
-                              <p:cond delay="2500"/>
-                            </p:stCondLst>
-                            <p:childTnLst>
-                              <p:par>
-                                <p:cTn id="20" presetID="22" presetClass="entr" presetSubtype="1" fill="hold" nodeType="afterEffect">
-                                  <p:stCondLst>
-                                    <p:cond delay="0"/>
-                                  </p:stCondLst>
-                                  <p:childTnLst>
-                                    <p:set>
-                                      <p:cBhvr>
-                                        <p:cTn id="21" dur="1" fill="hold">
-                                          <p:stCondLst>
-                                            <p:cond delay="0"/>
-                                          </p:stCondLst>
-                                        </p:cTn>
-                                        <p:tgtEl>
-                                          <p:spTgt spid="7"/>
-                                        </p:tgtEl>
-                                        <p:attrNameLst>
-                                          <p:attrName>style.visibility</p:attrName>
-                                        </p:attrNameLst>
-                                      </p:cBhvr>
-                                      <p:to>
-                                        <p:strVal val="visible"/>
-                                      </p:to>
-                                    </p:set>
-                                    <p:animEffect transition="in" filter="wipe(up)">
-                                      <p:cBhvr>
-                                        <p:cTn id="22" dur="150"/>
-                                        <p:tgtEl>
-                                          <p:spTgt spid="7"/>
-                                        </p:tgtEl>
-                                      </p:cBhvr>
-                                    </p:animEffect>
-                                  </p:childTnLst>
-                                </p:cTn>
-                              </p:par>
-                            </p:childTnLst>
-                          </p:cTn>
-                        </p:par>
-                        <p:par>
-                          <p:cTn id="23" fill="hold">
-                            <p:stCondLst>
-                              <p:cond delay="2650"/>
-                            </p:stCondLst>
-                            <p:childTnLst>
-                              <p:par>
-                                <p:cTn id="24" presetID="42" presetClass="path" presetSubtype="0" accel="50000" fill="hold" nodeType="afterEffect">
-                                  <p:stCondLst>
-                                    <p:cond delay="0"/>
-                                  </p:stCondLst>
-                                  <p:childTnLst>
-                                    <p:animMotion origin="layout" path="M 1.25E-6 4.07407E-6 L 1.25E-6 0.28958 " pathEditMode="relative" rAng="0" ptsTypes="AA">
-                                      <p:cBhvr>
-                                        <p:cTn id="25" dur="500" fill="hold"/>
-                                        <p:tgtEl>
-                                          <p:spTgt spid="7"/>
-                                        </p:tgtEl>
-                                        <p:attrNameLst>
-                                          <p:attrName>ppt_x</p:attrName>
-                                          <p:attrName>ppt_y</p:attrName>
-                                        </p:attrNameLst>
-                                      </p:cBhvr>
-                                      <p:rCtr x="0" y="14468"/>
-                                    </p:animMotion>
-                                  </p:childTnLst>
-                                </p:cTn>
-                              </p:par>
-                              <p:par>
-                                <p:cTn id="26" presetID="22" presetClass="exit" presetSubtype="1" fill="hold" nodeType="withEffect">
-                                  <p:stCondLst>
-                                    <p:cond delay="250"/>
-                                  </p:stCondLst>
-                                  <p:childTnLst>
-                                    <p:animEffect transition="out" filter="wipe(up)">
-                                      <p:cBhvr>
-                                        <p:cTn id="27" dur="500"/>
-                                        <p:tgtEl>
-                                          <p:spTgt spid="7"/>
-                                        </p:tgtEl>
-                                      </p:cBhvr>
-                                    </p:animEffect>
-                                    <p:set>
-                                      <p:cBhvr>
-                                        <p:cTn id="28" dur="1" fill="hold">
-                                          <p:stCondLst>
-                                            <p:cond delay="499"/>
-                                          </p:stCondLst>
-                                        </p:cTn>
-                                        <p:tgtEl>
-                                          <p:spTgt spid="7"/>
-                                        </p:tgtEl>
-                                        <p:attrNameLst>
-                                          <p:attrName>style.visibility</p:attrName>
-                                        </p:attrNameLst>
-                                      </p:cBhvr>
-                                      <p:to>
-                                        <p:strVal val="hidden"/>
-                                      </p:to>
-                                    </p:set>
-                                  </p:childTnLst>
-                                </p:cTn>
-                              </p:par>
-                            </p:childTnLst>
-                          </p:cTn>
-                        </p:par>
-                        <p:par>
-                          <p:cTn id="29" fill="hold">
-                            <p:stCondLst>
-                              <p:cond delay="3400"/>
-                            </p:stCondLst>
-                            <p:childTnLst>
-                              <p:par>
-                                <p:cTn id="30" presetID="16" presetClass="entr" presetSubtype="37" fill="hold" nodeType="afterEffect">
-                                  <p:stCondLst>
-                                    <p:cond delay="0"/>
-                                  </p:stCondLst>
-                                  <p:childTnLst>
-                                    <p:set>
-                                      <p:cBhvr>
-                                        <p:cTn id="31" dur="1" fill="hold">
-                                          <p:stCondLst>
-                                            <p:cond delay="0"/>
-                                          </p:stCondLst>
-                                        </p:cTn>
-                                        <p:tgtEl>
-                                          <p:spTgt spid="5"/>
-                                        </p:tgtEl>
-                                        <p:attrNameLst>
-                                          <p:attrName>style.visibility</p:attrName>
-                                        </p:attrNameLst>
-                                      </p:cBhvr>
-                                      <p:to>
-                                        <p:strVal val="visible"/>
-                                      </p:to>
-                                    </p:set>
-                                    <p:animEffect transition="in" filter="barn(outVertical)">
-                                      <p:cBhvr>
-                                        <p:cTn id="32" dur="350"/>
-                                        <p:tgtEl>
-                                          <p:spTgt spid="5"/>
-                                        </p:tgtEl>
-                                      </p:cBhvr>
-                                    </p:animEffect>
-                                  </p:childTnLst>
-                                </p:cTn>
-                              </p:par>
-                            </p:childTnLst>
-                          </p:cTn>
-                        </p:par>
-                        <p:par>
-                          <p:cTn id="33" fill="hold">
-                            <p:stCondLst>
-                              <p:cond delay="3750"/>
-                            </p:stCondLst>
-                            <p:childTnLst>
-                              <p:par>
-                                <p:cTn id="34" presetID="12" presetClass="entr" presetSubtype="4" fill="hold" grpId="0" nodeType="afterEffect">
-                                  <p:stCondLst>
-                                    <p:cond delay="0"/>
-                                  </p:stCondLst>
-                                  <p:iterate type="lt">
-                                    <p:tmPct val="10000"/>
-                                  </p:iterate>
-                                  <p:childTnLst>
-                                    <p:set>
-                                      <p:cBhvr>
-                                        <p:cTn id="35" dur="1" fill="hold">
-                                          <p:stCondLst>
-                                            <p:cond delay="0"/>
-                                          </p:stCondLst>
-                                        </p:cTn>
-                                        <p:tgtEl>
-                                          <p:spTgt spid="15"/>
-                                        </p:tgtEl>
-                                        <p:attrNameLst>
-                                          <p:attrName>style.visibility</p:attrName>
-                                        </p:attrNameLst>
-                                      </p:cBhvr>
-                                      <p:to>
-                                        <p:strVal val="visible"/>
-                                      </p:to>
-                                    </p:set>
-                                    <p:anim calcmode="lin" valueType="num">
-                                      <p:cBhvr additive="base">
-                                        <p:cTn id="36" dur="500"/>
-                                        <p:tgtEl>
-                                          <p:spTgt spid="15"/>
-                                        </p:tgtEl>
-                                        <p:attrNameLst>
-                                          <p:attrName>ppt_y</p:attrName>
-                                        </p:attrNameLst>
-                                      </p:cBhvr>
-                                      <p:tavLst>
-                                        <p:tav tm="0">
-                                          <p:val>
-                                            <p:strVal val="#ppt_y+#ppt_h*1.125000"/>
-                                          </p:val>
-                                        </p:tav>
-                                        <p:tav tm="100000">
-                                          <p:val>
-                                            <p:strVal val="#ppt_y"/>
-                                          </p:val>
-                                        </p:tav>
-                                      </p:tavLst>
-                                    </p:anim>
-                                    <p:animEffect transition="in" filter="wipe(up)">
-                                      <p:cBhvr>
-                                        <p:cTn id="37" dur="500"/>
-                                        <p:tgtEl>
-                                          <p:spTgt spid="15"/>
-                                        </p:tgtEl>
-                                      </p:cBhvr>
-                                    </p:animEffect>
-                                  </p:childTnLst>
-                                </p:cTn>
-                              </p:par>
-                            </p:childTnLst>
-                          </p:cTn>
-                        </p:par>
-                        <p:par>
-                          <p:cTn id="38" fill="hold">
-                            <p:stCondLst>
-                              <p:cond delay="4300"/>
-                            </p:stCondLst>
-                            <p:childTnLst>
-                              <p:par>
-                                <p:cTn id="39" presetID="12" presetClass="entr" presetSubtype="1" fill="hold" grpId="0" nodeType="afterEffect">
-                                  <p:stCondLst>
-                                    <p:cond delay="0"/>
-                                  </p:stCondLst>
-                                  <p:childTnLst>
-                                    <p:set>
-                                      <p:cBhvr>
-                                        <p:cTn id="40" dur="1" fill="hold">
-                                          <p:stCondLst>
-                                            <p:cond delay="0"/>
-                                          </p:stCondLst>
-                                        </p:cTn>
-                                        <p:tgtEl>
-                                          <p:spTgt spid="16"/>
-                                        </p:tgtEl>
-                                        <p:attrNameLst>
-                                          <p:attrName>style.visibility</p:attrName>
-                                        </p:attrNameLst>
-                                      </p:cBhvr>
-                                      <p:to>
-                                        <p:strVal val="visible"/>
-                                      </p:to>
-                                    </p:set>
-                                    <p:anim calcmode="lin" valueType="num">
-                                      <p:cBhvr additive="base">
-                                        <p:cTn id="41" dur="500"/>
-                                        <p:tgtEl>
-                                          <p:spTgt spid="16"/>
-                                        </p:tgtEl>
-                                        <p:attrNameLst>
-                                          <p:attrName>ppt_y</p:attrName>
-                                        </p:attrNameLst>
-                                      </p:cBhvr>
-                                      <p:tavLst>
-                                        <p:tav tm="0">
-                                          <p:val>
-                                            <p:strVal val="#ppt_y-#ppt_h*1.125000"/>
-                                          </p:val>
-                                        </p:tav>
-                                        <p:tav tm="100000">
-                                          <p:val>
-                                            <p:strVal val="#ppt_y"/>
-                                          </p:val>
-                                        </p:tav>
-                                      </p:tavLst>
-                                    </p:anim>
-                                    <p:animEffect transition="in" filter="wipe(down)">
-                                      <p:cBhvr>
-                                        <p:cTn id="42" dur="500"/>
-                                        <p:tgtEl>
-                                          <p:spTgt spid="16"/>
-                                        </p:tgtEl>
-                                      </p:cBhvr>
-                                    </p:animEffect>
-                                  </p:childTnLst>
-                                </p:cTn>
-                              </p:par>
-                            </p:childTnLst>
-                          </p:cTn>
-                        </p:par>
-                      </p:childTnLst>
-                    </p:cTn>
-                  </p:par>
-                </p:childTnLst>
-              </p:cTn>
-              <p:prevCondLst>
-                <p:cond evt="onPrev" delay="0">
-                  <p:tgtEl>
-                    <p:sldTgt/>
-                  </p:tgtEl>
-                </p:cond>
-              </p:prevCondLst>
-              <p:nextCondLst>
-                <p:cond evt="onNext" delay="0">
-                  <p:tgtEl>
-                    <p:sldTgt/>
-                  </p:tgtEl>
-                </p:cond>
-              </p:nextCondLst>
-            </p:seq>
-          </p:childTnLst>
-        </p:cTn>
-      </p:par>
-    </p:tnLst>
-    <p:bldLst>
-      <p:bldP spid="3" grpId="0" animBg="1"/>
-      <p:bldP spid="3" grpId="1" animBg="1"/>
-      <p:bldP spid="4" grpId="0" animBg="1"/>
-      <p:bldP spid="4" grpId="1" animBg="1"/>
-      <p:bldP spid="15" grpId="0"/>
-      <p:bldP spid="16" grpId="0"/>
     </p:bldLst>
   </p:timing>
 </p:sld>

--- a/产品大数据分析与建模/大数据分析与建模 - 函数与概念 第二-2讲 - 补充.pptx
+++ b/产品大数据分析与建模/大数据分析与建模 - 函数与概念 第二-2讲 - 补充.pptx
@@ -5,7 +5,7 @@
     <p:sldMasterId id="2147483648" r:id="rId1"/>
   </p:sldMasterIdLst>
   <p:notesMasterIdLst>
-    <p:notesMasterId r:id="rId33"/>
+    <p:notesMasterId r:id="rId35"/>
   </p:notesMasterIdLst>
   <p:sldIdLst>
     <p:sldId id="281" r:id="rId2"/>
@@ -30,46 +30,48 @@
     <p:sldId id="423" r:id="rId21"/>
     <p:sldId id="424" r:id="rId22"/>
     <p:sldId id="419" r:id="rId23"/>
-    <p:sldId id="415" r:id="rId24"/>
-    <p:sldId id="416" r:id="rId25"/>
-    <p:sldId id="417" r:id="rId26"/>
-    <p:sldId id="418" r:id="rId27"/>
-    <p:sldId id="410" r:id="rId28"/>
-    <p:sldId id="407" r:id="rId29"/>
-    <p:sldId id="412" r:id="rId30"/>
-    <p:sldId id="413" r:id="rId31"/>
-    <p:sldId id="274" r:id="rId32"/>
+    <p:sldId id="425" r:id="rId24"/>
+    <p:sldId id="426" r:id="rId25"/>
+    <p:sldId id="415" r:id="rId26"/>
+    <p:sldId id="416" r:id="rId27"/>
+    <p:sldId id="417" r:id="rId28"/>
+    <p:sldId id="418" r:id="rId29"/>
+    <p:sldId id="410" r:id="rId30"/>
+    <p:sldId id="407" r:id="rId31"/>
+    <p:sldId id="412" r:id="rId32"/>
+    <p:sldId id="413" r:id="rId33"/>
+    <p:sldId id="274" r:id="rId34"/>
   </p:sldIdLst>
   <p:sldSz cx="12192000" cy="6858000"/>
   <p:notesSz cx="6858000" cy="9144000"/>
   <p:embeddedFontLst>
     <p:embeddedFont>
       <p:font typeface="迷你简幼线" panose="02010600030101010101" charset="-122"/>
-      <p:regular r:id="rId34"/>
+      <p:regular r:id="rId36"/>
     </p:embeddedFont>
     <p:embeddedFont>
       <p:font typeface="Agency FB" panose="020B0503020202020204" pitchFamily="34" charset="0"/>
-      <p:regular r:id="rId35"/>
-      <p:bold r:id="rId36"/>
+      <p:regular r:id="rId37"/>
+      <p:bold r:id="rId38"/>
     </p:embeddedFont>
     <p:embeddedFont>
       <p:font typeface="BankGothic Lt BT" panose="020B0607020203060204"/>
-      <p:regular r:id="rId37"/>
+      <p:regular r:id="rId39"/>
     </p:embeddedFont>
     <p:embeddedFont>
       <p:font typeface="Calibri" panose="020F0502020204030204" pitchFamily="34" charset="0"/>
-      <p:regular r:id="rId38"/>
-      <p:bold r:id="rId39"/>
-      <p:italic r:id="rId40"/>
-      <p:boldItalic r:id="rId41"/>
+      <p:regular r:id="rId40"/>
+      <p:bold r:id="rId41"/>
+      <p:italic r:id="rId42"/>
+      <p:boldItalic r:id="rId43"/>
     </p:embeddedFont>
     <p:embeddedFont>
       <p:font typeface="Cambria Math" panose="02040503050406030204" pitchFamily="18" charset="0"/>
-      <p:regular r:id="rId42"/>
+      <p:regular r:id="rId44"/>
     </p:embeddedFont>
   </p:embeddedFontLst>
   <p:custDataLst>
-    <p:tags r:id="rId43"/>
+    <p:tags r:id="rId45"/>
   </p:custDataLst>
   <p:defaultTextStyle>
     <a:defPPr>
@@ -267,7 +269,7 @@
           <a:p>
             <a:fld id="{015ED1EF-CE0C-4F5B-8D56-F992AB1193E6}" type="datetimeFigureOut">
               <a:rPr lang="zh-CN" altLang="en-US" smtClean="0"/>
-              <a:t>2020/10/29</a:t>
+              <a:t>2020/11/1</a:t>
             </a:fld>
             <a:endParaRPr lang="zh-CN" altLang="en-US"/>
           </a:p>
@@ -1868,7 +1870,7 @@
     </p:spTree>
     <p:extLst>
       <p:ext uri="{BB962C8B-B14F-4D97-AF65-F5344CB8AC3E}">
-        <p14:creationId xmlns:p14="http://schemas.microsoft.com/office/powerpoint/2010/main" val="3969757085"/>
+        <p14:creationId xmlns:p14="http://schemas.microsoft.com/office/powerpoint/2010/main" val="2267286979"/>
       </p:ext>
     </p:extLst>
   </p:cSld>
@@ -1952,7 +1954,7 @@
     </p:spTree>
     <p:extLst>
       <p:ext uri="{BB962C8B-B14F-4D97-AF65-F5344CB8AC3E}">
-        <p14:creationId xmlns:p14="http://schemas.microsoft.com/office/powerpoint/2010/main" val="4153876341"/>
+        <p14:creationId xmlns:p14="http://schemas.microsoft.com/office/powerpoint/2010/main" val="4012032565"/>
       </p:ext>
     </p:extLst>
   </p:cSld>
@@ -2036,7 +2038,7 @@
     </p:spTree>
     <p:extLst>
       <p:ext uri="{BB962C8B-B14F-4D97-AF65-F5344CB8AC3E}">
-        <p14:creationId xmlns:p14="http://schemas.microsoft.com/office/powerpoint/2010/main" val="1644300526"/>
+        <p14:creationId xmlns:p14="http://schemas.microsoft.com/office/powerpoint/2010/main" val="3969757085"/>
       </p:ext>
     </p:extLst>
   </p:cSld>
@@ -2120,7 +2122,7 @@
     </p:spTree>
     <p:extLst>
       <p:ext uri="{BB962C8B-B14F-4D97-AF65-F5344CB8AC3E}">
-        <p14:creationId xmlns:p14="http://schemas.microsoft.com/office/powerpoint/2010/main" val="1835335997"/>
+        <p14:creationId xmlns:p14="http://schemas.microsoft.com/office/powerpoint/2010/main" val="4153876341"/>
       </p:ext>
     </p:extLst>
   </p:cSld>
@@ -2174,7 +2176,7 @@
           <a:bodyPr/>
           <a:lstStyle/>
           <a:p>
-            <a:endParaRPr lang="zh-CN" altLang="en-US"/>
+            <a:endParaRPr lang="zh-CN" altLang="en-US" dirty="0"/>
           </a:p>
         </p:txBody>
       </p:sp>
@@ -2204,7 +2206,7 @@
     </p:spTree>
     <p:extLst>
       <p:ext uri="{BB962C8B-B14F-4D97-AF65-F5344CB8AC3E}">
-        <p14:creationId xmlns:p14="http://schemas.microsoft.com/office/powerpoint/2010/main" val="1899179299"/>
+        <p14:creationId xmlns:p14="http://schemas.microsoft.com/office/powerpoint/2010/main" val="1644300526"/>
       </p:ext>
     </p:extLst>
   </p:cSld>
@@ -2288,7 +2290,7 @@
     </p:spTree>
     <p:extLst>
       <p:ext uri="{BB962C8B-B14F-4D97-AF65-F5344CB8AC3E}">
-        <p14:creationId xmlns:p14="http://schemas.microsoft.com/office/powerpoint/2010/main" val="4237413053"/>
+        <p14:creationId xmlns:p14="http://schemas.microsoft.com/office/powerpoint/2010/main" val="1835335997"/>
       </p:ext>
     </p:extLst>
   </p:cSld>
@@ -2342,7 +2344,7 @@
           <a:bodyPr/>
           <a:lstStyle/>
           <a:p>
-            <a:endParaRPr lang="zh-CN" altLang="en-US" dirty="0"/>
+            <a:endParaRPr lang="zh-CN" altLang="en-US"/>
           </a:p>
         </p:txBody>
       </p:sp>
@@ -2372,7 +2374,7 @@
     </p:spTree>
     <p:extLst>
       <p:ext uri="{BB962C8B-B14F-4D97-AF65-F5344CB8AC3E}">
-        <p14:creationId xmlns:p14="http://schemas.microsoft.com/office/powerpoint/2010/main" val="1595954748"/>
+        <p14:creationId xmlns:p14="http://schemas.microsoft.com/office/powerpoint/2010/main" val="1899179299"/>
       </p:ext>
     </p:extLst>
   </p:cSld>
@@ -2540,6 +2542,174 @@
     </p:spTree>
     <p:extLst>
       <p:ext uri="{BB962C8B-B14F-4D97-AF65-F5344CB8AC3E}">
+        <p14:creationId xmlns:p14="http://schemas.microsoft.com/office/powerpoint/2010/main" val="4237413053"/>
+      </p:ext>
+    </p:extLst>
+  </p:cSld>
+  <p:clrMapOvr>
+    <a:masterClrMapping/>
+  </p:clrMapOvr>
+</p:notes>
+</file>
+
+<file path=ppt/notesSlides/notesSlide31.xml><?xml version="1.0" encoding="utf-8"?>
+<p:notes xmlns:a="http://schemas.openxmlformats.org/drawingml/2006/main" xmlns:r="http://schemas.openxmlformats.org/officeDocument/2006/relationships" xmlns:p="http://schemas.openxmlformats.org/presentationml/2006/main">
+  <p:cSld>
+    <p:spTree>
+      <p:nvGrpSpPr>
+        <p:cNvPr id="1" name=""/>
+        <p:cNvGrpSpPr/>
+        <p:nvPr/>
+      </p:nvGrpSpPr>
+      <p:grpSpPr>
+        <a:xfrm>
+          <a:off x="0" y="0"/>
+          <a:ext cx="0" cy="0"/>
+          <a:chOff x="0" y="0"/>
+          <a:chExt cx="0" cy="0"/>
+        </a:xfrm>
+      </p:grpSpPr>
+      <p:sp>
+        <p:nvSpPr>
+          <p:cNvPr id="2" name="幻灯片图像占位符 1"/>
+          <p:cNvSpPr>
+            <a:spLocks noGrp="1" noRot="1" noChangeAspect="1"/>
+          </p:cNvSpPr>
+          <p:nvPr>
+            <p:ph type="sldImg"/>
+          </p:nvPr>
+        </p:nvSpPr>
+        <p:spPr/>
+      </p:sp>
+      <p:sp>
+        <p:nvSpPr>
+          <p:cNvPr id="3" name="备注占位符 2"/>
+          <p:cNvSpPr>
+            <a:spLocks noGrp="1"/>
+          </p:cNvSpPr>
+          <p:nvPr>
+            <p:ph type="body" idx="1"/>
+          </p:nvPr>
+        </p:nvSpPr>
+        <p:spPr/>
+        <p:txBody>
+          <a:bodyPr/>
+          <a:lstStyle/>
+          <a:p>
+            <a:endParaRPr lang="zh-CN" altLang="en-US" dirty="0"/>
+          </a:p>
+        </p:txBody>
+      </p:sp>
+      <p:sp>
+        <p:nvSpPr>
+          <p:cNvPr id="4" name="灯片编号占位符 3"/>
+          <p:cNvSpPr>
+            <a:spLocks noGrp="1"/>
+          </p:cNvSpPr>
+          <p:nvPr>
+            <p:ph type="sldNum" sz="quarter" idx="10"/>
+          </p:nvPr>
+        </p:nvSpPr>
+        <p:spPr/>
+        <p:txBody>
+          <a:bodyPr/>
+          <a:lstStyle/>
+          <a:p>
+            <a:fld id="{6E87B793-DD03-4969-BEA8-291742079853}" type="slidenum">
+              <a:rPr lang="zh-CN" altLang="en-US" smtClean="0"/>
+              <a:t>31</a:t>
+            </a:fld>
+            <a:endParaRPr lang="zh-CN" altLang="en-US"/>
+          </a:p>
+        </p:txBody>
+      </p:sp>
+    </p:spTree>
+    <p:extLst>
+      <p:ext uri="{BB962C8B-B14F-4D97-AF65-F5344CB8AC3E}">
+        <p14:creationId xmlns:p14="http://schemas.microsoft.com/office/powerpoint/2010/main" val="1595954748"/>
+      </p:ext>
+    </p:extLst>
+  </p:cSld>
+  <p:clrMapOvr>
+    <a:masterClrMapping/>
+  </p:clrMapOvr>
+</p:notes>
+</file>
+
+<file path=ppt/notesSlides/notesSlide32.xml><?xml version="1.0" encoding="utf-8"?>
+<p:notes xmlns:a="http://schemas.openxmlformats.org/drawingml/2006/main" xmlns:r="http://schemas.openxmlformats.org/officeDocument/2006/relationships" xmlns:p="http://schemas.openxmlformats.org/presentationml/2006/main">
+  <p:cSld>
+    <p:spTree>
+      <p:nvGrpSpPr>
+        <p:cNvPr id="1" name=""/>
+        <p:cNvGrpSpPr/>
+        <p:nvPr/>
+      </p:nvGrpSpPr>
+      <p:grpSpPr>
+        <a:xfrm>
+          <a:off x="0" y="0"/>
+          <a:ext cx="0" cy="0"/>
+          <a:chOff x="0" y="0"/>
+          <a:chExt cx="0" cy="0"/>
+        </a:xfrm>
+      </p:grpSpPr>
+      <p:sp>
+        <p:nvSpPr>
+          <p:cNvPr id="2" name="幻灯片图像占位符 1"/>
+          <p:cNvSpPr>
+            <a:spLocks noGrp="1" noRot="1" noChangeAspect="1"/>
+          </p:cNvSpPr>
+          <p:nvPr>
+            <p:ph type="sldImg"/>
+          </p:nvPr>
+        </p:nvSpPr>
+        <p:spPr/>
+      </p:sp>
+      <p:sp>
+        <p:nvSpPr>
+          <p:cNvPr id="3" name="备注占位符 2"/>
+          <p:cNvSpPr>
+            <a:spLocks noGrp="1"/>
+          </p:cNvSpPr>
+          <p:nvPr>
+            <p:ph type="body" idx="1"/>
+          </p:nvPr>
+        </p:nvSpPr>
+        <p:spPr/>
+        <p:txBody>
+          <a:bodyPr/>
+          <a:lstStyle/>
+          <a:p>
+            <a:endParaRPr lang="zh-CN" altLang="en-US" dirty="0"/>
+          </a:p>
+        </p:txBody>
+      </p:sp>
+      <p:sp>
+        <p:nvSpPr>
+          <p:cNvPr id="4" name="灯片编号占位符 3"/>
+          <p:cNvSpPr>
+            <a:spLocks noGrp="1"/>
+          </p:cNvSpPr>
+          <p:nvPr>
+            <p:ph type="sldNum" sz="quarter" idx="10"/>
+          </p:nvPr>
+        </p:nvSpPr>
+        <p:spPr/>
+        <p:txBody>
+          <a:bodyPr/>
+          <a:lstStyle/>
+          <a:p>
+            <a:fld id="{6E87B793-DD03-4969-BEA8-291742079853}" type="slidenum">
+              <a:rPr lang="zh-CN" altLang="en-US" smtClean="0"/>
+              <a:t>32</a:t>
+            </a:fld>
+            <a:endParaRPr lang="zh-CN" altLang="en-US"/>
+          </a:p>
+        </p:txBody>
+      </p:sp>
+    </p:spTree>
+    <p:extLst>
+      <p:ext uri="{BB962C8B-B14F-4D97-AF65-F5344CB8AC3E}">
         <p14:creationId xmlns:p14="http://schemas.microsoft.com/office/powerpoint/2010/main" val="2997099322"/>
       </p:ext>
     </p:extLst>
@@ -2550,7 +2720,7 @@
 </p:notes>
 </file>
 
-<file path=ppt/notesSlides/notesSlide31.xml><?xml version="1.0" encoding="utf-8"?>
+<file path=ppt/notesSlides/notesSlide33.xml><?xml version="1.0" encoding="utf-8"?>
 <p:notes xmlns:a="http://schemas.openxmlformats.org/drawingml/2006/main" xmlns:r="http://schemas.openxmlformats.org/officeDocument/2006/relationships" xmlns:p="http://schemas.openxmlformats.org/presentationml/2006/main">
   <p:cSld>
     <p:spTree>
@@ -2615,7 +2785,7 @@
           <a:p>
             <a:fld id="{6E87B793-DD03-4969-BEA8-291742079853}" type="slidenum">
               <a:rPr lang="zh-CN" altLang="en-US" smtClean="0"/>
-              <a:t>31</a:t>
+              <a:t>33</a:t>
             </a:fld>
             <a:endParaRPr lang="zh-CN" altLang="en-US"/>
           </a:p>
@@ -3317,7 +3487,7 @@
           <a:p>
             <a:fld id="{530820CF-B880-4189-942D-D702A7CBA730}" type="datetimeFigureOut">
               <a:rPr lang="zh-CN" altLang="en-US" smtClean="0"/>
-              <a:t>2020/10/29</a:t>
+              <a:t>2020/11/1</a:t>
             </a:fld>
             <a:endParaRPr lang="zh-CN" altLang="en-US"/>
           </a:p>
@@ -3572,7 +3742,7 @@
           <a:p>
             <a:fld id="{530820CF-B880-4189-942D-D702A7CBA730}" type="datetimeFigureOut">
               <a:rPr lang="zh-CN" altLang="en-US" smtClean="0"/>
-              <a:t>2020/10/29</a:t>
+              <a:t>2020/11/1</a:t>
             </a:fld>
             <a:endParaRPr lang="zh-CN" altLang="en-US"/>
           </a:p>
@@ -3743,7 +3913,7 @@
           <a:p>
             <a:fld id="{530820CF-B880-4189-942D-D702A7CBA730}" type="datetimeFigureOut">
               <a:rPr lang="zh-CN" altLang="en-US" smtClean="0"/>
-              <a:t>2020/10/29</a:t>
+              <a:t>2020/11/1</a:t>
             </a:fld>
             <a:endParaRPr lang="zh-CN" altLang="en-US"/>
           </a:p>
@@ -3924,7 +4094,7 @@
           <a:p>
             <a:fld id="{530820CF-B880-4189-942D-D702A7CBA730}" type="datetimeFigureOut">
               <a:rPr lang="zh-CN" altLang="en-US" smtClean="0"/>
-              <a:t>2020/10/29</a:t>
+              <a:t>2020/11/1</a:t>
             </a:fld>
             <a:endParaRPr lang="zh-CN" altLang="en-US"/>
           </a:p>
@@ -4095,7 +4265,7 @@
           <a:p>
             <a:fld id="{530820CF-B880-4189-942D-D702A7CBA730}" type="datetimeFigureOut">
               <a:rPr lang="zh-CN" altLang="en-US" smtClean="0"/>
-              <a:t>2020/10/29</a:t>
+              <a:t>2020/11/1</a:t>
             </a:fld>
             <a:endParaRPr lang="zh-CN" altLang="en-US"/>
           </a:p>
@@ -4343,7 +4513,7 @@
           <a:p>
             <a:fld id="{530820CF-B880-4189-942D-D702A7CBA730}" type="datetimeFigureOut">
               <a:rPr lang="zh-CN" altLang="en-US" smtClean="0"/>
-              <a:t>2020/10/29</a:t>
+              <a:t>2020/11/1</a:t>
             </a:fld>
             <a:endParaRPr lang="zh-CN" altLang="en-US"/>
           </a:p>
@@ -4631,7 +4801,7 @@
           <a:p>
             <a:fld id="{530820CF-B880-4189-942D-D702A7CBA730}" type="datetimeFigureOut">
               <a:rPr lang="zh-CN" altLang="en-US" smtClean="0"/>
-              <a:t>2020/10/29</a:t>
+              <a:t>2020/11/1</a:t>
             </a:fld>
             <a:endParaRPr lang="zh-CN" altLang="en-US"/>
           </a:p>
@@ -5053,7 +5223,7 @@
           <a:p>
             <a:fld id="{530820CF-B880-4189-942D-D702A7CBA730}" type="datetimeFigureOut">
               <a:rPr lang="zh-CN" altLang="en-US" smtClean="0"/>
-              <a:t>2020/10/29</a:t>
+              <a:t>2020/11/1</a:t>
             </a:fld>
             <a:endParaRPr lang="zh-CN" altLang="en-US"/>
           </a:p>
@@ -5173,7 +5343,7 @@
           <a:p>
             <a:fld id="{530820CF-B880-4189-942D-D702A7CBA730}" type="datetimeFigureOut">
               <a:rPr lang="zh-CN" altLang="en-US" smtClean="0"/>
-              <a:t>2020/10/29</a:t>
+              <a:t>2020/11/1</a:t>
             </a:fld>
             <a:endParaRPr lang="zh-CN" altLang="en-US"/>
           </a:p>
@@ -5271,7 +5441,7 @@
           <a:p>
             <a:fld id="{530820CF-B880-4189-942D-D702A7CBA730}" type="datetimeFigureOut">
               <a:rPr lang="zh-CN" altLang="en-US" smtClean="0"/>
-              <a:t>2020/10/29</a:t>
+              <a:t>2020/11/1</a:t>
             </a:fld>
             <a:endParaRPr lang="zh-CN" altLang="en-US"/>
           </a:p>
@@ -5406,7 +5576,7 @@
           <a:p>
             <a:fld id="{530820CF-B880-4189-942D-D702A7CBA730}" type="datetimeFigureOut">
               <a:rPr lang="zh-CN" altLang="en-US" smtClean="0"/>
-              <a:t>2020/10/29</a:t>
+              <a:t>2020/11/1</a:t>
             </a:fld>
             <a:endParaRPr lang="zh-CN" altLang="en-US"/>
           </a:p>
@@ -5689,7 +5859,7 @@
           <a:p>
             <a:fld id="{530820CF-B880-4189-942D-D702A7CBA730}" type="datetimeFigureOut">
               <a:rPr lang="zh-CN" altLang="en-US" smtClean="0"/>
-              <a:t>2020/10/29</a:t>
+              <a:t>2020/11/1</a:t>
             </a:fld>
             <a:endParaRPr lang="zh-CN" altLang="en-US"/>
           </a:p>
@@ -5903,7 +6073,7 @@
           <a:p>
             <a:fld id="{530820CF-B880-4189-942D-D702A7CBA730}" type="datetimeFigureOut">
               <a:rPr lang="zh-CN" altLang="en-US" smtClean="0"/>
-              <a:t>2020/10/29</a:t>
+              <a:t>2020/11/1</a:t>
             </a:fld>
             <a:endParaRPr lang="zh-CN" altLang="en-US"/>
           </a:p>
@@ -31635,7 +31805,7 @@
                   <a:srgbClr val="FF0000"/>
                 </a:solidFill>
               </a:rPr>
-              <a:t>L0</a:t>
+              <a:t>L0-</a:t>
             </a:r>
             <a:r>
               <a:rPr lang="zh-CN" altLang="en-US" sz="2000" b="1" dirty="0">
@@ -31643,39 +31813,7 @@
                   <a:srgbClr val="FF0000"/>
                 </a:solidFill>
               </a:rPr>
-              <a:t>与</a:t>
-            </a:r>
-            <a:r>
-              <a:rPr lang="en-US" altLang="zh-CN" sz="2000" b="1" dirty="0">
-                <a:solidFill>
-                  <a:srgbClr val="FF0000"/>
-                </a:solidFill>
-              </a:rPr>
-              <a:t>L1-</a:t>
-            </a:r>
-            <a:r>
-              <a:rPr lang="zh-CN" altLang="en-US" sz="2000" b="1" dirty="0">
-                <a:solidFill>
-                  <a:srgbClr val="FF0000"/>
-                </a:solidFill>
-              </a:rPr>
-              <a:t>正则项（</a:t>
-            </a:r>
-            <a:r>
-              <a:rPr lang="en-US" altLang="zh-CN" b="1" dirty="0"/>
-              <a:t>LASSO </a:t>
-            </a:r>
-            <a:r>
-              <a:rPr lang="en-US" altLang="zh-CN" b="1" dirty="0" err="1"/>
-              <a:t>regularizer</a:t>
-            </a:r>
-            <a:r>
-              <a:rPr lang="zh-CN" altLang="en-US" sz="2000" b="1" dirty="0">
-                <a:solidFill>
-                  <a:srgbClr val="FF0000"/>
-                </a:solidFill>
-              </a:rPr>
-              <a:t>）</a:t>
+              <a:t>正则项</a:t>
             </a:r>
             <a:endParaRPr lang="zh-CN" altLang="en-US" sz="1600" dirty="0"/>
           </a:p>
@@ -31820,6 +31958,287 @@
             <a:endParaRPr lang="en-US" altLang="zh-CN" sz="2400" dirty="0">
               <a:latin typeface="Agency FB" panose="020B0503020202020204" pitchFamily="34" charset="0"/>
             </a:endParaRPr>
+          </a:p>
+        </p:txBody>
+      </p:sp>
+      <p:sp>
+        <p:nvSpPr>
+          <p:cNvPr id="2" name="矩形 1">
+            <a:extLst>
+              <a:ext uri="{FF2B5EF4-FFF2-40B4-BE49-F238E27FC236}">
+                <a16:creationId xmlns:a16="http://schemas.microsoft.com/office/drawing/2014/main" id="{A84AA304-3FAB-4E9A-B353-6826594414DC}"/>
+              </a:ext>
+            </a:extLst>
+          </p:cNvPr>
+          <p:cNvSpPr/>
+          <p:nvPr/>
+        </p:nvSpPr>
+        <p:spPr>
+          <a:xfrm>
+            <a:off x="277518" y="2494609"/>
+            <a:ext cx="11291089" cy="369332"/>
+          </a:xfrm>
+          <a:prstGeom prst="rect">
+            <a:avLst/>
+          </a:prstGeom>
+        </p:spPr>
+        <p:txBody>
+          <a:bodyPr wrap="square">
+            <a:spAutoFit/>
+          </a:bodyPr>
+          <a:lstStyle/>
+          <a:p>
+            <a:r>
+              <a:rPr lang="zh-CN" altLang="en-US" dirty="0">
+                <a:solidFill>
+                  <a:srgbClr val="646464"/>
+                </a:solidFill>
+                <a:latin typeface="+mn-ea"/>
+              </a:rPr>
+              <a:t>在机器学习里，最简单的学习算法可能是所谓的线性回归模型</a:t>
+            </a:r>
+            <a:endParaRPr lang="zh-CN" altLang="en-US" dirty="0">
+              <a:latin typeface="+mn-ea"/>
+            </a:endParaRPr>
+          </a:p>
+        </p:txBody>
+      </p:sp>
+      <p:pic>
+        <p:nvPicPr>
+          <p:cNvPr id="8" name="图片 7">
+            <a:extLst>
+              <a:ext uri="{FF2B5EF4-FFF2-40B4-BE49-F238E27FC236}">
+                <a16:creationId xmlns:a16="http://schemas.microsoft.com/office/drawing/2014/main" id="{908CFA09-CF7D-4DBF-9A8C-8287980995D5}"/>
+              </a:ext>
+            </a:extLst>
+          </p:cNvPr>
+          <p:cNvPicPr>
+            <a:picLocks noChangeAspect="1"/>
+          </p:cNvPicPr>
+          <p:nvPr/>
+        </p:nvPicPr>
+        <p:blipFill>
+          <a:blip r:embed="rId3">
+            <a:extLst>
+              <a:ext uri="{28A0092B-C50C-407E-A947-70E740481C1C}">
+                <a14:useLocalDpi xmlns:a14="http://schemas.microsoft.com/office/drawing/2010/main" val="0"/>
+              </a:ext>
+            </a:extLst>
+          </a:blip>
+          <a:stretch>
+            <a:fillRect/>
+          </a:stretch>
+        </p:blipFill>
+        <p:spPr>
+          <a:xfrm>
+            <a:off x="6600056" y="2367773"/>
+            <a:ext cx="2819794" cy="533474"/>
+          </a:xfrm>
+          <a:prstGeom prst="rect">
+            <a:avLst/>
+          </a:prstGeom>
+        </p:spPr>
+      </p:pic>
+      <p:sp>
+        <p:nvSpPr>
+          <p:cNvPr id="9" name="矩形 8">
+            <a:extLst>
+              <a:ext uri="{FF2B5EF4-FFF2-40B4-BE49-F238E27FC236}">
+                <a16:creationId xmlns:a16="http://schemas.microsoft.com/office/drawing/2014/main" id="{EA275B7D-7FE1-4A6B-A597-F318E78E8D14}"/>
+              </a:ext>
+            </a:extLst>
+          </p:cNvPr>
+          <p:cNvSpPr/>
+          <p:nvPr/>
+        </p:nvSpPr>
+        <p:spPr>
+          <a:xfrm>
+            <a:off x="277517" y="2901247"/>
+            <a:ext cx="11727427" cy="1200329"/>
+          </a:xfrm>
+          <a:prstGeom prst="rect">
+            <a:avLst/>
+          </a:prstGeom>
+        </p:spPr>
+        <p:txBody>
+          <a:bodyPr wrap="square">
+            <a:spAutoFit/>
+          </a:bodyPr>
+          <a:lstStyle/>
+          <a:p>
+            <a:r>
+              <a:rPr lang="zh-CN" altLang="en-US" dirty="0">
+                <a:solidFill>
+                  <a:srgbClr val="646464"/>
+                </a:solidFill>
+                <a:latin typeface="+mn-ea"/>
+              </a:rPr>
+              <a:t>我们考虑这样一种普遍的情况，即：预测目标背后的真是规律，可能只和某几个维度的特征有关；而其它维度的特征，要不然作用非常小，要不然纯粹是噪声。在这种情况下，除了这几个维度的特征对应的参数之外，其它维度的参数应该为零。若不然，则当其它维度的特征存在噪音时，模型的行为会发生预期之外的变化，导致过拟合。</a:t>
+            </a:r>
+            <a:r>
+              <a:rPr lang="zh-CN" altLang="en-US" dirty="0"/>
+              <a:t>于是，我们得到了避免过拟合的第一个思路：使尽可能多的参数为零。为此，最直观地我们可以引入</a:t>
+            </a:r>
+            <a:r>
+              <a:rPr lang="en-US" altLang="zh-CN" dirty="0">
+                <a:solidFill>
+                  <a:srgbClr val="FF0000"/>
+                </a:solidFill>
+              </a:rPr>
+              <a:t>L0-</a:t>
+            </a:r>
+            <a:r>
+              <a:rPr lang="zh-CN" altLang="en-US" dirty="0">
+                <a:solidFill>
+                  <a:srgbClr val="FF0000"/>
+                </a:solidFill>
+              </a:rPr>
+              <a:t>范数。令</a:t>
+            </a:r>
+            <a:endParaRPr lang="zh-CN" altLang="en-US" dirty="0">
+              <a:solidFill>
+                <a:srgbClr val="FF0000"/>
+              </a:solidFill>
+              <a:latin typeface="+mn-ea"/>
+            </a:endParaRPr>
+          </a:p>
+        </p:txBody>
+      </p:sp>
+      <p:pic>
+        <p:nvPicPr>
+          <p:cNvPr id="11" name="图片 10">
+            <a:extLst>
+              <a:ext uri="{FF2B5EF4-FFF2-40B4-BE49-F238E27FC236}">
+                <a16:creationId xmlns:a16="http://schemas.microsoft.com/office/drawing/2014/main" id="{5F2E5196-E12E-4D8A-8133-8DF1FC8B2896}"/>
+              </a:ext>
+            </a:extLst>
+          </p:cNvPr>
+          <p:cNvPicPr>
+            <a:picLocks noChangeAspect="1"/>
+          </p:cNvPicPr>
+          <p:nvPr/>
+        </p:nvPicPr>
+        <p:blipFill>
+          <a:blip r:embed="rId4">
+            <a:extLst>
+              <a:ext uri="{28A0092B-C50C-407E-A947-70E740481C1C}">
+                <a14:useLocalDpi xmlns:a14="http://schemas.microsoft.com/office/drawing/2010/main" val="0"/>
+              </a:ext>
+            </a:extLst>
+          </a:blip>
+          <a:stretch>
+            <a:fillRect/>
+          </a:stretch>
+        </p:blipFill>
+        <p:spPr>
+          <a:xfrm>
+            <a:off x="4560796" y="4076709"/>
+            <a:ext cx="3143263" cy="648435"/>
+          </a:xfrm>
+          <a:prstGeom prst="rect">
+            <a:avLst/>
+          </a:prstGeom>
+        </p:spPr>
+      </p:pic>
+      <p:sp>
+        <p:nvSpPr>
+          <p:cNvPr id="15" name="矩形 14">
+            <a:extLst>
+              <a:ext uri="{FF2B5EF4-FFF2-40B4-BE49-F238E27FC236}">
+                <a16:creationId xmlns:a16="http://schemas.microsoft.com/office/drawing/2014/main" id="{C3C9D1B7-4FC6-4679-A311-23DDFF5CF217}"/>
+              </a:ext>
+            </a:extLst>
+          </p:cNvPr>
+          <p:cNvSpPr/>
+          <p:nvPr/>
+        </p:nvSpPr>
+        <p:spPr>
+          <a:xfrm>
+            <a:off x="313601" y="4540478"/>
+            <a:ext cx="11471032" cy="1477328"/>
+          </a:xfrm>
+          <a:prstGeom prst="rect">
+            <a:avLst/>
+          </a:prstGeom>
+        </p:spPr>
+        <p:txBody>
+          <a:bodyPr wrap="square">
+            <a:spAutoFit/>
+          </a:bodyPr>
+          <a:lstStyle/>
+          <a:p>
+            <a:r>
+              <a:rPr lang="zh-CN" altLang="en-US" dirty="0">
+                <a:solidFill>
+                  <a:srgbClr val="646464"/>
+                </a:solidFill>
+                <a:latin typeface="+mn-ea"/>
+              </a:rPr>
+              <a:t>这意味着，我们希望绝大多数</a:t>
+            </a:r>
+            <a:r>
+              <a:rPr lang="en-US" altLang="zh-CN" dirty="0">
+                <a:solidFill>
+                  <a:srgbClr val="646464"/>
+                </a:solidFill>
+                <a:latin typeface="+mn-ea"/>
+              </a:rPr>
+              <a:t>w</a:t>
+            </a:r>
+            <a:r>
+              <a:rPr lang="zh-CN" altLang="en-US" dirty="0">
+                <a:solidFill>
+                  <a:srgbClr val="646464"/>
+                </a:solidFill>
+                <a:latin typeface="+mn-ea"/>
+              </a:rPr>
+              <a:t>的分量为零。</a:t>
+            </a:r>
+            <a:endParaRPr lang="en-US" altLang="zh-CN" dirty="0">
+              <a:solidFill>
+                <a:srgbClr val="646464"/>
+              </a:solidFill>
+              <a:latin typeface="+mn-ea"/>
+            </a:endParaRPr>
+          </a:p>
+          <a:p>
+            <a:endParaRPr lang="en-US" altLang="zh-CN" dirty="0">
+              <a:solidFill>
+                <a:srgbClr val="646464"/>
+              </a:solidFill>
+              <a:latin typeface="+mn-ea"/>
+            </a:endParaRPr>
+          </a:p>
+          <a:p>
+            <a:r>
+              <a:rPr lang="zh-CN" altLang="en-US" dirty="0"/>
+              <a:t>通过引入</a:t>
+            </a:r>
+            <a:r>
+              <a:rPr lang="en-US" altLang="zh-CN" dirty="0"/>
+              <a:t>L0-</a:t>
+            </a:r>
+            <a:r>
+              <a:rPr lang="zh-CN" altLang="en-US" dirty="0"/>
+              <a:t>正则项，我们实际上引入了一种「惩罚」机制，即：若要增加模型复杂度以加强模型的表达能力降低损失函数，则每次使得一个参数非零，则引入</a:t>
+            </a:r>
+            <a:r>
+              <a:rPr lang="en-US" altLang="zh-CN" dirty="0"/>
+              <a:t>l0</a:t>
+            </a:r>
+            <a:r>
+              <a:rPr lang="zh-CN" altLang="en-US" dirty="0"/>
+              <a:t>的惩罚系数。也就是说，如果使得一个参数非零得到的收益（损失函数上的收益）不足</a:t>
+            </a:r>
+            <a:r>
+              <a:rPr lang="en-US" altLang="zh-CN" dirty="0"/>
+              <a:t>l0</a:t>
+            </a:r>
+            <a:r>
+              <a:rPr lang="zh-CN" altLang="en-US" dirty="0"/>
+              <a:t>；那么增加这样的复杂度是得不偿失的。</a:t>
+            </a:r>
+            <a:endParaRPr lang="en-US" altLang="zh-CN" dirty="0"/>
           </a:p>
         </p:txBody>
       </p:sp>
@@ -33150,8 +33569,8 @@
         </p:nvSpPr>
         <p:spPr>
           <a:xfrm>
-            <a:off x="381319" y="1195437"/>
-            <a:ext cx="4274521" cy="3231654"/>
+            <a:off x="313600" y="1167382"/>
+            <a:ext cx="11691345" cy="2492990"/>
           </a:xfrm>
           <a:prstGeom prst="rect">
             <a:avLst/>
@@ -33246,117 +33665,115 @@
           </a:p>
           <a:p>
             <a:r>
-              <a:rPr lang="zh-CN" altLang="en-US" dirty="0"/>
-              <a:t>一般用右下图方程来求得模型 </a:t>
-            </a:r>
-            <a:r>
-              <a:rPr lang="en-US" altLang="zh-CN" dirty="0"/>
-              <a:t>y(x) </a:t>
-            </a:r>
-            <a:r>
-              <a:rPr lang="zh-CN" altLang="en-US" dirty="0"/>
-              <a:t>和 真实数据 </a:t>
-            </a:r>
-            <a:r>
-              <a:rPr lang="en-US" altLang="zh-CN" dirty="0"/>
-              <a:t>y </a:t>
-            </a:r>
-            <a:r>
-              <a:rPr lang="zh-CN" altLang="en-US" dirty="0"/>
-              <a:t>的误差</a:t>
-            </a:r>
-            <a:r>
-              <a:rPr lang="en-US" altLang="zh-CN" dirty="0"/>
-              <a:t>, </a:t>
-            </a:r>
-            <a:r>
-              <a:rPr lang="zh-CN" altLang="en-US" dirty="0"/>
-              <a:t>而 </a:t>
-            </a:r>
-            <a:r>
-              <a:rPr lang="en-US" altLang="zh-CN" dirty="0"/>
-              <a:t>L1 L2 </a:t>
-            </a:r>
-            <a:r>
-              <a:rPr lang="zh-CN" altLang="en-US" dirty="0"/>
-              <a:t>就只是在这个误差公式后面多加了一个东西</a:t>
-            </a:r>
-            <a:r>
-              <a:rPr lang="en-US" altLang="zh-CN" dirty="0"/>
-              <a:t>, </a:t>
-            </a:r>
-            <a:r>
-              <a:rPr lang="zh-CN" altLang="en-US" dirty="0"/>
-              <a:t>让误差不仅仅取决于拟合数据拟合的好坏</a:t>
-            </a:r>
-            <a:r>
-              <a:rPr lang="en-US" altLang="zh-CN" dirty="0"/>
-              <a:t>, </a:t>
-            </a:r>
-            <a:r>
-              <a:rPr lang="zh-CN" altLang="en-US" dirty="0"/>
-              <a:t>而且取决于像刚刚 </a:t>
-            </a:r>
-            <a:r>
-              <a:rPr lang="en-US" altLang="zh-CN" dirty="0"/>
-              <a:t>c d </a:t>
-            </a:r>
-            <a:r>
-              <a:rPr lang="zh-CN" altLang="en-US" dirty="0"/>
-              <a:t>那些参数的值的大小</a:t>
-            </a:r>
-            <a:r>
-              <a:rPr lang="en-US" altLang="zh-CN" dirty="0"/>
-              <a:t>. </a:t>
-            </a:r>
-            <a:r>
-              <a:rPr lang="zh-CN" altLang="en-US" dirty="0"/>
-              <a:t>如果是每个参数的平方</a:t>
-            </a:r>
-            <a:r>
-              <a:rPr lang="en-US" altLang="zh-CN" dirty="0"/>
-              <a:t>, </a:t>
-            </a:r>
-            <a:r>
-              <a:rPr lang="zh-CN" altLang="en-US" dirty="0"/>
-              <a:t>那么我们称它为 </a:t>
-            </a:r>
-            <a:r>
-              <a:rPr lang="en-US" altLang="zh-CN" dirty="0"/>
-              <a:t>L2</a:t>
-            </a:r>
-            <a:r>
-              <a:rPr lang="zh-CN" altLang="en-US" dirty="0"/>
-              <a:t>正则化</a:t>
-            </a:r>
-            <a:r>
-              <a:rPr lang="en-US" altLang="zh-CN" dirty="0"/>
-              <a:t>, </a:t>
-            </a:r>
-            <a:r>
-              <a:rPr lang="zh-CN" altLang="en-US" dirty="0"/>
-              <a:t>如果是每个参数的绝对值</a:t>
-            </a:r>
-            <a:r>
-              <a:rPr lang="en-US" altLang="zh-CN" dirty="0"/>
-              <a:t>, </a:t>
-            </a:r>
-            <a:r>
-              <a:rPr lang="zh-CN" altLang="en-US" dirty="0"/>
-              <a:t>我们称为 </a:t>
-            </a:r>
-            <a:r>
-              <a:rPr lang="en-US" altLang="zh-CN" dirty="0"/>
-              <a:t>L1 </a:t>
-            </a:r>
-            <a:r>
-              <a:rPr lang="zh-CN" altLang="en-US" dirty="0"/>
-              <a:t>正则化。</a:t>
-            </a:r>
-            <a:endParaRPr lang="en-US" altLang="zh-CN" sz="2000" b="1" dirty="0">
+              <a:rPr lang="en-US" altLang="zh-CN" sz="1600" b="1" dirty="0">
+                <a:solidFill>
+                  <a:srgbClr val="FF0000"/>
+                </a:solidFill>
+              </a:rPr>
+              <a:t>L1-</a:t>
+            </a:r>
+            <a:r>
+              <a:rPr lang="zh-CN" altLang="en-US" sz="1600" b="1" dirty="0">
+                <a:solidFill>
+                  <a:srgbClr val="FF0000"/>
+                </a:solidFill>
+              </a:rPr>
+              <a:t>正则项与</a:t>
+            </a:r>
+            <a:r>
+              <a:rPr lang="en-US" altLang="zh-CN" sz="1600" b="1" dirty="0">
+                <a:solidFill>
+                  <a:srgbClr val="FF0000"/>
+                </a:solidFill>
+              </a:rPr>
+              <a:t>L2-</a:t>
+            </a:r>
+            <a:r>
+              <a:rPr lang="zh-CN" altLang="en-US" sz="1600" b="1" dirty="0">
+                <a:solidFill>
+                  <a:srgbClr val="FF0000"/>
+                </a:solidFill>
+              </a:rPr>
+              <a:t>正则项的区别</a:t>
+            </a:r>
+            <a:endParaRPr lang="en-US" altLang="zh-CN" sz="1600" b="1" dirty="0">
               <a:solidFill>
                 <a:srgbClr val="FF0000"/>
               </a:solidFill>
+            </a:endParaRPr>
+          </a:p>
+          <a:p>
+            <a:endParaRPr lang="en-US" altLang="zh-CN" sz="1600" b="1" dirty="0">
+              <a:solidFill>
+                <a:srgbClr val="FF0000"/>
+              </a:solidFill>
+            </a:endParaRPr>
+          </a:p>
+          <a:p>
+            <a:r>
+              <a:rPr lang="zh-CN" altLang="en-US" sz="1600" dirty="0"/>
+              <a:t>现在，我们考虑这样一个问题：为什么使用</a:t>
+            </a:r>
+            <a:r>
+              <a:rPr lang="en-US" altLang="zh-CN" sz="1600" dirty="0"/>
+              <a:t>L1-</a:t>
+            </a:r>
+            <a:r>
+              <a:rPr lang="zh-CN" altLang="en-US" sz="1600" dirty="0"/>
+              <a:t>正则项，会倾向于使得参数稀疏化；而使用</a:t>
+            </a:r>
+            <a:r>
+              <a:rPr lang="en-US" altLang="zh-CN" sz="1600" dirty="0"/>
+              <a:t>L2-</a:t>
+            </a:r>
+            <a:r>
+              <a:rPr lang="zh-CN" altLang="en-US" sz="1600" dirty="0"/>
+              <a:t>正则项，会倾向于使得参数稠密地接近于</a:t>
+            </a:r>
+            <a:r>
+              <a:rPr lang="en-US" altLang="zh-CN" sz="1600" dirty="0"/>
+              <a:t>0</a:t>
+            </a:r>
+            <a:r>
+              <a:rPr lang="zh-CN" altLang="en-US" sz="1600" dirty="0"/>
+              <a:t>？</a:t>
+            </a:r>
+            <a:endParaRPr lang="en-US" altLang="zh-CN" sz="1600" dirty="0"/>
+          </a:p>
+          <a:p>
+            <a:endParaRPr lang="en-US" altLang="zh-CN" sz="1600" dirty="0">
+              <a:solidFill>
+                <a:srgbClr val="FF0000"/>
+              </a:solidFill>
+              <a:latin typeface="+mn-ea"/>
+            </a:endParaRPr>
+          </a:p>
+          <a:p>
+            <a:r>
+              <a:rPr lang="zh-CN" altLang="en-US" sz="1600" dirty="0"/>
+              <a:t>为了简便起见，我们只考虑模型有两个参数</a:t>
+            </a:r>
+            <a:r>
+              <a:rPr lang="en-US" altLang="zh-CN" sz="1600" dirty="0"/>
+              <a:t>w1</a:t>
+            </a:r>
+            <a:r>
+              <a:rPr lang="zh-CN" altLang="en-US" sz="1600" dirty="0"/>
+              <a:t>和</a:t>
+            </a:r>
+            <a:r>
+              <a:rPr lang="en-US" altLang="zh-CN" sz="1600" dirty="0"/>
+              <a:t>w2</a:t>
+            </a:r>
+            <a:r>
+              <a:rPr lang="zh-CN" altLang="en-US" sz="1600" dirty="0"/>
+              <a:t>的情形。</a:t>
+            </a:r>
+            <a:endParaRPr lang="zh-CN" altLang="en-US" sz="1600" dirty="0">
+              <a:solidFill>
+                <a:srgbClr val="FF0000"/>
+              </a:solidFill>
+              <a:latin typeface="+mn-ea"/>
             </a:endParaRPr>
           </a:p>
         </p:txBody>
@@ -33453,108 +33870,6 @@
       </p:sp>
       <p:sp>
         <p:nvSpPr>
-          <p:cNvPr id="10" name="矩形 9">
-            <a:extLst>
-              <a:ext uri="{FF2B5EF4-FFF2-40B4-BE49-F238E27FC236}">
-                <a16:creationId xmlns:a16="http://schemas.microsoft.com/office/drawing/2014/main" id="{48A5E6A6-4091-42A0-9663-C5F34FE09704}"/>
-              </a:ext>
-            </a:extLst>
-          </p:cNvPr>
-          <p:cNvSpPr/>
-          <p:nvPr/>
-        </p:nvSpPr>
-        <p:spPr>
-          <a:xfrm>
-            <a:off x="391597" y="4707676"/>
-            <a:ext cx="4374964" cy="1015663"/>
-          </a:xfrm>
-          <a:prstGeom prst="rect">
-            <a:avLst/>
-          </a:prstGeom>
-        </p:spPr>
-        <p:txBody>
-          <a:bodyPr wrap="square">
-            <a:spAutoFit/>
-          </a:bodyPr>
-          <a:lstStyle/>
-          <a:p>
-            <a:r>
-              <a:rPr lang="en-US" altLang="zh-CN" sz="2000" b="1" dirty="0">
-                <a:solidFill>
-                  <a:srgbClr val="002060"/>
-                </a:solidFill>
-                <a:latin typeface="+mn-ea"/>
-              </a:rPr>
-              <a:t>L1</a:t>
-            </a:r>
-            <a:r>
-              <a:rPr lang="zh-CN" altLang="en-US" sz="2000" b="1" dirty="0">
-                <a:solidFill>
-                  <a:srgbClr val="002060"/>
-                </a:solidFill>
-                <a:latin typeface="+mn-ea"/>
-              </a:rPr>
-              <a:t>正则化和</a:t>
-            </a:r>
-            <a:r>
-              <a:rPr lang="en-US" altLang="zh-CN" sz="2000" b="1" dirty="0">
-                <a:solidFill>
-                  <a:srgbClr val="002060"/>
-                </a:solidFill>
-                <a:latin typeface="+mn-ea"/>
-              </a:rPr>
-              <a:t>L2</a:t>
-            </a:r>
-            <a:r>
-              <a:rPr lang="zh-CN" altLang="en-US" sz="2000" b="1" dirty="0">
-                <a:solidFill>
-                  <a:srgbClr val="002060"/>
-                </a:solidFill>
-                <a:latin typeface="+mn-ea"/>
-              </a:rPr>
-              <a:t>正则化主要的区别在于，</a:t>
-            </a:r>
-            <a:r>
-              <a:rPr lang="en-US" altLang="zh-CN" sz="2000" b="1" dirty="0">
-                <a:solidFill>
-                  <a:srgbClr val="002060"/>
-                </a:solidFill>
-                <a:latin typeface="+mn-ea"/>
-              </a:rPr>
-              <a:t>L1</a:t>
-            </a:r>
-            <a:r>
-              <a:rPr lang="zh-CN" altLang="en-US" sz="2000" b="1" dirty="0">
-                <a:solidFill>
-                  <a:srgbClr val="002060"/>
-                </a:solidFill>
-                <a:latin typeface="+mn-ea"/>
-              </a:rPr>
-              <a:t>正比于参数的绝对值，而</a:t>
-            </a:r>
-            <a:r>
-              <a:rPr lang="en-US" altLang="zh-CN" sz="2000" b="1" dirty="0">
-                <a:solidFill>
-                  <a:srgbClr val="002060"/>
-                </a:solidFill>
-                <a:latin typeface="+mn-ea"/>
-              </a:rPr>
-              <a:t>L2</a:t>
-            </a:r>
-            <a:r>
-              <a:rPr lang="zh-CN" altLang="en-US" sz="2000" b="1" dirty="0">
-                <a:solidFill>
-                  <a:srgbClr val="002060"/>
-                </a:solidFill>
-                <a:latin typeface="+mn-ea"/>
-              </a:rPr>
-              <a:t>正比于参数的平方。</a:t>
-            </a:r>
-          </a:p>
-        </p:txBody>
-      </p:sp>
-      <p:sp>
-        <p:nvSpPr>
           <p:cNvPr id="12" name="文本框 11">
             <a:extLst>
               <a:ext uri="{FF2B5EF4-FFF2-40B4-BE49-F238E27FC236}">
@@ -33607,15 +33922,15 @@
       </p:sp>
       <p:pic>
         <p:nvPicPr>
-          <p:cNvPr id="11" name="Picture 2" descr="preview">
+          <p:cNvPr id="10" name="图片 9">
             <a:extLst>
               <a:ext uri="{FF2B5EF4-FFF2-40B4-BE49-F238E27FC236}">
-                <a16:creationId xmlns:a16="http://schemas.microsoft.com/office/drawing/2014/main" id="{4F2A4BBC-8DB7-4F4D-B521-F04819179C9C}"/>
+                <a16:creationId xmlns:a16="http://schemas.microsoft.com/office/drawing/2014/main" id="{9FC360C5-AFE6-43CF-B228-AF7B7B400B7A}"/>
               </a:ext>
             </a:extLst>
           </p:cNvPr>
           <p:cNvPicPr>
-            <a:picLocks noChangeAspect="1" noChangeArrowheads="1"/>
+            <a:picLocks noChangeAspect="1"/>
           </p:cNvPicPr>
           <p:nvPr/>
         </p:nvPicPr>
@@ -33627,82 +33942,247 @@
               </a:ext>
             </a:extLst>
           </a:blip>
-          <a:srcRect/>
           <a:stretch>
             <a:fillRect/>
           </a:stretch>
         </p:blipFill>
-        <p:spPr bwMode="auto">
+        <p:spPr>
           <a:xfrm>
-            <a:off x="5754432" y="260648"/>
-            <a:ext cx="6132070" cy="3121529"/>
+            <a:off x="6650865" y="2996952"/>
+            <a:ext cx="5275672" cy="3680877"/>
           </a:xfrm>
           <a:prstGeom prst="rect">
             <a:avLst/>
           </a:prstGeom>
-          <a:noFill/>
-          <a:extLst>
-            <a:ext uri="{909E8E84-426E-40DD-AFC4-6F175D3DCCD1}">
-              <a14:hiddenFill xmlns:a14="http://schemas.microsoft.com/office/drawing/2010/main">
-                <a:solidFill>
-                  <a:srgbClr val="FFFFFF"/>
-                </a:solidFill>
-              </a14:hiddenFill>
-            </a:ext>
-          </a:extLst>
         </p:spPr>
       </p:pic>
-      <p:pic>
-        <p:nvPicPr>
-          <p:cNvPr id="8194" name="Picture 2" descr="preview">
+      <p:sp>
+        <p:nvSpPr>
+          <p:cNvPr id="14" name="矩形 13">
             <a:extLst>
               <a:ext uri="{FF2B5EF4-FFF2-40B4-BE49-F238E27FC236}">
-                <a16:creationId xmlns:a16="http://schemas.microsoft.com/office/drawing/2014/main" id="{E2EE9DD5-AF1B-40BF-B5C5-BAE02F47808C}"/>
+                <a16:creationId xmlns:a16="http://schemas.microsoft.com/office/drawing/2014/main" id="{220C3D97-0BB4-46BC-B662-6EBE1CA11E21}"/>
               </a:ext>
             </a:extLst>
           </p:cNvPr>
-          <p:cNvPicPr>
-            <a:picLocks noChangeAspect="1" noChangeArrowheads="1"/>
-          </p:cNvPicPr>
+          <p:cNvSpPr/>
           <p:nvPr/>
-        </p:nvPicPr>
-        <p:blipFill>
-          <a:blip r:embed="rId4">
-            <a:extLst>
-              <a:ext uri="{28A0092B-C50C-407E-A947-70E740481C1C}">
-                <a14:useLocalDpi xmlns:a14="http://schemas.microsoft.com/office/drawing/2010/main" val="0"/>
-              </a:ext>
-            </a:extLst>
-          </a:blip>
-          <a:srcRect/>
-          <a:stretch>
-            <a:fillRect/>
-          </a:stretch>
-        </p:blipFill>
-        <p:spPr bwMode="auto">
+        </p:nvSpPr>
+        <p:spPr>
           <a:xfrm>
-            <a:off x="5754432" y="3573016"/>
-            <a:ext cx="6150608" cy="3284984"/>
+            <a:off x="263997" y="3756492"/>
+            <a:ext cx="6386868" cy="3108543"/>
           </a:xfrm>
           <a:prstGeom prst="rect">
             <a:avLst/>
           </a:prstGeom>
-          <a:noFill/>
-          <a:extLst>
-            <a:ext uri="{909E8E84-426E-40DD-AFC4-6F175D3DCCD1}">
-              <a14:hiddenFill xmlns:a14="http://schemas.microsoft.com/office/drawing/2010/main">
+        </p:spPr>
+        <p:txBody>
+          <a:bodyPr wrap="square">
+            <a:spAutoFit/>
+          </a:bodyPr>
+          <a:lstStyle/>
+          <a:p>
+            <a:r>
+              <a:rPr lang="zh-CN" altLang="en-US" sz="1400" dirty="0">
                 <a:solidFill>
-                  <a:srgbClr val="FFFFFF"/>
+                  <a:srgbClr val="646464"/>
                 </a:solidFill>
-              </a14:hiddenFill>
-            </a:ext>
-          </a:extLst>
-        </p:spPr>
-      </p:pic>
+                <a:latin typeface="+mn-ea"/>
+              </a:rPr>
+              <a:t>在图中，我们有三组等值线，位于同一条等值线上的</a:t>
+            </a:r>
+            <a:r>
+              <a:rPr lang="en-US" altLang="zh-CN" sz="1400" dirty="0">
+                <a:latin typeface="+mn-ea"/>
+              </a:rPr>
+              <a:t>w1</a:t>
+            </a:r>
+            <a:r>
+              <a:rPr lang="zh-CN" altLang="en-US" sz="1400" dirty="0">
+                <a:latin typeface="+mn-ea"/>
+              </a:rPr>
+              <a:t>和</a:t>
+            </a:r>
+            <a:r>
+              <a:rPr lang="en-US" altLang="zh-CN" sz="1400" dirty="0">
+                <a:latin typeface="+mn-ea"/>
+              </a:rPr>
+              <a:t>w2</a:t>
+            </a:r>
+            <a:r>
+              <a:rPr lang="zh-CN" altLang="en-US" sz="1400" dirty="0">
+                <a:latin typeface="+mn-ea"/>
+              </a:rPr>
+              <a:t>映射到相同的平方损失项、</a:t>
+            </a:r>
+            <a:r>
+              <a:rPr lang="en-US" altLang="zh-CN" sz="1400" dirty="0">
+                <a:latin typeface="+mn-ea"/>
+              </a:rPr>
+              <a:t>L1-</a:t>
+            </a:r>
+            <a:r>
+              <a:rPr lang="zh-CN" altLang="en-US" sz="1400" dirty="0">
+                <a:latin typeface="+mn-ea"/>
+              </a:rPr>
+              <a:t>范数和</a:t>
+            </a:r>
+            <a:r>
+              <a:rPr lang="en-US" altLang="zh-CN" sz="1400" dirty="0">
+                <a:latin typeface="+mn-ea"/>
+              </a:rPr>
+              <a:t>L2-</a:t>
+            </a:r>
+            <a:r>
+              <a:rPr lang="zh-CN" altLang="en-US" sz="1400" dirty="0">
+                <a:latin typeface="+mn-ea"/>
+              </a:rPr>
+              <a:t>范数。并且，对于三组等值线来说，当</a:t>
+            </a:r>
+            <a:r>
+              <a:rPr lang="en-US" altLang="zh-CN" sz="1400" dirty="0">
+                <a:latin typeface="+mn-ea"/>
+              </a:rPr>
+              <a:t>(w1,w2)</a:t>
+            </a:r>
+            <a:r>
+              <a:rPr lang="zh-CN" altLang="en-US" sz="1400" dirty="0"/>
+              <a:t>沿着等值线法线方向，向外扩张，则对应的值增大；反之，若沿着法线向内收缩，则对应的值减小。</a:t>
+            </a:r>
+            <a:endParaRPr lang="en-US" altLang="zh-CN" sz="1400" dirty="0">
+              <a:latin typeface="+mn-ea"/>
+            </a:endParaRPr>
+          </a:p>
+          <a:p>
+            <a:r>
+              <a:rPr lang="zh-CN" altLang="en-US" sz="1400" dirty="0"/>
+              <a:t>因此，对于目标函数来说，实际上是要在正则项的等值线与损失函数的等值线中寻找一个交点，使得二者的和最小。</a:t>
+            </a:r>
+            <a:endParaRPr lang="en-US" altLang="zh-CN" sz="1400" dirty="0"/>
+          </a:p>
+          <a:p>
+            <a:endParaRPr lang="en-US" altLang="zh-CN" sz="1400" dirty="0">
+              <a:latin typeface="+mn-ea"/>
+            </a:endParaRPr>
+          </a:p>
+          <a:p>
+            <a:r>
+              <a:rPr lang="zh-CN" altLang="en-US" sz="1400" dirty="0"/>
+              <a:t>对于</a:t>
+            </a:r>
+            <a:r>
+              <a:rPr lang="en-US" altLang="zh-CN" sz="1400" dirty="0">
+                <a:latin typeface="+mn-ea"/>
+              </a:rPr>
+              <a:t>L1-</a:t>
+            </a:r>
+            <a:r>
+              <a:rPr lang="zh-CN" altLang="en-US" sz="1400" dirty="0">
+                <a:latin typeface="+mn-ea"/>
+              </a:rPr>
+              <a:t>正则项来说，因为</a:t>
+            </a:r>
+            <a:r>
+              <a:rPr lang="en-US" altLang="zh-CN" sz="1400" dirty="0">
+                <a:latin typeface="+mn-ea"/>
+              </a:rPr>
+              <a:t>L1-</a:t>
+            </a:r>
+            <a:r>
+              <a:rPr lang="zh-CN" altLang="en-US" sz="1400" dirty="0">
+                <a:latin typeface="+mn-ea"/>
+              </a:rPr>
+              <a:t>正则项</a:t>
+            </a:r>
+            <a:r>
+              <a:rPr lang="zh-CN" altLang="en-US" sz="1400" dirty="0"/>
+              <a:t>是一组菱形，这些交点容易落在坐标轴上。因此，另一个参数的值在这个交点上就是</a:t>
+            </a:r>
+            <a:r>
+              <a:rPr lang="en-US" altLang="zh-CN" sz="1400" dirty="0"/>
+              <a:t>0</a:t>
+            </a:r>
+            <a:r>
+              <a:rPr lang="zh-CN" altLang="en-US" sz="1400" dirty="0"/>
+              <a:t>，从而实现了稀疏化。</a:t>
+            </a:r>
+            <a:endParaRPr lang="en-US" altLang="zh-CN" sz="1400" dirty="0"/>
+          </a:p>
+          <a:p>
+            <a:endParaRPr lang="en-US" altLang="zh-CN" sz="1400" dirty="0">
+              <a:latin typeface="+mn-ea"/>
+            </a:endParaRPr>
+          </a:p>
+          <a:p>
+            <a:r>
+              <a:rPr lang="zh-CN" altLang="en-US" sz="1400" dirty="0"/>
+              <a:t>对于</a:t>
+            </a:r>
+            <a:r>
+              <a:rPr lang="en-US" altLang="zh-CN" sz="1400" dirty="0">
+                <a:latin typeface="+mn-ea"/>
+              </a:rPr>
+              <a:t>L2-</a:t>
+            </a:r>
+            <a:r>
+              <a:rPr lang="zh-CN" altLang="en-US" sz="1400" dirty="0">
+                <a:latin typeface="+mn-ea"/>
+              </a:rPr>
+              <a:t>正则项来说，因为</a:t>
+            </a:r>
+            <a:r>
+              <a:rPr lang="en-US" altLang="zh-CN" sz="1400" dirty="0">
+                <a:latin typeface="+mn-ea"/>
+              </a:rPr>
+              <a:t>L2-</a:t>
+            </a:r>
+            <a:r>
+              <a:rPr lang="zh-CN" altLang="en-US" sz="1400" dirty="0">
+                <a:latin typeface="+mn-ea"/>
+              </a:rPr>
+              <a:t>正则项</a:t>
+            </a:r>
+            <a:r>
+              <a:rPr lang="zh-CN" altLang="en-US" sz="1400" dirty="0"/>
+              <a:t>是一组圆形，所以，这些交点可能落在整个平面的任意位置。所以它不能实现「稀疏化」。但是，另一方面，由于</a:t>
+            </a:r>
+            <a:r>
+              <a:rPr lang="en-US" altLang="zh-CN" sz="1400" dirty="0">
+                <a:latin typeface="+mn-ea"/>
+              </a:rPr>
+              <a:t>(w1,w2)</a:t>
+            </a:r>
+            <a:r>
+              <a:rPr lang="zh-CN" altLang="en-US" sz="1400" dirty="0"/>
+              <a:t>落在圆上，所以它们的值会比较接近。这就是为什么</a:t>
+            </a:r>
+            <a:r>
+              <a:rPr lang="en-US" altLang="zh-CN" sz="1400" dirty="0">
+                <a:latin typeface="+mn-ea"/>
+              </a:rPr>
+              <a:t>L2-</a:t>
+            </a:r>
+            <a:r>
+              <a:rPr lang="zh-CN" altLang="en-US" sz="1400" dirty="0">
+                <a:latin typeface="+mn-ea"/>
+              </a:rPr>
+              <a:t>正则项</a:t>
+            </a:r>
+            <a:r>
+              <a:rPr lang="zh-CN" altLang="en-US" sz="1400" dirty="0"/>
+              <a:t>可以使得参数在零附近稠密而平滑。</a:t>
+            </a:r>
+            <a:endParaRPr lang="zh-CN" altLang="en-US" sz="1400" dirty="0">
+              <a:latin typeface="+mn-ea"/>
+            </a:endParaRPr>
+          </a:p>
+        </p:txBody>
+      </p:sp>
     </p:spTree>
     <p:extLst>
       <p:ext uri="{BB962C8B-B14F-4D97-AF65-F5344CB8AC3E}">
-        <p14:creationId xmlns:p14="http://schemas.microsoft.com/office/powerpoint/2010/main" val="3008781515"/>
+        <p14:creationId xmlns:p14="http://schemas.microsoft.com/office/powerpoint/2010/main" val="2428215374"/>
       </p:ext>
     </p:extLst>
   </p:cSld>
@@ -34159,8 +34639,8 @@
         </p:nvSpPr>
         <p:spPr>
           <a:xfrm>
-            <a:off x="237303" y="1195437"/>
-            <a:ext cx="5066609" cy="4893647"/>
+            <a:off x="313600" y="1167382"/>
+            <a:ext cx="11543040" cy="2954655"/>
           </a:xfrm>
           <a:prstGeom prst="rect">
             <a:avLst/>
@@ -34179,15 +34659,7 @@
             </a:pPr>
             <a:r>
               <a:rPr lang="zh-CN" altLang="en-US" sz="2000" b="1" dirty="0"/>
-              <a:t>结构化风险（</a:t>
-            </a:r>
-            <a:r>
-              <a:rPr lang="en-US" altLang="zh-CN" sz="2000" b="1" dirty="0"/>
-              <a:t> L1, L2</a:t>
-            </a:r>
-            <a:r>
-              <a:rPr lang="zh-CN" altLang="en-US" sz="2000" b="1" dirty="0"/>
-              <a:t>正则化）</a:t>
+              <a:t>贝叶斯先验</a:t>
             </a:r>
             <a:endParaRPr lang="en-US" altLang="zh-CN" sz="2000" b="1" dirty="0"/>
           </a:p>
@@ -34255,156 +34727,66 @@
           </a:p>
           <a:p>
             <a:r>
-              <a:rPr lang="zh-CN" altLang="en-US" b="1" dirty="0"/>
-              <a:t>核心思想：</a:t>
-            </a:r>
-            <a:endParaRPr lang="en-US" altLang="zh-CN" b="1" dirty="0"/>
+              <a:rPr lang="zh-CN" altLang="en-US" dirty="0"/>
+              <a:t>从贝叶斯的角度来看，正则化等价于对模型参数引入先验分布。</a:t>
+            </a:r>
+            <a:r>
+              <a:rPr lang="zh-CN" altLang="en-US" b="1" dirty="0">
+                <a:solidFill>
+                  <a:srgbClr val="FF0000"/>
+                </a:solidFill>
+              </a:rPr>
+              <a:t>后面在学习贝叶斯时补充讲解。</a:t>
+            </a:r>
+            <a:endParaRPr lang="en-US" altLang="zh-CN" b="1" dirty="0">
+              <a:solidFill>
+                <a:srgbClr val="FF0000"/>
+              </a:solidFill>
+            </a:endParaRPr>
           </a:p>
           <a:p>
-            <a:endParaRPr lang="en-US" altLang="zh-CN" dirty="0"/>
+            <a:endParaRPr lang="en-US" altLang="zh-CN" b="1" dirty="0">
+              <a:solidFill>
+                <a:srgbClr val="FF0000"/>
+              </a:solidFill>
+            </a:endParaRPr>
           </a:p>
           <a:p>
             <a:r>
+              <a:rPr lang="zh-CN" altLang="en-US" b="1" dirty="0">
+                <a:solidFill>
+                  <a:srgbClr val="FF0000"/>
+                </a:solidFill>
+              </a:rPr>
+              <a:t>总结：</a:t>
+            </a:r>
+            <a:endParaRPr lang="en-US" altLang="zh-CN" b="1" dirty="0">
+              <a:solidFill>
+                <a:srgbClr val="FF0000"/>
+              </a:solidFill>
+            </a:endParaRPr>
+          </a:p>
+          <a:p>
+            <a:endParaRPr lang="en-US" altLang="zh-CN" b="1" dirty="0">
+              <a:solidFill>
+                <a:srgbClr val="FF0000"/>
+              </a:solidFill>
+            </a:endParaRPr>
+          </a:p>
+          <a:p>
+            <a:r>
               <a:rPr lang="zh-CN" altLang="en-US" dirty="0"/>
-              <a:t>以</a:t>
+              <a:t>正则化参数等价于对参数引入 先验分布，使得 模型复杂度 变小（缩小解空间），对于噪声以及 </a:t>
             </a:r>
             <a:r>
               <a:rPr lang="en-US" altLang="zh-CN" dirty="0"/>
-              <a:t>L2</a:t>
+              <a:t>outliers </a:t>
             </a:r>
             <a:r>
               <a:rPr lang="zh-CN" altLang="en-US" dirty="0"/>
-              <a:t>正则化为例进行探讨</a:t>
-            </a:r>
-            <a:r>
-              <a:rPr lang="en-US" altLang="zh-CN" dirty="0"/>
-              <a:t>, </a:t>
-            </a:r>
-            <a:r>
-              <a:rPr lang="zh-CN" altLang="en-US" dirty="0"/>
-              <a:t>机器学习的过程是一个 通过修改参数 </a:t>
-            </a:r>
-            <a:r>
-              <a:rPr lang="en-US" altLang="zh-CN" dirty="0"/>
-              <a:t>theta </a:t>
-            </a:r>
-            <a:r>
-              <a:rPr lang="zh-CN" altLang="en-US" dirty="0"/>
-              <a:t>来减小误差的过程</a:t>
-            </a:r>
-            <a:r>
-              <a:rPr lang="en-US" altLang="zh-CN" dirty="0"/>
-              <a:t>, </a:t>
-            </a:r>
-            <a:r>
-              <a:rPr lang="zh-CN" altLang="en-US" dirty="0"/>
-              <a:t>可是在减小误差的时候非线性越强的参数</a:t>
-            </a:r>
-            <a:r>
-              <a:rPr lang="en-US" altLang="zh-CN" dirty="0"/>
-              <a:t>, </a:t>
-            </a:r>
-            <a:r>
-              <a:rPr lang="zh-CN" altLang="en-US" dirty="0"/>
-              <a:t>比如在 </a:t>
-            </a:r>
-            <a:r>
-              <a:rPr lang="en-US" altLang="zh-CN" dirty="0"/>
-              <a:t>x^3 </a:t>
-            </a:r>
-            <a:r>
-              <a:rPr lang="zh-CN" altLang="en-US" dirty="0"/>
-              <a:t>旁边的 </a:t>
-            </a:r>
-            <a:r>
-              <a:rPr lang="en-US" altLang="zh-CN" dirty="0"/>
-              <a:t>theta 4 </a:t>
-            </a:r>
-            <a:r>
-              <a:rPr lang="zh-CN" altLang="en-US" dirty="0"/>
-              <a:t>就会被修改得越多</a:t>
-            </a:r>
-            <a:r>
-              <a:rPr lang="en-US" altLang="zh-CN" dirty="0"/>
-              <a:t>, </a:t>
-            </a:r>
-            <a:r>
-              <a:rPr lang="zh-CN" altLang="en-US" dirty="0"/>
-              <a:t>因为如果使用非线性强的参数就能使方程更加曲折</a:t>
-            </a:r>
-            <a:r>
-              <a:rPr lang="en-US" altLang="zh-CN" dirty="0"/>
-              <a:t>, </a:t>
-            </a:r>
-            <a:r>
-              <a:rPr lang="zh-CN" altLang="en-US" dirty="0"/>
-              <a:t>也就能更好的拟合上那些分布的数据点</a:t>
-            </a:r>
-            <a:r>
-              <a:rPr lang="en-US" altLang="zh-CN" dirty="0"/>
-              <a:t>. Theta 4</a:t>
-            </a:r>
-            <a:r>
-              <a:rPr lang="zh-CN" altLang="en-US" dirty="0"/>
-              <a:t>作为非线性强的参数系数</a:t>
-            </a:r>
-            <a:r>
-              <a:rPr lang="en-US" altLang="zh-CN" dirty="0"/>
-              <a:t>, </a:t>
-            </a:r>
-            <a:r>
-              <a:rPr lang="zh-CN" altLang="en-US" dirty="0"/>
-              <a:t>改变模型的很明显</a:t>
-            </a:r>
-            <a:r>
-              <a:rPr lang="en-US" altLang="zh-CN" dirty="0"/>
-              <a:t>, </a:t>
-            </a:r>
-            <a:r>
-              <a:rPr lang="zh-CN" altLang="en-US" dirty="0"/>
-              <a:t>很容易拟合所有的数据</a:t>
-            </a:r>
-            <a:r>
-              <a:rPr lang="en-US" altLang="zh-CN" dirty="0"/>
-              <a:t>, </a:t>
-            </a:r>
-            <a:r>
-              <a:rPr lang="zh-CN" altLang="en-US" dirty="0"/>
-              <a:t>然而误差方程需要保证模型的鲁棒性，如果</a:t>
-            </a:r>
-            <a:r>
-              <a:rPr lang="en-US" altLang="zh-CN" dirty="0"/>
-              <a:t>Theta 4</a:t>
-            </a:r>
-            <a:r>
-              <a:rPr lang="zh-CN" altLang="en-US" dirty="0"/>
-              <a:t>错了</a:t>
-            </a:r>
-            <a:r>
-              <a:rPr lang="en-US" altLang="zh-CN" dirty="0"/>
-              <a:t>, </a:t>
-            </a:r>
-            <a:r>
-              <a:rPr lang="zh-CN" altLang="en-US" dirty="0"/>
-              <a:t>整个误差方程的效率就突然降低了</a:t>
-            </a:r>
-            <a:r>
-              <a:rPr lang="en-US" altLang="zh-CN" dirty="0"/>
-              <a:t>, </a:t>
-            </a:r>
-            <a:r>
-              <a:rPr lang="zh-CN" altLang="en-US" dirty="0"/>
-              <a:t>因此误差方程需要“惩罚”方程中“独出风头” 的参数系数</a:t>
-            </a:r>
-            <a:r>
-              <a:rPr lang="en-US" altLang="zh-CN" dirty="0"/>
-              <a:t>. </a:t>
-            </a:r>
-            <a:r>
-              <a:rPr lang="zh-CN" altLang="en-US" dirty="0"/>
-              <a:t>这就是整套正规化算法的核心思想。</a:t>
-            </a:r>
-            <a:endParaRPr lang="en-US" altLang="zh-CN" sz="2000" b="1" dirty="0">
+              <a:t>的鲁棒性增强（泛化能力）。整个最优化问题从贝叶斯观点来看是一种贝叶斯最大后验估计，其中 正则化项对应后验估计中的先验信息，损失函数对应后验估计中的似然函数，两者的乘积即对应贝叶斯最大后验估计的形式。</a:t>
+            </a:r>
+            <a:endParaRPr lang="en-US" altLang="zh-CN" b="1" dirty="0">
               <a:solidFill>
                 <a:srgbClr val="FF0000"/>
               </a:solidFill>
@@ -34554,57 +34936,10 @@
           </a:p>
         </p:txBody>
       </p:sp>
-      <p:pic>
-        <p:nvPicPr>
-          <p:cNvPr id="9218" name="Picture 2" descr="preview">
-            <a:extLst>
-              <a:ext uri="{FF2B5EF4-FFF2-40B4-BE49-F238E27FC236}">
-                <a16:creationId xmlns:a16="http://schemas.microsoft.com/office/drawing/2014/main" id="{57B1CF31-18B4-4817-8270-B4D778A18723}"/>
-              </a:ext>
-            </a:extLst>
-          </p:cNvPr>
-          <p:cNvPicPr>
-            <a:picLocks noChangeAspect="1" noChangeArrowheads="1"/>
-          </p:cNvPicPr>
-          <p:nvPr/>
-        </p:nvPicPr>
-        <p:blipFill>
-          <a:blip r:embed="rId3">
-            <a:extLst>
-              <a:ext uri="{28A0092B-C50C-407E-A947-70E740481C1C}">
-                <a14:useLocalDpi xmlns:a14="http://schemas.microsoft.com/office/drawing/2010/main" val="0"/>
-              </a:ext>
-            </a:extLst>
-          </a:blip>
-          <a:srcRect/>
-          <a:stretch>
-            <a:fillRect/>
-          </a:stretch>
-        </p:blipFill>
-        <p:spPr bwMode="auto">
-          <a:xfrm>
-            <a:off x="5442199" y="1195437"/>
-            <a:ext cx="6729016" cy="3707825"/>
-          </a:xfrm>
-          <a:prstGeom prst="rect">
-            <a:avLst/>
-          </a:prstGeom>
-          <a:noFill/>
-          <a:extLst>
-            <a:ext uri="{909E8E84-426E-40DD-AFC4-6F175D3DCCD1}">
-              <a14:hiddenFill xmlns:a14="http://schemas.microsoft.com/office/drawing/2010/main">
-                <a:solidFill>
-                  <a:srgbClr val="FFFFFF"/>
-                </a:solidFill>
-              </a14:hiddenFill>
-            </a:ext>
-          </a:extLst>
-        </p:spPr>
-      </p:pic>
     </p:spTree>
     <p:extLst>
       <p:ext uri="{BB962C8B-B14F-4D97-AF65-F5344CB8AC3E}">
-        <p14:creationId xmlns:p14="http://schemas.microsoft.com/office/powerpoint/2010/main" val="21040560"/>
+        <p14:creationId xmlns:p14="http://schemas.microsoft.com/office/powerpoint/2010/main" val="898070161"/>
       </p:ext>
     </p:extLst>
   </p:cSld>
@@ -35061,8 +35396,8 @@
         </p:nvSpPr>
         <p:spPr>
           <a:xfrm>
-            <a:off x="237303" y="1195437"/>
-            <a:ext cx="5498657" cy="5447645"/>
+            <a:off x="381319" y="1195437"/>
+            <a:ext cx="4274521" cy="3231654"/>
           </a:xfrm>
           <a:prstGeom prst="rect">
             <a:avLst/>
@@ -35157,26 +35492,24 @@
           </a:p>
           <a:p>
             <a:r>
-              <a:rPr lang="zh-CN" altLang="en-US" b="1" dirty="0"/>
-              <a:t>图像化过程：</a:t>
-            </a:r>
-            <a:endParaRPr lang="en-US" altLang="zh-CN" b="1" dirty="0"/>
-          </a:p>
-          <a:p>
-            <a:endParaRPr lang="en-US" altLang="zh-CN" dirty="0"/>
-          </a:p>
-          <a:p>
-            <a:r>
               <a:rPr lang="zh-CN" altLang="en-US" dirty="0"/>
-              <a:t>假设现在只有两个参数 </a:t>
+              <a:t>一般用右下图方程来求得模型 </a:t>
             </a:r>
             <a:r>
               <a:rPr lang="en-US" altLang="zh-CN" dirty="0"/>
-              <a:t>theta1 theta2 </a:t>
+              <a:t>y(x) </a:t>
             </a:r>
             <a:r>
               <a:rPr lang="zh-CN" altLang="en-US" dirty="0"/>
-              <a:t>要学习</a:t>
+              <a:t>和 真实数据 </a:t>
+            </a:r>
+            <a:r>
+              <a:rPr lang="en-US" altLang="zh-CN" dirty="0"/>
+              <a:t>y </a:t>
+            </a:r>
+            <a:r>
+              <a:rPr lang="zh-CN" altLang="en-US" dirty="0"/>
+              <a:t>的误差</a:t>
             </a:r>
             <a:r>
               <a:rPr lang="en-US" altLang="zh-CN" dirty="0"/>
@@ -35184,7 +35517,15 @@
             </a:r>
             <a:r>
               <a:rPr lang="zh-CN" altLang="en-US" dirty="0"/>
-              <a:t>蓝色的圆心是误差最小的地方</a:t>
+              <a:t>而 </a:t>
+            </a:r>
+            <a:r>
+              <a:rPr lang="en-US" altLang="zh-CN" dirty="0"/>
+              <a:t>L1 L2 </a:t>
+            </a:r>
+            <a:r>
+              <a:rPr lang="zh-CN" altLang="en-US" dirty="0"/>
+              <a:t>就只是在这个误差公式后面多加了一个东西</a:t>
             </a:r>
             <a:r>
               <a:rPr lang="en-US" altLang="zh-CN" dirty="0"/>
@@ -35192,7 +35533,23 @@
             </a:r>
             <a:r>
               <a:rPr lang="zh-CN" altLang="en-US" dirty="0"/>
-              <a:t>而每条蓝线上的误差都是一样的</a:t>
+              <a:t>让误差不仅仅取决于拟合数据拟合的好坏</a:t>
+            </a:r>
+            <a:r>
+              <a:rPr lang="en-US" altLang="zh-CN" dirty="0"/>
+              <a:t>, </a:t>
+            </a:r>
+            <a:r>
+              <a:rPr lang="zh-CN" altLang="en-US" dirty="0"/>
+              <a:t>而且取决于像刚刚 </a:t>
+            </a:r>
+            <a:r>
+              <a:rPr lang="en-US" altLang="zh-CN" dirty="0"/>
+              <a:t>c d </a:t>
+            </a:r>
+            <a:r>
+              <a:rPr lang="zh-CN" altLang="en-US" dirty="0"/>
+              <a:t>那些参数的值的大小</a:t>
             </a:r>
             <a:r>
               <a:rPr lang="en-US" altLang="zh-CN" dirty="0"/>
@@ -35200,63 +35557,7 @@
             </a:r>
             <a:r>
               <a:rPr lang="zh-CN" altLang="en-US" dirty="0"/>
-              <a:t>正则化的方程是在黄线上产生的额外误差</a:t>
-            </a:r>
-            <a:r>
-              <a:rPr lang="en-US" altLang="zh-CN" dirty="0"/>
-              <a:t>(</a:t>
-            </a:r>
-            <a:r>
-              <a:rPr lang="zh-CN" altLang="en-US" dirty="0"/>
-              <a:t>也能理解为惩罚度</a:t>
-            </a:r>
-            <a:r>
-              <a:rPr lang="en-US" altLang="zh-CN" dirty="0"/>
-              <a:t>), </a:t>
-            </a:r>
-            <a:r>
-              <a:rPr lang="zh-CN" altLang="en-US" dirty="0"/>
-              <a:t>在黄圈上的额外误差也是一样</a:t>
-            </a:r>
-            <a:r>
-              <a:rPr lang="en-US" altLang="zh-CN" dirty="0"/>
-              <a:t>. </a:t>
-            </a:r>
-            <a:r>
-              <a:rPr lang="zh-CN" altLang="en-US" dirty="0"/>
-              <a:t>所以在蓝线和黄线 交点上的点能让两个误差的合最小</a:t>
-            </a:r>
-            <a:r>
-              <a:rPr lang="en-US" altLang="zh-CN" dirty="0"/>
-              <a:t>. </a:t>
-            </a:r>
-            <a:r>
-              <a:rPr lang="zh-CN" altLang="en-US" dirty="0"/>
-              <a:t>这就是 </a:t>
-            </a:r>
-            <a:r>
-              <a:rPr lang="en-US" altLang="zh-CN" dirty="0"/>
-              <a:t>theta1 </a:t>
-            </a:r>
-            <a:r>
-              <a:rPr lang="zh-CN" altLang="en-US" dirty="0"/>
-              <a:t>和 </a:t>
-            </a:r>
-            <a:r>
-              <a:rPr lang="en-US" altLang="zh-CN" dirty="0"/>
-              <a:t>theta2 </a:t>
-            </a:r>
-            <a:r>
-              <a:rPr lang="zh-CN" altLang="en-US" dirty="0"/>
-              <a:t>正则化后的解</a:t>
-            </a:r>
-            <a:r>
-              <a:rPr lang="en-US" altLang="zh-CN" dirty="0"/>
-              <a:t>. </a:t>
-            </a:r>
-            <a:r>
-              <a:rPr lang="zh-CN" altLang="en-US" dirty="0"/>
-              <a:t>要提到另外一点是</a:t>
+              <a:t>如果是每个参数的平方</a:t>
             </a:r>
             <a:r>
               <a:rPr lang="en-US" altLang="zh-CN" dirty="0"/>
@@ -35264,7 +35565,31 @@
             </a:r>
             <a:r>
               <a:rPr lang="zh-CN" altLang="en-US" dirty="0"/>
-              <a:t>使用 </a:t>
+              <a:t>那么我们称它为 </a:t>
+            </a:r>
+            <a:r>
+              <a:rPr lang="en-US" altLang="zh-CN" dirty="0"/>
+              <a:t>L2</a:t>
+            </a:r>
+            <a:r>
+              <a:rPr lang="zh-CN" altLang="en-US" dirty="0"/>
+              <a:t>正则化</a:t>
+            </a:r>
+            <a:r>
+              <a:rPr lang="en-US" altLang="zh-CN" dirty="0"/>
+              <a:t>, </a:t>
+            </a:r>
+            <a:r>
+              <a:rPr lang="zh-CN" altLang="en-US" dirty="0"/>
+              <a:t>如果是每个参数的绝对值</a:t>
+            </a:r>
+            <a:r>
+              <a:rPr lang="en-US" altLang="zh-CN" dirty="0"/>
+              <a:t>, </a:t>
+            </a:r>
+            <a:r>
+              <a:rPr lang="zh-CN" altLang="en-US" dirty="0"/>
+              <a:t>我们称为 </a:t>
             </a:r>
             <a:r>
               <a:rPr lang="en-US" altLang="zh-CN" dirty="0"/>
@@ -35272,135 +35597,7 @@
             </a:r>
             <a:r>
               <a:rPr lang="zh-CN" altLang="en-US" dirty="0"/>
-              <a:t>的方法</a:t>
-            </a:r>
-            <a:r>
-              <a:rPr lang="en-US" altLang="zh-CN" dirty="0"/>
-              <a:t>, </a:t>
-            </a:r>
-            <a:r>
-              <a:rPr lang="zh-CN" altLang="en-US" dirty="0"/>
-              <a:t>我们很可能得到的结果是只有 </a:t>
-            </a:r>
-            <a:r>
-              <a:rPr lang="en-US" altLang="zh-CN" dirty="0"/>
-              <a:t>theta1 </a:t>
-            </a:r>
-            <a:r>
-              <a:rPr lang="zh-CN" altLang="en-US" dirty="0"/>
-              <a:t>的特征被保留</a:t>
-            </a:r>
-            <a:r>
-              <a:rPr lang="en-US" altLang="zh-CN" dirty="0"/>
-              <a:t>, </a:t>
-            </a:r>
-            <a:r>
-              <a:rPr lang="zh-CN" altLang="en-US" dirty="0"/>
-              <a:t>所以很多人也用 </a:t>
-            </a:r>
-            <a:r>
-              <a:rPr lang="en-US" altLang="zh-CN" dirty="0"/>
-              <a:t>l1 </a:t>
-            </a:r>
-            <a:r>
-              <a:rPr lang="zh-CN" altLang="en-US" dirty="0"/>
-              <a:t>正则化来挑选对结果贡献最大的重要特征</a:t>
-            </a:r>
-            <a:r>
-              <a:rPr lang="en-US" altLang="zh-CN" dirty="0"/>
-              <a:t>. </a:t>
-            </a:r>
-            <a:r>
-              <a:rPr lang="zh-CN" altLang="en-US" dirty="0"/>
-              <a:t>但是 </a:t>
-            </a:r>
-            <a:r>
-              <a:rPr lang="en-US" altLang="zh-CN" dirty="0"/>
-              <a:t>l1 </a:t>
-            </a:r>
-            <a:r>
-              <a:rPr lang="zh-CN" altLang="en-US" dirty="0"/>
-              <a:t>的结并不是稳定的</a:t>
-            </a:r>
-            <a:r>
-              <a:rPr lang="en-US" altLang="zh-CN" dirty="0"/>
-              <a:t>. </a:t>
-            </a:r>
-            <a:r>
-              <a:rPr lang="zh-CN" altLang="en-US" dirty="0"/>
-              <a:t>比如用批数据训练</a:t>
-            </a:r>
-            <a:r>
-              <a:rPr lang="en-US" altLang="zh-CN" dirty="0"/>
-              <a:t>, </a:t>
-            </a:r>
-            <a:r>
-              <a:rPr lang="zh-CN" altLang="en-US" dirty="0"/>
-              <a:t>每次批数据都会有稍稍不同的误差曲线</a:t>
-            </a:r>
-            <a:r>
-              <a:rPr lang="en-US" altLang="zh-CN" dirty="0"/>
-              <a:t>,</a:t>
-            </a:r>
-            <a:r>
-              <a:rPr lang="zh-CN" altLang="en-US" dirty="0"/>
-              <a:t> </a:t>
-            </a:r>
-            <a:r>
-              <a:rPr lang="en-US" altLang="zh-CN" dirty="0"/>
-              <a:t>L2 </a:t>
-            </a:r>
-            <a:r>
-              <a:rPr lang="zh-CN" altLang="en-US" dirty="0"/>
-              <a:t>针对于这种变动</a:t>
-            </a:r>
-            <a:r>
-              <a:rPr lang="en-US" altLang="zh-CN" dirty="0"/>
-              <a:t>, </a:t>
-            </a:r>
-            <a:r>
-              <a:rPr lang="zh-CN" altLang="en-US" dirty="0"/>
-              <a:t>白点的移动不会太大</a:t>
-            </a:r>
-            <a:r>
-              <a:rPr lang="en-US" altLang="zh-CN" dirty="0"/>
-              <a:t>, </a:t>
-            </a:r>
-            <a:r>
-              <a:rPr lang="zh-CN" altLang="en-US" dirty="0"/>
-              <a:t>而 </a:t>
-            </a:r>
-            <a:r>
-              <a:rPr lang="en-US" altLang="zh-CN" dirty="0"/>
-              <a:t>L1</a:t>
-            </a:r>
-            <a:r>
-              <a:rPr lang="zh-CN" altLang="en-US" dirty="0"/>
-              <a:t>的白点则可能跳到许多不同的地方 </a:t>
-            </a:r>
-            <a:r>
-              <a:rPr lang="en-US" altLang="zh-CN" dirty="0"/>
-              <a:t>, </a:t>
-            </a:r>
-            <a:r>
-              <a:rPr lang="zh-CN" altLang="en-US" dirty="0"/>
-              <a:t>因为这些地方的总误差都是差不多的</a:t>
-            </a:r>
-            <a:r>
-              <a:rPr lang="en-US" altLang="zh-CN" dirty="0"/>
-              <a:t>. </a:t>
-            </a:r>
-            <a:r>
-              <a:rPr lang="zh-CN" altLang="en-US" dirty="0"/>
-              <a:t>侧面说明了 </a:t>
-            </a:r>
-            <a:r>
-              <a:rPr lang="en-US" altLang="zh-CN" dirty="0"/>
-              <a:t>L1 </a:t>
-            </a:r>
-            <a:r>
-              <a:rPr lang="zh-CN" altLang="en-US" dirty="0"/>
-              <a:t>解的不稳定性</a:t>
+              <a:t>正则化。</a:t>
             </a:r>
             <a:endParaRPr lang="en-US" altLang="zh-CN" sz="2000" b="1" dirty="0">
               <a:solidFill>
@@ -35502,6 +35699,108 @@
       </p:sp>
       <p:sp>
         <p:nvSpPr>
+          <p:cNvPr id="10" name="矩形 9">
+            <a:extLst>
+              <a:ext uri="{FF2B5EF4-FFF2-40B4-BE49-F238E27FC236}">
+                <a16:creationId xmlns:a16="http://schemas.microsoft.com/office/drawing/2014/main" id="{48A5E6A6-4091-42A0-9663-C5F34FE09704}"/>
+              </a:ext>
+            </a:extLst>
+          </p:cNvPr>
+          <p:cNvSpPr/>
+          <p:nvPr/>
+        </p:nvSpPr>
+        <p:spPr>
+          <a:xfrm>
+            <a:off x="391597" y="4707676"/>
+            <a:ext cx="4374964" cy="1015663"/>
+          </a:xfrm>
+          <a:prstGeom prst="rect">
+            <a:avLst/>
+          </a:prstGeom>
+        </p:spPr>
+        <p:txBody>
+          <a:bodyPr wrap="square">
+            <a:spAutoFit/>
+          </a:bodyPr>
+          <a:lstStyle/>
+          <a:p>
+            <a:r>
+              <a:rPr lang="en-US" altLang="zh-CN" sz="2000" b="1" dirty="0">
+                <a:solidFill>
+                  <a:srgbClr val="002060"/>
+                </a:solidFill>
+                <a:latin typeface="+mn-ea"/>
+              </a:rPr>
+              <a:t>L1</a:t>
+            </a:r>
+            <a:r>
+              <a:rPr lang="zh-CN" altLang="en-US" sz="2000" b="1" dirty="0">
+                <a:solidFill>
+                  <a:srgbClr val="002060"/>
+                </a:solidFill>
+                <a:latin typeface="+mn-ea"/>
+              </a:rPr>
+              <a:t>正则化和</a:t>
+            </a:r>
+            <a:r>
+              <a:rPr lang="en-US" altLang="zh-CN" sz="2000" b="1" dirty="0">
+                <a:solidFill>
+                  <a:srgbClr val="002060"/>
+                </a:solidFill>
+                <a:latin typeface="+mn-ea"/>
+              </a:rPr>
+              <a:t>L2</a:t>
+            </a:r>
+            <a:r>
+              <a:rPr lang="zh-CN" altLang="en-US" sz="2000" b="1" dirty="0">
+                <a:solidFill>
+                  <a:srgbClr val="002060"/>
+                </a:solidFill>
+                <a:latin typeface="+mn-ea"/>
+              </a:rPr>
+              <a:t>正则化主要的区别在于，</a:t>
+            </a:r>
+            <a:r>
+              <a:rPr lang="en-US" altLang="zh-CN" sz="2000" b="1" dirty="0">
+                <a:solidFill>
+                  <a:srgbClr val="002060"/>
+                </a:solidFill>
+                <a:latin typeface="+mn-ea"/>
+              </a:rPr>
+              <a:t>L1</a:t>
+            </a:r>
+            <a:r>
+              <a:rPr lang="zh-CN" altLang="en-US" sz="2000" b="1" dirty="0">
+                <a:solidFill>
+                  <a:srgbClr val="002060"/>
+                </a:solidFill>
+                <a:latin typeface="+mn-ea"/>
+              </a:rPr>
+              <a:t>正比于参数的绝对值，而</a:t>
+            </a:r>
+            <a:r>
+              <a:rPr lang="en-US" altLang="zh-CN" sz="2000" b="1" dirty="0">
+                <a:solidFill>
+                  <a:srgbClr val="002060"/>
+                </a:solidFill>
+                <a:latin typeface="+mn-ea"/>
+              </a:rPr>
+              <a:t>L2</a:t>
+            </a:r>
+            <a:r>
+              <a:rPr lang="zh-CN" altLang="en-US" sz="2000" b="1" dirty="0">
+                <a:solidFill>
+                  <a:srgbClr val="002060"/>
+                </a:solidFill>
+                <a:latin typeface="+mn-ea"/>
+              </a:rPr>
+              <a:t>正比于参数的平方。</a:t>
+            </a:r>
+          </a:p>
+        </p:txBody>
+      </p:sp>
+      <p:sp>
+        <p:nvSpPr>
           <p:cNvPr id="12" name="文本框 11">
             <a:extLst>
               <a:ext uri="{FF2B5EF4-FFF2-40B4-BE49-F238E27FC236}">
@@ -35554,10 +35853,10 @@
       </p:sp>
       <p:pic>
         <p:nvPicPr>
-          <p:cNvPr id="10242" name="Picture 2" descr="preview">
+          <p:cNvPr id="11" name="Picture 2" descr="preview">
             <a:extLst>
               <a:ext uri="{FF2B5EF4-FFF2-40B4-BE49-F238E27FC236}">
-                <a16:creationId xmlns:a16="http://schemas.microsoft.com/office/drawing/2014/main" id="{4704B09D-E871-4B55-A8CC-024D67CE4692}"/>
+                <a16:creationId xmlns:a16="http://schemas.microsoft.com/office/drawing/2014/main" id="{4F2A4BBC-8DB7-4F4D-B521-F04819179C9C}"/>
               </a:ext>
             </a:extLst>
           </p:cNvPr>
@@ -35581,8 +35880,8 @@
         </p:blipFill>
         <p:spPr bwMode="auto">
           <a:xfrm>
-            <a:off x="5891300" y="16322"/>
-            <a:ext cx="6169072" cy="3412678"/>
+            <a:off x="5754432" y="260648"/>
+            <a:ext cx="6132070" cy="3121529"/>
           </a:xfrm>
           <a:prstGeom prst="rect">
             <a:avLst/>
@@ -35601,10 +35900,10 @@
       </p:pic>
       <p:pic>
         <p:nvPicPr>
-          <p:cNvPr id="10244" name="Picture 4" descr="https://pic1.zhimg.com/80/v2-e8734136ff4da41b748f16e514971aa0_1440w.png">
+          <p:cNvPr id="8194" name="Picture 2" descr="preview">
             <a:extLst>
               <a:ext uri="{FF2B5EF4-FFF2-40B4-BE49-F238E27FC236}">
-                <a16:creationId xmlns:a16="http://schemas.microsoft.com/office/drawing/2014/main" id="{974F7F11-A7A8-4ED8-BF46-50DC53A99321}"/>
+                <a16:creationId xmlns:a16="http://schemas.microsoft.com/office/drawing/2014/main" id="{E2EE9DD5-AF1B-40BF-B5C5-BAE02F47808C}"/>
               </a:ext>
             </a:extLst>
           </p:cNvPr>
@@ -35628,8 +35927,8 @@
         </p:blipFill>
         <p:spPr bwMode="auto">
           <a:xfrm>
-            <a:off x="5921739" y="3484247"/>
-            <a:ext cx="6169072" cy="3352757"/>
+            <a:off x="5754432" y="3573016"/>
+            <a:ext cx="6150608" cy="3284984"/>
           </a:xfrm>
           <a:prstGeom prst="rect">
             <a:avLst/>
@@ -35649,7 +35948,7 @@
     </p:spTree>
     <p:extLst>
       <p:ext uri="{BB962C8B-B14F-4D97-AF65-F5344CB8AC3E}">
-        <p14:creationId xmlns:p14="http://schemas.microsoft.com/office/powerpoint/2010/main" val="3953406401"/>
+        <p14:creationId xmlns:p14="http://schemas.microsoft.com/office/powerpoint/2010/main" val="3008781515"/>
       </p:ext>
     </p:extLst>
   </p:cSld>
@@ -36107,6 +36406,1953 @@
         <p:spPr>
           <a:xfrm>
             <a:off x="237303" y="1195437"/>
+            <a:ext cx="5066609" cy="4893647"/>
+          </a:xfrm>
+          <a:prstGeom prst="rect">
+            <a:avLst/>
+          </a:prstGeom>
+          <a:noFill/>
+        </p:spPr>
+        <p:txBody>
+          <a:bodyPr wrap="square" rtlCol="0">
+            <a:spAutoFit/>
+          </a:bodyPr>
+          <a:lstStyle/>
+          <a:p>
+            <a:pPr marL="342900" indent="-342900">
+              <a:buFont typeface="Wingdings" panose="05000000000000000000" pitchFamily="2" charset="2"/>
+              <a:buChar char="l"/>
+            </a:pPr>
+            <a:r>
+              <a:rPr lang="zh-CN" altLang="en-US" sz="2000" b="1" dirty="0"/>
+              <a:t>结构化风险（</a:t>
+            </a:r>
+            <a:r>
+              <a:rPr lang="en-US" altLang="zh-CN" sz="2000" b="1" dirty="0"/>
+              <a:t> L1, L2</a:t>
+            </a:r>
+            <a:r>
+              <a:rPr lang="zh-CN" altLang="en-US" sz="2000" b="1" dirty="0"/>
+              <a:t>正则化）</a:t>
+            </a:r>
+            <a:endParaRPr lang="en-US" altLang="zh-CN" sz="2000" b="1" dirty="0"/>
+          </a:p>
+          <a:p>
+            <a:r>
+              <a:rPr lang="en-US" altLang="zh-CN" sz="2000" b="1" dirty="0">
+                <a:solidFill>
+                  <a:srgbClr val="FF0000"/>
+                </a:solidFill>
+              </a:rPr>
+              <a:t>WHY</a:t>
+            </a:r>
+            <a:r>
+              <a:rPr lang="zh-CN" altLang="en-US" sz="2000" b="1" dirty="0">
+                <a:solidFill>
+                  <a:srgbClr val="FF0000"/>
+                </a:solidFill>
+              </a:rPr>
+              <a:t>？</a:t>
+            </a:r>
+            <a:r>
+              <a:rPr lang="en-US" altLang="zh-CN" sz="2000" b="1" dirty="0">
+                <a:solidFill>
+                  <a:srgbClr val="FF0000"/>
+                </a:solidFill>
+              </a:rPr>
+              <a:t>WHAT</a:t>
+            </a:r>
+            <a:r>
+              <a:rPr lang="zh-CN" altLang="en-US" sz="2000" b="1" dirty="0">
+                <a:solidFill>
+                  <a:srgbClr val="FF0000"/>
+                </a:solidFill>
+              </a:rPr>
+              <a:t>？</a:t>
+            </a:r>
+            <a:r>
+              <a:rPr lang="en-US" altLang="zh-CN" sz="2000" b="1" dirty="0">
+                <a:solidFill>
+                  <a:srgbClr val="FF0000"/>
+                </a:solidFill>
+              </a:rPr>
+              <a:t>HOW</a:t>
+            </a:r>
+            <a:r>
+              <a:rPr lang="zh-CN" altLang="en-US" sz="2000" b="1" dirty="0">
+                <a:solidFill>
+                  <a:srgbClr val="FF0000"/>
+                </a:solidFill>
+              </a:rPr>
+              <a:t>？</a:t>
+            </a:r>
+            <a:endParaRPr lang="en-US" altLang="zh-CN" sz="2000" b="1" dirty="0">
+              <a:solidFill>
+                <a:srgbClr val="FF0000"/>
+              </a:solidFill>
+            </a:endParaRPr>
+          </a:p>
+          <a:p>
+            <a:endParaRPr lang="en-US" altLang="zh-CN" sz="2000" b="1" dirty="0">
+              <a:solidFill>
+                <a:srgbClr val="FF0000"/>
+              </a:solidFill>
+            </a:endParaRPr>
+          </a:p>
+          <a:p>
+            <a:r>
+              <a:rPr lang="zh-CN" altLang="en-US" b="1" dirty="0"/>
+              <a:t>核心思想：</a:t>
+            </a:r>
+            <a:endParaRPr lang="en-US" altLang="zh-CN" b="1" dirty="0"/>
+          </a:p>
+          <a:p>
+            <a:endParaRPr lang="en-US" altLang="zh-CN" dirty="0"/>
+          </a:p>
+          <a:p>
+            <a:r>
+              <a:rPr lang="zh-CN" altLang="en-US" dirty="0"/>
+              <a:t>以</a:t>
+            </a:r>
+            <a:r>
+              <a:rPr lang="en-US" altLang="zh-CN" dirty="0"/>
+              <a:t>L2</a:t>
+            </a:r>
+            <a:r>
+              <a:rPr lang="zh-CN" altLang="en-US" dirty="0"/>
+              <a:t>正则化为例进行探讨</a:t>
+            </a:r>
+            <a:r>
+              <a:rPr lang="en-US" altLang="zh-CN" dirty="0"/>
+              <a:t>, </a:t>
+            </a:r>
+            <a:r>
+              <a:rPr lang="zh-CN" altLang="en-US" dirty="0"/>
+              <a:t>机器学习的过程是一个 通过修改参数 </a:t>
+            </a:r>
+            <a:r>
+              <a:rPr lang="en-US" altLang="zh-CN" dirty="0"/>
+              <a:t>theta </a:t>
+            </a:r>
+            <a:r>
+              <a:rPr lang="zh-CN" altLang="en-US" dirty="0"/>
+              <a:t>来减小误差的过程</a:t>
+            </a:r>
+            <a:r>
+              <a:rPr lang="en-US" altLang="zh-CN" dirty="0"/>
+              <a:t>, </a:t>
+            </a:r>
+            <a:r>
+              <a:rPr lang="zh-CN" altLang="en-US" dirty="0"/>
+              <a:t>可是在减小误差的时候非线性越强的参数</a:t>
+            </a:r>
+            <a:r>
+              <a:rPr lang="en-US" altLang="zh-CN" dirty="0"/>
+              <a:t>, </a:t>
+            </a:r>
+            <a:r>
+              <a:rPr lang="zh-CN" altLang="en-US" dirty="0"/>
+              <a:t>比如在 </a:t>
+            </a:r>
+            <a:r>
+              <a:rPr lang="en-US" altLang="zh-CN" dirty="0"/>
+              <a:t>x^3 </a:t>
+            </a:r>
+            <a:r>
+              <a:rPr lang="zh-CN" altLang="en-US" dirty="0"/>
+              <a:t>旁边的 </a:t>
+            </a:r>
+            <a:r>
+              <a:rPr lang="en-US" altLang="zh-CN" dirty="0"/>
+              <a:t>theta 4 </a:t>
+            </a:r>
+            <a:r>
+              <a:rPr lang="zh-CN" altLang="en-US" dirty="0"/>
+              <a:t>就会被修改得越多</a:t>
+            </a:r>
+            <a:r>
+              <a:rPr lang="en-US" altLang="zh-CN" dirty="0"/>
+              <a:t>, </a:t>
+            </a:r>
+            <a:r>
+              <a:rPr lang="zh-CN" altLang="en-US" dirty="0"/>
+              <a:t>因为如果使用非线性强的参数就能使方程更加曲折</a:t>
+            </a:r>
+            <a:r>
+              <a:rPr lang="en-US" altLang="zh-CN" dirty="0"/>
+              <a:t>, </a:t>
+            </a:r>
+            <a:r>
+              <a:rPr lang="zh-CN" altLang="en-US" dirty="0"/>
+              <a:t>也就能更好的拟合上那些分布的数据点</a:t>
+            </a:r>
+            <a:r>
+              <a:rPr lang="en-US" altLang="zh-CN" dirty="0"/>
+              <a:t>. Theta 4</a:t>
+            </a:r>
+            <a:r>
+              <a:rPr lang="zh-CN" altLang="en-US" dirty="0"/>
+              <a:t>作为非线性强的参数系数</a:t>
+            </a:r>
+            <a:r>
+              <a:rPr lang="en-US" altLang="zh-CN" dirty="0"/>
+              <a:t>, </a:t>
+            </a:r>
+            <a:r>
+              <a:rPr lang="zh-CN" altLang="en-US" dirty="0"/>
+              <a:t>改变模型的很明显</a:t>
+            </a:r>
+            <a:r>
+              <a:rPr lang="en-US" altLang="zh-CN" dirty="0"/>
+              <a:t>, </a:t>
+            </a:r>
+            <a:r>
+              <a:rPr lang="zh-CN" altLang="en-US" dirty="0"/>
+              <a:t>很容易拟合所有的数据</a:t>
+            </a:r>
+            <a:r>
+              <a:rPr lang="en-US" altLang="zh-CN" dirty="0"/>
+              <a:t>, </a:t>
+            </a:r>
+            <a:r>
+              <a:rPr lang="zh-CN" altLang="en-US" dirty="0"/>
+              <a:t>然而误差方程需要保证模型的鲁棒性，如果</a:t>
+            </a:r>
+            <a:r>
+              <a:rPr lang="en-US" altLang="zh-CN" dirty="0"/>
+              <a:t>Theta 4</a:t>
+            </a:r>
+            <a:r>
+              <a:rPr lang="zh-CN" altLang="en-US" dirty="0"/>
+              <a:t>错了</a:t>
+            </a:r>
+            <a:r>
+              <a:rPr lang="en-US" altLang="zh-CN" dirty="0"/>
+              <a:t>, </a:t>
+            </a:r>
+            <a:r>
+              <a:rPr lang="zh-CN" altLang="en-US" dirty="0"/>
+              <a:t>整个误差方程的效率就突然降低了</a:t>
+            </a:r>
+            <a:r>
+              <a:rPr lang="en-US" altLang="zh-CN" dirty="0"/>
+              <a:t>, </a:t>
+            </a:r>
+            <a:r>
+              <a:rPr lang="zh-CN" altLang="en-US" dirty="0"/>
+              <a:t>因此误差方程需要“惩罚”方程中“独出风头” 的参数系数</a:t>
+            </a:r>
+            <a:r>
+              <a:rPr lang="en-US" altLang="zh-CN" dirty="0"/>
+              <a:t>. </a:t>
+            </a:r>
+            <a:r>
+              <a:rPr lang="zh-CN" altLang="en-US" dirty="0"/>
+              <a:t>这就是整套正规化算法的核心思想。</a:t>
+            </a:r>
+            <a:endParaRPr lang="en-US" altLang="zh-CN" sz="2000" b="1" dirty="0">
+              <a:solidFill>
+                <a:srgbClr val="FF0000"/>
+              </a:solidFill>
+            </a:endParaRPr>
+          </a:p>
+        </p:txBody>
+      </p:sp>
+      <p:sp>
+        <p:nvSpPr>
+          <p:cNvPr id="3" name="AutoShape 2" descr="[公式]">
+            <a:extLst>
+              <a:ext uri="{FF2B5EF4-FFF2-40B4-BE49-F238E27FC236}">
+                <a16:creationId xmlns:a16="http://schemas.microsoft.com/office/drawing/2014/main" id="{E557092A-43CE-4A70-84F7-39F580A0FEAB}"/>
+              </a:ext>
+            </a:extLst>
+          </p:cNvPr>
+          <p:cNvSpPr>
+            <a:spLocks noChangeAspect="1" noChangeArrowheads="1"/>
+          </p:cNvSpPr>
+          <p:nvPr/>
+        </p:nvSpPr>
+        <p:spPr bwMode="auto">
+          <a:xfrm>
+            <a:off x="3432175" y="-144463"/>
+            <a:ext cx="304800" cy="304801"/>
+          </a:xfrm>
+          <a:prstGeom prst="rect">
+            <a:avLst/>
+          </a:prstGeom>
+          <a:noFill/>
+          <a:extLst>
+            <a:ext uri="{909E8E84-426E-40DD-AFC4-6F175D3DCCD1}">
+              <a14:hiddenFill xmlns:a14="http://schemas.microsoft.com/office/drawing/2010/main">
+                <a:solidFill>
+                  <a:srgbClr val="FFFFFF"/>
+                </a:solidFill>
+              </a14:hiddenFill>
+            </a:ext>
+          </a:extLst>
+        </p:spPr>
+        <p:txBody>
+          <a:bodyPr vert="horz" wrap="square" lIns="91440" tIns="45720" rIns="91440" bIns="45720" numCol="1" anchor="t" anchorCtr="0" compatLnSpc="1">
+            <a:prstTxWarp prst="textNoShape">
+              <a:avLst/>
+            </a:prstTxWarp>
+          </a:bodyPr>
+          <a:lstStyle/>
+          <a:p>
+            <a:endParaRPr lang="zh-CN" altLang="en-US"/>
+          </a:p>
+        </p:txBody>
+      </p:sp>
+      <p:sp>
+        <p:nvSpPr>
+          <p:cNvPr id="13" name="AutoShape 8" descr="[公式]">
+            <a:extLst>
+              <a:ext uri="{FF2B5EF4-FFF2-40B4-BE49-F238E27FC236}">
+                <a16:creationId xmlns:a16="http://schemas.microsoft.com/office/drawing/2014/main" id="{3B151B13-88AE-47D1-A17E-AB83318390A2}"/>
+              </a:ext>
+            </a:extLst>
+          </p:cNvPr>
+          <p:cNvSpPr>
+            <a:spLocks noChangeAspect="1" noChangeArrowheads="1"/>
+          </p:cNvSpPr>
+          <p:nvPr/>
+        </p:nvSpPr>
+        <p:spPr bwMode="auto">
+          <a:xfrm flipV="1">
+            <a:off x="15636875" y="-1014094"/>
+            <a:ext cx="141599" cy="45719"/>
+          </a:xfrm>
+          <a:prstGeom prst="rect">
+            <a:avLst/>
+          </a:prstGeom>
+          <a:noFill/>
+          <a:extLst>
+            <a:ext uri="{909E8E84-426E-40DD-AFC4-6F175D3DCCD1}">
+              <a14:hiddenFill xmlns:a14="http://schemas.microsoft.com/office/drawing/2010/main">
+                <a:solidFill>
+                  <a:srgbClr val="FFFFFF"/>
+                </a:solidFill>
+              </a14:hiddenFill>
+            </a:ext>
+          </a:extLst>
+        </p:spPr>
+        <p:txBody>
+          <a:bodyPr vert="horz" wrap="square" lIns="91440" tIns="45720" rIns="91440" bIns="45720" numCol="1" anchor="t" anchorCtr="0" compatLnSpc="1">
+            <a:prstTxWarp prst="textNoShape">
+              <a:avLst/>
+            </a:prstTxWarp>
+          </a:bodyPr>
+          <a:lstStyle/>
+          <a:p>
+            <a:endParaRPr lang="zh-CN" altLang="en-US"/>
+          </a:p>
+        </p:txBody>
+      </p:sp>
+      <p:sp>
+        <p:nvSpPr>
+          <p:cNvPr id="12" name="文本框 11">
+            <a:extLst>
+              <a:ext uri="{FF2B5EF4-FFF2-40B4-BE49-F238E27FC236}">
+                <a16:creationId xmlns:a16="http://schemas.microsoft.com/office/drawing/2014/main" id="{01FD16D1-3796-4A35-BBE5-0FE38C32D8FB}"/>
+              </a:ext>
+            </a:extLst>
+          </p:cNvPr>
+          <p:cNvSpPr txBox="1"/>
+          <p:nvPr/>
+        </p:nvSpPr>
+        <p:spPr>
+          <a:xfrm>
+            <a:off x="283263" y="447055"/>
+            <a:ext cx="3453712" cy="461665"/>
+          </a:xfrm>
+          <a:prstGeom prst="rect">
+            <a:avLst/>
+          </a:prstGeom>
+          <a:noFill/>
+        </p:spPr>
+        <p:txBody>
+          <a:bodyPr wrap="square" rtlCol="0">
+            <a:spAutoFit/>
+          </a:bodyPr>
+          <a:lstStyle/>
+          <a:p>
+            <a:r>
+              <a:rPr lang="zh-CN" altLang="en-US" sz="2400" dirty="0">
+                <a:latin typeface="Agency FB" panose="020B0503020202020204" pitchFamily="34" charset="0"/>
+              </a:rPr>
+              <a:t>结构化风险（</a:t>
+            </a:r>
+            <a:r>
+              <a:rPr lang="en-US" altLang="zh-CN" sz="2400" dirty="0">
+                <a:latin typeface="Agency FB" panose="020B0503020202020204" pitchFamily="34" charset="0"/>
+              </a:rPr>
+              <a:t>L1,L2</a:t>
+            </a:r>
+            <a:r>
+              <a:rPr lang="zh-CN" altLang="en-US" sz="2400" dirty="0">
+                <a:latin typeface="Agency FB" panose="020B0503020202020204" pitchFamily="34" charset="0"/>
+              </a:rPr>
+              <a:t>正则化）</a:t>
+            </a:r>
+            <a:endParaRPr lang="en-US" altLang="zh-CN" sz="2400" dirty="0">
+              <a:latin typeface="Agency FB" panose="020B0503020202020204" pitchFamily="34" charset="0"/>
+            </a:endParaRPr>
+          </a:p>
+        </p:txBody>
+      </p:sp>
+      <p:pic>
+        <p:nvPicPr>
+          <p:cNvPr id="9218" name="Picture 2" descr="preview">
+            <a:extLst>
+              <a:ext uri="{FF2B5EF4-FFF2-40B4-BE49-F238E27FC236}">
+                <a16:creationId xmlns:a16="http://schemas.microsoft.com/office/drawing/2014/main" id="{57B1CF31-18B4-4817-8270-B4D778A18723}"/>
+              </a:ext>
+            </a:extLst>
+          </p:cNvPr>
+          <p:cNvPicPr>
+            <a:picLocks noChangeAspect="1" noChangeArrowheads="1"/>
+          </p:cNvPicPr>
+          <p:nvPr/>
+        </p:nvPicPr>
+        <p:blipFill>
+          <a:blip r:embed="rId3">
+            <a:extLst>
+              <a:ext uri="{28A0092B-C50C-407E-A947-70E740481C1C}">
+                <a14:useLocalDpi xmlns:a14="http://schemas.microsoft.com/office/drawing/2010/main" val="0"/>
+              </a:ext>
+            </a:extLst>
+          </a:blip>
+          <a:srcRect/>
+          <a:stretch>
+            <a:fillRect/>
+          </a:stretch>
+        </p:blipFill>
+        <p:spPr bwMode="auto">
+          <a:xfrm>
+            <a:off x="5442199" y="1195437"/>
+            <a:ext cx="6729016" cy="3707825"/>
+          </a:xfrm>
+          <a:prstGeom prst="rect">
+            <a:avLst/>
+          </a:prstGeom>
+          <a:noFill/>
+          <a:extLst>
+            <a:ext uri="{909E8E84-426E-40DD-AFC4-6F175D3DCCD1}">
+              <a14:hiddenFill xmlns:a14="http://schemas.microsoft.com/office/drawing/2010/main">
+                <a:solidFill>
+                  <a:srgbClr val="FFFFFF"/>
+                </a:solidFill>
+              </a14:hiddenFill>
+            </a:ext>
+          </a:extLst>
+        </p:spPr>
+      </p:pic>
+    </p:spTree>
+    <p:extLst>
+      <p:ext uri="{BB962C8B-B14F-4D97-AF65-F5344CB8AC3E}">
+        <p14:creationId xmlns:p14="http://schemas.microsoft.com/office/powerpoint/2010/main" val="21040560"/>
+      </p:ext>
+    </p:extLst>
+  </p:cSld>
+  <p:clrMapOvr>
+    <a:masterClrMapping/>
+  </p:clrMapOvr>
+  <mc:AlternateContent xmlns:mc="http://schemas.openxmlformats.org/markup-compatibility/2006" xmlns:p14="http://schemas.microsoft.com/office/powerpoint/2010/main">
+    <mc:Choice Requires="p14">
+      <p:transition spd="slow" p14:dur="2000" advTm="3000"/>
+    </mc:Choice>
+    <mc:Fallback xmlns="">
+      <p:transition spd="slow" advTm="3000"/>
+    </mc:Fallback>
+  </mc:AlternateContent>
+  <p:timing>
+    <p:tnLst>
+      <p:par>
+        <p:cTn id="1" dur="indefinite" restart="never" nodeType="tmRoot">
+          <p:childTnLst>
+            <p:seq concurrent="1" nextAc="seek">
+              <p:cTn id="2" dur="indefinite" nodeType="mainSeq">
+                <p:childTnLst>
+                  <p:par>
+                    <p:cTn id="3" fill="hold">
+                      <p:stCondLst>
+                        <p:cond delay="indefinite"/>
+                        <p:cond evt="onBegin" delay="0">
+                          <p:tn val="2"/>
+                        </p:cond>
+                      </p:stCondLst>
+                      <p:childTnLst>
+                        <p:par>
+                          <p:cTn id="4" fill="hold">
+                            <p:stCondLst>
+                              <p:cond delay="0"/>
+                            </p:stCondLst>
+                            <p:childTnLst>
+                              <p:par>
+                                <p:cTn id="5" presetID="2" presetClass="entr" presetSubtype="8" fill="hold" nodeType="withEffect">
+                                  <p:stCondLst>
+                                    <p:cond delay="0"/>
+                                  </p:stCondLst>
+                                  <p:childTnLst>
+                                    <p:set>
+                                      <p:cBhvr>
+                                        <p:cTn id="6" dur="1" fill="hold">
+                                          <p:stCondLst>
+                                            <p:cond delay="0"/>
+                                          </p:stCondLst>
+                                        </p:cTn>
+                                        <p:tgtEl>
+                                          <p:spTgt spid="6"/>
+                                        </p:tgtEl>
+                                        <p:attrNameLst>
+                                          <p:attrName>style.visibility</p:attrName>
+                                        </p:attrNameLst>
+                                      </p:cBhvr>
+                                      <p:to>
+                                        <p:strVal val="visible"/>
+                                      </p:to>
+                                    </p:set>
+                                    <p:anim calcmode="lin" valueType="num">
+                                      <p:cBhvr additive="base">
+                                        <p:cTn id="7" dur="500" fill="hold"/>
+                                        <p:tgtEl>
+                                          <p:spTgt spid="6"/>
+                                        </p:tgtEl>
+                                        <p:attrNameLst>
+                                          <p:attrName>ppt_x</p:attrName>
+                                        </p:attrNameLst>
+                                      </p:cBhvr>
+                                      <p:tavLst>
+                                        <p:tav tm="0">
+                                          <p:val>
+                                            <p:strVal val="0-#ppt_w/2"/>
+                                          </p:val>
+                                        </p:tav>
+                                        <p:tav tm="100000">
+                                          <p:val>
+                                            <p:strVal val="#ppt_x"/>
+                                          </p:val>
+                                        </p:tav>
+                                      </p:tavLst>
+                                    </p:anim>
+                                    <p:anim calcmode="lin" valueType="num">
+                                      <p:cBhvr additive="base">
+                                        <p:cTn id="8" dur="500" fill="hold"/>
+                                        <p:tgtEl>
+                                          <p:spTgt spid="6"/>
+                                        </p:tgtEl>
+                                        <p:attrNameLst>
+                                          <p:attrName>ppt_y</p:attrName>
+                                        </p:attrNameLst>
+                                      </p:cBhvr>
+                                      <p:tavLst>
+                                        <p:tav tm="0">
+                                          <p:val>
+                                            <p:strVal val="#ppt_y"/>
+                                          </p:val>
+                                        </p:tav>
+                                        <p:tav tm="100000">
+                                          <p:val>
+                                            <p:strVal val="#ppt_y"/>
+                                          </p:val>
+                                        </p:tav>
+                                      </p:tavLst>
+                                    </p:anim>
+                                  </p:childTnLst>
+                                </p:cTn>
+                              </p:par>
+                            </p:childTnLst>
+                          </p:cTn>
+                        </p:par>
+                        <p:par>
+                          <p:cTn id="9" fill="hold">
+                            <p:stCondLst>
+                              <p:cond delay="500"/>
+                            </p:stCondLst>
+                            <p:childTnLst>
+                              <p:par>
+                                <p:cTn id="10" presetID="2" presetClass="entr" presetSubtype="8" fill="hold" grpId="0" nodeType="afterEffect">
+                                  <p:stCondLst>
+                                    <p:cond delay="0"/>
+                                  </p:stCondLst>
+                                  <p:childTnLst>
+                                    <p:set>
+                                      <p:cBhvr>
+                                        <p:cTn id="11" dur="1" fill="hold">
+                                          <p:stCondLst>
+                                            <p:cond delay="0"/>
+                                          </p:stCondLst>
+                                        </p:cTn>
+                                        <p:tgtEl>
+                                          <p:spTgt spid="4"/>
+                                        </p:tgtEl>
+                                        <p:attrNameLst>
+                                          <p:attrName>style.visibility</p:attrName>
+                                        </p:attrNameLst>
+                                      </p:cBhvr>
+                                      <p:to>
+                                        <p:strVal val="visible"/>
+                                      </p:to>
+                                    </p:set>
+                                    <p:anim calcmode="lin" valueType="num">
+                                      <p:cBhvr additive="base">
+                                        <p:cTn id="12" dur="500" fill="hold"/>
+                                        <p:tgtEl>
+                                          <p:spTgt spid="4"/>
+                                        </p:tgtEl>
+                                        <p:attrNameLst>
+                                          <p:attrName>ppt_x</p:attrName>
+                                        </p:attrNameLst>
+                                      </p:cBhvr>
+                                      <p:tavLst>
+                                        <p:tav tm="0">
+                                          <p:val>
+                                            <p:strVal val="0-#ppt_w/2"/>
+                                          </p:val>
+                                        </p:tav>
+                                        <p:tav tm="100000">
+                                          <p:val>
+                                            <p:strVal val="#ppt_x"/>
+                                          </p:val>
+                                        </p:tav>
+                                      </p:tavLst>
+                                    </p:anim>
+                                    <p:anim calcmode="lin" valueType="num">
+                                      <p:cBhvr additive="base">
+                                        <p:cTn id="13" dur="500" fill="hold"/>
+                                        <p:tgtEl>
+                                          <p:spTgt spid="4"/>
+                                        </p:tgtEl>
+                                        <p:attrNameLst>
+                                          <p:attrName>ppt_y</p:attrName>
+                                        </p:attrNameLst>
+                                      </p:cBhvr>
+                                      <p:tavLst>
+                                        <p:tav tm="0">
+                                          <p:val>
+                                            <p:strVal val="#ppt_y"/>
+                                          </p:val>
+                                        </p:tav>
+                                        <p:tav tm="100000">
+                                          <p:val>
+                                            <p:strVal val="#ppt_y"/>
+                                          </p:val>
+                                        </p:tav>
+                                      </p:tavLst>
+                                    </p:anim>
+                                  </p:childTnLst>
+                                </p:cTn>
+                              </p:par>
+                            </p:childTnLst>
+                          </p:cTn>
+                        </p:par>
+                        <p:par>
+                          <p:cTn id="14" fill="hold">
+                            <p:stCondLst>
+                              <p:cond delay="1000"/>
+                            </p:stCondLst>
+                            <p:childTnLst>
+                              <p:par>
+                                <p:cTn id="15" presetID="22" presetClass="entr" presetSubtype="1" fill="hold" grpId="0" nodeType="afterEffect">
+                                  <p:stCondLst>
+                                    <p:cond delay="0"/>
+                                  </p:stCondLst>
+                                  <p:childTnLst>
+                                    <p:set>
+                                      <p:cBhvr>
+                                        <p:cTn id="16" dur="1" fill="hold">
+                                          <p:stCondLst>
+                                            <p:cond delay="0"/>
+                                          </p:stCondLst>
+                                        </p:cTn>
+                                        <p:tgtEl>
+                                          <p:spTgt spid="7"/>
+                                        </p:tgtEl>
+                                        <p:attrNameLst>
+                                          <p:attrName>style.visibility</p:attrName>
+                                        </p:attrNameLst>
+                                      </p:cBhvr>
+                                      <p:to>
+                                        <p:strVal val="visible"/>
+                                      </p:to>
+                                    </p:set>
+                                    <p:animEffect transition="in" filter="wipe(up)">
+                                      <p:cBhvr>
+                                        <p:cTn id="17" dur="500"/>
+                                        <p:tgtEl>
+                                          <p:spTgt spid="7"/>
+                                        </p:tgtEl>
+                                      </p:cBhvr>
+                                    </p:animEffect>
+                                  </p:childTnLst>
+                                </p:cTn>
+                              </p:par>
+                            </p:childTnLst>
+                          </p:cTn>
+                        </p:par>
+                        <p:par>
+                          <p:cTn id="18" fill="hold">
+                            <p:stCondLst>
+                              <p:cond delay="1500"/>
+                            </p:stCondLst>
+                            <p:childTnLst>
+                              <p:par>
+                                <p:cTn id="19" presetID="12" presetClass="entr" presetSubtype="1" fill="hold" grpId="0" nodeType="afterEffect">
+                                  <p:stCondLst>
+                                    <p:cond delay="0"/>
+                                  </p:stCondLst>
+                                  <p:iterate type="lt">
+                                    <p:tmPct val="10000"/>
+                                  </p:iterate>
+                                  <p:childTnLst>
+                                    <p:set>
+                                      <p:cBhvr>
+                                        <p:cTn id="20" dur="1" fill="hold">
+                                          <p:stCondLst>
+                                            <p:cond delay="0"/>
+                                          </p:stCondLst>
+                                        </p:cTn>
+                                        <p:tgtEl>
+                                          <p:spTgt spid="12"/>
+                                        </p:tgtEl>
+                                        <p:attrNameLst>
+                                          <p:attrName>style.visibility</p:attrName>
+                                        </p:attrNameLst>
+                                      </p:cBhvr>
+                                      <p:to>
+                                        <p:strVal val="visible"/>
+                                      </p:to>
+                                    </p:set>
+                                    <p:anim calcmode="lin" valueType="num">
+                                      <p:cBhvr additive="base">
+                                        <p:cTn id="21" dur="250"/>
+                                        <p:tgtEl>
+                                          <p:spTgt spid="12"/>
+                                        </p:tgtEl>
+                                        <p:attrNameLst>
+                                          <p:attrName>ppt_y</p:attrName>
+                                        </p:attrNameLst>
+                                      </p:cBhvr>
+                                      <p:tavLst>
+                                        <p:tav tm="0">
+                                          <p:val>
+                                            <p:strVal val="#ppt_y-#ppt_h*1.125000"/>
+                                          </p:val>
+                                        </p:tav>
+                                        <p:tav tm="100000">
+                                          <p:val>
+                                            <p:strVal val="#ppt_y"/>
+                                          </p:val>
+                                        </p:tav>
+                                      </p:tavLst>
+                                    </p:anim>
+                                    <p:animEffect transition="in" filter="wipe(down)">
+                                      <p:cBhvr>
+                                        <p:cTn id="22" dur="250"/>
+                                        <p:tgtEl>
+                                          <p:spTgt spid="12"/>
+                                        </p:tgtEl>
+                                      </p:cBhvr>
+                                    </p:animEffect>
+                                  </p:childTnLst>
+                                </p:cTn>
+                              </p:par>
+                            </p:childTnLst>
+                          </p:cTn>
+                        </p:par>
+                      </p:childTnLst>
+                    </p:cTn>
+                  </p:par>
+                </p:childTnLst>
+              </p:cTn>
+              <p:prevCondLst>
+                <p:cond evt="onPrev" delay="0">
+                  <p:tgtEl>
+                    <p:sldTgt/>
+                  </p:tgtEl>
+                </p:cond>
+              </p:prevCondLst>
+              <p:nextCondLst>
+                <p:cond evt="onNext" delay="0">
+                  <p:tgtEl>
+                    <p:sldTgt/>
+                  </p:tgtEl>
+                </p:cond>
+              </p:nextCondLst>
+            </p:seq>
+          </p:childTnLst>
+        </p:cTn>
+      </p:par>
+    </p:tnLst>
+    <p:bldLst>
+      <p:bldP spid="4" grpId="0" animBg="1"/>
+      <p:bldP spid="7" grpId="0"/>
+      <p:bldP spid="12" grpId="0"/>
+    </p:bldLst>
+  </p:timing>
+</p:sld>
+</file>
+
+<file path=ppt/slides/slide27.xml><?xml version="1.0" encoding="utf-8"?>
+<p:sld xmlns:a="http://schemas.openxmlformats.org/drawingml/2006/main" xmlns:r="http://schemas.openxmlformats.org/officeDocument/2006/relationships" xmlns:p="http://schemas.openxmlformats.org/presentationml/2006/main">
+  <p:cSld>
+    <p:spTree>
+      <p:nvGrpSpPr>
+        <p:cNvPr id="1" name=""/>
+        <p:cNvGrpSpPr/>
+        <p:nvPr/>
+      </p:nvGrpSpPr>
+      <p:grpSpPr>
+        <a:xfrm>
+          <a:off x="0" y="0"/>
+          <a:ext cx="0" cy="0"/>
+          <a:chOff x="0" y="0"/>
+          <a:chExt cx="0" cy="0"/>
+        </a:xfrm>
+      </p:grpSpPr>
+      <p:sp>
+        <p:nvSpPr>
+          <p:cNvPr id="4" name="椭圆 3"/>
+          <p:cNvSpPr/>
+          <p:nvPr/>
+        </p:nvSpPr>
+        <p:spPr>
+          <a:xfrm flipV="1">
+            <a:off x="3472892" y="836712"/>
+            <a:ext cx="144016" cy="144016"/>
+          </a:xfrm>
+          <a:prstGeom prst="ellipse">
+            <a:avLst/>
+          </a:prstGeom>
+          <a:solidFill>
+            <a:schemeClr val="tx1"/>
+          </a:solidFill>
+          <a:ln>
+            <a:noFill/>
+          </a:ln>
+        </p:spPr>
+        <p:style>
+          <a:lnRef idx="2">
+            <a:schemeClr val="accent1">
+              <a:shade val="50000"/>
+            </a:schemeClr>
+          </a:lnRef>
+          <a:fillRef idx="1">
+            <a:schemeClr val="accent1"/>
+          </a:fillRef>
+          <a:effectRef idx="0">
+            <a:schemeClr val="accent1"/>
+          </a:effectRef>
+          <a:fontRef idx="minor">
+            <a:schemeClr val="lt1"/>
+          </a:fontRef>
+        </p:style>
+        <p:txBody>
+          <a:bodyPr rtlCol="0" anchor="ctr"/>
+          <a:lstStyle/>
+          <a:p>
+            <a:pPr algn="ctr"/>
+            <a:endParaRPr lang="zh-CN" altLang="en-US"/>
+          </a:p>
+        </p:txBody>
+      </p:sp>
+      <p:cxnSp>
+        <p:nvCxnSpPr>
+          <p:cNvPr id="6" name="直接连接符 5"/>
+          <p:cNvCxnSpPr>
+            <a:endCxn id="4" idx="2"/>
+          </p:cNvCxnSpPr>
+          <p:nvPr/>
+        </p:nvCxnSpPr>
+        <p:spPr>
+          <a:xfrm flipV="1">
+            <a:off x="-30820" y="908720"/>
+            <a:ext cx="3503712" cy="1"/>
+          </a:xfrm>
+          <a:prstGeom prst="line">
+            <a:avLst/>
+          </a:prstGeom>
+          <a:ln>
+            <a:solidFill>
+              <a:schemeClr val="tx1"/>
+            </a:solidFill>
+          </a:ln>
+        </p:spPr>
+        <p:style>
+          <a:lnRef idx="1">
+            <a:schemeClr val="accent1"/>
+          </a:lnRef>
+          <a:fillRef idx="0">
+            <a:schemeClr val="accent1"/>
+          </a:fillRef>
+          <a:effectRef idx="0">
+            <a:schemeClr val="accent1"/>
+          </a:effectRef>
+          <a:fontRef idx="minor">
+            <a:schemeClr val="tx1"/>
+          </a:fontRef>
+        </p:style>
+      </p:cxnSp>
+      <p:sp>
+        <p:nvSpPr>
+          <p:cNvPr id="7" name="文本框 6">
+            <a:extLst>
+              <a:ext uri="{FF2B5EF4-FFF2-40B4-BE49-F238E27FC236}">
+                <a16:creationId xmlns:a16="http://schemas.microsoft.com/office/drawing/2014/main" id="{D8DC2788-085A-49A1-99C1-2B2A79BC6D17}"/>
+              </a:ext>
+            </a:extLst>
+          </p:cNvPr>
+          <p:cNvSpPr txBox="1"/>
+          <p:nvPr/>
+        </p:nvSpPr>
+        <p:spPr>
+          <a:xfrm>
+            <a:off x="237303" y="1195437"/>
+            <a:ext cx="5498657" cy="5447645"/>
+          </a:xfrm>
+          <a:prstGeom prst="rect">
+            <a:avLst/>
+          </a:prstGeom>
+          <a:noFill/>
+        </p:spPr>
+        <p:txBody>
+          <a:bodyPr wrap="square" rtlCol="0">
+            <a:spAutoFit/>
+          </a:bodyPr>
+          <a:lstStyle/>
+          <a:p>
+            <a:pPr marL="342900" indent="-342900">
+              <a:buFont typeface="Wingdings" panose="05000000000000000000" pitchFamily="2" charset="2"/>
+              <a:buChar char="l"/>
+            </a:pPr>
+            <a:r>
+              <a:rPr lang="zh-CN" altLang="en-US" sz="2000" b="1" dirty="0"/>
+              <a:t>结构化风险（</a:t>
+            </a:r>
+            <a:r>
+              <a:rPr lang="en-US" altLang="zh-CN" sz="2000" b="1" dirty="0"/>
+              <a:t> L1, L2</a:t>
+            </a:r>
+            <a:r>
+              <a:rPr lang="zh-CN" altLang="en-US" sz="2000" b="1" dirty="0"/>
+              <a:t>正则化）</a:t>
+            </a:r>
+            <a:endParaRPr lang="en-US" altLang="zh-CN" sz="2000" b="1" dirty="0"/>
+          </a:p>
+          <a:p>
+            <a:r>
+              <a:rPr lang="en-US" altLang="zh-CN" sz="2000" b="1" dirty="0">
+                <a:solidFill>
+                  <a:srgbClr val="FF0000"/>
+                </a:solidFill>
+              </a:rPr>
+              <a:t>WHY</a:t>
+            </a:r>
+            <a:r>
+              <a:rPr lang="zh-CN" altLang="en-US" sz="2000" b="1" dirty="0">
+                <a:solidFill>
+                  <a:srgbClr val="FF0000"/>
+                </a:solidFill>
+              </a:rPr>
+              <a:t>？</a:t>
+            </a:r>
+            <a:r>
+              <a:rPr lang="en-US" altLang="zh-CN" sz="2000" b="1" dirty="0">
+                <a:solidFill>
+                  <a:srgbClr val="FF0000"/>
+                </a:solidFill>
+              </a:rPr>
+              <a:t>WHAT</a:t>
+            </a:r>
+            <a:r>
+              <a:rPr lang="zh-CN" altLang="en-US" sz="2000" b="1" dirty="0">
+                <a:solidFill>
+                  <a:srgbClr val="FF0000"/>
+                </a:solidFill>
+              </a:rPr>
+              <a:t>？</a:t>
+            </a:r>
+            <a:r>
+              <a:rPr lang="en-US" altLang="zh-CN" sz="2000" b="1" dirty="0">
+                <a:solidFill>
+                  <a:srgbClr val="FF0000"/>
+                </a:solidFill>
+              </a:rPr>
+              <a:t>HOW</a:t>
+            </a:r>
+            <a:r>
+              <a:rPr lang="zh-CN" altLang="en-US" sz="2000" b="1" dirty="0">
+                <a:solidFill>
+                  <a:srgbClr val="FF0000"/>
+                </a:solidFill>
+              </a:rPr>
+              <a:t>？</a:t>
+            </a:r>
+            <a:endParaRPr lang="en-US" altLang="zh-CN" sz="2000" b="1" dirty="0">
+              <a:solidFill>
+                <a:srgbClr val="FF0000"/>
+              </a:solidFill>
+            </a:endParaRPr>
+          </a:p>
+          <a:p>
+            <a:endParaRPr lang="en-US" altLang="zh-CN" sz="2000" b="1" dirty="0">
+              <a:solidFill>
+                <a:srgbClr val="FF0000"/>
+              </a:solidFill>
+            </a:endParaRPr>
+          </a:p>
+          <a:p>
+            <a:r>
+              <a:rPr lang="zh-CN" altLang="en-US" b="1" dirty="0"/>
+              <a:t>图像化过程：</a:t>
+            </a:r>
+            <a:endParaRPr lang="en-US" altLang="zh-CN" b="1" dirty="0"/>
+          </a:p>
+          <a:p>
+            <a:endParaRPr lang="en-US" altLang="zh-CN" dirty="0"/>
+          </a:p>
+          <a:p>
+            <a:r>
+              <a:rPr lang="zh-CN" altLang="en-US" dirty="0"/>
+              <a:t>假设现在只有两个参数 </a:t>
+            </a:r>
+            <a:r>
+              <a:rPr lang="en-US" altLang="zh-CN" dirty="0"/>
+              <a:t>theta1 theta2 </a:t>
+            </a:r>
+            <a:r>
+              <a:rPr lang="zh-CN" altLang="en-US" dirty="0"/>
+              <a:t>要学习</a:t>
+            </a:r>
+            <a:r>
+              <a:rPr lang="en-US" altLang="zh-CN" dirty="0"/>
+              <a:t>, </a:t>
+            </a:r>
+            <a:r>
+              <a:rPr lang="zh-CN" altLang="en-US" dirty="0"/>
+              <a:t>蓝色的圆心是误差最小的地方</a:t>
+            </a:r>
+            <a:r>
+              <a:rPr lang="en-US" altLang="zh-CN" dirty="0"/>
+              <a:t>, </a:t>
+            </a:r>
+            <a:r>
+              <a:rPr lang="zh-CN" altLang="en-US" dirty="0"/>
+              <a:t>而每条蓝线上的误差都是一样的</a:t>
+            </a:r>
+            <a:r>
+              <a:rPr lang="en-US" altLang="zh-CN" dirty="0"/>
+              <a:t>. </a:t>
+            </a:r>
+            <a:r>
+              <a:rPr lang="zh-CN" altLang="en-US" dirty="0"/>
+              <a:t>正则化的方程是在黄线上产生的额外误差</a:t>
+            </a:r>
+            <a:r>
+              <a:rPr lang="en-US" altLang="zh-CN" dirty="0"/>
+              <a:t>(</a:t>
+            </a:r>
+            <a:r>
+              <a:rPr lang="zh-CN" altLang="en-US" dirty="0"/>
+              <a:t>也能理解为惩罚度</a:t>
+            </a:r>
+            <a:r>
+              <a:rPr lang="en-US" altLang="zh-CN" dirty="0"/>
+              <a:t>), </a:t>
+            </a:r>
+            <a:r>
+              <a:rPr lang="zh-CN" altLang="en-US" dirty="0"/>
+              <a:t>在黄圈上的额外误差也是一样</a:t>
+            </a:r>
+            <a:r>
+              <a:rPr lang="en-US" altLang="zh-CN" dirty="0"/>
+              <a:t>. </a:t>
+            </a:r>
+            <a:r>
+              <a:rPr lang="zh-CN" altLang="en-US" dirty="0"/>
+              <a:t>所以在蓝线和黄线 交点上的点能让两个误差的合最小</a:t>
+            </a:r>
+            <a:r>
+              <a:rPr lang="en-US" altLang="zh-CN" dirty="0"/>
+              <a:t>. </a:t>
+            </a:r>
+            <a:r>
+              <a:rPr lang="zh-CN" altLang="en-US" dirty="0"/>
+              <a:t>这就是 </a:t>
+            </a:r>
+            <a:r>
+              <a:rPr lang="en-US" altLang="zh-CN" dirty="0"/>
+              <a:t>theta1 </a:t>
+            </a:r>
+            <a:r>
+              <a:rPr lang="zh-CN" altLang="en-US" dirty="0"/>
+              <a:t>和 </a:t>
+            </a:r>
+            <a:r>
+              <a:rPr lang="en-US" altLang="zh-CN" dirty="0"/>
+              <a:t>theta2 </a:t>
+            </a:r>
+            <a:r>
+              <a:rPr lang="zh-CN" altLang="en-US" dirty="0"/>
+              <a:t>正则化后的解</a:t>
+            </a:r>
+            <a:r>
+              <a:rPr lang="en-US" altLang="zh-CN" dirty="0"/>
+              <a:t>. </a:t>
+            </a:r>
+            <a:r>
+              <a:rPr lang="zh-CN" altLang="en-US" dirty="0"/>
+              <a:t>要提到另外一点是</a:t>
+            </a:r>
+            <a:r>
+              <a:rPr lang="en-US" altLang="zh-CN" dirty="0"/>
+              <a:t>, </a:t>
+            </a:r>
+            <a:r>
+              <a:rPr lang="zh-CN" altLang="en-US" dirty="0"/>
+              <a:t>使用 </a:t>
+            </a:r>
+            <a:r>
+              <a:rPr lang="en-US" altLang="zh-CN" dirty="0"/>
+              <a:t>L1 </a:t>
+            </a:r>
+            <a:r>
+              <a:rPr lang="zh-CN" altLang="en-US" dirty="0"/>
+              <a:t>的方法</a:t>
+            </a:r>
+            <a:r>
+              <a:rPr lang="en-US" altLang="zh-CN" dirty="0"/>
+              <a:t>, </a:t>
+            </a:r>
+            <a:r>
+              <a:rPr lang="zh-CN" altLang="en-US" dirty="0"/>
+              <a:t>我们很可能得到的结果是只有 </a:t>
+            </a:r>
+            <a:r>
+              <a:rPr lang="en-US" altLang="zh-CN" dirty="0"/>
+              <a:t>theta1 </a:t>
+            </a:r>
+            <a:r>
+              <a:rPr lang="zh-CN" altLang="en-US" dirty="0"/>
+              <a:t>的特征被保留</a:t>
+            </a:r>
+            <a:r>
+              <a:rPr lang="en-US" altLang="zh-CN" dirty="0"/>
+              <a:t>, </a:t>
+            </a:r>
+            <a:r>
+              <a:rPr lang="zh-CN" altLang="en-US" dirty="0"/>
+              <a:t>所以很多人也用 </a:t>
+            </a:r>
+            <a:r>
+              <a:rPr lang="en-US" altLang="zh-CN" dirty="0"/>
+              <a:t>l1 </a:t>
+            </a:r>
+            <a:r>
+              <a:rPr lang="zh-CN" altLang="en-US" dirty="0"/>
+              <a:t>正则化来挑选对结果贡献最大的重要特征</a:t>
+            </a:r>
+            <a:r>
+              <a:rPr lang="en-US" altLang="zh-CN" dirty="0"/>
+              <a:t>. </a:t>
+            </a:r>
+            <a:r>
+              <a:rPr lang="zh-CN" altLang="en-US" dirty="0"/>
+              <a:t>但是 </a:t>
+            </a:r>
+            <a:r>
+              <a:rPr lang="en-US" altLang="zh-CN" dirty="0"/>
+              <a:t>l1 </a:t>
+            </a:r>
+            <a:r>
+              <a:rPr lang="zh-CN" altLang="en-US" dirty="0"/>
+              <a:t>的结并不是稳定的</a:t>
+            </a:r>
+            <a:r>
+              <a:rPr lang="en-US" altLang="zh-CN" dirty="0"/>
+              <a:t>. </a:t>
+            </a:r>
+            <a:r>
+              <a:rPr lang="zh-CN" altLang="en-US" dirty="0"/>
+              <a:t>比如用批数据训练</a:t>
+            </a:r>
+            <a:r>
+              <a:rPr lang="en-US" altLang="zh-CN" dirty="0"/>
+              <a:t>, </a:t>
+            </a:r>
+            <a:r>
+              <a:rPr lang="zh-CN" altLang="en-US" dirty="0"/>
+              <a:t>每次批数据都会有稍稍不同的误差曲线</a:t>
+            </a:r>
+            <a:r>
+              <a:rPr lang="en-US" altLang="zh-CN" dirty="0"/>
+              <a:t>,</a:t>
+            </a:r>
+            <a:r>
+              <a:rPr lang="zh-CN" altLang="en-US" dirty="0"/>
+              <a:t> </a:t>
+            </a:r>
+            <a:r>
+              <a:rPr lang="en-US" altLang="zh-CN" dirty="0"/>
+              <a:t>L2 </a:t>
+            </a:r>
+            <a:r>
+              <a:rPr lang="zh-CN" altLang="en-US" dirty="0"/>
+              <a:t>针对于这种变动</a:t>
+            </a:r>
+            <a:r>
+              <a:rPr lang="en-US" altLang="zh-CN" dirty="0"/>
+              <a:t>, </a:t>
+            </a:r>
+            <a:r>
+              <a:rPr lang="zh-CN" altLang="en-US" dirty="0"/>
+              <a:t>白点的移动不会太大</a:t>
+            </a:r>
+            <a:r>
+              <a:rPr lang="en-US" altLang="zh-CN" dirty="0"/>
+              <a:t>, </a:t>
+            </a:r>
+            <a:r>
+              <a:rPr lang="zh-CN" altLang="en-US" dirty="0"/>
+              <a:t>而 </a:t>
+            </a:r>
+            <a:r>
+              <a:rPr lang="en-US" altLang="zh-CN" dirty="0"/>
+              <a:t>L1</a:t>
+            </a:r>
+            <a:r>
+              <a:rPr lang="zh-CN" altLang="en-US" dirty="0"/>
+              <a:t>的白点则可能跳到许多不同的地方 </a:t>
+            </a:r>
+            <a:r>
+              <a:rPr lang="en-US" altLang="zh-CN" dirty="0"/>
+              <a:t>, </a:t>
+            </a:r>
+            <a:r>
+              <a:rPr lang="zh-CN" altLang="en-US" dirty="0"/>
+              <a:t>因为这些地方的总误差都是差不多的</a:t>
+            </a:r>
+            <a:r>
+              <a:rPr lang="en-US" altLang="zh-CN" dirty="0"/>
+              <a:t>. </a:t>
+            </a:r>
+            <a:r>
+              <a:rPr lang="zh-CN" altLang="en-US" dirty="0"/>
+              <a:t>侧面说明了 </a:t>
+            </a:r>
+            <a:r>
+              <a:rPr lang="en-US" altLang="zh-CN" dirty="0"/>
+              <a:t>L1 </a:t>
+            </a:r>
+            <a:r>
+              <a:rPr lang="zh-CN" altLang="en-US" dirty="0"/>
+              <a:t>解的不稳定性</a:t>
+            </a:r>
+            <a:endParaRPr lang="en-US" altLang="zh-CN" sz="2000" b="1" dirty="0">
+              <a:solidFill>
+                <a:srgbClr val="FF0000"/>
+              </a:solidFill>
+            </a:endParaRPr>
+          </a:p>
+        </p:txBody>
+      </p:sp>
+      <p:sp>
+        <p:nvSpPr>
+          <p:cNvPr id="3" name="AutoShape 2" descr="[公式]">
+            <a:extLst>
+              <a:ext uri="{FF2B5EF4-FFF2-40B4-BE49-F238E27FC236}">
+                <a16:creationId xmlns:a16="http://schemas.microsoft.com/office/drawing/2014/main" id="{E557092A-43CE-4A70-84F7-39F580A0FEAB}"/>
+              </a:ext>
+            </a:extLst>
+          </p:cNvPr>
+          <p:cNvSpPr>
+            <a:spLocks noChangeAspect="1" noChangeArrowheads="1"/>
+          </p:cNvSpPr>
+          <p:nvPr/>
+        </p:nvSpPr>
+        <p:spPr bwMode="auto">
+          <a:xfrm>
+            <a:off x="3432175" y="-144463"/>
+            <a:ext cx="304800" cy="304801"/>
+          </a:xfrm>
+          <a:prstGeom prst="rect">
+            <a:avLst/>
+          </a:prstGeom>
+          <a:noFill/>
+          <a:extLst>
+            <a:ext uri="{909E8E84-426E-40DD-AFC4-6F175D3DCCD1}">
+              <a14:hiddenFill xmlns:a14="http://schemas.microsoft.com/office/drawing/2010/main">
+                <a:solidFill>
+                  <a:srgbClr val="FFFFFF"/>
+                </a:solidFill>
+              </a14:hiddenFill>
+            </a:ext>
+          </a:extLst>
+        </p:spPr>
+        <p:txBody>
+          <a:bodyPr vert="horz" wrap="square" lIns="91440" tIns="45720" rIns="91440" bIns="45720" numCol="1" anchor="t" anchorCtr="0" compatLnSpc="1">
+            <a:prstTxWarp prst="textNoShape">
+              <a:avLst/>
+            </a:prstTxWarp>
+          </a:bodyPr>
+          <a:lstStyle/>
+          <a:p>
+            <a:endParaRPr lang="zh-CN" altLang="en-US"/>
+          </a:p>
+        </p:txBody>
+      </p:sp>
+      <p:sp>
+        <p:nvSpPr>
+          <p:cNvPr id="13" name="AutoShape 8" descr="[公式]">
+            <a:extLst>
+              <a:ext uri="{FF2B5EF4-FFF2-40B4-BE49-F238E27FC236}">
+                <a16:creationId xmlns:a16="http://schemas.microsoft.com/office/drawing/2014/main" id="{3B151B13-88AE-47D1-A17E-AB83318390A2}"/>
+              </a:ext>
+            </a:extLst>
+          </p:cNvPr>
+          <p:cNvSpPr>
+            <a:spLocks noChangeAspect="1" noChangeArrowheads="1"/>
+          </p:cNvSpPr>
+          <p:nvPr/>
+        </p:nvSpPr>
+        <p:spPr bwMode="auto">
+          <a:xfrm flipV="1">
+            <a:off x="15636875" y="-1014094"/>
+            <a:ext cx="141599" cy="45719"/>
+          </a:xfrm>
+          <a:prstGeom prst="rect">
+            <a:avLst/>
+          </a:prstGeom>
+          <a:noFill/>
+          <a:extLst>
+            <a:ext uri="{909E8E84-426E-40DD-AFC4-6F175D3DCCD1}">
+              <a14:hiddenFill xmlns:a14="http://schemas.microsoft.com/office/drawing/2010/main">
+                <a:solidFill>
+                  <a:srgbClr val="FFFFFF"/>
+                </a:solidFill>
+              </a14:hiddenFill>
+            </a:ext>
+          </a:extLst>
+        </p:spPr>
+        <p:txBody>
+          <a:bodyPr vert="horz" wrap="square" lIns="91440" tIns="45720" rIns="91440" bIns="45720" numCol="1" anchor="t" anchorCtr="0" compatLnSpc="1">
+            <a:prstTxWarp prst="textNoShape">
+              <a:avLst/>
+            </a:prstTxWarp>
+          </a:bodyPr>
+          <a:lstStyle/>
+          <a:p>
+            <a:endParaRPr lang="zh-CN" altLang="en-US"/>
+          </a:p>
+        </p:txBody>
+      </p:sp>
+      <p:sp>
+        <p:nvSpPr>
+          <p:cNvPr id="12" name="文本框 11">
+            <a:extLst>
+              <a:ext uri="{FF2B5EF4-FFF2-40B4-BE49-F238E27FC236}">
+                <a16:creationId xmlns:a16="http://schemas.microsoft.com/office/drawing/2014/main" id="{01FD16D1-3796-4A35-BBE5-0FE38C32D8FB}"/>
+              </a:ext>
+            </a:extLst>
+          </p:cNvPr>
+          <p:cNvSpPr txBox="1"/>
+          <p:nvPr/>
+        </p:nvSpPr>
+        <p:spPr>
+          <a:xfrm>
+            <a:off x="283263" y="447055"/>
+            <a:ext cx="3453712" cy="461665"/>
+          </a:xfrm>
+          <a:prstGeom prst="rect">
+            <a:avLst/>
+          </a:prstGeom>
+          <a:noFill/>
+        </p:spPr>
+        <p:txBody>
+          <a:bodyPr wrap="square" rtlCol="0">
+            <a:spAutoFit/>
+          </a:bodyPr>
+          <a:lstStyle/>
+          <a:p>
+            <a:r>
+              <a:rPr lang="zh-CN" altLang="en-US" sz="2400" dirty="0">
+                <a:latin typeface="Agency FB" panose="020B0503020202020204" pitchFamily="34" charset="0"/>
+              </a:rPr>
+              <a:t>结构化风险（</a:t>
+            </a:r>
+            <a:r>
+              <a:rPr lang="en-US" altLang="zh-CN" sz="2400" dirty="0">
+                <a:latin typeface="Agency FB" panose="020B0503020202020204" pitchFamily="34" charset="0"/>
+              </a:rPr>
+              <a:t>L1,L2</a:t>
+            </a:r>
+            <a:r>
+              <a:rPr lang="zh-CN" altLang="en-US" sz="2400" dirty="0">
+                <a:latin typeface="Agency FB" panose="020B0503020202020204" pitchFamily="34" charset="0"/>
+              </a:rPr>
+              <a:t>正则化）</a:t>
+            </a:r>
+            <a:endParaRPr lang="en-US" altLang="zh-CN" sz="2400" dirty="0">
+              <a:latin typeface="Agency FB" panose="020B0503020202020204" pitchFamily="34" charset="0"/>
+            </a:endParaRPr>
+          </a:p>
+        </p:txBody>
+      </p:sp>
+      <p:pic>
+        <p:nvPicPr>
+          <p:cNvPr id="10242" name="Picture 2" descr="preview">
+            <a:extLst>
+              <a:ext uri="{FF2B5EF4-FFF2-40B4-BE49-F238E27FC236}">
+                <a16:creationId xmlns:a16="http://schemas.microsoft.com/office/drawing/2014/main" id="{4704B09D-E871-4B55-A8CC-024D67CE4692}"/>
+              </a:ext>
+            </a:extLst>
+          </p:cNvPr>
+          <p:cNvPicPr>
+            <a:picLocks noChangeAspect="1" noChangeArrowheads="1"/>
+          </p:cNvPicPr>
+          <p:nvPr/>
+        </p:nvPicPr>
+        <p:blipFill>
+          <a:blip r:embed="rId3">
+            <a:extLst>
+              <a:ext uri="{28A0092B-C50C-407E-A947-70E740481C1C}">
+                <a14:useLocalDpi xmlns:a14="http://schemas.microsoft.com/office/drawing/2010/main" val="0"/>
+              </a:ext>
+            </a:extLst>
+          </a:blip>
+          <a:srcRect/>
+          <a:stretch>
+            <a:fillRect/>
+          </a:stretch>
+        </p:blipFill>
+        <p:spPr bwMode="auto">
+          <a:xfrm>
+            <a:off x="5891300" y="16322"/>
+            <a:ext cx="6169072" cy="3412678"/>
+          </a:xfrm>
+          <a:prstGeom prst="rect">
+            <a:avLst/>
+          </a:prstGeom>
+          <a:noFill/>
+          <a:extLst>
+            <a:ext uri="{909E8E84-426E-40DD-AFC4-6F175D3DCCD1}">
+              <a14:hiddenFill xmlns:a14="http://schemas.microsoft.com/office/drawing/2010/main">
+                <a:solidFill>
+                  <a:srgbClr val="FFFFFF"/>
+                </a:solidFill>
+              </a14:hiddenFill>
+            </a:ext>
+          </a:extLst>
+        </p:spPr>
+      </p:pic>
+      <p:pic>
+        <p:nvPicPr>
+          <p:cNvPr id="10244" name="Picture 4" descr="https://pic1.zhimg.com/80/v2-e8734136ff4da41b748f16e514971aa0_1440w.png">
+            <a:extLst>
+              <a:ext uri="{FF2B5EF4-FFF2-40B4-BE49-F238E27FC236}">
+                <a16:creationId xmlns:a16="http://schemas.microsoft.com/office/drawing/2014/main" id="{974F7F11-A7A8-4ED8-BF46-50DC53A99321}"/>
+              </a:ext>
+            </a:extLst>
+          </p:cNvPr>
+          <p:cNvPicPr>
+            <a:picLocks noChangeAspect="1" noChangeArrowheads="1"/>
+          </p:cNvPicPr>
+          <p:nvPr/>
+        </p:nvPicPr>
+        <p:blipFill>
+          <a:blip r:embed="rId4">
+            <a:extLst>
+              <a:ext uri="{28A0092B-C50C-407E-A947-70E740481C1C}">
+                <a14:useLocalDpi xmlns:a14="http://schemas.microsoft.com/office/drawing/2010/main" val="0"/>
+              </a:ext>
+            </a:extLst>
+          </a:blip>
+          <a:srcRect/>
+          <a:stretch>
+            <a:fillRect/>
+          </a:stretch>
+        </p:blipFill>
+        <p:spPr bwMode="auto">
+          <a:xfrm>
+            <a:off x="5921739" y="3484247"/>
+            <a:ext cx="6169072" cy="3352757"/>
+          </a:xfrm>
+          <a:prstGeom prst="rect">
+            <a:avLst/>
+          </a:prstGeom>
+          <a:noFill/>
+          <a:extLst>
+            <a:ext uri="{909E8E84-426E-40DD-AFC4-6F175D3DCCD1}">
+              <a14:hiddenFill xmlns:a14="http://schemas.microsoft.com/office/drawing/2010/main">
+                <a:solidFill>
+                  <a:srgbClr val="FFFFFF"/>
+                </a:solidFill>
+              </a14:hiddenFill>
+            </a:ext>
+          </a:extLst>
+        </p:spPr>
+      </p:pic>
+    </p:spTree>
+    <p:extLst>
+      <p:ext uri="{BB962C8B-B14F-4D97-AF65-F5344CB8AC3E}">
+        <p14:creationId xmlns:p14="http://schemas.microsoft.com/office/powerpoint/2010/main" val="3953406401"/>
+      </p:ext>
+    </p:extLst>
+  </p:cSld>
+  <p:clrMapOvr>
+    <a:masterClrMapping/>
+  </p:clrMapOvr>
+  <mc:AlternateContent xmlns:mc="http://schemas.openxmlformats.org/markup-compatibility/2006" xmlns:p14="http://schemas.microsoft.com/office/powerpoint/2010/main">
+    <mc:Choice Requires="p14">
+      <p:transition spd="slow" p14:dur="2000" advTm="3000"/>
+    </mc:Choice>
+    <mc:Fallback xmlns="">
+      <p:transition spd="slow" advTm="3000"/>
+    </mc:Fallback>
+  </mc:AlternateContent>
+  <p:timing>
+    <p:tnLst>
+      <p:par>
+        <p:cTn id="1" dur="indefinite" restart="never" nodeType="tmRoot">
+          <p:childTnLst>
+            <p:seq concurrent="1" nextAc="seek">
+              <p:cTn id="2" dur="indefinite" nodeType="mainSeq">
+                <p:childTnLst>
+                  <p:par>
+                    <p:cTn id="3" fill="hold">
+                      <p:stCondLst>
+                        <p:cond delay="indefinite"/>
+                        <p:cond evt="onBegin" delay="0">
+                          <p:tn val="2"/>
+                        </p:cond>
+                      </p:stCondLst>
+                      <p:childTnLst>
+                        <p:par>
+                          <p:cTn id="4" fill="hold">
+                            <p:stCondLst>
+                              <p:cond delay="0"/>
+                            </p:stCondLst>
+                            <p:childTnLst>
+                              <p:par>
+                                <p:cTn id="5" presetID="2" presetClass="entr" presetSubtype="8" fill="hold" nodeType="withEffect">
+                                  <p:stCondLst>
+                                    <p:cond delay="0"/>
+                                  </p:stCondLst>
+                                  <p:childTnLst>
+                                    <p:set>
+                                      <p:cBhvr>
+                                        <p:cTn id="6" dur="1" fill="hold">
+                                          <p:stCondLst>
+                                            <p:cond delay="0"/>
+                                          </p:stCondLst>
+                                        </p:cTn>
+                                        <p:tgtEl>
+                                          <p:spTgt spid="6"/>
+                                        </p:tgtEl>
+                                        <p:attrNameLst>
+                                          <p:attrName>style.visibility</p:attrName>
+                                        </p:attrNameLst>
+                                      </p:cBhvr>
+                                      <p:to>
+                                        <p:strVal val="visible"/>
+                                      </p:to>
+                                    </p:set>
+                                    <p:anim calcmode="lin" valueType="num">
+                                      <p:cBhvr additive="base">
+                                        <p:cTn id="7" dur="500" fill="hold"/>
+                                        <p:tgtEl>
+                                          <p:spTgt spid="6"/>
+                                        </p:tgtEl>
+                                        <p:attrNameLst>
+                                          <p:attrName>ppt_x</p:attrName>
+                                        </p:attrNameLst>
+                                      </p:cBhvr>
+                                      <p:tavLst>
+                                        <p:tav tm="0">
+                                          <p:val>
+                                            <p:strVal val="0-#ppt_w/2"/>
+                                          </p:val>
+                                        </p:tav>
+                                        <p:tav tm="100000">
+                                          <p:val>
+                                            <p:strVal val="#ppt_x"/>
+                                          </p:val>
+                                        </p:tav>
+                                      </p:tavLst>
+                                    </p:anim>
+                                    <p:anim calcmode="lin" valueType="num">
+                                      <p:cBhvr additive="base">
+                                        <p:cTn id="8" dur="500" fill="hold"/>
+                                        <p:tgtEl>
+                                          <p:spTgt spid="6"/>
+                                        </p:tgtEl>
+                                        <p:attrNameLst>
+                                          <p:attrName>ppt_y</p:attrName>
+                                        </p:attrNameLst>
+                                      </p:cBhvr>
+                                      <p:tavLst>
+                                        <p:tav tm="0">
+                                          <p:val>
+                                            <p:strVal val="#ppt_y"/>
+                                          </p:val>
+                                        </p:tav>
+                                        <p:tav tm="100000">
+                                          <p:val>
+                                            <p:strVal val="#ppt_y"/>
+                                          </p:val>
+                                        </p:tav>
+                                      </p:tavLst>
+                                    </p:anim>
+                                  </p:childTnLst>
+                                </p:cTn>
+                              </p:par>
+                            </p:childTnLst>
+                          </p:cTn>
+                        </p:par>
+                        <p:par>
+                          <p:cTn id="9" fill="hold">
+                            <p:stCondLst>
+                              <p:cond delay="500"/>
+                            </p:stCondLst>
+                            <p:childTnLst>
+                              <p:par>
+                                <p:cTn id="10" presetID="2" presetClass="entr" presetSubtype="8" fill="hold" grpId="0" nodeType="afterEffect">
+                                  <p:stCondLst>
+                                    <p:cond delay="0"/>
+                                  </p:stCondLst>
+                                  <p:childTnLst>
+                                    <p:set>
+                                      <p:cBhvr>
+                                        <p:cTn id="11" dur="1" fill="hold">
+                                          <p:stCondLst>
+                                            <p:cond delay="0"/>
+                                          </p:stCondLst>
+                                        </p:cTn>
+                                        <p:tgtEl>
+                                          <p:spTgt spid="4"/>
+                                        </p:tgtEl>
+                                        <p:attrNameLst>
+                                          <p:attrName>style.visibility</p:attrName>
+                                        </p:attrNameLst>
+                                      </p:cBhvr>
+                                      <p:to>
+                                        <p:strVal val="visible"/>
+                                      </p:to>
+                                    </p:set>
+                                    <p:anim calcmode="lin" valueType="num">
+                                      <p:cBhvr additive="base">
+                                        <p:cTn id="12" dur="500" fill="hold"/>
+                                        <p:tgtEl>
+                                          <p:spTgt spid="4"/>
+                                        </p:tgtEl>
+                                        <p:attrNameLst>
+                                          <p:attrName>ppt_x</p:attrName>
+                                        </p:attrNameLst>
+                                      </p:cBhvr>
+                                      <p:tavLst>
+                                        <p:tav tm="0">
+                                          <p:val>
+                                            <p:strVal val="0-#ppt_w/2"/>
+                                          </p:val>
+                                        </p:tav>
+                                        <p:tav tm="100000">
+                                          <p:val>
+                                            <p:strVal val="#ppt_x"/>
+                                          </p:val>
+                                        </p:tav>
+                                      </p:tavLst>
+                                    </p:anim>
+                                    <p:anim calcmode="lin" valueType="num">
+                                      <p:cBhvr additive="base">
+                                        <p:cTn id="13" dur="500" fill="hold"/>
+                                        <p:tgtEl>
+                                          <p:spTgt spid="4"/>
+                                        </p:tgtEl>
+                                        <p:attrNameLst>
+                                          <p:attrName>ppt_y</p:attrName>
+                                        </p:attrNameLst>
+                                      </p:cBhvr>
+                                      <p:tavLst>
+                                        <p:tav tm="0">
+                                          <p:val>
+                                            <p:strVal val="#ppt_y"/>
+                                          </p:val>
+                                        </p:tav>
+                                        <p:tav tm="100000">
+                                          <p:val>
+                                            <p:strVal val="#ppt_y"/>
+                                          </p:val>
+                                        </p:tav>
+                                      </p:tavLst>
+                                    </p:anim>
+                                  </p:childTnLst>
+                                </p:cTn>
+                              </p:par>
+                            </p:childTnLst>
+                          </p:cTn>
+                        </p:par>
+                        <p:par>
+                          <p:cTn id="14" fill="hold">
+                            <p:stCondLst>
+                              <p:cond delay="1000"/>
+                            </p:stCondLst>
+                            <p:childTnLst>
+                              <p:par>
+                                <p:cTn id="15" presetID="22" presetClass="entr" presetSubtype="1" fill="hold" grpId="0" nodeType="afterEffect">
+                                  <p:stCondLst>
+                                    <p:cond delay="0"/>
+                                  </p:stCondLst>
+                                  <p:childTnLst>
+                                    <p:set>
+                                      <p:cBhvr>
+                                        <p:cTn id="16" dur="1" fill="hold">
+                                          <p:stCondLst>
+                                            <p:cond delay="0"/>
+                                          </p:stCondLst>
+                                        </p:cTn>
+                                        <p:tgtEl>
+                                          <p:spTgt spid="7"/>
+                                        </p:tgtEl>
+                                        <p:attrNameLst>
+                                          <p:attrName>style.visibility</p:attrName>
+                                        </p:attrNameLst>
+                                      </p:cBhvr>
+                                      <p:to>
+                                        <p:strVal val="visible"/>
+                                      </p:to>
+                                    </p:set>
+                                    <p:animEffect transition="in" filter="wipe(up)">
+                                      <p:cBhvr>
+                                        <p:cTn id="17" dur="500"/>
+                                        <p:tgtEl>
+                                          <p:spTgt spid="7"/>
+                                        </p:tgtEl>
+                                      </p:cBhvr>
+                                    </p:animEffect>
+                                  </p:childTnLst>
+                                </p:cTn>
+                              </p:par>
+                            </p:childTnLst>
+                          </p:cTn>
+                        </p:par>
+                        <p:par>
+                          <p:cTn id="18" fill="hold">
+                            <p:stCondLst>
+                              <p:cond delay="1500"/>
+                            </p:stCondLst>
+                            <p:childTnLst>
+                              <p:par>
+                                <p:cTn id="19" presetID="12" presetClass="entr" presetSubtype="1" fill="hold" grpId="0" nodeType="afterEffect">
+                                  <p:stCondLst>
+                                    <p:cond delay="0"/>
+                                  </p:stCondLst>
+                                  <p:iterate type="lt">
+                                    <p:tmPct val="10000"/>
+                                  </p:iterate>
+                                  <p:childTnLst>
+                                    <p:set>
+                                      <p:cBhvr>
+                                        <p:cTn id="20" dur="1" fill="hold">
+                                          <p:stCondLst>
+                                            <p:cond delay="0"/>
+                                          </p:stCondLst>
+                                        </p:cTn>
+                                        <p:tgtEl>
+                                          <p:spTgt spid="12"/>
+                                        </p:tgtEl>
+                                        <p:attrNameLst>
+                                          <p:attrName>style.visibility</p:attrName>
+                                        </p:attrNameLst>
+                                      </p:cBhvr>
+                                      <p:to>
+                                        <p:strVal val="visible"/>
+                                      </p:to>
+                                    </p:set>
+                                    <p:anim calcmode="lin" valueType="num">
+                                      <p:cBhvr additive="base">
+                                        <p:cTn id="21" dur="250"/>
+                                        <p:tgtEl>
+                                          <p:spTgt spid="12"/>
+                                        </p:tgtEl>
+                                        <p:attrNameLst>
+                                          <p:attrName>ppt_y</p:attrName>
+                                        </p:attrNameLst>
+                                      </p:cBhvr>
+                                      <p:tavLst>
+                                        <p:tav tm="0">
+                                          <p:val>
+                                            <p:strVal val="#ppt_y-#ppt_h*1.125000"/>
+                                          </p:val>
+                                        </p:tav>
+                                        <p:tav tm="100000">
+                                          <p:val>
+                                            <p:strVal val="#ppt_y"/>
+                                          </p:val>
+                                        </p:tav>
+                                      </p:tavLst>
+                                    </p:anim>
+                                    <p:animEffect transition="in" filter="wipe(down)">
+                                      <p:cBhvr>
+                                        <p:cTn id="22" dur="250"/>
+                                        <p:tgtEl>
+                                          <p:spTgt spid="12"/>
+                                        </p:tgtEl>
+                                      </p:cBhvr>
+                                    </p:animEffect>
+                                  </p:childTnLst>
+                                </p:cTn>
+                              </p:par>
+                            </p:childTnLst>
+                          </p:cTn>
+                        </p:par>
+                      </p:childTnLst>
+                    </p:cTn>
+                  </p:par>
+                </p:childTnLst>
+              </p:cTn>
+              <p:prevCondLst>
+                <p:cond evt="onPrev" delay="0">
+                  <p:tgtEl>
+                    <p:sldTgt/>
+                  </p:tgtEl>
+                </p:cond>
+              </p:prevCondLst>
+              <p:nextCondLst>
+                <p:cond evt="onNext" delay="0">
+                  <p:tgtEl>
+                    <p:sldTgt/>
+                  </p:tgtEl>
+                </p:cond>
+              </p:nextCondLst>
+            </p:seq>
+          </p:childTnLst>
+        </p:cTn>
+      </p:par>
+    </p:tnLst>
+    <p:bldLst>
+      <p:bldP spid="4" grpId="0" animBg="1"/>
+      <p:bldP spid="7" grpId="0"/>
+      <p:bldP spid="12" grpId="0"/>
+    </p:bldLst>
+  </p:timing>
+</p:sld>
+</file>
+
+<file path=ppt/slides/slide28.xml><?xml version="1.0" encoding="utf-8"?>
+<p:sld xmlns:a="http://schemas.openxmlformats.org/drawingml/2006/main" xmlns:r="http://schemas.openxmlformats.org/officeDocument/2006/relationships" xmlns:p="http://schemas.openxmlformats.org/presentationml/2006/main">
+  <p:cSld>
+    <p:spTree>
+      <p:nvGrpSpPr>
+        <p:cNvPr id="1" name=""/>
+        <p:cNvGrpSpPr/>
+        <p:nvPr/>
+      </p:nvGrpSpPr>
+      <p:grpSpPr>
+        <a:xfrm>
+          <a:off x="0" y="0"/>
+          <a:ext cx="0" cy="0"/>
+          <a:chOff x="0" y="0"/>
+          <a:chExt cx="0" cy="0"/>
+        </a:xfrm>
+      </p:grpSpPr>
+      <p:sp>
+        <p:nvSpPr>
+          <p:cNvPr id="4" name="椭圆 3"/>
+          <p:cNvSpPr/>
+          <p:nvPr/>
+        </p:nvSpPr>
+        <p:spPr>
+          <a:xfrm flipV="1">
+            <a:off x="3472892" y="836712"/>
+            <a:ext cx="144016" cy="144016"/>
+          </a:xfrm>
+          <a:prstGeom prst="ellipse">
+            <a:avLst/>
+          </a:prstGeom>
+          <a:solidFill>
+            <a:schemeClr val="tx1"/>
+          </a:solidFill>
+          <a:ln>
+            <a:noFill/>
+          </a:ln>
+        </p:spPr>
+        <p:style>
+          <a:lnRef idx="2">
+            <a:schemeClr val="accent1">
+              <a:shade val="50000"/>
+            </a:schemeClr>
+          </a:lnRef>
+          <a:fillRef idx="1">
+            <a:schemeClr val="accent1"/>
+          </a:fillRef>
+          <a:effectRef idx="0">
+            <a:schemeClr val="accent1"/>
+          </a:effectRef>
+          <a:fontRef idx="minor">
+            <a:schemeClr val="lt1"/>
+          </a:fontRef>
+        </p:style>
+        <p:txBody>
+          <a:bodyPr rtlCol="0" anchor="ctr"/>
+          <a:lstStyle/>
+          <a:p>
+            <a:pPr algn="ctr"/>
+            <a:endParaRPr lang="zh-CN" altLang="en-US"/>
+          </a:p>
+        </p:txBody>
+      </p:sp>
+      <p:cxnSp>
+        <p:nvCxnSpPr>
+          <p:cNvPr id="6" name="直接连接符 5"/>
+          <p:cNvCxnSpPr>
+            <a:endCxn id="4" idx="2"/>
+          </p:cNvCxnSpPr>
+          <p:nvPr/>
+        </p:nvCxnSpPr>
+        <p:spPr>
+          <a:xfrm flipV="1">
+            <a:off x="-30820" y="908720"/>
+            <a:ext cx="3503712" cy="1"/>
+          </a:xfrm>
+          <a:prstGeom prst="line">
+            <a:avLst/>
+          </a:prstGeom>
+          <a:ln>
+            <a:solidFill>
+              <a:schemeClr val="tx1"/>
+            </a:solidFill>
+          </a:ln>
+        </p:spPr>
+        <p:style>
+          <a:lnRef idx="1">
+            <a:schemeClr val="accent1"/>
+          </a:lnRef>
+          <a:fillRef idx="0">
+            <a:schemeClr val="accent1"/>
+          </a:fillRef>
+          <a:effectRef idx="0">
+            <a:schemeClr val="accent1"/>
+          </a:effectRef>
+          <a:fontRef idx="minor">
+            <a:schemeClr val="tx1"/>
+          </a:fontRef>
+        </p:style>
+      </p:cxnSp>
+      <p:sp>
+        <p:nvSpPr>
+          <p:cNvPr id="7" name="文本框 6">
+            <a:extLst>
+              <a:ext uri="{FF2B5EF4-FFF2-40B4-BE49-F238E27FC236}">
+                <a16:creationId xmlns:a16="http://schemas.microsoft.com/office/drawing/2014/main" id="{D8DC2788-085A-49A1-99C1-2B2A79BC6D17}"/>
+              </a:ext>
+            </a:extLst>
+          </p:cNvPr>
+          <p:cNvSpPr txBox="1"/>
+          <p:nvPr/>
+        </p:nvSpPr>
+        <p:spPr>
+          <a:xfrm>
+            <a:off x="237303" y="1195437"/>
             <a:ext cx="11547329" cy="1292662"/>
           </a:xfrm>
           <a:prstGeom prst="rect">
@@ -36935,7 +39181,7 @@
 </p:sld>
 </file>
 
-<file path=ppt/slides/slide27.xml><?xml version="1.0" encoding="utf-8"?>
+<file path=ppt/slides/slide29.xml><?xml version="1.0" encoding="utf-8"?>
 <p:sld xmlns:a="http://schemas.openxmlformats.org/drawingml/2006/main" xmlns:r="http://schemas.openxmlformats.org/officeDocument/2006/relationships" xmlns:p="http://schemas.openxmlformats.org/presentationml/2006/main">
   <p:cSld>
     <p:spTree>
@@ -37750,7 +39996,822 @@
 </p:sld>
 </file>
 
-<file path=ppt/slides/slide28.xml><?xml version="1.0" encoding="utf-8"?>
+<file path=ppt/slides/slide3.xml><?xml version="1.0" encoding="utf-8"?>
+<p:sld xmlns:a="http://schemas.openxmlformats.org/drawingml/2006/main" xmlns:r="http://schemas.openxmlformats.org/officeDocument/2006/relationships" xmlns:p="http://schemas.openxmlformats.org/presentationml/2006/main">
+  <p:cSld>
+    <p:spTree>
+      <p:nvGrpSpPr>
+        <p:cNvPr id="1" name=""/>
+        <p:cNvGrpSpPr/>
+        <p:nvPr/>
+      </p:nvGrpSpPr>
+      <p:grpSpPr>
+        <a:xfrm>
+          <a:off x="0" y="0"/>
+          <a:ext cx="0" cy="0"/>
+          <a:chOff x="0" y="0"/>
+          <a:chExt cx="0" cy="0"/>
+        </a:xfrm>
+      </p:grpSpPr>
+      <p:pic>
+        <p:nvPicPr>
+          <p:cNvPr id="14" name="图片 13"/>
+          <p:cNvPicPr>
+            <a:picLocks noChangeAspect="1"/>
+          </p:cNvPicPr>
+          <p:nvPr/>
+        </p:nvPicPr>
+        <p:blipFill>
+          <a:blip r:embed="rId3"/>
+          <a:stretch>
+            <a:fillRect/>
+          </a:stretch>
+        </p:blipFill>
+        <p:spPr>
+          <a:xfrm>
+            <a:off x="2902604" y="116631"/>
+            <a:ext cx="6624736" cy="6614789"/>
+          </a:xfrm>
+          <a:prstGeom prst="rect">
+            <a:avLst/>
+          </a:prstGeom>
+        </p:spPr>
+      </p:pic>
+      <p:sp>
+        <p:nvSpPr>
+          <p:cNvPr id="3" name="椭圆 2"/>
+          <p:cNvSpPr/>
+          <p:nvPr/>
+        </p:nvSpPr>
+        <p:spPr>
+          <a:xfrm>
+            <a:off x="2902604" y="89887"/>
+            <a:ext cx="6619762" cy="6619762"/>
+          </a:xfrm>
+          <a:prstGeom prst="ellipse">
+            <a:avLst/>
+          </a:prstGeom>
+          <a:noFill/>
+          <a:ln>
+            <a:solidFill>
+              <a:schemeClr val="bg1"/>
+            </a:solidFill>
+          </a:ln>
+        </p:spPr>
+        <p:style>
+          <a:lnRef idx="2">
+            <a:schemeClr val="accent1">
+              <a:shade val="50000"/>
+            </a:schemeClr>
+          </a:lnRef>
+          <a:fillRef idx="1">
+            <a:schemeClr val="accent1"/>
+          </a:fillRef>
+          <a:effectRef idx="0">
+            <a:schemeClr val="accent1"/>
+          </a:effectRef>
+          <a:fontRef idx="minor">
+            <a:schemeClr val="lt1"/>
+          </a:fontRef>
+        </p:style>
+        <p:txBody>
+          <a:bodyPr rtlCol="0" anchor="ctr"/>
+          <a:lstStyle/>
+          <a:p>
+            <a:pPr algn="ctr"/>
+            <a:endParaRPr lang="zh-CN" altLang="en-US"/>
+          </a:p>
+        </p:txBody>
+      </p:sp>
+      <p:sp>
+        <p:nvSpPr>
+          <p:cNvPr id="4" name="椭圆 3"/>
+          <p:cNvSpPr/>
+          <p:nvPr/>
+        </p:nvSpPr>
+        <p:spPr>
+          <a:xfrm>
+            <a:off x="6202121" y="40199"/>
+            <a:ext cx="72008" cy="72008"/>
+          </a:xfrm>
+          <a:prstGeom prst="ellipse">
+            <a:avLst/>
+          </a:prstGeom>
+          <a:solidFill>
+            <a:schemeClr val="bg1"/>
+          </a:solidFill>
+          <a:ln>
+            <a:solidFill>
+              <a:schemeClr val="bg1"/>
+            </a:solidFill>
+          </a:ln>
+        </p:spPr>
+        <p:style>
+          <a:lnRef idx="2">
+            <a:schemeClr val="accent1">
+              <a:shade val="50000"/>
+            </a:schemeClr>
+          </a:lnRef>
+          <a:fillRef idx="1">
+            <a:schemeClr val="accent1"/>
+          </a:fillRef>
+          <a:effectRef idx="0">
+            <a:schemeClr val="accent1"/>
+          </a:effectRef>
+          <a:fontRef idx="minor">
+            <a:schemeClr val="lt1"/>
+          </a:fontRef>
+        </p:style>
+        <p:txBody>
+          <a:bodyPr rtlCol="0" anchor="ctr"/>
+          <a:lstStyle/>
+          <a:p>
+            <a:pPr algn="ctr"/>
+            <a:endParaRPr lang="zh-CN" altLang="en-US"/>
+          </a:p>
+        </p:txBody>
+      </p:sp>
+      <p:cxnSp>
+        <p:nvCxnSpPr>
+          <p:cNvPr id="5" name="直接连接符 4"/>
+          <p:cNvCxnSpPr/>
+          <p:nvPr/>
+        </p:nvCxnSpPr>
+        <p:spPr>
+          <a:xfrm>
+            <a:off x="5375920" y="2852936"/>
+            <a:ext cx="1800200" cy="0"/>
+          </a:xfrm>
+          <a:prstGeom prst="line">
+            <a:avLst/>
+          </a:prstGeom>
+          <a:ln>
+            <a:solidFill>
+              <a:schemeClr val="bg1"/>
+            </a:solidFill>
+          </a:ln>
+        </p:spPr>
+        <p:style>
+          <a:lnRef idx="1">
+            <a:schemeClr val="accent1"/>
+          </a:lnRef>
+          <a:fillRef idx="0">
+            <a:schemeClr val="accent1"/>
+          </a:fillRef>
+          <a:effectRef idx="0">
+            <a:schemeClr val="accent1"/>
+          </a:effectRef>
+          <a:fontRef idx="minor">
+            <a:schemeClr val="tx1"/>
+          </a:fontRef>
+        </p:style>
+      </p:cxnSp>
+      <p:cxnSp>
+        <p:nvCxnSpPr>
+          <p:cNvPr id="7" name="直接连接符 6"/>
+          <p:cNvCxnSpPr/>
+          <p:nvPr/>
+        </p:nvCxnSpPr>
+        <p:spPr>
+          <a:xfrm>
+            <a:off x="6239365" y="183666"/>
+            <a:ext cx="0" cy="504056"/>
+          </a:xfrm>
+          <a:prstGeom prst="line">
+            <a:avLst/>
+          </a:prstGeom>
+          <a:ln>
+            <a:solidFill>
+              <a:schemeClr val="bg1"/>
+            </a:solidFill>
+          </a:ln>
+        </p:spPr>
+        <p:style>
+          <a:lnRef idx="1">
+            <a:schemeClr val="accent1"/>
+          </a:lnRef>
+          <a:fillRef idx="0">
+            <a:schemeClr val="accent1"/>
+          </a:fillRef>
+          <a:effectRef idx="0">
+            <a:schemeClr val="accent1"/>
+          </a:effectRef>
+          <a:fontRef idx="minor">
+            <a:schemeClr val="tx1"/>
+          </a:fontRef>
+        </p:style>
+      </p:cxnSp>
+      <p:sp>
+        <p:nvSpPr>
+          <p:cNvPr id="15" name="文本框 14"/>
+          <p:cNvSpPr txBox="1"/>
+          <p:nvPr/>
+        </p:nvSpPr>
+        <p:spPr>
+          <a:xfrm>
+            <a:off x="5375920" y="1525073"/>
+            <a:ext cx="1800200" cy="1323439"/>
+          </a:xfrm>
+          <a:prstGeom prst="rect">
+            <a:avLst/>
+          </a:prstGeom>
+          <a:noFill/>
+        </p:spPr>
+        <p:txBody>
+          <a:bodyPr wrap="square" rtlCol="0">
+            <a:spAutoFit/>
+          </a:bodyPr>
+          <a:lstStyle/>
+          <a:p>
+            <a:pPr algn="ctr"/>
+            <a:r>
+              <a:rPr lang="en-US" altLang="zh-CN" sz="8000" dirty="0">
+                <a:solidFill>
+                  <a:schemeClr val="bg1"/>
+                </a:solidFill>
+                <a:latin typeface="Agency FB" panose="020B0503020202020204" pitchFamily="34" charset="0"/>
+              </a:rPr>
+              <a:t>01</a:t>
+            </a:r>
+            <a:endParaRPr lang="zh-CN" altLang="en-US" sz="8000" dirty="0">
+              <a:solidFill>
+                <a:schemeClr val="bg1"/>
+              </a:solidFill>
+              <a:latin typeface="Agency FB" panose="020B0503020202020204" pitchFamily="34" charset="0"/>
+            </a:endParaRPr>
+          </a:p>
+        </p:txBody>
+      </p:sp>
+      <p:sp>
+        <p:nvSpPr>
+          <p:cNvPr id="16" name="文本框 15"/>
+          <p:cNvSpPr txBox="1"/>
+          <p:nvPr/>
+        </p:nvSpPr>
+        <p:spPr>
+          <a:xfrm>
+            <a:off x="4439816" y="3024247"/>
+            <a:ext cx="3672408" cy="523220"/>
+          </a:xfrm>
+          <a:prstGeom prst="rect">
+            <a:avLst/>
+          </a:prstGeom>
+          <a:noFill/>
+        </p:spPr>
+        <p:txBody>
+          <a:bodyPr wrap="square" rtlCol="0">
+            <a:spAutoFit/>
+          </a:bodyPr>
+          <a:lstStyle/>
+          <a:p>
+            <a:pPr algn="ctr"/>
+            <a:r>
+              <a:rPr lang="zh-CN" altLang="en-US" sz="2800" dirty="0">
+                <a:solidFill>
+                  <a:schemeClr val="bg1"/>
+                </a:solidFill>
+                <a:latin typeface="Agency FB" panose="020B0503020202020204" pitchFamily="34" charset="0"/>
+              </a:rPr>
+              <a:t>基础概念</a:t>
+            </a:r>
+          </a:p>
+        </p:txBody>
+      </p:sp>
+    </p:spTree>
+    <p:extLst>
+      <p:ext uri="{BB962C8B-B14F-4D97-AF65-F5344CB8AC3E}">
+        <p14:creationId xmlns:p14="http://schemas.microsoft.com/office/powerpoint/2010/main" val="1093615146"/>
+      </p:ext>
+    </p:extLst>
+  </p:cSld>
+  <p:clrMapOvr>
+    <a:masterClrMapping/>
+  </p:clrMapOvr>
+  <mc:AlternateContent xmlns:mc="http://schemas.openxmlformats.org/markup-compatibility/2006" xmlns:p14="http://schemas.microsoft.com/office/powerpoint/2010/main">
+    <mc:Choice Requires="p14">
+      <p:transition spd="slow" p14:dur="2000" advTm="3000"/>
+    </mc:Choice>
+    <mc:Fallback xmlns="">
+      <p:transition spd="slow" advTm="3000"/>
+    </mc:Fallback>
+  </mc:AlternateContent>
+  <p:timing>
+    <p:tnLst>
+      <p:par>
+        <p:cTn id="1" dur="indefinite" restart="never" nodeType="tmRoot">
+          <p:childTnLst>
+            <p:seq concurrent="1" nextAc="seek">
+              <p:cTn id="2" dur="indefinite" nodeType="mainSeq">
+                <p:childTnLst>
+                  <p:par>
+                    <p:cTn id="3" fill="hold">
+                      <p:stCondLst>
+                        <p:cond delay="indefinite"/>
+                        <p:cond evt="onBegin" delay="0">
+                          <p:tn val="2"/>
+                        </p:cond>
+                      </p:stCondLst>
+                      <p:childTnLst>
+                        <p:par>
+                          <p:cTn id="4" fill="hold">
+                            <p:stCondLst>
+                              <p:cond delay="0"/>
+                            </p:stCondLst>
+                            <p:childTnLst>
+                              <p:par>
+                                <p:cTn id="5" presetID="21" presetClass="entr" presetSubtype="1" fill="hold" grpId="0" nodeType="withEffect">
+                                  <p:stCondLst>
+                                    <p:cond delay="50"/>
+                                  </p:stCondLst>
+                                  <p:childTnLst>
+                                    <p:set>
+                                      <p:cBhvr>
+                                        <p:cTn id="6" dur="1" fill="hold">
+                                          <p:stCondLst>
+                                            <p:cond delay="0"/>
+                                          </p:stCondLst>
+                                        </p:cTn>
+                                        <p:tgtEl>
+                                          <p:spTgt spid="3"/>
+                                        </p:tgtEl>
+                                        <p:attrNameLst>
+                                          <p:attrName>style.visibility</p:attrName>
+                                        </p:attrNameLst>
+                                      </p:cBhvr>
+                                      <p:to>
+                                        <p:strVal val="visible"/>
+                                      </p:to>
+                                    </p:set>
+                                    <p:animEffect transition="in" filter="wheel(1)">
+                                      <p:cBhvr>
+                                        <p:cTn id="7" dur="1000"/>
+                                        <p:tgtEl>
+                                          <p:spTgt spid="3"/>
+                                        </p:tgtEl>
+                                      </p:cBhvr>
+                                    </p:animEffect>
+                                  </p:childTnLst>
+                                </p:cTn>
+                              </p:par>
+                              <p:par>
+                                <p:cTn id="8" presetID="1" presetClass="path" presetSubtype="0" accel="50000" decel="50000" fill="hold" grpId="0" nodeType="withEffect">
+                                  <p:stCondLst>
+                                    <p:cond delay="50"/>
+                                  </p:stCondLst>
+                                  <p:childTnLst>
+                                    <p:animMotion origin="layout" path="M 1.45833E-6 -1.11111E-6 C 0.15 -1.11111E-6 0.27174 0.21574 0.27174 0.48264 C 0.27174 0.74884 0.15 0.96528 1.45833E-6 0.96528 C -0.15 0.96528 -0.27123 0.74884 -0.27123 0.48264 C -0.27123 0.21574 -0.15 -1.11111E-6 1.45833E-6 -1.11111E-6 Z " pathEditMode="relative" rAng="0" ptsTypes="AAAAA">
+                                      <p:cBhvr>
+                                        <p:cTn id="9" dur="1000" fill="hold"/>
+                                        <p:tgtEl>
+                                          <p:spTgt spid="4"/>
+                                        </p:tgtEl>
+                                        <p:attrNameLst>
+                                          <p:attrName>ppt_x</p:attrName>
+                                          <p:attrName>ppt_y</p:attrName>
+                                        </p:attrNameLst>
+                                      </p:cBhvr>
+                                      <p:rCtr x="26" y="48264"/>
+                                    </p:animMotion>
+                                  </p:childTnLst>
+                                </p:cTn>
+                              </p:par>
+                              <p:par>
+                                <p:cTn id="10" presetID="21" presetClass="exit" presetSubtype="1" fill="hold" grpId="1" nodeType="withEffect">
+                                  <p:stCondLst>
+                                    <p:cond delay="1000"/>
+                                  </p:stCondLst>
+                                  <p:childTnLst>
+                                    <p:animEffect transition="out" filter="wheel(1)">
+                                      <p:cBhvr>
+                                        <p:cTn id="11" dur="1000"/>
+                                        <p:tgtEl>
+                                          <p:spTgt spid="3"/>
+                                        </p:tgtEl>
+                                      </p:cBhvr>
+                                    </p:animEffect>
+                                    <p:set>
+                                      <p:cBhvr>
+                                        <p:cTn id="12" dur="1" fill="hold">
+                                          <p:stCondLst>
+                                            <p:cond delay="999"/>
+                                          </p:stCondLst>
+                                        </p:cTn>
+                                        <p:tgtEl>
+                                          <p:spTgt spid="3"/>
+                                        </p:tgtEl>
+                                        <p:attrNameLst>
+                                          <p:attrName>style.visibility</p:attrName>
+                                        </p:attrNameLst>
+                                      </p:cBhvr>
+                                      <p:to>
+                                        <p:strVal val="hidden"/>
+                                      </p:to>
+                                    </p:set>
+                                  </p:childTnLst>
+                                </p:cTn>
+                              </p:par>
+                              <p:par>
+                                <p:cTn id="13" presetID="6" presetClass="entr" presetSubtype="16" fill="hold" nodeType="withEffect">
+                                  <p:stCondLst>
+                                    <p:cond delay="1000"/>
+                                  </p:stCondLst>
+                                  <p:childTnLst>
+                                    <p:set>
+                                      <p:cBhvr>
+                                        <p:cTn id="14" dur="1" fill="hold">
+                                          <p:stCondLst>
+                                            <p:cond delay="0"/>
+                                          </p:stCondLst>
+                                        </p:cTn>
+                                        <p:tgtEl>
+                                          <p:spTgt spid="14"/>
+                                        </p:tgtEl>
+                                        <p:attrNameLst>
+                                          <p:attrName>style.visibility</p:attrName>
+                                        </p:attrNameLst>
+                                      </p:cBhvr>
+                                      <p:to>
+                                        <p:strVal val="visible"/>
+                                      </p:to>
+                                    </p:set>
+                                    <p:animEffect transition="in" filter="circle(in)">
+                                      <p:cBhvr>
+                                        <p:cTn id="15" dur="1500"/>
+                                        <p:tgtEl>
+                                          <p:spTgt spid="14"/>
+                                        </p:tgtEl>
+                                      </p:cBhvr>
+                                    </p:animEffect>
+                                  </p:childTnLst>
+                                </p:cTn>
+                              </p:par>
+                            </p:childTnLst>
+                          </p:cTn>
+                        </p:par>
+                        <p:par>
+                          <p:cTn id="16" fill="hold">
+                            <p:stCondLst>
+                              <p:cond delay="2500"/>
+                            </p:stCondLst>
+                            <p:childTnLst>
+                              <p:par>
+                                <p:cTn id="17" presetID="1" presetClass="exit" presetSubtype="0" fill="hold" grpId="1" nodeType="afterEffect">
+                                  <p:stCondLst>
+                                    <p:cond delay="0"/>
+                                  </p:stCondLst>
+                                  <p:childTnLst>
+                                    <p:set>
+                                      <p:cBhvr>
+                                        <p:cTn id="18" dur="1" fill="hold">
+                                          <p:stCondLst>
+                                            <p:cond delay="0"/>
+                                          </p:stCondLst>
+                                        </p:cTn>
+                                        <p:tgtEl>
+                                          <p:spTgt spid="4"/>
+                                        </p:tgtEl>
+                                        <p:attrNameLst>
+                                          <p:attrName>style.visibility</p:attrName>
+                                        </p:attrNameLst>
+                                      </p:cBhvr>
+                                      <p:to>
+                                        <p:strVal val="hidden"/>
+                                      </p:to>
+                                    </p:set>
+                                  </p:childTnLst>
+                                </p:cTn>
+                              </p:par>
+                            </p:childTnLst>
+                          </p:cTn>
+                        </p:par>
+                        <p:par>
+                          <p:cTn id="19" fill="hold">
+                            <p:stCondLst>
+                              <p:cond delay="2500"/>
+                            </p:stCondLst>
+                            <p:childTnLst>
+                              <p:par>
+                                <p:cTn id="20" presetID="22" presetClass="entr" presetSubtype="1" fill="hold" nodeType="afterEffect">
+                                  <p:stCondLst>
+                                    <p:cond delay="0"/>
+                                  </p:stCondLst>
+                                  <p:childTnLst>
+                                    <p:set>
+                                      <p:cBhvr>
+                                        <p:cTn id="21" dur="1" fill="hold">
+                                          <p:stCondLst>
+                                            <p:cond delay="0"/>
+                                          </p:stCondLst>
+                                        </p:cTn>
+                                        <p:tgtEl>
+                                          <p:spTgt spid="7"/>
+                                        </p:tgtEl>
+                                        <p:attrNameLst>
+                                          <p:attrName>style.visibility</p:attrName>
+                                        </p:attrNameLst>
+                                      </p:cBhvr>
+                                      <p:to>
+                                        <p:strVal val="visible"/>
+                                      </p:to>
+                                    </p:set>
+                                    <p:animEffect transition="in" filter="wipe(up)">
+                                      <p:cBhvr>
+                                        <p:cTn id="22" dur="150"/>
+                                        <p:tgtEl>
+                                          <p:spTgt spid="7"/>
+                                        </p:tgtEl>
+                                      </p:cBhvr>
+                                    </p:animEffect>
+                                  </p:childTnLst>
+                                </p:cTn>
+                              </p:par>
+                            </p:childTnLst>
+                          </p:cTn>
+                        </p:par>
+                        <p:par>
+                          <p:cTn id="23" fill="hold">
+                            <p:stCondLst>
+                              <p:cond delay="2650"/>
+                            </p:stCondLst>
+                            <p:childTnLst>
+                              <p:par>
+                                <p:cTn id="24" presetID="42" presetClass="path" presetSubtype="0" accel="50000" fill="hold" nodeType="afterEffect">
+                                  <p:stCondLst>
+                                    <p:cond delay="0"/>
+                                  </p:stCondLst>
+                                  <p:childTnLst>
+                                    <p:animMotion origin="layout" path="M 1.25E-6 4.07407E-6 L 1.25E-6 0.28958 " pathEditMode="relative" rAng="0" ptsTypes="AA">
+                                      <p:cBhvr>
+                                        <p:cTn id="25" dur="500" fill="hold"/>
+                                        <p:tgtEl>
+                                          <p:spTgt spid="7"/>
+                                        </p:tgtEl>
+                                        <p:attrNameLst>
+                                          <p:attrName>ppt_x</p:attrName>
+                                          <p:attrName>ppt_y</p:attrName>
+                                        </p:attrNameLst>
+                                      </p:cBhvr>
+                                      <p:rCtr x="0" y="14468"/>
+                                    </p:animMotion>
+                                  </p:childTnLst>
+                                </p:cTn>
+                              </p:par>
+                              <p:par>
+                                <p:cTn id="26" presetID="22" presetClass="exit" presetSubtype="1" fill="hold" nodeType="withEffect">
+                                  <p:stCondLst>
+                                    <p:cond delay="250"/>
+                                  </p:stCondLst>
+                                  <p:childTnLst>
+                                    <p:animEffect transition="out" filter="wipe(up)">
+                                      <p:cBhvr>
+                                        <p:cTn id="27" dur="500"/>
+                                        <p:tgtEl>
+                                          <p:spTgt spid="7"/>
+                                        </p:tgtEl>
+                                      </p:cBhvr>
+                                    </p:animEffect>
+                                    <p:set>
+                                      <p:cBhvr>
+                                        <p:cTn id="28" dur="1" fill="hold">
+                                          <p:stCondLst>
+                                            <p:cond delay="499"/>
+                                          </p:stCondLst>
+                                        </p:cTn>
+                                        <p:tgtEl>
+                                          <p:spTgt spid="7"/>
+                                        </p:tgtEl>
+                                        <p:attrNameLst>
+                                          <p:attrName>style.visibility</p:attrName>
+                                        </p:attrNameLst>
+                                      </p:cBhvr>
+                                      <p:to>
+                                        <p:strVal val="hidden"/>
+                                      </p:to>
+                                    </p:set>
+                                  </p:childTnLst>
+                                </p:cTn>
+                              </p:par>
+                            </p:childTnLst>
+                          </p:cTn>
+                        </p:par>
+                        <p:par>
+                          <p:cTn id="29" fill="hold">
+                            <p:stCondLst>
+                              <p:cond delay="3400"/>
+                            </p:stCondLst>
+                            <p:childTnLst>
+                              <p:par>
+                                <p:cTn id="30" presetID="16" presetClass="entr" presetSubtype="37" fill="hold" nodeType="afterEffect">
+                                  <p:stCondLst>
+                                    <p:cond delay="0"/>
+                                  </p:stCondLst>
+                                  <p:childTnLst>
+                                    <p:set>
+                                      <p:cBhvr>
+                                        <p:cTn id="31" dur="1" fill="hold">
+                                          <p:stCondLst>
+                                            <p:cond delay="0"/>
+                                          </p:stCondLst>
+                                        </p:cTn>
+                                        <p:tgtEl>
+                                          <p:spTgt spid="5"/>
+                                        </p:tgtEl>
+                                        <p:attrNameLst>
+                                          <p:attrName>style.visibility</p:attrName>
+                                        </p:attrNameLst>
+                                      </p:cBhvr>
+                                      <p:to>
+                                        <p:strVal val="visible"/>
+                                      </p:to>
+                                    </p:set>
+                                    <p:animEffect transition="in" filter="barn(outVertical)">
+                                      <p:cBhvr>
+                                        <p:cTn id="32" dur="350"/>
+                                        <p:tgtEl>
+                                          <p:spTgt spid="5"/>
+                                        </p:tgtEl>
+                                      </p:cBhvr>
+                                    </p:animEffect>
+                                  </p:childTnLst>
+                                </p:cTn>
+                              </p:par>
+                            </p:childTnLst>
+                          </p:cTn>
+                        </p:par>
+                        <p:par>
+                          <p:cTn id="33" fill="hold">
+                            <p:stCondLst>
+                              <p:cond delay="3750"/>
+                            </p:stCondLst>
+                            <p:childTnLst>
+                              <p:par>
+                                <p:cTn id="34" presetID="12" presetClass="entr" presetSubtype="4" fill="hold" grpId="0" nodeType="afterEffect">
+                                  <p:stCondLst>
+                                    <p:cond delay="0"/>
+                                  </p:stCondLst>
+                                  <p:iterate type="lt">
+                                    <p:tmPct val="10000"/>
+                                  </p:iterate>
+                                  <p:childTnLst>
+                                    <p:set>
+                                      <p:cBhvr>
+                                        <p:cTn id="35" dur="1" fill="hold">
+                                          <p:stCondLst>
+                                            <p:cond delay="0"/>
+                                          </p:stCondLst>
+                                        </p:cTn>
+                                        <p:tgtEl>
+                                          <p:spTgt spid="15"/>
+                                        </p:tgtEl>
+                                        <p:attrNameLst>
+                                          <p:attrName>style.visibility</p:attrName>
+                                        </p:attrNameLst>
+                                      </p:cBhvr>
+                                      <p:to>
+                                        <p:strVal val="visible"/>
+                                      </p:to>
+                                    </p:set>
+                                    <p:anim calcmode="lin" valueType="num">
+                                      <p:cBhvr additive="base">
+                                        <p:cTn id="36" dur="500"/>
+                                        <p:tgtEl>
+                                          <p:spTgt spid="15"/>
+                                        </p:tgtEl>
+                                        <p:attrNameLst>
+                                          <p:attrName>ppt_y</p:attrName>
+                                        </p:attrNameLst>
+                                      </p:cBhvr>
+                                      <p:tavLst>
+                                        <p:tav tm="0">
+                                          <p:val>
+                                            <p:strVal val="#ppt_y+#ppt_h*1.125000"/>
+                                          </p:val>
+                                        </p:tav>
+                                        <p:tav tm="100000">
+                                          <p:val>
+                                            <p:strVal val="#ppt_y"/>
+                                          </p:val>
+                                        </p:tav>
+                                      </p:tavLst>
+                                    </p:anim>
+                                    <p:animEffect transition="in" filter="wipe(up)">
+                                      <p:cBhvr>
+                                        <p:cTn id="37" dur="500"/>
+                                        <p:tgtEl>
+                                          <p:spTgt spid="15"/>
+                                        </p:tgtEl>
+                                      </p:cBhvr>
+                                    </p:animEffect>
+                                  </p:childTnLst>
+                                </p:cTn>
+                              </p:par>
+                            </p:childTnLst>
+                          </p:cTn>
+                        </p:par>
+                        <p:par>
+                          <p:cTn id="38" fill="hold">
+                            <p:stCondLst>
+                              <p:cond delay="4300"/>
+                            </p:stCondLst>
+                            <p:childTnLst>
+                              <p:par>
+                                <p:cTn id="39" presetID="12" presetClass="entr" presetSubtype="1" fill="hold" grpId="0" nodeType="afterEffect">
+                                  <p:stCondLst>
+                                    <p:cond delay="0"/>
+                                  </p:stCondLst>
+                                  <p:childTnLst>
+                                    <p:set>
+                                      <p:cBhvr>
+                                        <p:cTn id="40" dur="1" fill="hold">
+                                          <p:stCondLst>
+                                            <p:cond delay="0"/>
+                                          </p:stCondLst>
+                                        </p:cTn>
+                                        <p:tgtEl>
+                                          <p:spTgt spid="16"/>
+                                        </p:tgtEl>
+                                        <p:attrNameLst>
+                                          <p:attrName>style.visibility</p:attrName>
+                                        </p:attrNameLst>
+                                      </p:cBhvr>
+                                      <p:to>
+                                        <p:strVal val="visible"/>
+                                      </p:to>
+                                    </p:set>
+                                    <p:anim calcmode="lin" valueType="num">
+                                      <p:cBhvr additive="base">
+                                        <p:cTn id="41" dur="500"/>
+                                        <p:tgtEl>
+                                          <p:spTgt spid="16"/>
+                                        </p:tgtEl>
+                                        <p:attrNameLst>
+                                          <p:attrName>ppt_y</p:attrName>
+                                        </p:attrNameLst>
+                                      </p:cBhvr>
+                                      <p:tavLst>
+                                        <p:tav tm="0">
+                                          <p:val>
+                                            <p:strVal val="#ppt_y-#ppt_h*1.125000"/>
+                                          </p:val>
+                                        </p:tav>
+                                        <p:tav tm="100000">
+                                          <p:val>
+                                            <p:strVal val="#ppt_y"/>
+                                          </p:val>
+                                        </p:tav>
+                                      </p:tavLst>
+                                    </p:anim>
+                                    <p:animEffect transition="in" filter="wipe(down)">
+                                      <p:cBhvr>
+                                        <p:cTn id="42" dur="500"/>
+                                        <p:tgtEl>
+                                          <p:spTgt spid="16"/>
+                                        </p:tgtEl>
+                                      </p:cBhvr>
+                                    </p:animEffect>
+                                  </p:childTnLst>
+                                </p:cTn>
+                              </p:par>
+                            </p:childTnLst>
+                          </p:cTn>
+                        </p:par>
+                      </p:childTnLst>
+                    </p:cTn>
+                  </p:par>
+                </p:childTnLst>
+              </p:cTn>
+              <p:prevCondLst>
+                <p:cond evt="onPrev" delay="0">
+                  <p:tgtEl>
+                    <p:sldTgt/>
+                  </p:tgtEl>
+                </p:cond>
+              </p:prevCondLst>
+              <p:nextCondLst>
+                <p:cond evt="onNext" delay="0">
+                  <p:tgtEl>
+                    <p:sldTgt/>
+                  </p:tgtEl>
+                </p:cond>
+              </p:nextCondLst>
+            </p:seq>
+          </p:childTnLst>
+        </p:cTn>
+      </p:par>
+    </p:tnLst>
+    <p:bldLst>
+      <p:bldP spid="3" grpId="0" animBg="1"/>
+      <p:bldP spid="3" grpId="1" animBg="1"/>
+      <p:bldP spid="4" grpId="0" animBg="1"/>
+      <p:bldP spid="4" grpId="1" animBg="1"/>
+      <p:bldP spid="15" grpId="0"/>
+      <p:bldP spid="16" grpId="0"/>
+    </p:bldLst>
+  </p:timing>
+</p:sld>
+</file>
+
+<file path=ppt/slides/slide30.xml><?xml version="1.0" encoding="utf-8"?>
 <p:sld xmlns:a="http://schemas.openxmlformats.org/drawingml/2006/main" xmlns:r="http://schemas.openxmlformats.org/officeDocument/2006/relationships" xmlns:p="http://schemas.openxmlformats.org/presentationml/2006/main">
   <p:cSld>
     <p:spTree>
@@ -38807,7 +41868,7 @@
 </p:sld>
 </file>
 
-<file path=ppt/slides/slide29.xml><?xml version="1.0" encoding="utf-8"?>
+<file path=ppt/slides/slide31.xml><?xml version="1.0" encoding="utf-8"?>
 <p:sld xmlns:a="http://schemas.openxmlformats.org/drawingml/2006/main" xmlns:r="http://schemas.openxmlformats.org/officeDocument/2006/relationships" xmlns:p="http://schemas.openxmlformats.org/presentationml/2006/main">
   <p:cSld>
     <p:spTree>
@@ -39905,822 +42966,7 @@
 </p:sld>
 </file>
 
-<file path=ppt/slides/slide3.xml><?xml version="1.0" encoding="utf-8"?>
-<p:sld xmlns:a="http://schemas.openxmlformats.org/drawingml/2006/main" xmlns:r="http://schemas.openxmlformats.org/officeDocument/2006/relationships" xmlns:p="http://schemas.openxmlformats.org/presentationml/2006/main">
-  <p:cSld>
-    <p:spTree>
-      <p:nvGrpSpPr>
-        <p:cNvPr id="1" name=""/>
-        <p:cNvGrpSpPr/>
-        <p:nvPr/>
-      </p:nvGrpSpPr>
-      <p:grpSpPr>
-        <a:xfrm>
-          <a:off x="0" y="0"/>
-          <a:ext cx="0" cy="0"/>
-          <a:chOff x="0" y="0"/>
-          <a:chExt cx="0" cy="0"/>
-        </a:xfrm>
-      </p:grpSpPr>
-      <p:pic>
-        <p:nvPicPr>
-          <p:cNvPr id="14" name="图片 13"/>
-          <p:cNvPicPr>
-            <a:picLocks noChangeAspect="1"/>
-          </p:cNvPicPr>
-          <p:nvPr/>
-        </p:nvPicPr>
-        <p:blipFill>
-          <a:blip r:embed="rId3"/>
-          <a:stretch>
-            <a:fillRect/>
-          </a:stretch>
-        </p:blipFill>
-        <p:spPr>
-          <a:xfrm>
-            <a:off x="2902604" y="116631"/>
-            <a:ext cx="6624736" cy="6614789"/>
-          </a:xfrm>
-          <a:prstGeom prst="rect">
-            <a:avLst/>
-          </a:prstGeom>
-        </p:spPr>
-      </p:pic>
-      <p:sp>
-        <p:nvSpPr>
-          <p:cNvPr id="3" name="椭圆 2"/>
-          <p:cNvSpPr/>
-          <p:nvPr/>
-        </p:nvSpPr>
-        <p:spPr>
-          <a:xfrm>
-            <a:off x="2902604" y="89887"/>
-            <a:ext cx="6619762" cy="6619762"/>
-          </a:xfrm>
-          <a:prstGeom prst="ellipse">
-            <a:avLst/>
-          </a:prstGeom>
-          <a:noFill/>
-          <a:ln>
-            <a:solidFill>
-              <a:schemeClr val="bg1"/>
-            </a:solidFill>
-          </a:ln>
-        </p:spPr>
-        <p:style>
-          <a:lnRef idx="2">
-            <a:schemeClr val="accent1">
-              <a:shade val="50000"/>
-            </a:schemeClr>
-          </a:lnRef>
-          <a:fillRef idx="1">
-            <a:schemeClr val="accent1"/>
-          </a:fillRef>
-          <a:effectRef idx="0">
-            <a:schemeClr val="accent1"/>
-          </a:effectRef>
-          <a:fontRef idx="minor">
-            <a:schemeClr val="lt1"/>
-          </a:fontRef>
-        </p:style>
-        <p:txBody>
-          <a:bodyPr rtlCol="0" anchor="ctr"/>
-          <a:lstStyle/>
-          <a:p>
-            <a:pPr algn="ctr"/>
-            <a:endParaRPr lang="zh-CN" altLang="en-US"/>
-          </a:p>
-        </p:txBody>
-      </p:sp>
-      <p:sp>
-        <p:nvSpPr>
-          <p:cNvPr id="4" name="椭圆 3"/>
-          <p:cNvSpPr/>
-          <p:nvPr/>
-        </p:nvSpPr>
-        <p:spPr>
-          <a:xfrm>
-            <a:off x="6202121" y="40199"/>
-            <a:ext cx="72008" cy="72008"/>
-          </a:xfrm>
-          <a:prstGeom prst="ellipse">
-            <a:avLst/>
-          </a:prstGeom>
-          <a:solidFill>
-            <a:schemeClr val="bg1"/>
-          </a:solidFill>
-          <a:ln>
-            <a:solidFill>
-              <a:schemeClr val="bg1"/>
-            </a:solidFill>
-          </a:ln>
-        </p:spPr>
-        <p:style>
-          <a:lnRef idx="2">
-            <a:schemeClr val="accent1">
-              <a:shade val="50000"/>
-            </a:schemeClr>
-          </a:lnRef>
-          <a:fillRef idx="1">
-            <a:schemeClr val="accent1"/>
-          </a:fillRef>
-          <a:effectRef idx="0">
-            <a:schemeClr val="accent1"/>
-          </a:effectRef>
-          <a:fontRef idx="minor">
-            <a:schemeClr val="lt1"/>
-          </a:fontRef>
-        </p:style>
-        <p:txBody>
-          <a:bodyPr rtlCol="0" anchor="ctr"/>
-          <a:lstStyle/>
-          <a:p>
-            <a:pPr algn="ctr"/>
-            <a:endParaRPr lang="zh-CN" altLang="en-US"/>
-          </a:p>
-        </p:txBody>
-      </p:sp>
-      <p:cxnSp>
-        <p:nvCxnSpPr>
-          <p:cNvPr id="5" name="直接连接符 4"/>
-          <p:cNvCxnSpPr/>
-          <p:nvPr/>
-        </p:nvCxnSpPr>
-        <p:spPr>
-          <a:xfrm>
-            <a:off x="5375920" y="2852936"/>
-            <a:ext cx="1800200" cy="0"/>
-          </a:xfrm>
-          <a:prstGeom prst="line">
-            <a:avLst/>
-          </a:prstGeom>
-          <a:ln>
-            <a:solidFill>
-              <a:schemeClr val="bg1"/>
-            </a:solidFill>
-          </a:ln>
-        </p:spPr>
-        <p:style>
-          <a:lnRef idx="1">
-            <a:schemeClr val="accent1"/>
-          </a:lnRef>
-          <a:fillRef idx="0">
-            <a:schemeClr val="accent1"/>
-          </a:fillRef>
-          <a:effectRef idx="0">
-            <a:schemeClr val="accent1"/>
-          </a:effectRef>
-          <a:fontRef idx="minor">
-            <a:schemeClr val="tx1"/>
-          </a:fontRef>
-        </p:style>
-      </p:cxnSp>
-      <p:cxnSp>
-        <p:nvCxnSpPr>
-          <p:cNvPr id="7" name="直接连接符 6"/>
-          <p:cNvCxnSpPr/>
-          <p:nvPr/>
-        </p:nvCxnSpPr>
-        <p:spPr>
-          <a:xfrm>
-            <a:off x="6239365" y="183666"/>
-            <a:ext cx="0" cy="504056"/>
-          </a:xfrm>
-          <a:prstGeom prst="line">
-            <a:avLst/>
-          </a:prstGeom>
-          <a:ln>
-            <a:solidFill>
-              <a:schemeClr val="bg1"/>
-            </a:solidFill>
-          </a:ln>
-        </p:spPr>
-        <p:style>
-          <a:lnRef idx="1">
-            <a:schemeClr val="accent1"/>
-          </a:lnRef>
-          <a:fillRef idx="0">
-            <a:schemeClr val="accent1"/>
-          </a:fillRef>
-          <a:effectRef idx="0">
-            <a:schemeClr val="accent1"/>
-          </a:effectRef>
-          <a:fontRef idx="minor">
-            <a:schemeClr val="tx1"/>
-          </a:fontRef>
-        </p:style>
-      </p:cxnSp>
-      <p:sp>
-        <p:nvSpPr>
-          <p:cNvPr id="15" name="文本框 14"/>
-          <p:cNvSpPr txBox="1"/>
-          <p:nvPr/>
-        </p:nvSpPr>
-        <p:spPr>
-          <a:xfrm>
-            <a:off x="5375920" y="1525073"/>
-            <a:ext cx="1800200" cy="1323439"/>
-          </a:xfrm>
-          <a:prstGeom prst="rect">
-            <a:avLst/>
-          </a:prstGeom>
-          <a:noFill/>
-        </p:spPr>
-        <p:txBody>
-          <a:bodyPr wrap="square" rtlCol="0">
-            <a:spAutoFit/>
-          </a:bodyPr>
-          <a:lstStyle/>
-          <a:p>
-            <a:pPr algn="ctr"/>
-            <a:r>
-              <a:rPr lang="en-US" altLang="zh-CN" sz="8000" dirty="0">
-                <a:solidFill>
-                  <a:schemeClr val="bg1"/>
-                </a:solidFill>
-                <a:latin typeface="Agency FB" panose="020B0503020202020204" pitchFamily="34" charset="0"/>
-              </a:rPr>
-              <a:t>01</a:t>
-            </a:r>
-            <a:endParaRPr lang="zh-CN" altLang="en-US" sz="8000" dirty="0">
-              <a:solidFill>
-                <a:schemeClr val="bg1"/>
-              </a:solidFill>
-              <a:latin typeface="Agency FB" panose="020B0503020202020204" pitchFamily="34" charset="0"/>
-            </a:endParaRPr>
-          </a:p>
-        </p:txBody>
-      </p:sp>
-      <p:sp>
-        <p:nvSpPr>
-          <p:cNvPr id="16" name="文本框 15"/>
-          <p:cNvSpPr txBox="1"/>
-          <p:nvPr/>
-        </p:nvSpPr>
-        <p:spPr>
-          <a:xfrm>
-            <a:off x="4439816" y="3024247"/>
-            <a:ext cx="3672408" cy="523220"/>
-          </a:xfrm>
-          <a:prstGeom prst="rect">
-            <a:avLst/>
-          </a:prstGeom>
-          <a:noFill/>
-        </p:spPr>
-        <p:txBody>
-          <a:bodyPr wrap="square" rtlCol="0">
-            <a:spAutoFit/>
-          </a:bodyPr>
-          <a:lstStyle/>
-          <a:p>
-            <a:pPr algn="ctr"/>
-            <a:r>
-              <a:rPr lang="zh-CN" altLang="en-US" sz="2800" dirty="0">
-                <a:solidFill>
-                  <a:schemeClr val="bg1"/>
-                </a:solidFill>
-                <a:latin typeface="Agency FB" panose="020B0503020202020204" pitchFamily="34" charset="0"/>
-              </a:rPr>
-              <a:t>基础概念</a:t>
-            </a:r>
-          </a:p>
-        </p:txBody>
-      </p:sp>
-    </p:spTree>
-    <p:extLst>
-      <p:ext uri="{BB962C8B-B14F-4D97-AF65-F5344CB8AC3E}">
-        <p14:creationId xmlns:p14="http://schemas.microsoft.com/office/powerpoint/2010/main" val="1093615146"/>
-      </p:ext>
-    </p:extLst>
-  </p:cSld>
-  <p:clrMapOvr>
-    <a:masterClrMapping/>
-  </p:clrMapOvr>
-  <mc:AlternateContent xmlns:mc="http://schemas.openxmlformats.org/markup-compatibility/2006" xmlns:p14="http://schemas.microsoft.com/office/powerpoint/2010/main">
-    <mc:Choice Requires="p14">
-      <p:transition spd="slow" p14:dur="2000" advTm="3000"/>
-    </mc:Choice>
-    <mc:Fallback xmlns="">
-      <p:transition spd="slow" advTm="3000"/>
-    </mc:Fallback>
-  </mc:AlternateContent>
-  <p:timing>
-    <p:tnLst>
-      <p:par>
-        <p:cTn id="1" dur="indefinite" restart="never" nodeType="tmRoot">
-          <p:childTnLst>
-            <p:seq concurrent="1" nextAc="seek">
-              <p:cTn id="2" dur="indefinite" nodeType="mainSeq">
-                <p:childTnLst>
-                  <p:par>
-                    <p:cTn id="3" fill="hold">
-                      <p:stCondLst>
-                        <p:cond delay="indefinite"/>
-                        <p:cond evt="onBegin" delay="0">
-                          <p:tn val="2"/>
-                        </p:cond>
-                      </p:stCondLst>
-                      <p:childTnLst>
-                        <p:par>
-                          <p:cTn id="4" fill="hold">
-                            <p:stCondLst>
-                              <p:cond delay="0"/>
-                            </p:stCondLst>
-                            <p:childTnLst>
-                              <p:par>
-                                <p:cTn id="5" presetID="21" presetClass="entr" presetSubtype="1" fill="hold" grpId="0" nodeType="withEffect">
-                                  <p:stCondLst>
-                                    <p:cond delay="50"/>
-                                  </p:stCondLst>
-                                  <p:childTnLst>
-                                    <p:set>
-                                      <p:cBhvr>
-                                        <p:cTn id="6" dur="1" fill="hold">
-                                          <p:stCondLst>
-                                            <p:cond delay="0"/>
-                                          </p:stCondLst>
-                                        </p:cTn>
-                                        <p:tgtEl>
-                                          <p:spTgt spid="3"/>
-                                        </p:tgtEl>
-                                        <p:attrNameLst>
-                                          <p:attrName>style.visibility</p:attrName>
-                                        </p:attrNameLst>
-                                      </p:cBhvr>
-                                      <p:to>
-                                        <p:strVal val="visible"/>
-                                      </p:to>
-                                    </p:set>
-                                    <p:animEffect transition="in" filter="wheel(1)">
-                                      <p:cBhvr>
-                                        <p:cTn id="7" dur="1000"/>
-                                        <p:tgtEl>
-                                          <p:spTgt spid="3"/>
-                                        </p:tgtEl>
-                                      </p:cBhvr>
-                                    </p:animEffect>
-                                  </p:childTnLst>
-                                </p:cTn>
-                              </p:par>
-                              <p:par>
-                                <p:cTn id="8" presetID="1" presetClass="path" presetSubtype="0" accel="50000" decel="50000" fill="hold" grpId="0" nodeType="withEffect">
-                                  <p:stCondLst>
-                                    <p:cond delay="50"/>
-                                  </p:stCondLst>
-                                  <p:childTnLst>
-                                    <p:animMotion origin="layout" path="M 1.45833E-6 -1.11111E-6 C 0.15 -1.11111E-6 0.27174 0.21574 0.27174 0.48264 C 0.27174 0.74884 0.15 0.96528 1.45833E-6 0.96528 C -0.15 0.96528 -0.27123 0.74884 -0.27123 0.48264 C -0.27123 0.21574 -0.15 -1.11111E-6 1.45833E-6 -1.11111E-6 Z " pathEditMode="relative" rAng="0" ptsTypes="AAAAA">
-                                      <p:cBhvr>
-                                        <p:cTn id="9" dur="1000" fill="hold"/>
-                                        <p:tgtEl>
-                                          <p:spTgt spid="4"/>
-                                        </p:tgtEl>
-                                        <p:attrNameLst>
-                                          <p:attrName>ppt_x</p:attrName>
-                                          <p:attrName>ppt_y</p:attrName>
-                                        </p:attrNameLst>
-                                      </p:cBhvr>
-                                      <p:rCtr x="26" y="48264"/>
-                                    </p:animMotion>
-                                  </p:childTnLst>
-                                </p:cTn>
-                              </p:par>
-                              <p:par>
-                                <p:cTn id="10" presetID="21" presetClass="exit" presetSubtype="1" fill="hold" grpId="1" nodeType="withEffect">
-                                  <p:stCondLst>
-                                    <p:cond delay="1000"/>
-                                  </p:stCondLst>
-                                  <p:childTnLst>
-                                    <p:animEffect transition="out" filter="wheel(1)">
-                                      <p:cBhvr>
-                                        <p:cTn id="11" dur="1000"/>
-                                        <p:tgtEl>
-                                          <p:spTgt spid="3"/>
-                                        </p:tgtEl>
-                                      </p:cBhvr>
-                                    </p:animEffect>
-                                    <p:set>
-                                      <p:cBhvr>
-                                        <p:cTn id="12" dur="1" fill="hold">
-                                          <p:stCondLst>
-                                            <p:cond delay="999"/>
-                                          </p:stCondLst>
-                                        </p:cTn>
-                                        <p:tgtEl>
-                                          <p:spTgt spid="3"/>
-                                        </p:tgtEl>
-                                        <p:attrNameLst>
-                                          <p:attrName>style.visibility</p:attrName>
-                                        </p:attrNameLst>
-                                      </p:cBhvr>
-                                      <p:to>
-                                        <p:strVal val="hidden"/>
-                                      </p:to>
-                                    </p:set>
-                                  </p:childTnLst>
-                                </p:cTn>
-                              </p:par>
-                              <p:par>
-                                <p:cTn id="13" presetID="6" presetClass="entr" presetSubtype="16" fill="hold" nodeType="withEffect">
-                                  <p:stCondLst>
-                                    <p:cond delay="1000"/>
-                                  </p:stCondLst>
-                                  <p:childTnLst>
-                                    <p:set>
-                                      <p:cBhvr>
-                                        <p:cTn id="14" dur="1" fill="hold">
-                                          <p:stCondLst>
-                                            <p:cond delay="0"/>
-                                          </p:stCondLst>
-                                        </p:cTn>
-                                        <p:tgtEl>
-                                          <p:spTgt spid="14"/>
-                                        </p:tgtEl>
-                                        <p:attrNameLst>
-                                          <p:attrName>style.visibility</p:attrName>
-                                        </p:attrNameLst>
-                                      </p:cBhvr>
-                                      <p:to>
-                                        <p:strVal val="visible"/>
-                                      </p:to>
-                                    </p:set>
-                                    <p:animEffect transition="in" filter="circle(in)">
-                                      <p:cBhvr>
-                                        <p:cTn id="15" dur="1500"/>
-                                        <p:tgtEl>
-                                          <p:spTgt spid="14"/>
-                                        </p:tgtEl>
-                                      </p:cBhvr>
-                                    </p:animEffect>
-                                  </p:childTnLst>
-                                </p:cTn>
-                              </p:par>
-                            </p:childTnLst>
-                          </p:cTn>
-                        </p:par>
-                        <p:par>
-                          <p:cTn id="16" fill="hold">
-                            <p:stCondLst>
-                              <p:cond delay="2500"/>
-                            </p:stCondLst>
-                            <p:childTnLst>
-                              <p:par>
-                                <p:cTn id="17" presetID="1" presetClass="exit" presetSubtype="0" fill="hold" grpId="1" nodeType="afterEffect">
-                                  <p:stCondLst>
-                                    <p:cond delay="0"/>
-                                  </p:stCondLst>
-                                  <p:childTnLst>
-                                    <p:set>
-                                      <p:cBhvr>
-                                        <p:cTn id="18" dur="1" fill="hold">
-                                          <p:stCondLst>
-                                            <p:cond delay="0"/>
-                                          </p:stCondLst>
-                                        </p:cTn>
-                                        <p:tgtEl>
-                                          <p:spTgt spid="4"/>
-                                        </p:tgtEl>
-                                        <p:attrNameLst>
-                                          <p:attrName>style.visibility</p:attrName>
-                                        </p:attrNameLst>
-                                      </p:cBhvr>
-                                      <p:to>
-                                        <p:strVal val="hidden"/>
-                                      </p:to>
-                                    </p:set>
-                                  </p:childTnLst>
-                                </p:cTn>
-                              </p:par>
-                            </p:childTnLst>
-                          </p:cTn>
-                        </p:par>
-                        <p:par>
-                          <p:cTn id="19" fill="hold">
-                            <p:stCondLst>
-                              <p:cond delay="2500"/>
-                            </p:stCondLst>
-                            <p:childTnLst>
-                              <p:par>
-                                <p:cTn id="20" presetID="22" presetClass="entr" presetSubtype="1" fill="hold" nodeType="afterEffect">
-                                  <p:stCondLst>
-                                    <p:cond delay="0"/>
-                                  </p:stCondLst>
-                                  <p:childTnLst>
-                                    <p:set>
-                                      <p:cBhvr>
-                                        <p:cTn id="21" dur="1" fill="hold">
-                                          <p:stCondLst>
-                                            <p:cond delay="0"/>
-                                          </p:stCondLst>
-                                        </p:cTn>
-                                        <p:tgtEl>
-                                          <p:spTgt spid="7"/>
-                                        </p:tgtEl>
-                                        <p:attrNameLst>
-                                          <p:attrName>style.visibility</p:attrName>
-                                        </p:attrNameLst>
-                                      </p:cBhvr>
-                                      <p:to>
-                                        <p:strVal val="visible"/>
-                                      </p:to>
-                                    </p:set>
-                                    <p:animEffect transition="in" filter="wipe(up)">
-                                      <p:cBhvr>
-                                        <p:cTn id="22" dur="150"/>
-                                        <p:tgtEl>
-                                          <p:spTgt spid="7"/>
-                                        </p:tgtEl>
-                                      </p:cBhvr>
-                                    </p:animEffect>
-                                  </p:childTnLst>
-                                </p:cTn>
-                              </p:par>
-                            </p:childTnLst>
-                          </p:cTn>
-                        </p:par>
-                        <p:par>
-                          <p:cTn id="23" fill="hold">
-                            <p:stCondLst>
-                              <p:cond delay="2650"/>
-                            </p:stCondLst>
-                            <p:childTnLst>
-                              <p:par>
-                                <p:cTn id="24" presetID="42" presetClass="path" presetSubtype="0" accel="50000" fill="hold" nodeType="afterEffect">
-                                  <p:stCondLst>
-                                    <p:cond delay="0"/>
-                                  </p:stCondLst>
-                                  <p:childTnLst>
-                                    <p:animMotion origin="layout" path="M 1.25E-6 4.07407E-6 L 1.25E-6 0.28958 " pathEditMode="relative" rAng="0" ptsTypes="AA">
-                                      <p:cBhvr>
-                                        <p:cTn id="25" dur="500" fill="hold"/>
-                                        <p:tgtEl>
-                                          <p:spTgt spid="7"/>
-                                        </p:tgtEl>
-                                        <p:attrNameLst>
-                                          <p:attrName>ppt_x</p:attrName>
-                                          <p:attrName>ppt_y</p:attrName>
-                                        </p:attrNameLst>
-                                      </p:cBhvr>
-                                      <p:rCtr x="0" y="14468"/>
-                                    </p:animMotion>
-                                  </p:childTnLst>
-                                </p:cTn>
-                              </p:par>
-                              <p:par>
-                                <p:cTn id="26" presetID="22" presetClass="exit" presetSubtype="1" fill="hold" nodeType="withEffect">
-                                  <p:stCondLst>
-                                    <p:cond delay="250"/>
-                                  </p:stCondLst>
-                                  <p:childTnLst>
-                                    <p:animEffect transition="out" filter="wipe(up)">
-                                      <p:cBhvr>
-                                        <p:cTn id="27" dur="500"/>
-                                        <p:tgtEl>
-                                          <p:spTgt spid="7"/>
-                                        </p:tgtEl>
-                                      </p:cBhvr>
-                                    </p:animEffect>
-                                    <p:set>
-                                      <p:cBhvr>
-                                        <p:cTn id="28" dur="1" fill="hold">
-                                          <p:stCondLst>
-                                            <p:cond delay="499"/>
-                                          </p:stCondLst>
-                                        </p:cTn>
-                                        <p:tgtEl>
-                                          <p:spTgt spid="7"/>
-                                        </p:tgtEl>
-                                        <p:attrNameLst>
-                                          <p:attrName>style.visibility</p:attrName>
-                                        </p:attrNameLst>
-                                      </p:cBhvr>
-                                      <p:to>
-                                        <p:strVal val="hidden"/>
-                                      </p:to>
-                                    </p:set>
-                                  </p:childTnLst>
-                                </p:cTn>
-                              </p:par>
-                            </p:childTnLst>
-                          </p:cTn>
-                        </p:par>
-                        <p:par>
-                          <p:cTn id="29" fill="hold">
-                            <p:stCondLst>
-                              <p:cond delay="3400"/>
-                            </p:stCondLst>
-                            <p:childTnLst>
-                              <p:par>
-                                <p:cTn id="30" presetID="16" presetClass="entr" presetSubtype="37" fill="hold" nodeType="afterEffect">
-                                  <p:stCondLst>
-                                    <p:cond delay="0"/>
-                                  </p:stCondLst>
-                                  <p:childTnLst>
-                                    <p:set>
-                                      <p:cBhvr>
-                                        <p:cTn id="31" dur="1" fill="hold">
-                                          <p:stCondLst>
-                                            <p:cond delay="0"/>
-                                          </p:stCondLst>
-                                        </p:cTn>
-                                        <p:tgtEl>
-                                          <p:spTgt spid="5"/>
-                                        </p:tgtEl>
-                                        <p:attrNameLst>
-                                          <p:attrName>style.visibility</p:attrName>
-                                        </p:attrNameLst>
-                                      </p:cBhvr>
-                                      <p:to>
-                                        <p:strVal val="visible"/>
-                                      </p:to>
-                                    </p:set>
-                                    <p:animEffect transition="in" filter="barn(outVertical)">
-                                      <p:cBhvr>
-                                        <p:cTn id="32" dur="350"/>
-                                        <p:tgtEl>
-                                          <p:spTgt spid="5"/>
-                                        </p:tgtEl>
-                                      </p:cBhvr>
-                                    </p:animEffect>
-                                  </p:childTnLst>
-                                </p:cTn>
-                              </p:par>
-                            </p:childTnLst>
-                          </p:cTn>
-                        </p:par>
-                        <p:par>
-                          <p:cTn id="33" fill="hold">
-                            <p:stCondLst>
-                              <p:cond delay="3750"/>
-                            </p:stCondLst>
-                            <p:childTnLst>
-                              <p:par>
-                                <p:cTn id="34" presetID="12" presetClass="entr" presetSubtype="4" fill="hold" grpId="0" nodeType="afterEffect">
-                                  <p:stCondLst>
-                                    <p:cond delay="0"/>
-                                  </p:stCondLst>
-                                  <p:iterate type="lt">
-                                    <p:tmPct val="10000"/>
-                                  </p:iterate>
-                                  <p:childTnLst>
-                                    <p:set>
-                                      <p:cBhvr>
-                                        <p:cTn id="35" dur="1" fill="hold">
-                                          <p:stCondLst>
-                                            <p:cond delay="0"/>
-                                          </p:stCondLst>
-                                        </p:cTn>
-                                        <p:tgtEl>
-                                          <p:spTgt spid="15"/>
-                                        </p:tgtEl>
-                                        <p:attrNameLst>
-                                          <p:attrName>style.visibility</p:attrName>
-                                        </p:attrNameLst>
-                                      </p:cBhvr>
-                                      <p:to>
-                                        <p:strVal val="visible"/>
-                                      </p:to>
-                                    </p:set>
-                                    <p:anim calcmode="lin" valueType="num">
-                                      <p:cBhvr additive="base">
-                                        <p:cTn id="36" dur="500"/>
-                                        <p:tgtEl>
-                                          <p:spTgt spid="15"/>
-                                        </p:tgtEl>
-                                        <p:attrNameLst>
-                                          <p:attrName>ppt_y</p:attrName>
-                                        </p:attrNameLst>
-                                      </p:cBhvr>
-                                      <p:tavLst>
-                                        <p:tav tm="0">
-                                          <p:val>
-                                            <p:strVal val="#ppt_y+#ppt_h*1.125000"/>
-                                          </p:val>
-                                        </p:tav>
-                                        <p:tav tm="100000">
-                                          <p:val>
-                                            <p:strVal val="#ppt_y"/>
-                                          </p:val>
-                                        </p:tav>
-                                      </p:tavLst>
-                                    </p:anim>
-                                    <p:animEffect transition="in" filter="wipe(up)">
-                                      <p:cBhvr>
-                                        <p:cTn id="37" dur="500"/>
-                                        <p:tgtEl>
-                                          <p:spTgt spid="15"/>
-                                        </p:tgtEl>
-                                      </p:cBhvr>
-                                    </p:animEffect>
-                                  </p:childTnLst>
-                                </p:cTn>
-                              </p:par>
-                            </p:childTnLst>
-                          </p:cTn>
-                        </p:par>
-                        <p:par>
-                          <p:cTn id="38" fill="hold">
-                            <p:stCondLst>
-                              <p:cond delay="4300"/>
-                            </p:stCondLst>
-                            <p:childTnLst>
-                              <p:par>
-                                <p:cTn id="39" presetID="12" presetClass="entr" presetSubtype="1" fill="hold" grpId="0" nodeType="afterEffect">
-                                  <p:stCondLst>
-                                    <p:cond delay="0"/>
-                                  </p:stCondLst>
-                                  <p:childTnLst>
-                                    <p:set>
-                                      <p:cBhvr>
-                                        <p:cTn id="40" dur="1" fill="hold">
-                                          <p:stCondLst>
-                                            <p:cond delay="0"/>
-                                          </p:stCondLst>
-                                        </p:cTn>
-                                        <p:tgtEl>
-                                          <p:spTgt spid="16"/>
-                                        </p:tgtEl>
-                                        <p:attrNameLst>
-                                          <p:attrName>style.visibility</p:attrName>
-                                        </p:attrNameLst>
-                                      </p:cBhvr>
-                                      <p:to>
-                                        <p:strVal val="visible"/>
-                                      </p:to>
-                                    </p:set>
-                                    <p:anim calcmode="lin" valueType="num">
-                                      <p:cBhvr additive="base">
-                                        <p:cTn id="41" dur="500"/>
-                                        <p:tgtEl>
-                                          <p:spTgt spid="16"/>
-                                        </p:tgtEl>
-                                        <p:attrNameLst>
-                                          <p:attrName>ppt_y</p:attrName>
-                                        </p:attrNameLst>
-                                      </p:cBhvr>
-                                      <p:tavLst>
-                                        <p:tav tm="0">
-                                          <p:val>
-                                            <p:strVal val="#ppt_y-#ppt_h*1.125000"/>
-                                          </p:val>
-                                        </p:tav>
-                                        <p:tav tm="100000">
-                                          <p:val>
-                                            <p:strVal val="#ppt_y"/>
-                                          </p:val>
-                                        </p:tav>
-                                      </p:tavLst>
-                                    </p:anim>
-                                    <p:animEffect transition="in" filter="wipe(down)">
-                                      <p:cBhvr>
-                                        <p:cTn id="42" dur="500"/>
-                                        <p:tgtEl>
-                                          <p:spTgt spid="16"/>
-                                        </p:tgtEl>
-                                      </p:cBhvr>
-                                    </p:animEffect>
-                                  </p:childTnLst>
-                                </p:cTn>
-                              </p:par>
-                            </p:childTnLst>
-                          </p:cTn>
-                        </p:par>
-                      </p:childTnLst>
-                    </p:cTn>
-                  </p:par>
-                </p:childTnLst>
-              </p:cTn>
-              <p:prevCondLst>
-                <p:cond evt="onPrev" delay="0">
-                  <p:tgtEl>
-                    <p:sldTgt/>
-                  </p:tgtEl>
-                </p:cond>
-              </p:prevCondLst>
-              <p:nextCondLst>
-                <p:cond evt="onNext" delay="0">
-                  <p:tgtEl>
-                    <p:sldTgt/>
-                  </p:tgtEl>
-                </p:cond>
-              </p:nextCondLst>
-            </p:seq>
-          </p:childTnLst>
-        </p:cTn>
-      </p:par>
-    </p:tnLst>
-    <p:bldLst>
-      <p:bldP spid="3" grpId="0" animBg="1"/>
-      <p:bldP spid="3" grpId="1" animBg="1"/>
-      <p:bldP spid="4" grpId="0" animBg="1"/>
-      <p:bldP spid="4" grpId="1" animBg="1"/>
-      <p:bldP spid="15" grpId="0"/>
-      <p:bldP spid="16" grpId="0"/>
-    </p:bldLst>
-  </p:timing>
-</p:sld>
-</file>
-
-<file path=ppt/slides/slide30.xml><?xml version="1.0" encoding="utf-8"?>
+<file path=ppt/slides/slide32.xml><?xml version="1.0" encoding="utf-8"?>
 <p:sld xmlns:a="http://schemas.openxmlformats.org/drawingml/2006/main" xmlns:r="http://schemas.openxmlformats.org/officeDocument/2006/relationships" xmlns:p="http://schemas.openxmlformats.org/presentationml/2006/main">
   <p:cSld>
     <p:spTree>
@@ -42204,7 +44450,7 @@
 </p:sld>
 </file>
 
-<file path=ppt/slides/slide31.xml><?xml version="1.0" encoding="utf-8"?>
+<file path=ppt/slides/slide33.xml><?xml version="1.0" encoding="utf-8"?>
 <p:sld xmlns:a="http://schemas.openxmlformats.org/drawingml/2006/main" xmlns:r="http://schemas.openxmlformats.org/officeDocument/2006/relationships" xmlns:p="http://schemas.openxmlformats.org/presentationml/2006/main">
   <p:cSld>
     <p:spTree>
